--- a/VLDB2018/flattening.pptx
+++ b/VLDB2018/flattening.pptx
@@ -6,6 +6,7 @@
   </p:sldMasterIdLst>
   <p:sldIdLst>
     <p:sldId id="256" r:id="rId2"/>
+    <p:sldId id="257" r:id="rId3"/>
   </p:sldIdLst>
   <p:sldSz cx="12192000" cy="6858000"/>
   <p:notesSz cx="6858000" cy="9144000"/>
@@ -3337,7 +3338,7 @@
         </p:nvSpPr>
         <p:spPr>
           <a:xfrm>
-            <a:off x="477191" y="1466575"/>
+            <a:off x="220007" y="1466575"/>
             <a:ext cx="5308784" cy="3317990"/>
           </a:xfrm>
           <a:prstGeom prst="roundRect">
@@ -3405,7 +3406,7 @@
         </p:nvSpPr>
         <p:spPr>
           <a:xfrm>
-            <a:off x="2106915" y="1101736"/>
+            <a:off x="1821155" y="644530"/>
             <a:ext cx="2033183" cy="914400"/>
           </a:xfrm>
           <a:prstGeom prst="rect">
@@ -3424,7 +3425,7 @@
           <a:p>
             <a:pPr algn="ctr"/>
             <a:r>
-              <a:rPr lang="en-US" sz="1600" b="1" dirty="0"/>
+              <a:rPr lang="en-US" sz="4400" b="1" dirty="0"/>
               <a:t>Active Segment</a:t>
             </a:r>
           </a:p>
@@ -3444,7 +3445,7 @@
         </p:nvSpPr>
         <p:spPr>
           <a:xfrm>
-            <a:off x="1988901" y="1754207"/>
+            <a:off x="1731717" y="1754207"/>
             <a:ext cx="210312" cy="210312"/>
           </a:xfrm>
           <a:prstGeom prst="diamond">
@@ -3453,10 +3454,12 @@
           <a:solidFill>
             <a:srgbClr val="0070C0"/>
           </a:solidFill>
-          <a:ln>
+          <a:ln w="12700">
             <a:solidFill>
               <a:schemeClr val="tx1"/>
             </a:solidFill>
+            <a:headEnd type="none" w="med" len="med"/>
+            <a:tailEnd type="triangle" w="lg" len="lg"/>
           </a:ln>
         </p:spPr>
         <p:style>
@@ -3504,7 +3507,7 @@
         </p:nvSpPr>
         <p:spPr>
           <a:xfrm>
-            <a:off x="1988901" y="2024069"/>
+            <a:off x="1731717" y="2024069"/>
             <a:ext cx="210312" cy="210312"/>
           </a:xfrm>
           <a:prstGeom prst="diamond">
@@ -3513,10 +3516,12 @@
           <a:solidFill>
             <a:srgbClr val="0070C0"/>
           </a:solidFill>
-          <a:ln>
+          <a:ln w="12700">
             <a:solidFill>
               <a:schemeClr val="tx1"/>
             </a:solidFill>
+            <a:headEnd type="none" w="med" len="med"/>
+            <a:tailEnd type="triangle" w="lg" len="lg"/>
           </a:ln>
         </p:spPr>
         <p:style>
@@ -3564,7 +3569,7 @@
         </p:nvSpPr>
         <p:spPr>
           <a:xfrm>
-            <a:off x="1988901" y="2308215"/>
+            <a:off x="1731717" y="2308215"/>
             <a:ext cx="210312" cy="210312"/>
           </a:xfrm>
           <a:prstGeom prst="diamond">
@@ -3573,10 +3578,12 @@
           <a:solidFill>
             <a:srgbClr val="0070C0"/>
           </a:solidFill>
-          <a:ln>
+          <a:ln w="12700">
             <a:solidFill>
               <a:schemeClr val="tx1"/>
             </a:solidFill>
+            <a:headEnd type="none" w="med" len="med"/>
+            <a:tailEnd type="triangle" w="lg" len="lg"/>
           </a:ln>
         </p:spPr>
         <p:style>
@@ -3624,7 +3631,7 @@
         </p:nvSpPr>
         <p:spPr>
           <a:xfrm>
-            <a:off x="1988901" y="2562918"/>
+            <a:off x="1731717" y="2562918"/>
             <a:ext cx="210312" cy="210312"/>
           </a:xfrm>
           <a:prstGeom prst="diamond">
@@ -3633,10 +3640,12 @@
           <a:solidFill>
             <a:srgbClr val="0070C0"/>
           </a:solidFill>
-          <a:ln>
+          <a:ln w="12700">
             <a:solidFill>
               <a:schemeClr val="tx1"/>
             </a:solidFill>
+            <a:headEnd type="none" w="med" len="med"/>
+            <a:tailEnd type="triangle" w="lg" len="lg"/>
           </a:ln>
         </p:spPr>
         <p:style>
@@ -3684,7 +3693,7 @@
         </p:nvSpPr>
         <p:spPr>
           <a:xfrm>
-            <a:off x="2336319" y="2562918"/>
+            <a:off x="2163169" y="2562918"/>
             <a:ext cx="210312" cy="210312"/>
           </a:xfrm>
           <a:prstGeom prst="diamond">
@@ -3693,10 +3702,12 @@
           <a:solidFill>
             <a:srgbClr val="0070C0"/>
           </a:solidFill>
-          <a:ln>
+          <a:ln w="12700">
             <a:solidFill>
               <a:schemeClr val="tx1"/>
             </a:solidFill>
+            <a:headEnd type="none" w="med" len="med"/>
+            <a:tailEnd type="triangle" w="lg" len="lg"/>
           </a:ln>
         </p:spPr>
         <p:style>
@@ -3744,7 +3755,7 @@
         </p:nvSpPr>
         <p:spPr>
           <a:xfrm>
-            <a:off x="2661435" y="2562918"/>
+            <a:off x="2594621" y="2562918"/>
             <a:ext cx="210312" cy="210312"/>
           </a:xfrm>
           <a:prstGeom prst="diamond">
@@ -3753,10 +3764,12 @@
           <a:solidFill>
             <a:srgbClr val="0070C0"/>
           </a:solidFill>
-          <a:ln>
+          <a:ln w="12700">
             <a:solidFill>
               <a:schemeClr val="tx1"/>
             </a:solidFill>
+            <a:headEnd type="none" w="med" len="med"/>
+            <a:tailEnd type="triangle" w="lg" len="lg"/>
           </a:ln>
         </p:spPr>
         <p:style>
@@ -3804,7 +3817,7 @@
         </p:nvSpPr>
         <p:spPr>
           <a:xfrm>
-            <a:off x="2986551" y="2562918"/>
+            <a:off x="3026073" y="2562918"/>
             <a:ext cx="210312" cy="210312"/>
           </a:xfrm>
           <a:prstGeom prst="diamond">
@@ -3813,10 +3826,12 @@
           <a:solidFill>
             <a:srgbClr val="0070C0"/>
           </a:solidFill>
-          <a:ln>
+          <a:ln w="12700">
             <a:solidFill>
               <a:schemeClr val="tx1"/>
             </a:solidFill>
+            <a:headEnd type="none" w="med" len="med"/>
+            <a:tailEnd type="triangle" w="lg" len="lg"/>
           </a:ln>
         </p:spPr>
         <p:style>
@@ -3864,7 +3879,7 @@
         </p:nvSpPr>
         <p:spPr>
           <a:xfrm>
-            <a:off x="3311667" y="2562918"/>
+            <a:off x="3457525" y="2562918"/>
             <a:ext cx="210312" cy="210312"/>
           </a:xfrm>
           <a:prstGeom prst="diamond">
@@ -3873,10 +3888,12 @@
           <a:solidFill>
             <a:srgbClr val="0070C0"/>
           </a:solidFill>
-          <a:ln>
+          <a:ln w="12700">
             <a:solidFill>
               <a:schemeClr val="tx1"/>
             </a:solidFill>
+            <a:headEnd type="none" w="med" len="med"/>
+            <a:tailEnd type="triangle" w="lg" len="lg"/>
           </a:ln>
         </p:spPr>
         <p:style>
@@ -3924,7 +3941,7 @@
         </p:nvSpPr>
         <p:spPr>
           <a:xfrm>
-            <a:off x="3636783" y="2562918"/>
+            <a:off x="3888977" y="2562918"/>
             <a:ext cx="210312" cy="210312"/>
           </a:xfrm>
           <a:prstGeom prst="diamond">
@@ -3933,10 +3950,12 @@
           <a:solidFill>
             <a:srgbClr val="0070C0"/>
           </a:solidFill>
-          <a:ln>
+          <a:ln w="12700">
             <a:solidFill>
               <a:schemeClr val="tx1"/>
             </a:solidFill>
+            <a:headEnd type="none" w="med" len="med"/>
+            <a:tailEnd type="triangle" w="lg" len="lg"/>
           </a:ln>
         </p:spPr>
         <p:style>
@@ -3984,7 +4003,7 @@
         </p:nvSpPr>
         <p:spPr>
           <a:xfrm>
-            <a:off x="2661435" y="2308215"/>
+            <a:off x="2594621" y="2308215"/>
             <a:ext cx="210312" cy="210312"/>
           </a:xfrm>
           <a:prstGeom prst="diamond">
@@ -3993,10 +4012,12 @@
           <a:solidFill>
             <a:srgbClr val="0070C0"/>
           </a:solidFill>
-          <a:ln>
+          <a:ln w="12700">
             <a:solidFill>
               <a:schemeClr val="tx1"/>
             </a:solidFill>
+            <a:headEnd type="none" w="med" len="med"/>
+            <a:tailEnd type="triangle" w="lg" len="lg"/>
           </a:ln>
         </p:spPr>
         <p:style>
@@ -4044,7 +4065,7 @@
         </p:nvSpPr>
         <p:spPr>
           <a:xfrm>
-            <a:off x="3306603" y="2308215"/>
+            <a:off x="3457525" y="2308215"/>
             <a:ext cx="210312" cy="210312"/>
           </a:xfrm>
           <a:prstGeom prst="diamond">
@@ -4053,10 +4074,12 @@
           <a:solidFill>
             <a:srgbClr val="0070C0"/>
           </a:solidFill>
-          <a:ln>
+          <a:ln w="12700">
             <a:solidFill>
               <a:schemeClr val="tx1"/>
             </a:solidFill>
+            <a:headEnd type="none" w="med" len="med"/>
+            <a:tailEnd type="triangle" w="lg" len="lg"/>
           </a:ln>
         </p:spPr>
         <p:style>
@@ -4104,7 +4127,7 @@
         </p:nvSpPr>
         <p:spPr>
           <a:xfrm>
-            <a:off x="3986200" y="1754207"/>
+            <a:off x="4320429" y="1754207"/>
             <a:ext cx="210312" cy="210312"/>
           </a:xfrm>
           <a:prstGeom prst="diamond">
@@ -4113,10 +4136,12 @@
           <a:solidFill>
             <a:srgbClr val="0070C0"/>
           </a:solidFill>
-          <a:ln>
+          <a:ln w="12700">
             <a:solidFill>
               <a:schemeClr val="tx1"/>
             </a:solidFill>
+            <a:headEnd type="none" w="med" len="med"/>
+            <a:tailEnd type="triangle" w="lg" len="lg"/>
           </a:ln>
         </p:spPr>
         <p:style>
@@ -4164,7 +4189,7 @@
         </p:nvSpPr>
         <p:spPr>
           <a:xfrm>
-            <a:off x="3986200" y="2024069"/>
+            <a:off x="4320429" y="2024069"/>
             <a:ext cx="210312" cy="210312"/>
           </a:xfrm>
           <a:prstGeom prst="diamond">
@@ -4173,10 +4198,12 @@
           <a:solidFill>
             <a:srgbClr val="0070C0"/>
           </a:solidFill>
-          <a:ln>
+          <a:ln w="12700">
             <a:solidFill>
               <a:schemeClr val="tx1"/>
             </a:solidFill>
+            <a:headEnd type="none" w="med" len="med"/>
+            <a:tailEnd type="triangle" w="lg" len="lg"/>
           </a:ln>
         </p:spPr>
         <p:style>
@@ -4224,7 +4251,7 @@
         </p:nvSpPr>
         <p:spPr>
           <a:xfrm>
-            <a:off x="3986200" y="2308215"/>
+            <a:off x="4320429" y="2308215"/>
             <a:ext cx="210312" cy="210312"/>
           </a:xfrm>
           <a:prstGeom prst="diamond">
@@ -4233,10 +4260,12 @@
           <a:solidFill>
             <a:srgbClr val="0070C0"/>
           </a:solidFill>
-          <a:ln>
+          <a:ln w="12700">
             <a:solidFill>
               <a:schemeClr val="tx1"/>
             </a:solidFill>
+            <a:headEnd type="none" w="med" len="med"/>
+            <a:tailEnd type="triangle" w="lg" len="lg"/>
           </a:ln>
         </p:spPr>
         <p:style>
@@ -4284,7 +4313,7 @@
         </p:nvSpPr>
         <p:spPr>
           <a:xfrm>
-            <a:off x="3986200" y="2562918"/>
+            <a:off x="4320429" y="2562918"/>
             <a:ext cx="210312" cy="210312"/>
           </a:xfrm>
           <a:prstGeom prst="diamond">
@@ -4293,10 +4322,12 @@
           <a:solidFill>
             <a:srgbClr val="0070C0"/>
           </a:solidFill>
-          <a:ln>
+          <a:ln w="12700">
             <a:solidFill>
               <a:schemeClr val="tx1"/>
             </a:solidFill>
+            <a:headEnd type="none" w="med" len="med"/>
+            <a:tailEnd type="triangle" w="lg" len="lg"/>
           </a:ln>
         </p:spPr>
         <p:style>
@@ -4344,7 +4375,7 @@
         </p:nvSpPr>
         <p:spPr>
           <a:xfrm>
-            <a:off x="3304462" y="2024069"/>
+            <a:off x="3457525" y="2024069"/>
             <a:ext cx="210312" cy="210312"/>
           </a:xfrm>
           <a:prstGeom prst="diamond">
@@ -4353,10 +4384,12 @@
           <a:solidFill>
             <a:srgbClr val="0070C0"/>
           </a:solidFill>
-          <a:ln>
+          <a:ln w="12700">
             <a:solidFill>
               <a:schemeClr val="tx1"/>
             </a:solidFill>
+            <a:headEnd type="none" w="med" len="med"/>
+            <a:tailEnd type="triangle" w="lg" len="lg"/>
           </a:ln>
         </p:spPr>
         <p:style>
@@ -4407,13 +4440,987 @@
         </p:nvCxnSpPr>
         <p:spPr>
           <a:xfrm>
-            <a:off x="2199213" y="1859363"/>
-            <a:ext cx="1786987" cy="0"/>
+            <a:off x="1942029" y="1859363"/>
+            <a:ext cx="2378400" cy="0"/>
           </a:xfrm>
           <a:prstGeom prst="straightConnector1">
             <a:avLst/>
           </a:prstGeom>
-          <a:ln w="6350">
+          <a:ln w="12700">
+            <a:solidFill>
+              <a:srgbClr val="000000"/>
+            </a:solidFill>
+            <a:headEnd type="none" w="med" len="med"/>
+            <a:tailEnd type="triangle" w="lg" len="lg"/>
+          </a:ln>
+        </p:spPr>
+        <p:style>
+          <a:lnRef idx="1">
+            <a:schemeClr val="accent1"/>
+          </a:lnRef>
+          <a:fillRef idx="0">
+            <a:schemeClr val="accent1"/>
+          </a:fillRef>
+          <a:effectRef idx="0">
+            <a:schemeClr val="accent1"/>
+          </a:effectRef>
+          <a:fontRef idx="minor">
+            <a:schemeClr val="tx1"/>
+          </a:fontRef>
+        </p:style>
+      </p:cxnSp>
+      <p:cxnSp>
+        <p:nvCxnSpPr>
+          <p:cNvPr id="35" name="Straight Arrow Connector 34">
+            <a:extLst>
+              <a:ext uri="{FF2B5EF4-FFF2-40B4-BE49-F238E27FC236}">
+                <a16:creationId xmlns:a16="http://schemas.microsoft.com/office/drawing/2014/main" id="{685FE0CE-85BA-4546-AE6A-7BC007FB6FB2}"/>
+              </a:ext>
+            </a:extLst>
+          </p:cNvPr>
+          <p:cNvCxnSpPr>
+            <a:cxnSpLocks/>
+            <a:stCxn id="19" idx="3"/>
+            <a:endCxn id="33" idx="1"/>
+          </p:cNvCxnSpPr>
+          <p:nvPr/>
+        </p:nvCxnSpPr>
+        <p:spPr>
+          <a:xfrm>
+            <a:off x="1942029" y="2129225"/>
+            <a:ext cx="1515496" cy="0"/>
+          </a:xfrm>
+          <a:prstGeom prst="straightConnector1">
+            <a:avLst/>
+          </a:prstGeom>
+          <a:ln w="12700">
+            <a:solidFill>
+              <a:srgbClr val="000000"/>
+            </a:solidFill>
+            <a:headEnd type="none" w="med" len="med"/>
+            <a:tailEnd type="triangle" w="lg" len="lg"/>
+          </a:ln>
+        </p:spPr>
+        <p:style>
+          <a:lnRef idx="1">
+            <a:schemeClr val="accent1"/>
+          </a:lnRef>
+          <a:fillRef idx="0">
+            <a:schemeClr val="accent1"/>
+          </a:fillRef>
+          <a:effectRef idx="0">
+            <a:schemeClr val="accent1"/>
+          </a:effectRef>
+          <a:fontRef idx="minor">
+            <a:schemeClr val="tx1"/>
+          </a:fontRef>
+        </p:style>
+      </p:cxnSp>
+      <p:cxnSp>
+        <p:nvCxnSpPr>
+          <p:cNvPr id="36" name="Straight Connector 35">
+            <a:extLst>
+              <a:ext uri="{FF2B5EF4-FFF2-40B4-BE49-F238E27FC236}">
+                <a16:creationId xmlns:a16="http://schemas.microsoft.com/office/drawing/2014/main" id="{4339477D-9995-1647-9205-3BCD2D833F45}"/>
+              </a:ext>
+            </a:extLst>
+          </p:cNvPr>
+          <p:cNvCxnSpPr>
+            <a:stCxn id="18" idx="2"/>
+            <a:endCxn id="19" idx="0"/>
+          </p:cNvCxnSpPr>
+          <p:nvPr/>
+        </p:nvCxnSpPr>
+        <p:spPr>
+          <a:xfrm>
+            <a:off x="1836873" y="1964519"/>
+            <a:ext cx="0" cy="59550"/>
+          </a:xfrm>
+          <a:prstGeom prst="line">
+            <a:avLst/>
+          </a:prstGeom>
+          <a:ln w="12700">
+            <a:solidFill>
+              <a:srgbClr val="000000"/>
+            </a:solidFill>
+            <a:headEnd type="none" w="med" len="med"/>
+            <a:tailEnd type="triangle" w="lg" len="lg"/>
+          </a:ln>
+        </p:spPr>
+        <p:style>
+          <a:lnRef idx="1">
+            <a:schemeClr val="accent1"/>
+          </a:lnRef>
+          <a:fillRef idx="0">
+            <a:schemeClr val="accent1"/>
+          </a:fillRef>
+          <a:effectRef idx="0">
+            <a:schemeClr val="accent1"/>
+          </a:effectRef>
+          <a:fontRef idx="minor">
+            <a:schemeClr val="tx1"/>
+          </a:fontRef>
+        </p:style>
+      </p:cxnSp>
+      <p:cxnSp>
+        <p:nvCxnSpPr>
+          <p:cNvPr id="37" name="Straight Connector 36">
+            <a:extLst>
+              <a:ext uri="{FF2B5EF4-FFF2-40B4-BE49-F238E27FC236}">
+                <a16:creationId xmlns:a16="http://schemas.microsoft.com/office/drawing/2014/main" id="{76A12C43-58E1-AB41-B8F8-52A4948107A1}"/>
+              </a:ext>
+            </a:extLst>
+          </p:cNvPr>
+          <p:cNvCxnSpPr>
+            <a:stCxn id="19" idx="2"/>
+            <a:endCxn id="20" idx="0"/>
+          </p:cNvCxnSpPr>
+          <p:nvPr/>
+        </p:nvCxnSpPr>
+        <p:spPr>
+          <a:xfrm>
+            <a:off x="1836873" y="2234381"/>
+            <a:ext cx="0" cy="73834"/>
+          </a:xfrm>
+          <a:prstGeom prst="line">
+            <a:avLst/>
+          </a:prstGeom>
+          <a:ln w="12700">
+            <a:solidFill>
+              <a:srgbClr val="000000"/>
+            </a:solidFill>
+            <a:headEnd type="none" w="med" len="med"/>
+            <a:tailEnd type="triangle" w="lg" len="lg"/>
+          </a:ln>
+        </p:spPr>
+        <p:style>
+          <a:lnRef idx="1">
+            <a:schemeClr val="accent1"/>
+          </a:lnRef>
+          <a:fillRef idx="0">
+            <a:schemeClr val="accent1"/>
+          </a:fillRef>
+          <a:effectRef idx="0">
+            <a:schemeClr val="accent1"/>
+          </a:effectRef>
+          <a:fontRef idx="minor">
+            <a:schemeClr val="tx1"/>
+          </a:fontRef>
+        </p:style>
+      </p:cxnSp>
+      <p:cxnSp>
+        <p:nvCxnSpPr>
+          <p:cNvPr id="38" name="Straight Connector 37">
+            <a:extLst>
+              <a:ext uri="{FF2B5EF4-FFF2-40B4-BE49-F238E27FC236}">
+                <a16:creationId xmlns:a16="http://schemas.microsoft.com/office/drawing/2014/main" id="{7D20AF34-669E-794C-A004-7637697B2BB6}"/>
+              </a:ext>
+            </a:extLst>
+          </p:cNvPr>
+          <p:cNvCxnSpPr>
+            <a:stCxn id="20" idx="2"/>
+            <a:endCxn id="21" idx="0"/>
+          </p:cNvCxnSpPr>
+          <p:nvPr/>
+        </p:nvCxnSpPr>
+        <p:spPr>
+          <a:xfrm>
+            <a:off x="1836873" y="2518527"/>
+            <a:ext cx="0" cy="44391"/>
+          </a:xfrm>
+          <a:prstGeom prst="line">
+            <a:avLst/>
+          </a:prstGeom>
+          <a:ln w="12700">
+            <a:solidFill>
+              <a:srgbClr val="000000"/>
+            </a:solidFill>
+            <a:headEnd type="none" w="med" len="med"/>
+            <a:tailEnd type="triangle" w="lg" len="lg"/>
+          </a:ln>
+        </p:spPr>
+        <p:style>
+          <a:lnRef idx="1">
+            <a:schemeClr val="accent1"/>
+          </a:lnRef>
+          <a:fillRef idx="0">
+            <a:schemeClr val="accent1"/>
+          </a:fillRef>
+          <a:effectRef idx="0">
+            <a:schemeClr val="accent1"/>
+          </a:effectRef>
+          <a:fontRef idx="minor">
+            <a:schemeClr val="tx1"/>
+          </a:fontRef>
+        </p:style>
+      </p:cxnSp>
+      <p:cxnSp>
+        <p:nvCxnSpPr>
+          <p:cNvPr id="39" name="Straight Connector 38">
+            <a:extLst>
+              <a:ext uri="{FF2B5EF4-FFF2-40B4-BE49-F238E27FC236}">
+                <a16:creationId xmlns:a16="http://schemas.microsoft.com/office/drawing/2014/main" id="{22459748-1351-BB49-BA74-6A1288C81A13}"/>
+              </a:ext>
+            </a:extLst>
+          </p:cNvPr>
+          <p:cNvCxnSpPr>
+            <a:cxnSpLocks/>
+            <a:stCxn id="29" idx="2"/>
+            <a:endCxn id="30" idx="0"/>
+          </p:cNvCxnSpPr>
+          <p:nvPr/>
+        </p:nvCxnSpPr>
+        <p:spPr>
+          <a:xfrm>
+            <a:off x="4425585" y="1964519"/>
+            <a:ext cx="0" cy="59550"/>
+          </a:xfrm>
+          <a:prstGeom prst="line">
+            <a:avLst/>
+          </a:prstGeom>
+          <a:ln w="12700">
+            <a:solidFill>
+              <a:srgbClr val="000000"/>
+            </a:solidFill>
+            <a:headEnd type="none" w="med" len="med"/>
+            <a:tailEnd type="triangle" w="lg" len="lg"/>
+          </a:ln>
+        </p:spPr>
+        <p:style>
+          <a:lnRef idx="1">
+            <a:schemeClr val="accent1"/>
+          </a:lnRef>
+          <a:fillRef idx="0">
+            <a:schemeClr val="accent1"/>
+          </a:fillRef>
+          <a:effectRef idx="0">
+            <a:schemeClr val="accent1"/>
+          </a:effectRef>
+          <a:fontRef idx="minor">
+            <a:schemeClr val="tx1"/>
+          </a:fontRef>
+        </p:style>
+      </p:cxnSp>
+      <p:cxnSp>
+        <p:nvCxnSpPr>
+          <p:cNvPr id="40" name="Straight Connector 39">
+            <a:extLst>
+              <a:ext uri="{FF2B5EF4-FFF2-40B4-BE49-F238E27FC236}">
+                <a16:creationId xmlns:a16="http://schemas.microsoft.com/office/drawing/2014/main" id="{D2EE078C-E0D2-7341-8EE9-BDFBB06319AB}"/>
+              </a:ext>
+            </a:extLst>
+          </p:cNvPr>
+          <p:cNvCxnSpPr>
+            <a:stCxn id="33" idx="2"/>
+            <a:endCxn id="28" idx="0"/>
+          </p:cNvCxnSpPr>
+          <p:nvPr/>
+        </p:nvCxnSpPr>
+        <p:spPr>
+          <a:xfrm>
+            <a:off x="3562681" y="2234381"/>
+            <a:ext cx="0" cy="73834"/>
+          </a:xfrm>
+          <a:prstGeom prst="line">
+            <a:avLst/>
+          </a:prstGeom>
+          <a:ln w="12700">
+            <a:solidFill>
+              <a:srgbClr val="000000"/>
+            </a:solidFill>
+            <a:headEnd type="none" w="med" len="med"/>
+            <a:tailEnd type="triangle" w="lg" len="lg"/>
+          </a:ln>
+        </p:spPr>
+        <p:style>
+          <a:lnRef idx="1">
+            <a:schemeClr val="accent1"/>
+          </a:lnRef>
+          <a:fillRef idx="0">
+            <a:schemeClr val="accent1"/>
+          </a:fillRef>
+          <a:effectRef idx="0">
+            <a:schemeClr val="accent1"/>
+          </a:effectRef>
+          <a:fontRef idx="minor">
+            <a:schemeClr val="tx1"/>
+          </a:fontRef>
+        </p:style>
+      </p:cxnSp>
+      <p:cxnSp>
+        <p:nvCxnSpPr>
+          <p:cNvPr id="41" name="Straight Connector 40">
+            <a:extLst>
+              <a:ext uri="{FF2B5EF4-FFF2-40B4-BE49-F238E27FC236}">
+                <a16:creationId xmlns:a16="http://schemas.microsoft.com/office/drawing/2014/main" id="{98F0C71B-0741-1C4D-91F1-1561842E62F2}"/>
+              </a:ext>
+            </a:extLst>
+          </p:cNvPr>
+          <p:cNvCxnSpPr>
+            <a:cxnSpLocks/>
+            <a:stCxn id="30" idx="2"/>
+            <a:endCxn id="31" idx="0"/>
+          </p:cNvCxnSpPr>
+          <p:nvPr/>
+        </p:nvCxnSpPr>
+        <p:spPr>
+          <a:xfrm>
+            <a:off x="4425585" y="2234381"/>
+            <a:ext cx="0" cy="73834"/>
+          </a:xfrm>
+          <a:prstGeom prst="line">
+            <a:avLst/>
+          </a:prstGeom>
+          <a:ln w="12700">
+            <a:solidFill>
+              <a:srgbClr val="000000"/>
+            </a:solidFill>
+            <a:headEnd type="none" w="med" len="med"/>
+            <a:tailEnd type="triangle" w="lg" len="lg"/>
+          </a:ln>
+        </p:spPr>
+        <p:style>
+          <a:lnRef idx="1">
+            <a:schemeClr val="accent1"/>
+          </a:lnRef>
+          <a:fillRef idx="0">
+            <a:schemeClr val="accent1"/>
+          </a:fillRef>
+          <a:effectRef idx="0">
+            <a:schemeClr val="accent1"/>
+          </a:effectRef>
+          <a:fontRef idx="minor">
+            <a:schemeClr val="tx1"/>
+          </a:fontRef>
+        </p:style>
+      </p:cxnSp>
+      <p:cxnSp>
+        <p:nvCxnSpPr>
+          <p:cNvPr id="42" name="Straight Connector 41">
+            <a:extLst>
+              <a:ext uri="{FF2B5EF4-FFF2-40B4-BE49-F238E27FC236}">
+                <a16:creationId xmlns:a16="http://schemas.microsoft.com/office/drawing/2014/main" id="{3B6C6105-DBAF-DC48-9428-F6D90F0A52A8}"/>
+              </a:ext>
+            </a:extLst>
+          </p:cNvPr>
+          <p:cNvCxnSpPr>
+            <a:cxnSpLocks/>
+            <a:stCxn id="28" idx="2"/>
+            <a:endCxn id="25" idx="0"/>
+          </p:cNvCxnSpPr>
+          <p:nvPr/>
+        </p:nvCxnSpPr>
+        <p:spPr>
+          <a:xfrm>
+            <a:off x="3562681" y="2518527"/>
+            <a:ext cx="0" cy="44391"/>
+          </a:xfrm>
+          <a:prstGeom prst="line">
+            <a:avLst/>
+          </a:prstGeom>
+          <a:ln w="12700">
+            <a:solidFill>
+              <a:srgbClr val="000000"/>
+            </a:solidFill>
+            <a:headEnd type="none" w="med" len="med"/>
+            <a:tailEnd type="triangle" w="lg" len="lg"/>
+          </a:ln>
+        </p:spPr>
+        <p:style>
+          <a:lnRef idx="1">
+            <a:schemeClr val="accent1"/>
+          </a:lnRef>
+          <a:fillRef idx="0">
+            <a:schemeClr val="accent1"/>
+          </a:fillRef>
+          <a:effectRef idx="0">
+            <a:schemeClr val="accent1"/>
+          </a:effectRef>
+          <a:fontRef idx="minor">
+            <a:schemeClr val="tx1"/>
+          </a:fontRef>
+        </p:style>
+      </p:cxnSp>
+      <p:cxnSp>
+        <p:nvCxnSpPr>
+          <p:cNvPr id="43" name="Straight Connector 42">
+            <a:extLst>
+              <a:ext uri="{FF2B5EF4-FFF2-40B4-BE49-F238E27FC236}">
+                <a16:creationId xmlns:a16="http://schemas.microsoft.com/office/drawing/2014/main" id="{3184052D-9A2C-EB46-8661-73967F847EDD}"/>
+              </a:ext>
+            </a:extLst>
+          </p:cNvPr>
+          <p:cNvCxnSpPr>
+            <a:cxnSpLocks/>
+            <a:stCxn id="27" idx="2"/>
+            <a:endCxn id="23" idx="0"/>
+          </p:cNvCxnSpPr>
+          <p:nvPr/>
+        </p:nvCxnSpPr>
+        <p:spPr>
+          <a:xfrm>
+            <a:off x="2699777" y="2518527"/>
+            <a:ext cx="0" cy="44391"/>
+          </a:xfrm>
+          <a:prstGeom prst="line">
+            <a:avLst/>
+          </a:prstGeom>
+          <a:ln w="12700">
+            <a:solidFill>
+              <a:srgbClr val="000000"/>
+            </a:solidFill>
+            <a:headEnd type="none" w="med" len="med"/>
+            <a:tailEnd type="triangle" w="lg" len="lg"/>
+          </a:ln>
+        </p:spPr>
+        <p:style>
+          <a:lnRef idx="1">
+            <a:schemeClr val="accent1"/>
+          </a:lnRef>
+          <a:fillRef idx="0">
+            <a:schemeClr val="accent1"/>
+          </a:fillRef>
+          <a:effectRef idx="0">
+            <a:schemeClr val="accent1"/>
+          </a:effectRef>
+          <a:fontRef idx="minor">
+            <a:schemeClr val="tx1"/>
+          </a:fontRef>
+        </p:style>
+      </p:cxnSp>
+      <p:cxnSp>
+        <p:nvCxnSpPr>
+          <p:cNvPr id="44" name="Straight Connector 43">
+            <a:extLst>
+              <a:ext uri="{FF2B5EF4-FFF2-40B4-BE49-F238E27FC236}">
+                <a16:creationId xmlns:a16="http://schemas.microsoft.com/office/drawing/2014/main" id="{1C87CE90-CE0D-3447-A330-F97A15733D45}"/>
+              </a:ext>
+            </a:extLst>
+          </p:cNvPr>
+          <p:cNvCxnSpPr>
+            <a:stCxn id="31" idx="2"/>
+            <a:endCxn id="32" idx="0"/>
+          </p:cNvCxnSpPr>
+          <p:nvPr/>
+        </p:nvCxnSpPr>
+        <p:spPr>
+          <a:xfrm>
+            <a:off x="4425585" y="2518527"/>
+            <a:ext cx="0" cy="44391"/>
+          </a:xfrm>
+          <a:prstGeom prst="line">
+            <a:avLst/>
+          </a:prstGeom>
+          <a:ln w="12700">
+            <a:solidFill>
+              <a:srgbClr val="000000"/>
+            </a:solidFill>
+            <a:headEnd type="none" w="med" len="med"/>
+            <a:tailEnd type="triangle" w="lg" len="lg"/>
+          </a:ln>
+        </p:spPr>
+        <p:style>
+          <a:lnRef idx="1">
+            <a:schemeClr val="accent1"/>
+          </a:lnRef>
+          <a:fillRef idx="0">
+            <a:schemeClr val="accent1"/>
+          </a:fillRef>
+          <a:effectRef idx="0">
+            <a:schemeClr val="accent1"/>
+          </a:effectRef>
+          <a:fontRef idx="minor">
+            <a:schemeClr val="tx1"/>
+          </a:fontRef>
+        </p:style>
+      </p:cxnSp>
+      <p:cxnSp>
+        <p:nvCxnSpPr>
+          <p:cNvPr id="45" name="Straight Arrow Connector 44">
+            <a:extLst>
+              <a:ext uri="{FF2B5EF4-FFF2-40B4-BE49-F238E27FC236}">
+                <a16:creationId xmlns:a16="http://schemas.microsoft.com/office/drawing/2014/main" id="{F9FC02ED-52D0-D94B-B3D3-BD39AF6A9374}"/>
+              </a:ext>
+            </a:extLst>
+          </p:cNvPr>
+          <p:cNvCxnSpPr>
+            <a:cxnSpLocks/>
+            <a:stCxn id="33" idx="3"/>
+            <a:endCxn id="30" idx="1"/>
+          </p:cNvCxnSpPr>
+          <p:nvPr/>
+        </p:nvCxnSpPr>
+        <p:spPr>
+          <a:xfrm>
+            <a:off x="3667837" y="2129225"/>
+            <a:ext cx="652592" cy="0"/>
+          </a:xfrm>
+          <a:prstGeom prst="straightConnector1">
+            <a:avLst/>
+          </a:prstGeom>
+          <a:ln w="12700">
+            <a:solidFill>
+              <a:srgbClr val="000000"/>
+            </a:solidFill>
+            <a:headEnd type="none" w="med" len="med"/>
+            <a:tailEnd type="triangle" w="lg" len="lg"/>
+          </a:ln>
+        </p:spPr>
+        <p:style>
+          <a:lnRef idx="1">
+            <a:schemeClr val="accent1"/>
+          </a:lnRef>
+          <a:fillRef idx="0">
+            <a:schemeClr val="accent1"/>
+          </a:fillRef>
+          <a:effectRef idx="0">
+            <a:schemeClr val="accent1"/>
+          </a:effectRef>
+          <a:fontRef idx="minor">
+            <a:schemeClr val="tx1"/>
+          </a:fontRef>
+        </p:style>
+      </p:cxnSp>
+      <p:cxnSp>
+        <p:nvCxnSpPr>
+          <p:cNvPr id="46" name="Straight Arrow Connector 45">
+            <a:extLst>
+              <a:ext uri="{FF2B5EF4-FFF2-40B4-BE49-F238E27FC236}">
+                <a16:creationId xmlns:a16="http://schemas.microsoft.com/office/drawing/2014/main" id="{C52CFE5F-7DB7-3741-BC85-FEEDA3E8A5DC}"/>
+              </a:ext>
+            </a:extLst>
+          </p:cNvPr>
+          <p:cNvCxnSpPr>
+            <a:stCxn id="20" idx="3"/>
+            <a:endCxn id="27" idx="1"/>
+          </p:cNvCxnSpPr>
+          <p:nvPr/>
+        </p:nvCxnSpPr>
+        <p:spPr>
+          <a:xfrm>
+            <a:off x="1942029" y="2413371"/>
+            <a:ext cx="652592" cy="0"/>
+          </a:xfrm>
+          <a:prstGeom prst="straightConnector1">
+            <a:avLst/>
+          </a:prstGeom>
+          <a:ln w="12700">
+            <a:solidFill>
+              <a:srgbClr val="000000"/>
+            </a:solidFill>
+            <a:headEnd type="none" w="med" len="med"/>
+            <a:tailEnd type="triangle" w="lg" len="lg"/>
+          </a:ln>
+        </p:spPr>
+        <p:style>
+          <a:lnRef idx="1">
+            <a:schemeClr val="accent1"/>
+          </a:lnRef>
+          <a:fillRef idx="0">
+            <a:schemeClr val="accent1"/>
+          </a:fillRef>
+          <a:effectRef idx="0">
+            <a:schemeClr val="accent1"/>
+          </a:effectRef>
+          <a:fontRef idx="minor">
+            <a:schemeClr val="tx1"/>
+          </a:fontRef>
+        </p:style>
+      </p:cxnSp>
+      <p:cxnSp>
+        <p:nvCxnSpPr>
+          <p:cNvPr id="47" name="Straight Arrow Connector 46">
+            <a:extLst>
+              <a:ext uri="{FF2B5EF4-FFF2-40B4-BE49-F238E27FC236}">
+                <a16:creationId xmlns:a16="http://schemas.microsoft.com/office/drawing/2014/main" id="{E6B94CE0-4D92-9347-A40C-C640F754A03D}"/>
+              </a:ext>
+            </a:extLst>
+          </p:cNvPr>
+          <p:cNvCxnSpPr>
+            <a:stCxn id="27" idx="3"/>
+            <a:endCxn id="28" idx="1"/>
+          </p:cNvCxnSpPr>
+          <p:nvPr/>
+        </p:nvCxnSpPr>
+        <p:spPr>
+          <a:xfrm>
+            <a:off x="2804933" y="2413371"/>
+            <a:ext cx="652592" cy="0"/>
+          </a:xfrm>
+          <a:prstGeom prst="straightConnector1">
+            <a:avLst/>
+          </a:prstGeom>
+          <a:ln w="12700">
+            <a:solidFill>
+              <a:srgbClr val="000000"/>
+            </a:solidFill>
+            <a:headEnd type="none" w="med" len="med"/>
+            <a:tailEnd type="triangle" w="lg" len="lg"/>
+          </a:ln>
+        </p:spPr>
+        <p:style>
+          <a:lnRef idx="1">
+            <a:schemeClr val="accent1"/>
+          </a:lnRef>
+          <a:fillRef idx="0">
+            <a:schemeClr val="accent1"/>
+          </a:fillRef>
+          <a:effectRef idx="0">
+            <a:schemeClr val="accent1"/>
+          </a:effectRef>
+          <a:fontRef idx="minor">
+            <a:schemeClr val="tx1"/>
+          </a:fontRef>
+        </p:style>
+      </p:cxnSp>
+      <p:cxnSp>
+        <p:nvCxnSpPr>
+          <p:cNvPr id="48" name="Straight Arrow Connector 47">
+            <a:extLst>
+              <a:ext uri="{FF2B5EF4-FFF2-40B4-BE49-F238E27FC236}">
+                <a16:creationId xmlns:a16="http://schemas.microsoft.com/office/drawing/2014/main" id="{58C9E984-701A-B841-918D-8EA8D325693F}"/>
+              </a:ext>
+            </a:extLst>
+          </p:cNvPr>
+          <p:cNvCxnSpPr>
+            <a:cxnSpLocks/>
+            <a:stCxn id="28" idx="3"/>
+            <a:endCxn id="31" idx="1"/>
+          </p:cNvCxnSpPr>
+          <p:nvPr/>
+        </p:nvCxnSpPr>
+        <p:spPr>
+          <a:xfrm>
+            <a:off x="3667837" y="2413371"/>
+            <a:ext cx="652592" cy="0"/>
+          </a:xfrm>
+          <a:prstGeom prst="straightConnector1">
+            <a:avLst/>
+          </a:prstGeom>
+          <a:ln w="12700">
+            <a:solidFill>
+              <a:srgbClr val="000000"/>
+            </a:solidFill>
+            <a:headEnd type="none" w="med" len="med"/>
+            <a:tailEnd type="triangle" w="lg" len="lg"/>
+          </a:ln>
+        </p:spPr>
+        <p:style>
+          <a:lnRef idx="1">
+            <a:schemeClr val="accent1"/>
+          </a:lnRef>
+          <a:fillRef idx="0">
+            <a:schemeClr val="accent1"/>
+          </a:fillRef>
+          <a:effectRef idx="0">
+            <a:schemeClr val="accent1"/>
+          </a:effectRef>
+          <a:fontRef idx="minor">
+            <a:schemeClr val="tx1"/>
+          </a:fontRef>
+        </p:style>
+      </p:cxnSp>
+      <p:cxnSp>
+        <p:nvCxnSpPr>
+          <p:cNvPr id="49" name="Straight Arrow Connector 48">
+            <a:extLst>
+              <a:ext uri="{FF2B5EF4-FFF2-40B4-BE49-F238E27FC236}">
+                <a16:creationId xmlns:a16="http://schemas.microsoft.com/office/drawing/2014/main" id="{10530EEF-082B-9F4B-916F-223DA923553E}"/>
+              </a:ext>
+            </a:extLst>
+          </p:cNvPr>
+          <p:cNvCxnSpPr>
+            <a:stCxn id="21" idx="3"/>
+            <a:endCxn id="22" idx="1"/>
+          </p:cNvCxnSpPr>
+          <p:nvPr/>
+        </p:nvCxnSpPr>
+        <p:spPr>
+          <a:xfrm>
+            <a:off x="1942029" y="2668074"/>
+            <a:ext cx="221140" cy="0"/>
+          </a:xfrm>
+          <a:prstGeom prst="straightConnector1">
+            <a:avLst/>
+          </a:prstGeom>
+          <a:ln w="12700">
+            <a:solidFill>
+              <a:srgbClr val="000000"/>
+            </a:solidFill>
+            <a:headEnd type="none" w="med" len="med"/>
+            <a:tailEnd type="triangle" w="lg" len="lg"/>
+          </a:ln>
+        </p:spPr>
+        <p:style>
+          <a:lnRef idx="1">
+            <a:schemeClr val="accent1"/>
+          </a:lnRef>
+          <a:fillRef idx="0">
+            <a:schemeClr val="accent1"/>
+          </a:fillRef>
+          <a:effectRef idx="0">
+            <a:schemeClr val="accent1"/>
+          </a:effectRef>
+          <a:fontRef idx="minor">
+            <a:schemeClr val="tx1"/>
+          </a:fontRef>
+        </p:style>
+      </p:cxnSp>
+      <p:cxnSp>
+        <p:nvCxnSpPr>
+          <p:cNvPr id="50" name="Straight Arrow Connector 49">
+            <a:extLst>
+              <a:ext uri="{FF2B5EF4-FFF2-40B4-BE49-F238E27FC236}">
+                <a16:creationId xmlns:a16="http://schemas.microsoft.com/office/drawing/2014/main" id="{3BBEE09C-1B3C-B64F-8923-0EFA214616E2}"/>
+              </a:ext>
+            </a:extLst>
+          </p:cNvPr>
+          <p:cNvCxnSpPr>
+            <a:stCxn id="22" idx="3"/>
+            <a:endCxn id="23" idx="1"/>
+          </p:cNvCxnSpPr>
+          <p:nvPr/>
+        </p:nvCxnSpPr>
+        <p:spPr>
+          <a:xfrm>
+            <a:off x="2373481" y="2668074"/>
+            <a:ext cx="221140" cy="0"/>
+          </a:xfrm>
+          <a:prstGeom prst="straightConnector1">
+            <a:avLst/>
+          </a:prstGeom>
+          <a:ln w="12700">
+            <a:solidFill>
+              <a:srgbClr val="000000"/>
+            </a:solidFill>
+            <a:headEnd type="none" w="med" len="med"/>
+            <a:tailEnd type="triangle" w="lg" len="lg"/>
+          </a:ln>
+        </p:spPr>
+        <p:style>
+          <a:lnRef idx="1">
+            <a:schemeClr val="accent1"/>
+          </a:lnRef>
+          <a:fillRef idx="0">
+            <a:schemeClr val="accent1"/>
+          </a:fillRef>
+          <a:effectRef idx="0">
+            <a:schemeClr val="accent1"/>
+          </a:effectRef>
+          <a:fontRef idx="minor">
+            <a:schemeClr val="tx1"/>
+          </a:fontRef>
+        </p:style>
+      </p:cxnSp>
+      <p:cxnSp>
+        <p:nvCxnSpPr>
+          <p:cNvPr id="51" name="Straight Arrow Connector 50">
+            <a:extLst>
+              <a:ext uri="{FF2B5EF4-FFF2-40B4-BE49-F238E27FC236}">
+                <a16:creationId xmlns:a16="http://schemas.microsoft.com/office/drawing/2014/main" id="{43D69B15-B492-6440-86D8-82FCA8AA31ED}"/>
+              </a:ext>
+            </a:extLst>
+          </p:cNvPr>
+          <p:cNvCxnSpPr>
+            <a:stCxn id="23" idx="3"/>
+            <a:endCxn id="24" idx="1"/>
+          </p:cNvCxnSpPr>
+          <p:nvPr/>
+        </p:nvCxnSpPr>
+        <p:spPr>
+          <a:xfrm>
+            <a:off x="2804933" y="2668074"/>
+            <a:ext cx="221140" cy="0"/>
+          </a:xfrm>
+          <a:prstGeom prst="straightConnector1">
+            <a:avLst/>
+          </a:prstGeom>
+          <a:ln w="12700">
+            <a:solidFill>
+              <a:srgbClr val="000000"/>
+            </a:solidFill>
+            <a:headEnd type="none" w="med" len="med"/>
+            <a:tailEnd type="triangle" w="lg" len="lg"/>
+          </a:ln>
+        </p:spPr>
+        <p:style>
+          <a:lnRef idx="1">
+            <a:schemeClr val="accent1"/>
+          </a:lnRef>
+          <a:fillRef idx="0">
+            <a:schemeClr val="accent1"/>
+          </a:fillRef>
+          <a:effectRef idx="0">
+            <a:schemeClr val="accent1"/>
+          </a:effectRef>
+          <a:fontRef idx="minor">
+            <a:schemeClr val="tx1"/>
+          </a:fontRef>
+        </p:style>
+      </p:cxnSp>
+      <p:cxnSp>
+        <p:nvCxnSpPr>
+          <p:cNvPr id="52" name="Straight Arrow Connector 51">
+            <a:extLst>
+              <a:ext uri="{FF2B5EF4-FFF2-40B4-BE49-F238E27FC236}">
+                <a16:creationId xmlns:a16="http://schemas.microsoft.com/office/drawing/2014/main" id="{3A85C0E9-E33F-A541-ACE8-B9367A13A8AC}"/>
+              </a:ext>
+            </a:extLst>
+          </p:cNvPr>
+          <p:cNvCxnSpPr>
+            <a:stCxn id="24" idx="3"/>
+            <a:endCxn id="25" idx="1"/>
+          </p:cNvCxnSpPr>
+          <p:nvPr/>
+        </p:nvCxnSpPr>
+        <p:spPr>
+          <a:xfrm>
+            <a:off x="3236385" y="2668074"/>
+            <a:ext cx="221140" cy="0"/>
+          </a:xfrm>
+          <a:prstGeom prst="straightConnector1">
+            <a:avLst/>
+          </a:prstGeom>
+          <a:ln w="12700">
+            <a:solidFill>
+              <a:srgbClr val="000000"/>
+            </a:solidFill>
+            <a:headEnd type="none" w="med" len="med"/>
+            <a:tailEnd type="triangle" w="lg" len="lg"/>
+          </a:ln>
+        </p:spPr>
+        <p:style>
+          <a:lnRef idx="1">
+            <a:schemeClr val="accent1"/>
+          </a:lnRef>
+          <a:fillRef idx="0">
+            <a:schemeClr val="accent1"/>
+          </a:fillRef>
+          <a:effectRef idx="0">
+            <a:schemeClr val="accent1"/>
+          </a:effectRef>
+          <a:fontRef idx="minor">
+            <a:schemeClr val="tx1"/>
+          </a:fontRef>
+        </p:style>
+      </p:cxnSp>
+      <p:cxnSp>
+        <p:nvCxnSpPr>
+          <p:cNvPr id="53" name="Straight Arrow Connector 52">
+            <a:extLst>
+              <a:ext uri="{FF2B5EF4-FFF2-40B4-BE49-F238E27FC236}">
+                <a16:creationId xmlns:a16="http://schemas.microsoft.com/office/drawing/2014/main" id="{84B98ABA-6A5B-5140-BED6-4940A0C6C98C}"/>
+              </a:ext>
+            </a:extLst>
+          </p:cNvPr>
+          <p:cNvCxnSpPr>
+            <a:cxnSpLocks/>
+            <a:stCxn id="25" idx="3"/>
+            <a:endCxn id="26" idx="1"/>
+          </p:cNvCxnSpPr>
+          <p:nvPr/>
+        </p:nvCxnSpPr>
+        <p:spPr>
+          <a:xfrm>
+            <a:off x="3667837" y="2668074"/>
+            <a:ext cx="221140" cy="0"/>
+          </a:xfrm>
+          <a:prstGeom prst="straightConnector1">
+            <a:avLst/>
+          </a:prstGeom>
+          <a:ln w="12700">
+            <a:solidFill>
+              <a:srgbClr val="000000"/>
+            </a:solidFill>
+            <a:headEnd type="none" w="med" len="med"/>
+            <a:tailEnd type="triangle" w="lg" len="lg"/>
+          </a:ln>
+        </p:spPr>
+        <p:style>
+          <a:lnRef idx="1">
+            <a:schemeClr val="accent1"/>
+          </a:lnRef>
+          <a:fillRef idx="0">
+            <a:schemeClr val="accent1"/>
+          </a:fillRef>
+          <a:effectRef idx="0">
+            <a:schemeClr val="accent1"/>
+          </a:effectRef>
+          <a:fontRef idx="minor">
+            <a:schemeClr val="tx1"/>
+          </a:fontRef>
+        </p:style>
+      </p:cxnSp>
+      <p:cxnSp>
+        <p:nvCxnSpPr>
+          <p:cNvPr id="54" name="Straight Arrow Connector 53">
+            <a:extLst>
+              <a:ext uri="{FF2B5EF4-FFF2-40B4-BE49-F238E27FC236}">
+                <a16:creationId xmlns:a16="http://schemas.microsoft.com/office/drawing/2014/main" id="{397E1896-DB23-004B-BA65-D8F5E76BC76B}"/>
+              </a:ext>
+            </a:extLst>
+          </p:cNvPr>
+          <p:cNvCxnSpPr>
+            <a:stCxn id="26" idx="3"/>
+            <a:endCxn id="32" idx="1"/>
+          </p:cNvCxnSpPr>
+          <p:nvPr/>
+        </p:nvCxnSpPr>
+        <p:spPr>
+          <a:xfrm>
+            <a:off x="4099289" y="2668074"/>
+            <a:ext cx="221140" cy="0"/>
+          </a:xfrm>
+          <a:prstGeom prst="straightConnector1">
+            <a:avLst/>
+          </a:prstGeom>
+          <a:ln w="12700">
+            <a:solidFill>
+              <a:srgbClr val="000000"/>
+            </a:solidFill>
+            <a:headEnd type="none" w="med" len="med"/>
+            <a:tailEnd type="triangle" w="lg" len="lg"/>
+          </a:ln>
+        </p:spPr>
+        <p:style>
+          <a:lnRef idx="1">
+            <a:schemeClr val="accent1"/>
+          </a:lnRef>
+          <a:fillRef idx="0">
+            <a:schemeClr val="accent1"/>
+          </a:fillRef>
+          <a:effectRef idx="0">
+            <a:schemeClr val="accent1"/>
+          </a:effectRef>
+          <a:fontRef idx="minor">
+            <a:schemeClr val="tx1"/>
+          </a:fontRef>
+        </p:style>
+      </p:cxnSp>
+      <p:cxnSp>
+        <p:nvCxnSpPr>
+          <p:cNvPr id="60" name="Straight Arrow Connector 59">
+            <a:extLst>
+              <a:ext uri="{FF2B5EF4-FFF2-40B4-BE49-F238E27FC236}">
+                <a16:creationId xmlns:a16="http://schemas.microsoft.com/office/drawing/2014/main" id="{A08C6FD9-ED16-144B-98FB-1D3B10AE24B6}"/>
+              </a:ext>
+            </a:extLst>
+          </p:cNvPr>
+          <p:cNvCxnSpPr>
+            <a:cxnSpLocks/>
+            <a:stCxn id="22" idx="2"/>
+          </p:cNvCxnSpPr>
+          <p:nvPr/>
+        </p:nvCxnSpPr>
+        <p:spPr>
+          <a:xfrm flipH="1">
+            <a:off x="1397421" y="2773230"/>
+            <a:ext cx="870904" cy="435070"/>
+          </a:xfrm>
+          <a:prstGeom prst="straightConnector1">
+            <a:avLst/>
+          </a:prstGeom>
+          <a:ln w="38100">
             <a:solidFill>
               <a:srgbClr val="000000"/>
             </a:solidFill>
@@ -4437,25 +5444,28 @@
       </p:cxnSp>
       <p:cxnSp>
         <p:nvCxnSpPr>
-          <p:cNvPr id="35" name="Straight Arrow Connector 34">
-            <a:extLst>
-              <a:ext uri="{FF2B5EF4-FFF2-40B4-BE49-F238E27FC236}">
-                <a16:creationId xmlns:a16="http://schemas.microsoft.com/office/drawing/2014/main" id="{685FE0CE-85BA-4546-AE6A-7BC007FB6FB2}"/>
-              </a:ext>
-            </a:extLst>
-          </p:cNvPr>
-          <p:cNvCxnSpPr/>
+          <p:cNvPr id="65" name="Straight Arrow Connector 64">
+            <a:extLst>
+              <a:ext uri="{FF2B5EF4-FFF2-40B4-BE49-F238E27FC236}">
+                <a16:creationId xmlns:a16="http://schemas.microsoft.com/office/drawing/2014/main" id="{2634C803-0A0C-D346-8325-B5E03B3B47C7}"/>
+              </a:ext>
+            </a:extLst>
+          </p:cNvPr>
+          <p:cNvCxnSpPr>
+            <a:cxnSpLocks/>
+            <a:stCxn id="21" idx="2"/>
+          </p:cNvCxnSpPr>
           <p:nvPr/>
         </p:nvCxnSpPr>
         <p:spPr>
-          <a:xfrm>
-            <a:off x="2194083" y="2137811"/>
-            <a:ext cx="1110379" cy="0"/>
+          <a:xfrm flipH="1">
+            <a:off x="920550" y="2773230"/>
+            <a:ext cx="916323" cy="435070"/>
           </a:xfrm>
           <a:prstGeom prst="straightConnector1">
             <a:avLst/>
           </a:prstGeom>
-          <a:ln w="6350">
+          <a:ln w="38100">
             <a:solidFill>
               <a:srgbClr val="000000"/>
             </a:solidFill>
@@ -4479,938 +5489,6 @@
       </p:cxnSp>
       <p:cxnSp>
         <p:nvCxnSpPr>
-          <p:cNvPr id="36" name="Straight Connector 35">
-            <a:extLst>
-              <a:ext uri="{FF2B5EF4-FFF2-40B4-BE49-F238E27FC236}">
-                <a16:creationId xmlns:a16="http://schemas.microsoft.com/office/drawing/2014/main" id="{4339477D-9995-1647-9205-3BCD2D833F45}"/>
-              </a:ext>
-            </a:extLst>
-          </p:cNvPr>
-          <p:cNvCxnSpPr>
-            <a:stCxn id="18" idx="2"/>
-            <a:endCxn id="19" idx="0"/>
-          </p:cNvCxnSpPr>
-          <p:nvPr/>
-        </p:nvCxnSpPr>
-        <p:spPr>
-          <a:xfrm>
-            <a:off x="2094057" y="1964519"/>
-            <a:ext cx="0" cy="59550"/>
-          </a:xfrm>
-          <a:prstGeom prst="line">
-            <a:avLst/>
-          </a:prstGeom>
-          <a:ln w="6350">
-            <a:solidFill>
-              <a:srgbClr val="000000"/>
-            </a:solidFill>
-          </a:ln>
-        </p:spPr>
-        <p:style>
-          <a:lnRef idx="1">
-            <a:schemeClr val="accent1"/>
-          </a:lnRef>
-          <a:fillRef idx="0">
-            <a:schemeClr val="accent1"/>
-          </a:fillRef>
-          <a:effectRef idx="0">
-            <a:schemeClr val="accent1"/>
-          </a:effectRef>
-          <a:fontRef idx="minor">
-            <a:schemeClr val="tx1"/>
-          </a:fontRef>
-        </p:style>
-      </p:cxnSp>
-      <p:cxnSp>
-        <p:nvCxnSpPr>
-          <p:cNvPr id="37" name="Straight Connector 36">
-            <a:extLst>
-              <a:ext uri="{FF2B5EF4-FFF2-40B4-BE49-F238E27FC236}">
-                <a16:creationId xmlns:a16="http://schemas.microsoft.com/office/drawing/2014/main" id="{76A12C43-58E1-AB41-B8F8-52A4948107A1}"/>
-              </a:ext>
-            </a:extLst>
-          </p:cNvPr>
-          <p:cNvCxnSpPr>
-            <a:stCxn id="19" idx="2"/>
-            <a:endCxn id="20" idx="0"/>
-          </p:cNvCxnSpPr>
-          <p:nvPr/>
-        </p:nvCxnSpPr>
-        <p:spPr>
-          <a:xfrm>
-            <a:off x="2094057" y="2234381"/>
-            <a:ext cx="0" cy="73834"/>
-          </a:xfrm>
-          <a:prstGeom prst="line">
-            <a:avLst/>
-          </a:prstGeom>
-          <a:ln w="6350">
-            <a:solidFill>
-              <a:srgbClr val="000000"/>
-            </a:solidFill>
-          </a:ln>
-        </p:spPr>
-        <p:style>
-          <a:lnRef idx="1">
-            <a:schemeClr val="accent1"/>
-          </a:lnRef>
-          <a:fillRef idx="0">
-            <a:schemeClr val="accent1"/>
-          </a:fillRef>
-          <a:effectRef idx="0">
-            <a:schemeClr val="accent1"/>
-          </a:effectRef>
-          <a:fontRef idx="minor">
-            <a:schemeClr val="tx1"/>
-          </a:fontRef>
-        </p:style>
-      </p:cxnSp>
-      <p:cxnSp>
-        <p:nvCxnSpPr>
-          <p:cNvPr id="38" name="Straight Connector 37">
-            <a:extLst>
-              <a:ext uri="{FF2B5EF4-FFF2-40B4-BE49-F238E27FC236}">
-                <a16:creationId xmlns:a16="http://schemas.microsoft.com/office/drawing/2014/main" id="{7D20AF34-669E-794C-A004-7637697B2BB6}"/>
-              </a:ext>
-            </a:extLst>
-          </p:cNvPr>
-          <p:cNvCxnSpPr>
-            <a:stCxn id="20" idx="2"/>
-            <a:endCxn id="21" idx="0"/>
-          </p:cNvCxnSpPr>
-          <p:nvPr/>
-        </p:nvCxnSpPr>
-        <p:spPr>
-          <a:xfrm>
-            <a:off x="2094057" y="2518527"/>
-            <a:ext cx="0" cy="44391"/>
-          </a:xfrm>
-          <a:prstGeom prst="line">
-            <a:avLst/>
-          </a:prstGeom>
-          <a:ln w="6350">
-            <a:solidFill>
-              <a:srgbClr val="000000"/>
-            </a:solidFill>
-          </a:ln>
-        </p:spPr>
-        <p:style>
-          <a:lnRef idx="1">
-            <a:schemeClr val="accent1"/>
-          </a:lnRef>
-          <a:fillRef idx="0">
-            <a:schemeClr val="accent1"/>
-          </a:fillRef>
-          <a:effectRef idx="0">
-            <a:schemeClr val="accent1"/>
-          </a:effectRef>
-          <a:fontRef idx="minor">
-            <a:schemeClr val="tx1"/>
-          </a:fontRef>
-        </p:style>
-      </p:cxnSp>
-      <p:cxnSp>
-        <p:nvCxnSpPr>
-          <p:cNvPr id="39" name="Straight Connector 38">
-            <a:extLst>
-              <a:ext uri="{FF2B5EF4-FFF2-40B4-BE49-F238E27FC236}">
-                <a16:creationId xmlns:a16="http://schemas.microsoft.com/office/drawing/2014/main" id="{22459748-1351-BB49-BA74-6A1288C81A13}"/>
-              </a:ext>
-            </a:extLst>
-          </p:cNvPr>
-          <p:cNvCxnSpPr>
-            <a:cxnSpLocks/>
-          </p:cNvCxnSpPr>
-          <p:nvPr/>
-        </p:nvCxnSpPr>
-        <p:spPr>
-          <a:xfrm>
-            <a:off x="4077640" y="1959388"/>
-            <a:ext cx="0" cy="91440"/>
-          </a:xfrm>
-          <a:prstGeom prst="line">
-            <a:avLst/>
-          </a:prstGeom>
-          <a:ln w="6350">
-            <a:solidFill>
-              <a:srgbClr val="000000"/>
-            </a:solidFill>
-          </a:ln>
-        </p:spPr>
-        <p:style>
-          <a:lnRef idx="1">
-            <a:schemeClr val="accent1"/>
-          </a:lnRef>
-          <a:fillRef idx="0">
-            <a:schemeClr val="accent1"/>
-          </a:fillRef>
-          <a:effectRef idx="0">
-            <a:schemeClr val="accent1"/>
-          </a:effectRef>
-          <a:fontRef idx="minor">
-            <a:schemeClr val="tx1"/>
-          </a:fontRef>
-        </p:style>
-      </p:cxnSp>
-      <p:cxnSp>
-        <p:nvCxnSpPr>
-          <p:cNvPr id="40" name="Straight Connector 39">
-            <a:extLst>
-              <a:ext uri="{FF2B5EF4-FFF2-40B4-BE49-F238E27FC236}">
-                <a16:creationId xmlns:a16="http://schemas.microsoft.com/office/drawing/2014/main" id="{D2EE078C-E0D2-7341-8EE9-BDFBB06319AB}"/>
-              </a:ext>
-            </a:extLst>
-          </p:cNvPr>
-          <p:cNvCxnSpPr>
-            <a:stCxn id="33" idx="2"/>
-            <a:endCxn id="28" idx="0"/>
-          </p:cNvCxnSpPr>
-          <p:nvPr/>
-        </p:nvCxnSpPr>
-        <p:spPr>
-          <a:xfrm>
-            <a:off x="3409618" y="2234381"/>
-            <a:ext cx="2141" cy="73834"/>
-          </a:xfrm>
-          <a:prstGeom prst="line">
-            <a:avLst/>
-          </a:prstGeom>
-          <a:ln w="6350">
-            <a:solidFill>
-              <a:srgbClr val="000000"/>
-            </a:solidFill>
-          </a:ln>
-        </p:spPr>
-        <p:style>
-          <a:lnRef idx="1">
-            <a:schemeClr val="accent1"/>
-          </a:lnRef>
-          <a:fillRef idx="0">
-            <a:schemeClr val="accent1"/>
-          </a:fillRef>
-          <a:effectRef idx="0">
-            <a:schemeClr val="accent1"/>
-          </a:effectRef>
-          <a:fontRef idx="minor">
-            <a:schemeClr val="tx1"/>
-          </a:fontRef>
-        </p:style>
-      </p:cxnSp>
-      <p:cxnSp>
-        <p:nvCxnSpPr>
-          <p:cNvPr id="41" name="Straight Connector 40">
-            <a:extLst>
-              <a:ext uri="{FF2B5EF4-FFF2-40B4-BE49-F238E27FC236}">
-                <a16:creationId xmlns:a16="http://schemas.microsoft.com/office/drawing/2014/main" id="{98F0C71B-0741-1C4D-91F1-1561842E62F2}"/>
-              </a:ext>
-            </a:extLst>
-          </p:cNvPr>
-          <p:cNvCxnSpPr/>
-          <p:nvPr/>
-        </p:nvCxnSpPr>
-        <p:spPr>
-          <a:xfrm>
-            <a:off x="4077640" y="2222110"/>
-            <a:ext cx="0" cy="86105"/>
-          </a:xfrm>
-          <a:prstGeom prst="line">
-            <a:avLst/>
-          </a:prstGeom>
-          <a:ln w="6350">
-            <a:solidFill>
-              <a:srgbClr val="000000"/>
-            </a:solidFill>
-          </a:ln>
-        </p:spPr>
-        <p:style>
-          <a:lnRef idx="1">
-            <a:schemeClr val="accent1"/>
-          </a:lnRef>
-          <a:fillRef idx="0">
-            <a:schemeClr val="accent1"/>
-          </a:fillRef>
-          <a:effectRef idx="0">
-            <a:schemeClr val="accent1"/>
-          </a:effectRef>
-          <a:fontRef idx="minor">
-            <a:schemeClr val="tx1"/>
-          </a:fontRef>
-        </p:style>
-      </p:cxnSp>
-      <p:cxnSp>
-        <p:nvCxnSpPr>
-          <p:cNvPr id="42" name="Straight Connector 41">
-            <a:extLst>
-              <a:ext uri="{FF2B5EF4-FFF2-40B4-BE49-F238E27FC236}">
-                <a16:creationId xmlns:a16="http://schemas.microsoft.com/office/drawing/2014/main" id="{3B6C6105-DBAF-DC48-9428-F6D90F0A52A8}"/>
-              </a:ext>
-            </a:extLst>
-          </p:cNvPr>
-          <p:cNvCxnSpPr>
-            <a:stCxn id="25" idx="0"/>
-            <a:endCxn id="28" idx="2"/>
-          </p:cNvCxnSpPr>
-          <p:nvPr/>
-        </p:nvCxnSpPr>
-        <p:spPr>
-          <a:xfrm flipH="1" flipV="1">
-            <a:off x="3411759" y="2518527"/>
-            <a:ext cx="5064" cy="44391"/>
-          </a:xfrm>
-          <a:prstGeom prst="line">
-            <a:avLst/>
-          </a:prstGeom>
-          <a:ln w="6350">
-            <a:solidFill>
-              <a:srgbClr val="000000"/>
-            </a:solidFill>
-          </a:ln>
-        </p:spPr>
-        <p:style>
-          <a:lnRef idx="1">
-            <a:schemeClr val="accent1"/>
-          </a:lnRef>
-          <a:fillRef idx="0">
-            <a:schemeClr val="accent1"/>
-          </a:fillRef>
-          <a:effectRef idx="0">
-            <a:schemeClr val="accent1"/>
-          </a:effectRef>
-          <a:fontRef idx="minor">
-            <a:schemeClr val="tx1"/>
-          </a:fontRef>
-        </p:style>
-      </p:cxnSp>
-      <p:cxnSp>
-        <p:nvCxnSpPr>
-          <p:cNvPr id="43" name="Straight Connector 42">
-            <a:extLst>
-              <a:ext uri="{FF2B5EF4-FFF2-40B4-BE49-F238E27FC236}">
-                <a16:creationId xmlns:a16="http://schemas.microsoft.com/office/drawing/2014/main" id="{3184052D-9A2C-EB46-8661-73967F847EDD}"/>
-              </a:ext>
-            </a:extLst>
-          </p:cNvPr>
-          <p:cNvCxnSpPr>
-            <a:stCxn id="23" idx="0"/>
-            <a:endCxn id="27" idx="2"/>
-          </p:cNvCxnSpPr>
-          <p:nvPr/>
-        </p:nvCxnSpPr>
-        <p:spPr>
-          <a:xfrm flipV="1">
-            <a:off x="2766591" y="2518527"/>
-            <a:ext cx="0" cy="44391"/>
-          </a:xfrm>
-          <a:prstGeom prst="line">
-            <a:avLst/>
-          </a:prstGeom>
-          <a:ln w="6350">
-            <a:solidFill>
-              <a:srgbClr val="000000"/>
-            </a:solidFill>
-          </a:ln>
-        </p:spPr>
-        <p:style>
-          <a:lnRef idx="1">
-            <a:schemeClr val="accent1"/>
-          </a:lnRef>
-          <a:fillRef idx="0">
-            <a:schemeClr val="accent1"/>
-          </a:fillRef>
-          <a:effectRef idx="0">
-            <a:schemeClr val="accent1"/>
-          </a:effectRef>
-          <a:fontRef idx="minor">
-            <a:schemeClr val="tx1"/>
-          </a:fontRef>
-        </p:style>
-      </p:cxnSp>
-      <p:cxnSp>
-        <p:nvCxnSpPr>
-          <p:cNvPr id="44" name="Straight Connector 43">
-            <a:extLst>
-              <a:ext uri="{FF2B5EF4-FFF2-40B4-BE49-F238E27FC236}">
-                <a16:creationId xmlns:a16="http://schemas.microsoft.com/office/drawing/2014/main" id="{1C87CE90-CE0D-3447-A330-F97A15733D45}"/>
-              </a:ext>
-            </a:extLst>
-          </p:cNvPr>
-          <p:cNvCxnSpPr>
-            <a:stCxn id="31" idx="2"/>
-            <a:endCxn id="32" idx="0"/>
-          </p:cNvCxnSpPr>
-          <p:nvPr/>
-        </p:nvCxnSpPr>
-        <p:spPr>
-          <a:xfrm>
-            <a:off x="4091356" y="2518527"/>
-            <a:ext cx="0" cy="44391"/>
-          </a:xfrm>
-          <a:prstGeom prst="line">
-            <a:avLst/>
-          </a:prstGeom>
-          <a:ln w="6350">
-            <a:solidFill>
-              <a:srgbClr val="000000"/>
-            </a:solidFill>
-          </a:ln>
-        </p:spPr>
-        <p:style>
-          <a:lnRef idx="1">
-            <a:schemeClr val="accent1"/>
-          </a:lnRef>
-          <a:fillRef idx="0">
-            <a:schemeClr val="accent1"/>
-          </a:fillRef>
-          <a:effectRef idx="0">
-            <a:schemeClr val="accent1"/>
-          </a:effectRef>
-          <a:fontRef idx="minor">
-            <a:schemeClr val="tx1"/>
-          </a:fontRef>
-        </p:style>
-      </p:cxnSp>
-      <p:cxnSp>
-        <p:nvCxnSpPr>
-          <p:cNvPr id="45" name="Straight Arrow Connector 44">
-            <a:extLst>
-              <a:ext uri="{FF2B5EF4-FFF2-40B4-BE49-F238E27FC236}">
-                <a16:creationId xmlns:a16="http://schemas.microsoft.com/office/drawing/2014/main" id="{F9FC02ED-52D0-D94B-B3D3-BD39AF6A9374}"/>
-              </a:ext>
-            </a:extLst>
-          </p:cNvPr>
-          <p:cNvCxnSpPr>
-            <a:stCxn id="33" idx="3"/>
-            <a:endCxn id="30" idx="1"/>
-          </p:cNvCxnSpPr>
-          <p:nvPr/>
-        </p:nvCxnSpPr>
-        <p:spPr>
-          <a:xfrm>
-            <a:off x="3514774" y="2129225"/>
-            <a:ext cx="471426" cy="0"/>
-          </a:xfrm>
-          <a:prstGeom prst="straightConnector1">
-            <a:avLst/>
-          </a:prstGeom>
-          <a:ln w="6350">
-            <a:solidFill>
-              <a:srgbClr val="000000"/>
-            </a:solidFill>
-            <a:tailEnd type="arrow"/>
-          </a:ln>
-        </p:spPr>
-        <p:style>
-          <a:lnRef idx="1">
-            <a:schemeClr val="accent1"/>
-          </a:lnRef>
-          <a:fillRef idx="0">
-            <a:schemeClr val="accent1"/>
-          </a:fillRef>
-          <a:effectRef idx="0">
-            <a:schemeClr val="accent1"/>
-          </a:effectRef>
-          <a:fontRef idx="minor">
-            <a:schemeClr val="tx1"/>
-          </a:fontRef>
-        </p:style>
-      </p:cxnSp>
-      <p:cxnSp>
-        <p:nvCxnSpPr>
-          <p:cNvPr id="46" name="Straight Arrow Connector 45">
-            <a:extLst>
-              <a:ext uri="{FF2B5EF4-FFF2-40B4-BE49-F238E27FC236}">
-                <a16:creationId xmlns:a16="http://schemas.microsoft.com/office/drawing/2014/main" id="{C52CFE5F-7DB7-3741-BC85-FEEDA3E8A5DC}"/>
-              </a:ext>
-            </a:extLst>
-          </p:cNvPr>
-          <p:cNvCxnSpPr>
-            <a:stCxn id="20" idx="3"/>
-            <a:endCxn id="27" idx="1"/>
-          </p:cNvCxnSpPr>
-          <p:nvPr/>
-        </p:nvCxnSpPr>
-        <p:spPr>
-          <a:xfrm>
-            <a:off x="2199213" y="2413371"/>
-            <a:ext cx="462222" cy="0"/>
-          </a:xfrm>
-          <a:prstGeom prst="straightConnector1">
-            <a:avLst/>
-          </a:prstGeom>
-          <a:ln w="6350">
-            <a:solidFill>
-              <a:srgbClr val="000000"/>
-            </a:solidFill>
-            <a:tailEnd type="arrow"/>
-          </a:ln>
-        </p:spPr>
-        <p:style>
-          <a:lnRef idx="1">
-            <a:schemeClr val="accent1"/>
-          </a:lnRef>
-          <a:fillRef idx="0">
-            <a:schemeClr val="accent1"/>
-          </a:fillRef>
-          <a:effectRef idx="0">
-            <a:schemeClr val="accent1"/>
-          </a:effectRef>
-          <a:fontRef idx="minor">
-            <a:schemeClr val="tx1"/>
-          </a:fontRef>
-        </p:style>
-      </p:cxnSp>
-      <p:cxnSp>
-        <p:nvCxnSpPr>
-          <p:cNvPr id="47" name="Straight Arrow Connector 46">
-            <a:extLst>
-              <a:ext uri="{FF2B5EF4-FFF2-40B4-BE49-F238E27FC236}">
-                <a16:creationId xmlns:a16="http://schemas.microsoft.com/office/drawing/2014/main" id="{E6B94CE0-4D92-9347-A40C-C640F754A03D}"/>
-              </a:ext>
-            </a:extLst>
-          </p:cNvPr>
-          <p:cNvCxnSpPr>
-            <a:stCxn id="27" idx="3"/>
-            <a:endCxn id="28" idx="1"/>
-          </p:cNvCxnSpPr>
-          <p:nvPr/>
-        </p:nvCxnSpPr>
-        <p:spPr>
-          <a:xfrm>
-            <a:off x="2871747" y="2413371"/>
-            <a:ext cx="434856" cy="0"/>
-          </a:xfrm>
-          <a:prstGeom prst="straightConnector1">
-            <a:avLst/>
-          </a:prstGeom>
-          <a:ln w="6350">
-            <a:solidFill>
-              <a:srgbClr val="000000"/>
-            </a:solidFill>
-            <a:tailEnd type="arrow"/>
-          </a:ln>
-        </p:spPr>
-        <p:style>
-          <a:lnRef idx="1">
-            <a:schemeClr val="accent1"/>
-          </a:lnRef>
-          <a:fillRef idx="0">
-            <a:schemeClr val="accent1"/>
-          </a:fillRef>
-          <a:effectRef idx="0">
-            <a:schemeClr val="accent1"/>
-          </a:effectRef>
-          <a:fontRef idx="minor">
-            <a:schemeClr val="tx1"/>
-          </a:fontRef>
-        </p:style>
-      </p:cxnSp>
-      <p:cxnSp>
-        <p:nvCxnSpPr>
-          <p:cNvPr id="48" name="Straight Arrow Connector 47">
-            <a:extLst>
-              <a:ext uri="{FF2B5EF4-FFF2-40B4-BE49-F238E27FC236}">
-                <a16:creationId xmlns:a16="http://schemas.microsoft.com/office/drawing/2014/main" id="{58C9E984-701A-B841-918D-8EA8D325693F}"/>
-              </a:ext>
-            </a:extLst>
-          </p:cNvPr>
-          <p:cNvCxnSpPr>
-            <a:stCxn id="28" idx="3"/>
-            <a:endCxn id="31" idx="1"/>
-          </p:cNvCxnSpPr>
-          <p:nvPr/>
-        </p:nvCxnSpPr>
-        <p:spPr>
-          <a:xfrm>
-            <a:off x="3516915" y="2413371"/>
-            <a:ext cx="469285" cy="0"/>
-          </a:xfrm>
-          <a:prstGeom prst="straightConnector1">
-            <a:avLst/>
-          </a:prstGeom>
-          <a:ln w="6350">
-            <a:solidFill>
-              <a:srgbClr val="000000"/>
-            </a:solidFill>
-            <a:tailEnd type="arrow"/>
-          </a:ln>
-        </p:spPr>
-        <p:style>
-          <a:lnRef idx="1">
-            <a:schemeClr val="accent1"/>
-          </a:lnRef>
-          <a:fillRef idx="0">
-            <a:schemeClr val="accent1"/>
-          </a:fillRef>
-          <a:effectRef idx="0">
-            <a:schemeClr val="accent1"/>
-          </a:effectRef>
-          <a:fontRef idx="minor">
-            <a:schemeClr val="tx1"/>
-          </a:fontRef>
-        </p:style>
-      </p:cxnSp>
-      <p:cxnSp>
-        <p:nvCxnSpPr>
-          <p:cNvPr id="49" name="Straight Arrow Connector 48">
-            <a:extLst>
-              <a:ext uri="{FF2B5EF4-FFF2-40B4-BE49-F238E27FC236}">
-                <a16:creationId xmlns:a16="http://schemas.microsoft.com/office/drawing/2014/main" id="{10530EEF-082B-9F4B-916F-223DA923553E}"/>
-              </a:ext>
-            </a:extLst>
-          </p:cNvPr>
-          <p:cNvCxnSpPr>
-            <a:stCxn id="21" idx="3"/>
-            <a:endCxn id="22" idx="1"/>
-          </p:cNvCxnSpPr>
-          <p:nvPr/>
-        </p:nvCxnSpPr>
-        <p:spPr>
-          <a:xfrm>
-            <a:off x="2199213" y="2668074"/>
-            <a:ext cx="137106" cy="0"/>
-          </a:xfrm>
-          <a:prstGeom prst="straightConnector1">
-            <a:avLst/>
-          </a:prstGeom>
-          <a:ln w="6350">
-            <a:solidFill>
-              <a:srgbClr val="000000"/>
-            </a:solidFill>
-            <a:tailEnd type="arrow"/>
-          </a:ln>
-        </p:spPr>
-        <p:style>
-          <a:lnRef idx="1">
-            <a:schemeClr val="accent1"/>
-          </a:lnRef>
-          <a:fillRef idx="0">
-            <a:schemeClr val="accent1"/>
-          </a:fillRef>
-          <a:effectRef idx="0">
-            <a:schemeClr val="accent1"/>
-          </a:effectRef>
-          <a:fontRef idx="minor">
-            <a:schemeClr val="tx1"/>
-          </a:fontRef>
-        </p:style>
-      </p:cxnSp>
-      <p:cxnSp>
-        <p:nvCxnSpPr>
-          <p:cNvPr id="50" name="Straight Arrow Connector 49">
-            <a:extLst>
-              <a:ext uri="{FF2B5EF4-FFF2-40B4-BE49-F238E27FC236}">
-                <a16:creationId xmlns:a16="http://schemas.microsoft.com/office/drawing/2014/main" id="{3BBEE09C-1B3C-B64F-8923-0EFA214616E2}"/>
-              </a:ext>
-            </a:extLst>
-          </p:cNvPr>
-          <p:cNvCxnSpPr>
-            <a:stCxn id="22" idx="3"/>
-            <a:endCxn id="23" idx="1"/>
-          </p:cNvCxnSpPr>
-          <p:nvPr/>
-        </p:nvCxnSpPr>
-        <p:spPr>
-          <a:xfrm>
-            <a:off x="2546631" y="2668074"/>
-            <a:ext cx="114804" cy="0"/>
-          </a:xfrm>
-          <a:prstGeom prst="straightConnector1">
-            <a:avLst/>
-          </a:prstGeom>
-          <a:ln w="6350">
-            <a:solidFill>
-              <a:srgbClr val="000000"/>
-            </a:solidFill>
-            <a:tailEnd type="arrow"/>
-          </a:ln>
-        </p:spPr>
-        <p:style>
-          <a:lnRef idx="1">
-            <a:schemeClr val="accent1"/>
-          </a:lnRef>
-          <a:fillRef idx="0">
-            <a:schemeClr val="accent1"/>
-          </a:fillRef>
-          <a:effectRef idx="0">
-            <a:schemeClr val="accent1"/>
-          </a:effectRef>
-          <a:fontRef idx="minor">
-            <a:schemeClr val="tx1"/>
-          </a:fontRef>
-        </p:style>
-      </p:cxnSp>
-      <p:cxnSp>
-        <p:nvCxnSpPr>
-          <p:cNvPr id="51" name="Straight Arrow Connector 50">
-            <a:extLst>
-              <a:ext uri="{FF2B5EF4-FFF2-40B4-BE49-F238E27FC236}">
-                <a16:creationId xmlns:a16="http://schemas.microsoft.com/office/drawing/2014/main" id="{43D69B15-B492-6440-86D8-82FCA8AA31ED}"/>
-              </a:ext>
-            </a:extLst>
-          </p:cNvPr>
-          <p:cNvCxnSpPr>
-            <a:stCxn id="23" idx="3"/>
-            <a:endCxn id="24" idx="1"/>
-          </p:cNvCxnSpPr>
-          <p:nvPr/>
-        </p:nvCxnSpPr>
-        <p:spPr>
-          <a:xfrm>
-            <a:off x="2871747" y="2668074"/>
-            <a:ext cx="114804" cy="0"/>
-          </a:xfrm>
-          <a:prstGeom prst="straightConnector1">
-            <a:avLst/>
-          </a:prstGeom>
-          <a:ln w="6350">
-            <a:solidFill>
-              <a:srgbClr val="000000"/>
-            </a:solidFill>
-            <a:tailEnd type="arrow"/>
-          </a:ln>
-        </p:spPr>
-        <p:style>
-          <a:lnRef idx="1">
-            <a:schemeClr val="accent1"/>
-          </a:lnRef>
-          <a:fillRef idx="0">
-            <a:schemeClr val="accent1"/>
-          </a:fillRef>
-          <a:effectRef idx="0">
-            <a:schemeClr val="accent1"/>
-          </a:effectRef>
-          <a:fontRef idx="minor">
-            <a:schemeClr val="tx1"/>
-          </a:fontRef>
-        </p:style>
-      </p:cxnSp>
-      <p:cxnSp>
-        <p:nvCxnSpPr>
-          <p:cNvPr id="52" name="Straight Arrow Connector 51">
-            <a:extLst>
-              <a:ext uri="{FF2B5EF4-FFF2-40B4-BE49-F238E27FC236}">
-                <a16:creationId xmlns:a16="http://schemas.microsoft.com/office/drawing/2014/main" id="{3A85C0E9-E33F-A541-ACE8-B9367A13A8AC}"/>
-              </a:ext>
-            </a:extLst>
-          </p:cNvPr>
-          <p:cNvCxnSpPr>
-            <a:stCxn id="24" idx="3"/>
-            <a:endCxn id="25" idx="1"/>
-          </p:cNvCxnSpPr>
-          <p:nvPr/>
-        </p:nvCxnSpPr>
-        <p:spPr>
-          <a:xfrm>
-            <a:off x="3196863" y="2668074"/>
-            <a:ext cx="114804" cy="0"/>
-          </a:xfrm>
-          <a:prstGeom prst="straightConnector1">
-            <a:avLst/>
-          </a:prstGeom>
-          <a:ln w="6350">
-            <a:solidFill>
-              <a:srgbClr val="000000"/>
-            </a:solidFill>
-            <a:tailEnd type="arrow"/>
-          </a:ln>
-        </p:spPr>
-        <p:style>
-          <a:lnRef idx="1">
-            <a:schemeClr val="accent1"/>
-          </a:lnRef>
-          <a:fillRef idx="0">
-            <a:schemeClr val="accent1"/>
-          </a:fillRef>
-          <a:effectRef idx="0">
-            <a:schemeClr val="accent1"/>
-          </a:effectRef>
-          <a:fontRef idx="minor">
-            <a:schemeClr val="tx1"/>
-          </a:fontRef>
-        </p:style>
-      </p:cxnSp>
-      <p:cxnSp>
-        <p:nvCxnSpPr>
-          <p:cNvPr id="53" name="Straight Arrow Connector 52">
-            <a:extLst>
-              <a:ext uri="{FF2B5EF4-FFF2-40B4-BE49-F238E27FC236}">
-                <a16:creationId xmlns:a16="http://schemas.microsoft.com/office/drawing/2014/main" id="{84B98ABA-6A5B-5140-BED6-4940A0C6C98C}"/>
-              </a:ext>
-            </a:extLst>
-          </p:cNvPr>
-          <p:cNvCxnSpPr>
-            <a:stCxn id="25" idx="3"/>
-            <a:endCxn id="26" idx="1"/>
-          </p:cNvCxnSpPr>
-          <p:nvPr/>
-        </p:nvCxnSpPr>
-        <p:spPr>
-          <a:xfrm>
-            <a:off x="3521979" y="2668074"/>
-            <a:ext cx="114804" cy="0"/>
-          </a:xfrm>
-          <a:prstGeom prst="straightConnector1">
-            <a:avLst/>
-          </a:prstGeom>
-          <a:ln w="6350">
-            <a:solidFill>
-              <a:srgbClr val="000000"/>
-            </a:solidFill>
-            <a:tailEnd type="arrow"/>
-          </a:ln>
-        </p:spPr>
-        <p:style>
-          <a:lnRef idx="1">
-            <a:schemeClr val="accent1"/>
-          </a:lnRef>
-          <a:fillRef idx="0">
-            <a:schemeClr val="accent1"/>
-          </a:fillRef>
-          <a:effectRef idx="0">
-            <a:schemeClr val="accent1"/>
-          </a:effectRef>
-          <a:fontRef idx="minor">
-            <a:schemeClr val="tx1"/>
-          </a:fontRef>
-        </p:style>
-      </p:cxnSp>
-      <p:cxnSp>
-        <p:nvCxnSpPr>
-          <p:cNvPr id="54" name="Straight Arrow Connector 53">
-            <a:extLst>
-              <a:ext uri="{FF2B5EF4-FFF2-40B4-BE49-F238E27FC236}">
-                <a16:creationId xmlns:a16="http://schemas.microsoft.com/office/drawing/2014/main" id="{397E1896-DB23-004B-BA65-D8F5E76BC76B}"/>
-              </a:ext>
-            </a:extLst>
-          </p:cNvPr>
-          <p:cNvCxnSpPr>
-            <a:stCxn id="26" idx="3"/>
-            <a:endCxn id="32" idx="1"/>
-          </p:cNvCxnSpPr>
-          <p:nvPr/>
-        </p:nvCxnSpPr>
-        <p:spPr>
-          <a:xfrm>
-            <a:off x="3847095" y="2668074"/>
-            <a:ext cx="139105" cy="0"/>
-          </a:xfrm>
-          <a:prstGeom prst="straightConnector1">
-            <a:avLst/>
-          </a:prstGeom>
-          <a:ln w="6350">
-            <a:solidFill>
-              <a:srgbClr val="000000"/>
-            </a:solidFill>
-            <a:tailEnd type="arrow"/>
-          </a:ln>
-        </p:spPr>
-        <p:style>
-          <a:lnRef idx="1">
-            <a:schemeClr val="accent1"/>
-          </a:lnRef>
-          <a:fillRef idx="0">
-            <a:schemeClr val="accent1"/>
-          </a:fillRef>
-          <a:effectRef idx="0">
-            <a:schemeClr val="accent1"/>
-          </a:effectRef>
-          <a:fontRef idx="minor">
-            <a:schemeClr val="tx1"/>
-          </a:fontRef>
-        </p:style>
-      </p:cxnSp>
-      <p:cxnSp>
-        <p:nvCxnSpPr>
-          <p:cNvPr id="60" name="Straight Arrow Connector 59">
-            <a:extLst>
-              <a:ext uri="{FF2B5EF4-FFF2-40B4-BE49-F238E27FC236}">
-                <a16:creationId xmlns:a16="http://schemas.microsoft.com/office/drawing/2014/main" id="{A08C6FD9-ED16-144B-98FB-1D3B10AE24B6}"/>
-              </a:ext>
-            </a:extLst>
-          </p:cNvPr>
-          <p:cNvCxnSpPr>
-            <a:cxnSpLocks/>
-            <a:stCxn id="22" idx="2"/>
-          </p:cNvCxnSpPr>
-          <p:nvPr/>
-        </p:nvCxnSpPr>
-        <p:spPr>
-          <a:xfrm flipH="1">
-            <a:off x="1654605" y="2773230"/>
-            <a:ext cx="786870" cy="435070"/>
-          </a:xfrm>
-          <a:prstGeom prst="straightConnector1">
-            <a:avLst/>
-          </a:prstGeom>
-          <a:ln w="6350">
-            <a:solidFill>
-              <a:srgbClr val="000000"/>
-            </a:solidFill>
-            <a:tailEnd type="arrow"/>
-          </a:ln>
-        </p:spPr>
-        <p:style>
-          <a:lnRef idx="1">
-            <a:schemeClr val="accent1"/>
-          </a:lnRef>
-          <a:fillRef idx="0">
-            <a:schemeClr val="accent1"/>
-          </a:fillRef>
-          <a:effectRef idx="0">
-            <a:schemeClr val="accent1"/>
-          </a:effectRef>
-          <a:fontRef idx="minor">
-            <a:schemeClr val="tx1"/>
-          </a:fontRef>
-        </p:style>
-      </p:cxnSp>
-      <p:cxnSp>
-        <p:nvCxnSpPr>
-          <p:cNvPr id="65" name="Straight Arrow Connector 64">
-            <a:extLst>
-              <a:ext uri="{FF2B5EF4-FFF2-40B4-BE49-F238E27FC236}">
-                <a16:creationId xmlns:a16="http://schemas.microsoft.com/office/drawing/2014/main" id="{2634C803-0A0C-D346-8325-B5E03B3B47C7}"/>
-              </a:ext>
-            </a:extLst>
-          </p:cNvPr>
-          <p:cNvCxnSpPr>
-            <a:cxnSpLocks/>
-            <a:stCxn id="21" idx="2"/>
-          </p:cNvCxnSpPr>
-          <p:nvPr/>
-        </p:nvCxnSpPr>
-        <p:spPr>
-          <a:xfrm flipH="1">
-            <a:off x="1177734" y="2773230"/>
-            <a:ext cx="916323" cy="435070"/>
-          </a:xfrm>
-          <a:prstGeom prst="straightConnector1">
-            <a:avLst/>
-          </a:prstGeom>
-          <a:ln w="6350">
-            <a:solidFill>
-              <a:srgbClr val="000000"/>
-            </a:solidFill>
-            <a:tailEnd type="arrow"/>
-          </a:ln>
-        </p:spPr>
-        <p:style>
-          <a:lnRef idx="1">
-            <a:schemeClr val="accent1"/>
-          </a:lnRef>
-          <a:fillRef idx="0">
-            <a:schemeClr val="accent1"/>
-          </a:fillRef>
-          <a:effectRef idx="0">
-            <a:schemeClr val="accent1"/>
-          </a:effectRef>
-          <a:fontRef idx="minor">
-            <a:schemeClr val="tx1"/>
-          </a:fontRef>
-        </p:style>
-      </p:cxnSp>
-      <p:cxnSp>
-        <p:nvCxnSpPr>
           <p:cNvPr id="66" name="Straight Arrow Connector 65">
             <a:extLst>
               <a:ext uri="{FF2B5EF4-FFF2-40B4-BE49-F238E27FC236}">
@@ -5426,13 +5504,13 @@
         </p:nvCxnSpPr>
         <p:spPr>
           <a:xfrm flipH="1">
-            <a:off x="2585257" y="2773230"/>
-            <a:ext cx="181334" cy="453918"/>
+            <a:off x="2328073" y="2773230"/>
+            <a:ext cx="371704" cy="453918"/>
           </a:xfrm>
           <a:prstGeom prst="straightConnector1">
             <a:avLst/>
           </a:prstGeom>
-          <a:ln w="6350">
+          <a:ln w="38100">
             <a:solidFill>
               <a:srgbClr val="000000"/>
             </a:solidFill>
@@ -5471,14 +5549,14 @@
           <p:nvPr/>
         </p:nvCxnSpPr>
         <p:spPr>
-          <a:xfrm>
-            <a:off x="3091707" y="2773230"/>
-            <a:ext cx="52937" cy="440204"/>
+          <a:xfrm flipH="1">
+            <a:off x="2887460" y="2773230"/>
+            <a:ext cx="243769" cy="440204"/>
           </a:xfrm>
           <a:prstGeom prst="straightConnector1">
             <a:avLst/>
           </a:prstGeom>
-          <a:ln w="6350">
+          <a:ln w="38100">
             <a:solidFill>
               <a:srgbClr val="000000"/>
             </a:solidFill>
@@ -5517,13 +5595,13 @@
         </p:nvCxnSpPr>
         <p:spPr>
           <a:xfrm>
-            <a:off x="3416823" y="2773230"/>
-            <a:ext cx="269348" cy="424474"/>
+            <a:off x="3562681" y="2773230"/>
+            <a:ext cx="1047" cy="424474"/>
           </a:xfrm>
           <a:prstGeom prst="straightConnector1">
             <a:avLst/>
           </a:prstGeom>
-          <a:ln w="6350">
+          <a:ln w="38100">
             <a:solidFill>
               <a:srgbClr val="000000"/>
             </a:solidFill>
@@ -5562,13 +5640,13 @@
         </p:nvCxnSpPr>
         <p:spPr>
           <a:xfrm>
-            <a:off x="3741939" y="2773230"/>
-            <a:ext cx="454573" cy="424474"/>
+            <a:off x="3994133" y="2773230"/>
+            <a:ext cx="216667" cy="424474"/>
           </a:xfrm>
           <a:prstGeom prst="straightConnector1">
             <a:avLst/>
           </a:prstGeom>
-          <a:ln w="6350">
+          <a:ln w="38100">
             <a:solidFill>
               <a:srgbClr val="000000"/>
             </a:solidFill>
@@ -5607,13 +5685,13 @@
         </p:nvCxnSpPr>
         <p:spPr>
           <a:xfrm>
-            <a:off x="4091356" y="2773230"/>
+            <a:off x="4425585" y="2773230"/>
             <a:ext cx="642679" cy="435070"/>
           </a:xfrm>
           <a:prstGeom prst="straightConnector1">
             <a:avLst/>
           </a:prstGeom>
-          <a:ln w="6350">
+          <a:ln w="38100">
             <a:solidFill>
               <a:srgbClr val="000000"/>
             </a:solidFill>
@@ -5719,7 +5797,7 @@
         </p:nvSpPr>
         <p:spPr>
           <a:xfrm>
-            <a:off x="7957226" y="1099877"/>
+            <a:off x="8014409" y="1986345"/>
             <a:ext cx="2033183" cy="914400"/>
           </a:xfrm>
           <a:prstGeom prst="rect">
@@ -5738,8 +5816,8 @@
           <a:p>
             <a:pPr algn="ctr"/>
             <a:r>
-              <a:rPr lang="en-US" sz="1600" b="1" dirty="0"/>
-              <a:t>Flat Segment</a:t>
+              <a:rPr lang="en-US" sz="2400" b="1" dirty="0"/>
+              <a:t>Ordered array</a:t>
             </a:r>
           </a:p>
         </p:txBody>
@@ -5758,7 +5836,7 @@
         </p:nvSpPr>
         <p:spPr>
           <a:xfrm>
-            <a:off x="680224" y="3213434"/>
+            <a:off x="423040" y="3213434"/>
             <a:ext cx="4928839" cy="1358566"/>
           </a:xfrm>
           <a:prstGeom prst="rect">
@@ -5766,8 +5844,8 @@
           </a:prstGeom>
           <a:solidFill>
             <a:schemeClr val="accent1">
-              <a:lumMod val="60000"/>
-              <a:lumOff val="40000"/>
+              <a:lumMod val="40000"/>
+              <a:lumOff val="60000"/>
             </a:schemeClr>
           </a:solidFill>
           <a:ln w="28575">
@@ -5795,8 +5873,8 @@
           <a:lstStyle/>
           <a:p>
             <a:r>
-              <a:rPr lang="en-US" b="1" dirty="0"/>
-              <a:t>   DATA</a:t>
+              <a:rPr lang="en-US" sz="2800" b="1" dirty="0"/>
+              <a:t>  DATA</a:t>
             </a:r>
           </a:p>
         </p:txBody>
@@ -5823,8 +5901,8 @@
           </a:prstGeom>
           <a:solidFill>
             <a:schemeClr val="accent1">
-              <a:lumMod val="60000"/>
-              <a:lumOff val="40000"/>
+              <a:lumMod val="40000"/>
+              <a:lumOff val="60000"/>
             </a:schemeClr>
           </a:solidFill>
           <a:ln w="28575">
@@ -5852,18 +5930,1182 @@
           <a:lstStyle/>
           <a:p>
             <a:r>
+              <a:rPr lang="en-US" sz="2800" b="1" dirty="0"/>
+              <a:t>  DATA</a:t>
+            </a:r>
+          </a:p>
+        </p:txBody>
+      </p:sp>
+      <p:sp>
+        <p:nvSpPr>
+          <p:cNvPr id="154" name="Rectangle 153">
+            <a:extLst>
+              <a:ext uri="{FF2B5EF4-FFF2-40B4-BE49-F238E27FC236}">
+                <a16:creationId xmlns:a16="http://schemas.microsoft.com/office/drawing/2014/main" id="{AE0EAA99-CA88-4F41-B9E5-C77AB91D0EA2}"/>
+              </a:ext>
+            </a:extLst>
+          </p:cNvPr>
+          <p:cNvSpPr/>
+          <p:nvPr/>
+        </p:nvSpPr>
+        <p:spPr>
+          <a:xfrm>
+            <a:off x="436440" y="1689592"/>
+            <a:ext cx="4928839" cy="1232028"/>
+          </a:xfrm>
+          <a:prstGeom prst="rect">
+            <a:avLst/>
+          </a:prstGeom>
+          <a:noFill/>
+          <a:ln w="28575">
+            <a:prstDash val="dash"/>
+          </a:ln>
+        </p:spPr>
+        <p:style>
+          <a:lnRef idx="2">
+            <a:schemeClr val="accent1">
+              <a:shade val="50000"/>
+            </a:schemeClr>
+          </a:lnRef>
+          <a:fillRef idx="1">
+            <a:schemeClr val="accent1"/>
+          </a:fillRef>
+          <a:effectRef idx="0">
+            <a:schemeClr val="accent1"/>
+          </a:effectRef>
+          <a:fontRef idx="minor">
+            <a:schemeClr val="lt1"/>
+          </a:fontRef>
+        </p:style>
+        <p:txBody>
+          <a:bodyPr rtlCol="0" anchor="ctr"/>
+          <a:lstStyle/>
+          <a:p>
+            <a:r>
+              <a:rPr lang="en-US" sz="2800" b="1" dirty="0">
+                <a:solidFill>
+                  <a:schemeClr val="tx1"/>
+                </a:solidFill>
+              </a:rPr>
+              <a:t> INDEX</a:t>
+            </a:r>
+          </a:p>
+        </p:txBody>
+      </p:sp>
+      <p:sp>
+        <p:nvSpPr>
+          <p:cNvPr id="177" name="Diamond 176">
+            <a:extLst>
+              <a:ext uri="{FF2B5EF4-FFF2-40B4-BE49-F238E27FC236}">
+                <a16:creationId xmlns:a16="http://schemas.microsoft.com/office/drawing/2014/main" id="{AB16EF4F-F7A3-5045-B2F2-502FCC3DD437}"/>
+              </a:ext>
+            </a:extLst>
+          </p:cNvPr>
+          <p:cNvSpPr>
+            <a:spLocks noChangeAspect="1"/>
+          </p:cNvSpPr>
+          <p:nvPr/>
+        </p:nvSpPr>
+        <p:spPr>
+          <a:xfrm rot="18971391">
+            <a:off x="8359095" y="2457481"/>
+            <a:ext cx="246888" cy="246888"/>
+          </a:xfrm>
+          <a:prstGeom prst="diamond">
+            <a:avLst/>
+          </a:prstGeom>
+          <a:solidFill>
+            <a:srgbClr val="0070C0"/>
+          </a:solidFill>
+          <a:ln>
+            <a:solidFill>
+              <a:schemeClr val="tx1"/>
+            </a:solidFill>
+          </a:ln>
+        </p:spPr>
+        <p:style>
+          <a:lnRef idx="1">
+            <a:schemeClr val="accent6"/>
+          </a:lnRef>
+          <a:fillRef idx="3">
+            <a:schemeClr val="accent6"/>
+          </a:fillRef>
+          <a:effectRef idx="2">
+            <a:schemeClr val="accent6"/>
+          </a:effectRef>
+          <a:fontRef idx="minor">
+            <a:schemeClr val="lt1"/>
+          </a:fontRef>
+        </p:style>
+        <p:txBody>
+          <a:bodyPr rtlCol="0" anchor="t">
+            <a:normAutofit fontScale="25000" lnSpcReduction="20000"/>
+          </a:bodyPr>
+          <a:lstStyle/>
+          <a:p>
+            <a:pPr algn="ctr"/>
+            <a:endParaRPr lang="en-US" sz="1600" dirty="0" err="1">
+              <a:solidFill>
+                <a:schemeClr val="tx1"/>
+              </a:solidFill>
+              <a:latin typeface="Arial" pitchFamily="34" charset="0"/>
+              <a:cs typeface="Arial" pitchFamily="34" charset="0"/>
+            </a:endParaRPr>
+          </a:p>
+        </p:txBody>
+      </p:sp>
+      <p:cxnSp>
+        <p:nvCxnSpPr>
+          <p:cNvPr id="203" name="Straight Arrow Connector 202">
+            <a:extLst>
+              <a:ext uri="{FF2B5EF4-FFF2-40B4-BE49-F238E27FC236}">
+                <a16:creationId xmlns:a16="http://schemas.microsoft.com/office/drawing/2014/main" id="{2EAD6762-F5E4-5E4D-84B2-DACB9D691FCE}"/>
+              </a:ext>
+            </a:extLst>
+          </p:cNvPr>
+          <p:cNvCxnSpPr>
+            <a:cxnSpLocks/>
+            <a:stCxn id="212" idx="2"/>
+          </p:cNvCxnSpPr>
+          <p:nvPr/>
+        </p:nvCxnSpPr>
+        <p:spPr>
+          <a:xfrm flipH="1">
+            <a:off x="7505690" y="2670007"/>
+            <a:ext cx="1237767" cy="520436"/>
+          </a:xfrm>
+          <a:prstGeom prst="straightConnector1">
+            <a:avLst/>
+          </a:prstGeom>
+          <a:ln w="38100">
+            <a:solidFill>
+              <a:srgbClr val="000000"/>
+            </a:solidFill>
+            <a:tailEnd type="arrow"/>
+          </a:ln>
+        </p:spPr>
+        <p:style>
+          <a:lnRef idx="1">
+            <a:schemeClr val="accent1"/>
+          </a:lnRef>
+          <a:fillRef idx="0">
+            <a:schemeClr val="accent1"/>
+          </a:fillRef>
+          <a:effectRef idx="0">
+            <a:schemeClr val="accent1"/>
+          </a:effectRef>
+          <a:fontRef idx="minor">
+            <a:schemeClr val="tx1"/>
+          </a:fontRef>
+        </p:style>
+      </p:cxnSp>
+      <p:cxnSp>
+        <p:nvCxnSpPr>
+          <p:cNvPr id="204" name="Straight Arrow Connector 203">
+            <a:extLst>
+              <a:ext uri="{FF2B5EF4-FFF2-40B4-BE49-F238E27FC236}">
+                <a16:creationId xmlns:a16="http://schemas.microsoft.com/office/drawing/2014/main" id="{3D93965E-9518-A84E-BF0D-2129A62B67C4}"/>
+              </a:ext>
+            </a:extLst>
+          </p:cNvPr>
+          <p:cNvCxnSpPr>
+            <a:cxnSpLocks/>
+            <a:stCxn id="177" idx="1"/>
+          </p:cNvCxnSpPr>
+          <p:nvPr/>
+        </p:nvCxnSpPr>
+        <p:spPr>
+          <a:xfrm flipH="1">
+            <a:off x="7028817" y="2666382"/>
+            <a:ext cx="1364640" cy="524061"/>
+          </a:xfrm>
+          <a:prstGeom prst="straightConnector1">
+            <a:avLst/>
+          </a:prstGeom>
+          <a:ln w="38100">
+            <a:solidFill>
+              <a:srgbClr val="000000"/>
+            </a:solidFill>
+            <a:tailEnd type="arrow"/>
+          </a:ln>
+        </p:spPr>
+        <p:style>
+          <a:lnRef idx="1">
+            <a:schemeClr val="accent1"/>
+          </a:lnRef>
+          <a:fillRef idx="0">
+            <a:schemeClr val="accent1"/>
+          </a:fillRef>
+          <a:effectRef idx="0">
+            <a:schemeClr val="accent1"/>
+          </a:effectRef>
+          <a:fontRef idx="minor">
+            <a:schemeClr val="tx1"/>
+          </a:fontRef>
+        </p:style>
+      </p:cxnSp>
+      <p:cxnSp>
+        <p:nvCxnSpPr>
+          <p:cNvPr id="205" name="Straight Arrow Connector 204">
+            <a:extLst>
+              <a:ext uri="{FF2B5EF4-FFF2-40B4-BE49-F238E27FC236}">
+                <a16:creationId xmlns:a16="http://schemas.microsoft.com/office/drawing/2014/main" id="{609FEF21-1633-9C45-9843-161EC63C470B}"/>
+              </a:ext>
+            </a:extLst>
+          </p:cNvPr>
+          <p:cNvCxnSpPr>
+            <a:cxnSpLocks/>
+            <a:stCxn id="210" idx="2"/>
+          </p:cNvCxnSpPr>
+          <p:nvPr/>
+        </p:nvCxnSpPr>
+        <p:spPr>
+          <a:xfrm flipH="1">
+            <a:off x="8436339" y="2670007"/>
+            <a:ext cx="482579" cy="539284"/>
+          </a:xfrm>
+          <a:prstGeom prst="straightConnector1">
+            <a:avLst/>
+          </a:prstGeom>
+          <a:ln w="38100">
+            <a:solidFill>
+              <a:srgbClr val="000000"/>
+            </a:solidFill>
+            <a:tailEnd type="arrow"/>
+          </a:ln>
+        </p:spPr>
+        <p:style>
+          <a:lnRef idx="1">
+            <a:schemeClr val="accent1"/>
+          </a:lnRef>
+          <a:fillRef idx="0">
+            <a:schemeClr val="accent1"/>
+          </a:fillRef>
+          <a:effectRef idx="0">
+            <a:schemeClr val="accent1"/>
+          </a:effectRef>
+          <a:fontRef idx="minor">
+            <a:schemeClr val="tx1"/>
+          </a:fontRef>
+        </p:style>
+      </p:cxnSp>
+      <p:cxnSp>
+        <p:nvCxnSpPr>
+          <p:cNvPr id="206" name="Straight Arrow Connector 205">
+            <a:extLst>
+              <a:ext uri="{FF2B5EF4-FFF2-40B4-BE49-F238E27FC236}">
+                <a16:creationId xmlns:a16="http://schemas.microsoft.com/office/drawing/2014/main" id="{BB9C85B4-571B-BD4B-A070-D91785DE77F1}"/>
+              </a:ext>
+            </a:extLst>
+          </p:cNvPr>
+          <p:cNvCxnSpPr>
+            <a:cxnSpLocks/>
+            <a:stCxn id="213" idx="1"/>
+          </p:cNvCxnSpPr>
+          <p:nvPr/>
+        </p:nvCxnSpPr>
+        <p:spPr>
+          <a:xfrm flipH="1">
+            <a:off x="8995727" y="2666382"/>
+            <a:ext cx="99574" cy="529195"/>
+          </a:xfrm>
+          <a:prstGeom prst="straightConnector1">
+            <a:avLst/>
+          </a:prstGeom>
+          <a:ln w="38100">
+            <a:solidFill>
+              <a:srgbClr val="000000"/>
+            </a:solidFill>
+            <a:tailEnd type="arrow"/>
+          </a:ln>
+        </p:spPr>
+        <p:style>
+          <a:lnRef idx="1">
+            <a:schemeClr val="accent1"/>
+          </a:lnRef>
+          <a:fillRef idx="0">
+            <a:schemeClr val="accent1"/>
+          </a:fillRef>
+          <a:effectRef idx="0">
+            <a:schemeClr val="accent1"/>
+          </a:effectRef>
+          <a:fontRef idx="minor">
+            <a:schemeClr val="tx1"/>
+          </a:fontRef>
+        </p:style>
+      </p:cxnSp>
+      <p:cxnSp>
+        <p:nvCxnSpPr>
+          <p:cNvPr id="207" name="Straight Arrow Connector 206">
+            <a:extLst>
+              <a:ext uri="{FF2B5EF4-FFF2-40B4-BE49-F238E27FC236}">
+                <a16:creationId xmlns:a16="http://schemas.microsoft.com/office/drawing/2014/main" id="{530460FD-B49A-6441-B04E-454DF3E5FF17}"/>
+              </a:ext>
+            </a:extLst>
+          </p:cNvPr>
+          <p:cNvCxnSpPr>
+            <a:cxnSpLocks/>
+            <a:stCxn id="216" idx="1"/>
+          </p:cNvCxnSpPr>
+          <p:nvPr/>
+        </p:nvCxnSpPr>
+        <p:spPr>
+          <a:xfrm>
+            <a:off x="9270762" y="2666382"/>
+            <a:ext cx="266489" cy="513465"/>
+          </a:xfrm>
+          <a:prstGeom prst="straightConnector1">
+            <a:avLst/>
+          </a:prstGeom>
+          <a:ln w="38100">
+            <a:solidFill>
+              <a:srgbClr val="000000"/>
+            </a:solidFill>
+            <a:tailEnd type="arrow"/>
+          </a:ln>
+        </p:spPr>
+        <p:style>
+          <a:lnRef idx="1">
+            <a:schemeClr val="accent1"/>
+          </a:lnRef>
+          <a:fillRef idx="0">
+            <a:schemeClr val="accent1"/>
+          </a:fillRef>
+          <a:effectRef idx="0">
+            <a:schemeClr val="accent1"/>
+          </a:effectRef>
+          <a:fontRef idx="minor">
+            <a:schemeClr val="tx1"/>
+          </a:fontRef>
+        </p:style>
+      </p:cxnSp>
+      <p:cxnSp>
+        <p:nvCxnSpPr>
+          <p:cNvPr id="208" name="Straight Arrow Connector 207">
+            <a:extLst>
+              <a:ext uri="{FF2B5EF4-FFF2-40B4-BE49-F238E27FC236}">
+                <a16:creationId xmlns:a16="http://schemas.microsoft.com/office/drawing/2014/main" id="{B0F21332-AAC5-BA48-BB5D-06FF9AD316BD}"/>
+              </a:ext>
+            </a:extLst>
+          </p:cNvPr>
+          <p:cNvCxnSpPr>
+            <a:cxnSpLocks/>
+            <a:stCxn id="214" idx="2"/>
+          </p:cNvCxnSpPr>
+          <p:nvPr/>
+        </p:nvCxnSpPr>
+        <p:spPr>
+          <a:xfrm>
+            <a:off x="9620762" y="2670007"/>
+            <a:ext cx="426830" cy="509840"/>
+          </a:xfrm>
+          <a:prstGeom prst="straightConnector1">
+            <a:avLst/>
+          </a:prstGeom>
+          <a:ln w="38100">
+            <a:solidFill>
+              <a:srgbClr val="000000"/>
+            </a:solidFill>
+            <a:tailEnd type="arrow"/>
+          </a:ln>
+        </p:spPr>
+        <p:style>
+          <a:lnRef idx="1">
+            <a:schemeClr val="accent1"/>
+          </a:lnRef>
+          <a:fillRef idx="0">
+            <a:schemeClr val="accent1"/>
+          </a:fillRef>
+          <a:effectRef idx="0">
+            <a:schemeClr val="accent1"/>
+          </a:effectRef>
+          <a:fontRef idx="minor">
+            <a:schemeClr val="tx1"/>
+          </a:fontRef>
+        </p:style>
+      </p:cxnSp>
+      <p:cxnSp>
+        <p:nvCxnSpPr>
+          <p:cNvPr id="209" name="Straight Arrow Connector 208">
+            <a:extLst>
+              <a:ext uri="{FF2B5EF4-FFF2-40B4-BE49-F238E27FC236}">
+                <a16:creationId xmlns:a16="http://schemas.microsoft.com/office/drawing/2014/main" id="{BE477BA6-F4DD-FA46-A858-BA7895D4381B}"/>
+              </a:ext>
+            </a:extLst>
+          </p:cNvPr>
+          <p:cNvCxnSpPr>
+            <a:cxnSpLocks/>
+            <a:stCxn id="215" idx="2"/>
+          </p:cNvCxnSpPr>
+          <p:nvPr/>
+        </p:nvCxnSpPr>
+        <p:spPr>
+          <a:xfrm>
+            <a:off x="9796222" y="2670007"/>
+            <a:ext cx="927793" cy="520436"/>
+          </a:xfrm>
+          <a:prstGeom prst="straightConnector1">
+            <a:avLst/>
+          </a:prstGeom>
+          <a:ln w="38100">
+            <a:solidFill>
+              <a:srgbClr val="000000"/>
+            </a:solidFill>
+            <a:tailEnd type="arrow"/>
+          </a:ln>
+        </p:spPr>
+        <p:style>
+          <a:lnRef idx="1">
+            <a:schemeClr val="accent1"/>
+          </a:lnRef>
+          <a:fillRef idx="0">
+            <a:schemeClr val="accent1"/>
+          </a:fillRef>
+          <a:effectRef idx="0">
+            <a:schemeClr val="accent1"/>
+          </a:effectRef>
+          <a:fontRef idx="minor">
+            <a:schemeClr val="tx1"/>
+          </a:fontRef>
+        </p:style>
+      </p:cxnSp>
+      <p:sp>
+        <p:nvSpPr>
+          <p:cNvPr id="210" name="Diamond 209">
+            <a:extLst>
+              <a:ext uri="{FF2B5EF4-FFF2-40B4-BE49-F238E27FC236}">
+                <a16:creationId xmlns:a16="http://schemas.microsoft.com/office/drawing/2014/main" id="{C087EB16-E519-1B4F-A135-F4D22BD9323C}"/>
+              </a:ext>
+            </a:extLst>
+          </p:cNvPr>
+          <p:cNvSpPr>
+            <a:spLocks noChangeAspect="1"/>
+          </p:cNvSpPr>
+          <p:nvPr/>
+        </p:nvSpPr>
+        <p:spPr>
+          <a:xfrm rot="18971391">
+            <a:off x="8710017" y="2457481"/>
+            <a:ext cx="246888" cy="246888"/>
+          </a:xfrm>
+          <a:prstGeom prst="diamond">
+            <a:avLst/>
+          </a:prstGeom>
+          <a:solidFill>
+            <a:srgbClr val="0070C0"/>
+          </a:solidFill>
+          <a:ln>
+            <a:solidFill>
+              <a:schemeClr val="tx1"/>
+            </a:solidFill>
+          </a:ln>
+        </p:spPr>
+        <p:style>
+          <a:lnRef idx="1">
+            <a:schemeClr val="accent6"/>
+          </a:lnRef>
+          <a:fillRef idx="3">
+            <a:schemeClr val="accent6"/>
+          </a:fillRef>
+          <a:effectRef idx="2">
+            <a:schemeClr val="accent6"/>
+          </a:effectRef>
+          <a:fontRef idx="minor">
+            <a:schemeClr val="lt1"/>
+          </a:fontRef>
+        </p:style>
+        <p:txBody>
+          <a:bodyPr rtlCol="0" anchor="t">
+            <a:normAutofit fontScale="25000" lnSpcReduction="20000"/>
+          </a:bodyPr>
+          <a:lstStyle/>
+          <a:p>
+            <a:pPr algn="ctr"/>
+            <a:endParaRPr lang="en-US" sz="1600" dirty="0" err="1">
+              <a:solidFill>
+                <a:schemeClr val="tx1"/>
+              </a:solidFill>
+              <a:latin typeface="Arial" pitchFamily="34" charset="0"/>
+              <a:cs typeface="Arial" pitchFamily="34" charset="0"/>
+            </a:endParaRPr>
+          </a:p>
+        </p:txBody>
+      </p:sp>
+      <p:sp>
+        <p:nvSpPr>
+          <p:cNvPr id="211" name="Diamond 210">
+            <a:extLst>
+              <a:ext uri="{FF2B5EF4-FFF2-40B4-BE49-F238E27FC236}">
+                <a16:creationId xmlns:a16="http://schemas.microsoft.com/office/drawing/2014/main" id="{231A0675-2A4F-3F44-9FD4-B88B20C50103}"/>
+              </a:ext>
+            </a:extLst>
+          </p:cNvPr>
+          <p:cNvSpPr>
+            <a:spLocks noChangeAspect="1"/>
+          </p:cNvSpPr>
+          <p:nvPr/>
+        </p:nvSpPr>
+        <p:spPr>
+          <a:xfrm rot="18971391">
+            <a:off x="8885478" y="2457481"/>
+            <a:ext cx="246888" cy="246888"/>
+          </a:xfrm>
+          <a:prstGeom prst="diamond">
+            <a:avLst/>
+          </a:prstGeom>
+          <a:solidFill>
+            <a:srgbClr val="0070C0"/>
+          </a:solidFill>
+          <a:ln>
+            <a:solidFill>
+              <a:schemeClr val="tx1"/>
+            </a:solidFill>
+          </a:ln>
+        </p:spPr>
+        <p:style>
+          <a:lnRef idx="1">
+            <a:schemeClr val="accent6"/>
+          </a:lnRef>
+          <a:fillRef idx="3">
+            <a:schemeClr val="accent6"/>
+          </a:fillRef>
+          <a:effectRef idx="2">
+            <a:schemeClr val="accent6"/>
+          </a:effectRef>
+          <a:fontRef idx="minor">
+            <a:schemeClr val="lt1"/>
+          </a:fontRef>
+        </p:style>
+        <p:txBody>
+          <a:bodyPr rtlCol="0" anchor="t">
+            <a:normAutofit fontScale="25000" lnSpcReduction="20000"/>
+          </a:bodyPr>
+          <a:lstStyle/>
+          <a:p>
+            <a:pPr algn="ctr"/>
+            <a:endParaRPr lang="en-US" sz="1600" dirty="0" err="1">
+              <a:solidFill>
+                <a:schemeClr val="tx1"/>
+              </a:solidFill>
+              <a:latin typeface="Arial" pitchFamily="34" charset="0"/>
+              <a:cs typeface="Arial" pitchFamily="34" charset="0"/>
+            </a:endParaRPr>
+          </a:p>
+        </p:txBody>
+      </p:sp>
+      <p:sp>
+        <p:nvSpPr>
+          <p:cNvPr id="212" name="Diamond 211">
+            <a:extLst>
+              <a:ext uri="{FF2B5EF4-FFF2-40B4-BE49-F238E27FC236}">
+                <a16:creationId xmlns:a16="http://schemas.microsoft.com/office/drawing/2014/main" id="{90FAD0A0-6D96-EE41-BEEB-7ECD114B6AC1}"/>
+              </a:ext>
+            </a:extLst>
+          </p:cNvPr>
+          <p:cNvSpPr>
+            <a:spLocks noChangeAspect="1"/>
+          </p:cNvSpPr>
+          <p:nvPr/>
+        </p:nvSpPr>
+        <p:spPr>
+          <a:xfrm rot="18971391">
+            <a:off x="8534556" y="2457481"/>
+            <a:ext cx="246888" cy="246888"/>
+          </a:xfrm>
+          <a:prstGeom prst="diamond">
+            <a:avLst/>
+          </a:prstGeom>
+          <a:solidFill>
+            <a:srgbClr val="0070C0"/>
+          </a:solidFill>
+          <a:ln>
+            <a:solidFill>
+              <a:schemeClr val="tx1"/>
+            </a:solidFill>
+          </a:ln>
+        </p:spPr>
+        <p:style>
+          <a:lnRef idx="1">
+            <a:schemeClr val="accent6"/>
+          </a:lnRef>
+          <a:fillRef idx="3">
+            <a:schemeClr val="accent6"/>
+          </a:fillRef>
+          <a:effectRef idx="2">
+            <a:schemeClr val="accent6"/>
+          </a:effectRef>
+          <a:fontRef idx="minor">
+            <a:schemeClr val="lt1"/>
+          </a:fontRef>
+        </p:style>
+        <p:txBody>
+          <a:bodyPr rtlCol="0" anchor="t">
+            <a:normAutofit fontScale="25000" lnSpcReduction="20000"/>
+          </a:bodyPr>
+          <a:lstStyle/>
+          <a:p>
+            <a:pPr algn="ctr"/>
+            <a:endParaRPr lang="en-US" sz="1600" dirty="0" err="1">
+              <a:solidFill>
+                <a:schemeClr val="tx1"/>
+              </a:solidFill>
+              <a:latin typeface="Arial" pitchFamily="34" charset="0"/>
+              <a:cs typeface="Arial" pitchFamily="34" charset="0"/>
+            </a:endParaRPr>
+          </a:p>
+        </p:txBody>
+      </p:sp>
+      <p:sp>
+        <p:nvSpPr>
+          <p:cNvPr id="213" name="Diamond 212">
+            <a:extLst>
+              <a:ext uri="{FF2B5EF4-FFF2-40B4-BE49-F238E27FC236}">
+                <a16:creationId xmlns:a16="http://schemas.microsoft.com/office/drawing/2014/main" id="{5E913281-94A1-134C-A5F0-1E8BB94FD2DD}"/>
+              </a:ext>
+            </a:extLst>
+          </p:cNvPr>
+          <p:cNvSpPr>
+            <a:spLocks noChangeAspect="1"/>
+          </p:cNvSpPr>
+          <p:nvPr/>
+        </p:nvSpPr>
+        <p:spPr>
+          <a:xfrm rot="18971391">
+            <a:off x="9060939" y="2457481"/>
+            <a:ext cx="246888" cy="246888"/>
+          </a:xfrm>
+          <a:prstGeom prst="diamond">
+            <a:avLst/>
+          </a:prstGeom>
+          <a:solidFill>
+            <a:srgbClr val="0070C0"/>
+          </a:solidFill>
+          <a:ln>
+            <a:solidFill>
+              <a:schemeClr val="tx1"/>
+            </a:solidFill>
+          </a:ln>
+        </p:spPr>
+        <p:style>
+          <a:lnRef idx="1">
+            <a:schemeClr val="accent6"/>
+          </a:lnRef>
+          <a:fillRef idx="3">
+            <a:schemeClr val="accent6"/>
+          </a:fillRef>
+          <a:effectRef idx="2">
+            <a:schemeClr val="accent6"/>
+          </a:effectRef>
+          <a:fontRef idx="minor">
+            <a:schemeClr val="lt1"/>
+          </a:fontRef>
+        </p:style>
+        <p:txBody>
+          <a:bodyPr rtlCol="0" anchor="t">
+            <a:normAutofit fontScale="25000" lnSpcReduction="20000"/>
+          </a:bodyPr>
+          <a:lstStyle/>
+          <a:p>
+            <a:pPr algn="ctr"/>
+            <a:endParaRPr lang="en-US" sz="1600" dirty="0" err="1">
+              <a:solidFill>
+                <a:schemeClr val="tx1"/>
+              </a:solidFill>
+              <a:latin typeface="Arial" pitchFamily="34" charset="0"/>
+              <a:cs typeface="Arial" pitchFamily="34" charset="0"/>
+            </a:endParaRPr>
+          </a:p>
+        </p:txBody>
+      </p:sp>
+      <p:sp>
+        <p:nvSpPr>
+          <p:cNvPr id="214" name="Diamond 213">
+            <a:extLst>
+              <a:ext uri="{FF2B5EF4-FFF2-40B4-BE49-F238E27FC236}">
+                <a16:creationId xmlns:a16="http://schemas.microsoft.com/office/drawing/2014/main" id="{3B777B00-E62A-DD46-8A7C-171B83B1EAFD}"/>
+              </a:ext>
+            </a:extLst>
+          </p:cNvPr>
+          <p:cNvSpPr>
+            <a:spLocks noChangeAspect="1"/>
+          </p:cNvSpPr>
+          <p:nvPr/>
+        </p:nvSpPr>
+        <p:spPr>
+          <a:xfrm rot="18971391">
+            <a:off x="9411861" y="2457481"/>
+            <a:ext cx="246888" cy="246888"/>
+          </a:xfrm>
+          <a:prstGeom prst="diamond">
+            <a:avLst/>
+          </a:prstGeom>
+          <a:solidFill>
+            <a:srgbClr val="0070C0"/>
+          </a:solidFill>
+          <a:ln>
+            <a:solidFill>
+              <a:schemeClr val="tx1"/>
+            </a:solidFill>
+          </a:ln>
+        </p:spPr>
+        <p:style>
+          <a:lnRef idx="1">
+            <a:schemeClr val="accent6"/>
+          </a:lnRef>
+          <a:fillRef idx="3">
+            <a:schemeClr val="accent6"/>
+          </a:fillRef>
+          <a:effectRef idx="2">
+            <a:schemeClr val="accent6"/>
+          </a:effectRef>
+          <a:fontRef idx="minor">
+            <a:schemeClr val="lt1"/>
+          </a:fontRef>
+        </p:style>
+        <p:txBody>
+          <a:bodyPr rtlCol="0" anchor="t">
+            <a:normAutofit fontScale="25000" lnSpcReduction="20000"/>
+          </a:bodyPr>
+          <a:lstStyle/>
+          <a:p>
+            <a:pPr algn="ctr"/>
+            <a:endParaRPr lang="en-US" sz="1600" dirty="0" err="1">
+              <a:solidFill>
+                <a:schemeClr val="tx1"/>
+              </a:solidFill>
+              <a:latin typeface="Arial" pitchFamily="34" charset="0"/>
+              <a:cs typeface="Arial" pitchFamily="34" charset="0"/>
+            </a:endParaRPr>
+          </a:p>
+        </p:txBody>
+      </p:sp>
+      <p:sp>
+        <p:nvSpPr>
+          <p:cNvPr id="215" name="Diamond 214">
+            <a:extLst>
+              <a:ext uri="{FF2B5EF4-FFF2-40B4-BE49-F238E27FC236}">
+                <a16:creationId xmlns:a16="http://schemas.microsoft.com/office/drawing/2014/main" id="{5F370D92-C997-5B43-8C67-C18418B337B5}"/>
+              </a:ext>
+            </a:extLst>
+          </p:cNvPr>
+          <p:cNvSpPr>
+            <a:spLocks noChangeAspect="1"/>
+          </p:cNvSpPr>
+          <p:nvPr/>
+        </p:nvSpPr>
+        <p:spPr>
+          <a:xfrm rot="18971391">
+            <a:off x="9587321" y="2457481"/>
+            <a:ext cx="246888" cy="246888"/>
+          </a:xfrm>
+          <a:prstGeom prst="diamond">
+            <a:avLst/>
+          </a:prstGeom>
+          <a:solidFill>
+            <a:srgbClr val="0070C0"/>
+          </a:solidFill>
+          <a:ln>
+            <a:solidFill>
+              <a:schemeClr val="tx1"/>
+            </a:solidFill>
+          </a:ln>
+        </p:spPr>
+        <p:style>
+          <a:lnRef idx="1">
+            <a:schemeClr val="accent6"/>
+          </a:lnRef>
+          <a:fillRef idx="3">
+            <a:schemeClr val="accent6"/>
+          </a:fillRef>
+          <a:effectRef idx="2">
+            <a:schemeClr val="accent6"/>
+          </a:effectRef>
+          <a:fontRef idx="minor">
+            <a:schemeClr val="lt1"/>
+          </a:fontRef>
+        </p:style>
+        <p:txBody>
+          <a:bodyPr rtlCol="0" anchor="t">
+            <a:normAutofit fontScale="25000" lnSpcReduction="20000"/>
+          </a:bodyPr>
+          <a:lstStyle/>
+          <a:p>
+            <a:pPr algn="ctr"/>
+            <a:endParaRPr lang="en-US" sz="1600" dirty="0" err="1">
+              <a:solidFill>
+                <a:schemeClr val="tx1"/>
+              </a:solidFill>
+              <a:latin typeface="Arial" pitchFamily="34" charset="0"/>
+              <a:cs typeface="Arial" pitchFamily="34" charset="0"/>
+            </a:endParaRPr>
+          </a:p>
+        </p:txBody>
+      </p:sp>
+      <p:sp>
+        <p:nvSpPr>
+          <p:cNvPr id="216" name="Diamond 215">
+            <a:extLst>
+              <a:ext uri="{FF2B5EF4-FFF2-40B4-BE49-F238E27FC236}">
+                <a16:creationId xmlns:a16="http://schemas.microsoft.com/office/drawing/2014/main" id="{96822EFE-0D15-2042-BD72-30E19C13FF80}"/>
+              </a:ext>
+            </a:extLst>
+          </p:cNvPr>
+          <p:cNvSpPr>
+            <a:spLocks noChangeAspect="1"/>
+          </p:cNvSpPr>
+          <p:nvPr/>
+        </p:nvSpPr>
+        <p:spPr>
+          <a:xfrm rot="18971391">
+            <a:off x="9236400" y="2457481"/>
+            <a:ext cx="246888" cy="246888"/>
+          </a:xfrm>
+          <a:prstGeom prst="diamond">
+            <a:avLst/>
+          </a:prstGeom>
+          <a:solidFill>
+            <a:srgbClr val="0070C0"/>
+          </a:solidFill>
+          <a:ln>
+            <a:solidFill>
+              <a:schemeClr val="tx1"/>
+            </a:solidFill>
+          </a:ln>
+        </p:spPr>
+        <p:style>
+          <a:lnRef idx="1">
+            <a:schemeClr val="accent6"/>
+          </a:lnRef>
+          <a:fillRef idx="3">
+            <a:schemeClr val="accent6"/>
+          </a:fillRef>
+          <a:effectRef idx="2">
+            <a:schemeClr val="accent6"/>
+          </a:effectRef>
+          <a:fontRef idx="minor">
+            <a:schemeClr val="lt1"/>
+          </a:fontRef>
+        </p:style>
+        <p:txBody>
+          <a:bodyPr rtlCol="0" anchor="t">
+            <a:normAutofit fontScale="25000" lnSpcReduction="20000"/>
+          </a:bodyPr>
+          <a:lstStyle/>
+          <a:p>
+            <a:pPr algn="ctr"/>
+            <a:endParaRPr lang="en-US" sz="1600" dirty="0" err="1">
+              <a:solidFill>
+                <a:schemeClr val="tx1"/>
+              </a:solidFill>
+              <a:latin typeface="Arial" pitchFamily="34" charset="0"/>
+              <a:cs typeface="Arial" pitchFamily="34" charset="0"/>
+            </a:endParaRPr>
+          </a:p>
+        </p:txBody>
+      </p:sp>
+      <p:sp>
+        <p:nvSpPr>
+          <p:cNvPr id="227" name="Rectangle 226">
+            <a:extLst>
+              <a:ext uri="{FF2B5EF4-FFF2-40B4-BE49-F238E27FC236}">
+                <a16:creationId xmlns:a16="http://schemas.microsoft.com/office/drawing/2014/main" id="{9BDF5E56-508C-574B-B173-5252C9C44C18}"/>
+              </a:ext>
+            </a:extLst>
+          </p:cNvPr>
+          <p:cNvSpPr/>
+          <p:nvPr/>
+        </p:nvSpPr>
+        <p:spPr>
+          <a:xfrm>
+            <a:off x="6509397" y="1686701"/>
+            <a:ext cx="4928839" cy="1232028"/>
+          </a:xfrm>
+          <a:prstGeom prst="rect">
+            <a:avLst/>
+          </a:prstGeom>
+          <a:noFill/>
+          <a:ln w="28575">
+            <a:prstDash val="dash"/>
+          </a:ln>
+        </p:spPr>
+        <p:style>
+          <a:lnRef idx="2">
+            <a:schemeClr val="accent1">
+              <a:shade val="50000"/>
+            </a:schemeClr>
+          </a:lnRef>
+          <a:fillRef idx="1">
+            <a:schemeClr val="accent1"/>
+          </a:fillRef>
+          <a:effectRef idx="0">
+            <a:schemeClr val="accent1"/>
+          </a:effectRef>
+          <a:fontRef idx="minor">
+            <a:schemeClr val="lt1"/>
+          </a:fontRef>
+        </p:style>
+        <p:txBody>
+          <a:bodyPr rtlCol="0" anchor="ctr"/>
+          <a:lstStyle/>
+          <a:p>
+            <a:r>
+              <a:rPr lang="en-US" sz="2800" b="1" dirty="0">
+                <a:solidFill>
+                  <a:schemeClr val="tx1"/>
+                </a:solidFill>
+              </a:rPr>
+              <a:t>  INDEX</a:t>
+            </a:r>
+          </a:p>
+        </p:txBody>
+      </p:sp>
+      <p:sp>
+        <p:nvSpPr>
+          <p:cNvPr id="229" name="TextBox 228">
+            <a:extLst>
+              <a:ext uri="{FF2B5EF4-FFF2-40B4-BE49-F238E27FC236}">
+                <a16:creationId xmlns:a16="http://schemas.microsoft.com/office/drawing/2014/main" id="{632FFC3D-1956-1444-9143-41A207016049}"/>
+              </a:ext>
+            </a:extLst>
+          </p:cNvPr>
+          <p:cNvSpPr txBox="1"/>
+          <p:nvPr/>
+        </p:nvSpPr>
+        <p:spPr>
+          <a:xfrm>
+            <a:off x="8052474" y="637903"/>
+            <a:ext cx="2033183" cy="914400"/>
+          </a:xfrm>
+          <a:prstGeom prst="rect">
+            <a:avLst/>
+          </a:prstGeom>
+          <a:noFill/>
+          <a:ln>
+            <a:noFill/>
+          </a:ln>
+        </p:spPr>
+        <p:txBody>
+          <a:bodyPr wrap="none" rtlCol="0">
+            <a:normAutofit/>
+          </a:bodyPr>
+          <a:lstStyle/>
+          <a:p>
+            <a:pPr algn="ctr"/>
+            <a:r>
+              <a:rPr lang="en-US" sz="4400" b="1" dirty="0"/>
+              <a:t>Flat Segment</a:t>
+            </a:r>
+          </a:p>
+        </p:txBody>
+      </p:sp>
+    </p:spTree>
+    <p:extLst>
+      <p:ext uri="{BB962C8B-B14F-4D97-AF65-F5344CB8AC3E}">
+        <p14:creationId xmlns:p14="http://schemas.microsoft.com/office/powerpoint/2010/main" val="2040009103"/>
+      </p:ext>
+    </p:extLst>
+  </p:cSld>
+  <p:clrMapOvr>
+    <a:masterClrMapping/>
+  </p:clrMapOvr>
+</p:sld>
+</file>
+
+<file path=ppt/slides/slide2.xml><?xml version="1.0" encoding="utf-8"?>
+<p:sld xmlns:a="http://schemas.openxmlformats.org/drawingml/2006/main" xmlns:r="http://schemas.openxmlformats.org/officeDocument/2006/relationships" xmlns:p="http://schemas.openxmlformats.org/presentationml/2006/main">
+  <p:cSld>
+    <p:spTree>
+      <p:nvGrpSpPr>
+        <p:cNvPr id="1" name=""/>
+        <p:cNvGrpSpPr/>
+        <p:nvPr/>
+      </p:nvGrpSpPr>
+      <p:grpSpPr>
+        <a:xfrm>
+          <a:off x="0" y="0"/>
+          <a:ext cx="0" cy="0"/>
+          <a:chOff x="0" y="0"/>
+          <a:chExt cx="0" cy="0"/>
+        </a:xfrm>
+      </p:grpSpPr>
+      <p:sp>
+        <p:nvSpPr>
+          <p:cNvPr id="79" name="Rounded Rectangle 78">
+            <a:extLst>
+              <a:ext uri="{FF2B5EF4-FFF2-40B4-BE49-F238E27FC236}">
+                <a16:creationId xmlns:a16="http://schemas.microsoft.com/office/drawing/2014/main" id="{F80A6E6A-A8A3-A649-8DFE-0ACDC47A34BE}"/>
+              </a:ext>
+            </a:extLst>
+          </p:cNvPr>
+          <p:cNvSpPr>
+            <a:spLocks noChangeAspect="1"/>
+          </p:cNvSpPr>
+          <p:nvPr/>
+        </p:nvSpPr>
+        <p:spPr>
+          <a:xfrm>
+            <a:off x="238936" y="1052121"/>
+            <a:ext cx="5308784" cy="3317990"/>
+          </a:xfrm>
+          <a:prstGeom prst="roundRect">
+            <a:avLst/>
+          </a:prstGeom>
+          <a:noFill/>
+          <a:ln w="28575">
+            <a:solidFill>
+              <a:srgbClr val="002060">
+                <a:alpha val="70000"/>
+              </a:srgbClr>
+            </a:solidFill>
+          </a:ln>
+        </p:spPr>
+        <p:style>
+          <a:lnRef idx="2">
+            <a:schemeClr val="accent1"/>
+          </a:lnRef>
+          <a:fillRef idx="1">
+            <a:schemeClr val="lt1"/>
+          </a:fillRef>
+          <a:effectRef idx="0">
+            <a:schemeClr val="accent1"/>
+          </a:effectRef>
+          <a:fontRef idx="minor">
+            <a:schemeClr val="dk1"/>
+          </a:fontRef>
+        </p:style>
+        <p:txBody>
+          <a:bodyPr rot="0" spcFirstLastPara="0" vert="horz" wrap="square" lIns="91440" tIns="45720" rIns="91440" bIns="45720" numCol="1" spcCol="0" rtlCol="0" fromWordArt="0" anchor="ctr" anchorCtr="0" forceAA="0" compatLnSpc="1">
+            <a:prstTxWarp prst="textNoShape">
+              <a:avLst/>
+            </a:prstTxWarp>
+            <a:noAutofit/>
+          </a:bodyPr>
+          <a:lstStyle/>
+          <a:p>
+            <a:pPr marL="0" marR="0" algn="ctr">
+              <a:spcBef>
+                <a:spcPts val="0"/>
+              </a:spcBef>
+              <a:spcAft>
+                <a:spcPts val="0"/>
+              </a:spcAft>
+            </a:pPr>
+            <a:endParaRPr lang="en-US" sz="1200" dirty="0">
+              <a:effectLst/>
+              <a:ea typeface="ＭＳ 明朝"/>
+              <a:cs typeface="Times New Roman"/>
+            </a:endParaRPr>
+          </a:p>
+        </p:txBody>
+      </p:sp>
+      <p:sp>
+        <p:nvSpPr>
+          <p:cNvPr id="80" name="TextBox 79">
+            <a:extLst>
+              <a:ext uri="{FF2B5EF4-FFF2-40B4-BE49-F238E27FC236}">
+                <a16:creationId xmlns:a16="http://schemas.microsoft.com/office/drawing/2014/main" id="{2F1BABAE-2D9C-E34E-8666-FCA58B71A878}"/>
+              </a:ext>
+            </a:extLst>
+          </p:cNvPr>
+          <p:cNvSpPr txBox="1"/>
+          <p:nvPr/>
+        </p:nvSpPr>
+        <p:spPr>
+          <a:xfrm>
+            <a:off x="1868660" y="644418"/>
+            <a:ext cx="2033183" cy="914400"/>
+          </a:xfrm>
+          <a:prstGeom prst="rect">
+            <a:avLst/>
+          </a:prstGeom>
+          <a:noFill/>
+          <a:ln>
+            <a:noFill/>
+          </a:ln>
+        </p:spPr>
+        <p:txBody>
+          <a:bodyPr wrap="none" rtlCol="0">
+            <a:normAutofit/>
+          </a:bodyPr>
+          <a:lstStyle/>
+          <a:p>
+            <a:pPr algn="ctr"/>
+            <a:r>
+              <a:rPr lang="en-US" sz="2400" b="1" dirty="0"/>
+              <a:t>Flat Segment</a:t>
+            </a:r>
+          </a:p>
+        </p:txBody>
+      </p:sp>
+      <p:sp>
+        <p:nvSpPr>
+          <p:cNvPr id="153" name="Rectangle 152">
+            <a:extLst>
+              <a:ext uri="{FF2B5EF4-FFF2-40B4-BE49-F238E27FC236}">
+                <a16:creationId xmlns:a16="http://schemas.microsoft.com/office/drawing/2014/main" id="{58264CA3-4BEC-A84D-A3CD-72F13033C852}"/>
+              </a:ext>
+            </a:extLst>
+          </p:cNvPr>
+          <p:cNvSpPr/>
+          <p:nvPr/>
+        </p:nvSpPr>
+        <p:spPr>
+          <a:xfrm>
+            <a:off x="420831" y="2086048"/>
+            <a:ext cx="4928839" cy="2073357"/>
+          </a:xfrm>
+          <a:prstGeom prst="rect">
+            <a:avLst/>
+          </a:prstGeom>
+          <a:solidFill>
+            <a:schemeClr val="accent1">
+              <a:lumMod val="40000"/>
+              <a:lumOff val="60000"/>
+            </a:schemeClr>
+          </a:solidFill>
+          <a:ln w="28575">
+            <a:prstDash val="dash"/>
+          </a:ln>
+        </p:spPr>
+        <p:style>
+          <a:lnRef idx="2">
+            <a:schemeClr val="accent1">
+              <a:shade val="50000"/>
+            </a:schemeClr>
+          </a:lnRef>
+          <a:fillRef idx="1">
+            <a:schemeClr val="accent1"/>
+          </a:fillRef>
+          <a:effectRef idx="0">
+            <a:schemeClr val="accent1"/>
+          </a:effectRef>
+          <a:fontRef idx="minor">
+            <a:schemeClr val="lt1"/>
+          </a:fontRef>
+        </p:style>
+        <p:txBody>
+          <a:bodyPr rtlCol="0" anchor="ctr"/>
+          <a:lstStyle/>
+          <a:p>
+            <a:r>
               <a:rPr lang="en-US" b="1" dirty="0"/>
               <a:t>DATA</a:t>
             </a:r>
           </a:p>
-        </p:txBody>
-      </p:sp>
-      <p:sp>
-        <p:nvSpPr>
-          <p:cNvPr id="154" name="Rectangle 153">
-            <a:extLst>
-              <a:ext uri="{FF2B5EF4-FFF2-40B4-BE49-F238E27FC236}">
-                <a16:creationId xmlns:a16="http://schemas.microsoft.com/office/drawing/2014/main" id="{AE0EAA99-CA88-4F41-B9E5-C77AB91D0EA2}"/>
+          <a:p>
+            <a:endParaRPr lang="en-US" b="1" dirty="0"/>
+          </a:p>
+          <a:p>
+            <a:endParaRPr lang="en-US" b="1" dirty="0"/>
+          </a:p>
+        </p:txBody>
+      </p:sp>
+      <p:sp>
+        <p:nvSpPr>
+          <p:cNvPr id="177" name="Diamond 176">
+            <a:extLst>
+              <a:ext uri="{FF2B5EF4-FFF2-40B4-BE49-F238E27FC236}">
+                <a16:creationId xmlns:a16="http://schemas.microsoft.com/office/drawing/2014/main" id="{AB16EF4F-F7A3-5045-B2F2-502FCC3DD437}"/>
               </a:ext>
             </a:extLst>
           </p:cNvPr>
@@ -5871,9 +7113,804 @@
           <p:nvPr/>
         </p:nvSpPr>
         <p:spPr>
-          <a:xfrm>
-            <a:off x="693624" y="1689592"/>
-            <a:ext cx="4928839" cy="1232028"/>
+          <a:xfrm rot="18971391">
+            <a:off x="2262959" y="1583138"/>
+            <a:ext cx="210312" cy="210312"/>
+          </a:xfrm>
+          <a:prstGeom prst="diamond">
+            <a:avLst/>
+          </a:prstGeom>
+          <a:solidFill>
+            <a:srgbClr val="0070C0"/>
+          </a:solidFill>
+          <a:ln>
+            <a:solidFill>
+              <a:schemeClr val="tx1"/>
+            </a:solidFill>
+          </a:ln>
+        </p:spPr>
+        <p:style>
+          <a:lnRef idx="1">
+            <a:schemeClr val="accent6"/>
+          </a:lnRef>
+          <a:fillRef idx="3">
+            <a:schemeClr val="accent6"/>
+          </a:fillRef>
+          <a:effectRef idx="2">
+            <a:schemeClr val="accent6"/>
+          </a:effectRef>
+          <a:fontRef idx="minor">
+            <a:schemeClr val="lt1"/>
+          </a:fontRef>
+        </p:style>
+        <p:txBody>
+          <a:bodyPr rtlCol="0" anchor="t">
+            <a:normAutofit fontScale="25000" lnSpcReduction="20000"/>
+          </a:bodyPr>
+          <a:lstStyle/>
+          <a:p>
+            <a:pPr algn="ctr"/>
+            <a:endParaRPr lang="en-US" sz="1600" dirty="0" err="1">
+              <a:solidFill>
+                <a:schemeClr val="tx1"/>
+              </a:solidFill>
+              <a:latin typeface="Arial" pitchFamily="34" charset="0"/>
+              <a:cs typeface="Arial" pitchFamily="34" charset="0"/>
+            </a:endParaRPr>
+          </a:p>
+        </p:txBody>
+      </p:sp>
+      <p:cxnSp>
+        <p:nvCxnSpPr>
+          <p:cNvPr id="203" name="Straight Arrow Connector 202">
+            <a:extLst>
+              <a:ext uri="{FF2B5EF4-FFF2-40B4-BE49-F238E27FC236}">
+                <a16:creationId xmlns:a16="http://schemas.microsoft.com/office/drawing/2014/main" id="{2EAD6762-F5E4-5E4D-84B2-DACB9D691FCE}"/>
+              </a:ext>
+            </a:extLst>
+          </p:cNvPr>
+          <p:cNvCxnSpPr>
+            <a:cxnSpLocks/>
+            <a:stCxn id="212" idx="2"/>
+          </p:cNvCxnSpPr>
+          <p:nvPr/>
+        </p:nvCxnSpPr>
+        <p:spPr>
+          <a:xfrm flipH="1">
+            <a:off x="1417121" y="1764179"/>
+            <a:ext cx="1178380" cy="534171"/>
+          </a:xfrm>
+          <a:prstGeom prst="straightConnector1">
+            <a:avLst/>
+          </a:prstGeom>
+          <a:ln w="6350">
+            <a:solidFill>
+              <a:srgbClr val="000000"/>
+            </a:solidFill>
+            <a:tailEnd type="arrow"/>
+          </a:ln>
+        </p:spPr>
+        <p:style>
+          <a:lnRef idx="1">
+            <a:schemeClr val="accent1"/>
+          </a:lnRef>
+          <a:fillRef idx="0">
+            <a:schemeClr val="accent1"/>
+          </a:fillRef>
+          <a:effectRef idx="0">
+            <a:schemeClr val="accent1"/>
+          </a:effectRef>
+          <a:fontRef idx="minor">
+            <a:schemeClr val="tx1"/>
+          </a:fontRef>
+        </p:style>
+      </p:cxnSp>
+      <p:cxnSp>
+        <p:nvCxnSpPr>
+          <p:cNvPr id="204" name="Straight Arrow Connector 203">
+            <a:extLst>
+              <a:ext uri="{FF2B5EF4-FFF2-40B4-BE49-F238E27FC236}">
+                <a16:creationId xmlns:a16="http://schemas.microsoft.com/office/drawing/2014/main" id="{3D93965E-9518-A84E-BF0D-2129A62B67C4}"/>
+              </a:ext>
+            </a:extLst>
+          </p:cNvPr>
+          <p:cNvCxnSpPr>
+            <a:cxnSpLocks/>
+            <a:stCxn id="177" idx="1"/>
+          </p:cNvCxnSpPr>
+          <p:nvPr/>
+        </p:nvCxnSpPr>
+        <p:spPr>
+          <a:xfrm flipH="1">
+            <a:off x="940250" y="1761090"/>
+            <a:ext cx="1351980" cy="537260"/>
+          </a:xfrm>
+          <a:prstGeom prst="straightConnector1">
+            <a:avLst/>
+          </a:prstGeom>
+          <a:ln w="6350">
+            <a:solidFill>
+              <a:srgbClr val="000000"/>
+            </a:solidFill>
+            <a:tailEnd type="arrow"/>
+          </a:ln>
+        </p:spPr>
+        <p:style>
+          <a:lnRef idx="1">
+            <a:schemeClr val="accent1"/>
+          </a:lnRef>
+          <a:fillRef idx="0">
+            <a:schemeClr val="accent1"/>
+          </a:fillRef>
+          <a:effectRef idx="0">
+            <a:schemeClr val="accent1"/>
+          </a:effectRef>
+          <a:fontRef idx="minor">
+            <a:schemeClr val="tx1"/>
+          </a:fontRef>
+        </p:style>
+      </p:cxnSp>
+      <p:cxnSp>
+        <p:nvCxnSpPr>
+          <p:cNvPr id="205" name="Straight Arrow Connector 204">
+            <a:extLst>
+              <a:ext uri="{FF2B5EF4-FFF2-40B4-BE49-F238E27FC236}">
+                <a16:creationId xmlns:a16="http://schemas.microsoft.com/office/drawing/2014/main" id="{609FEF21-1633-9C45-9843-161EC63C470B}"/>
+              </a:ext>
+            </a:extLst>
+          </p:cNvPr>
+          <p:cNvCxnSpPr>
+            <a:cxnSpLocks/>
+            <a:stCxn id="210" idx="2"/>
+          </p:cNvCxnSpPr>
+          <p:nvPr/>
+        </p:nvCxnSpPr>
+        <p:spPr>
+          <a:xfrm flipH="1">
+            <a:off x="2347771" y="1764179"/>
+            <a:ext cx="402320" cy="553019"/>
+          </a:xfrm>
+          <a:prstGeom prst="straightConnector1">
+            <a:avLst/>
+          </a:prstGeom>
+          <a:ln w="6350">
+            <a:solidFill>
+              <a:srgbClr val="000000"/>
+            </a:solidFill>
+            <a:tailEnd type="arrow"/>
+          </a:ln>
+        </p:spPr>
+        <p:style>
+          <a:lnRef idx="1">
+            <a:schemeClr val="accent1"/>
+          </a:lnRef>
+          <a:fillRef idx="0">
+            <a:schemeClr val="accent1"/>
+          </a:fillRef>
+          <a:effectRef idx="0">
+            <a:schemeClr val="accent1"/>
+          </a:effectRef>
+          <a:fontRef idx="minor">
+            <a:schemeClr val="tx1"/>
+          </a:fontRef>
+        </p:style>
+      </p:cxnSp>
+      <p:cxnSp>
+        <p:nvCxnSpPr>
+          <p:cNvPr id="206" name="Straight Arrow Connector 205">
+            <a:extLst>
+              <a:ext uri="{FF2B5EF4-FFF2-40B4-BE49-F238E27FC236}">
+                <a16:creationId xmlns:a16="http://schemas.microsoft.com/office/drawing/2014/main" id="{BB9C85B4-571B-BD4B-A070-D91785DE77F1}"/>
+              </a:ext>
+            </a:extLst>
+          </p:cNvPr>
+          <p:cNvCxnSpPr>
+            <a:cxnSpLocks/>
+            <a:stCxn id="213" idx="1"/>
+          </p:cNvCxnSpPr>
+          <p:nvPr/>
+        </p:nvCxnSpPr>
+        <p:spPr>
+          <a:xfrm flipH="1">
+            <a:off x="2907159" y="1761090"/>
+            <a:ext cx="10628" cy="542394"/>
+          </a:xfrm>
+          <a:prstGeom prst="straightConnector1">
+            <a:avLst/>
+          </a:prstGeom>
+          <a:ln w="6350">
+            <a:solidFill>
+              <a:srgbClr val="000000"/>
+            </a:solidFill>
+            <a:tailEnd type="arrow"/>
+          </a:ln>
+        </p:spPr>
+        <p:style>
+          <a:lnRef idx="1">
+            <a:schemeClr val="accent1"/>
+          </a:lnRef>
+          <a:fillRef idx="0">
+            <a:schemeClr val="accent1"/>
+          </a:fillRef>
+          <a:effectRef idx="0">
+            <a:schemeClr val="accent1"/>
+          </a:effectRef>
+          <a:fontRef idx="minor">
+            <a:schemeClr val="tx1"/>
+          </a:fontRef>
+        </p:style>
+      </p:cxnSp>
+      <p:cxnSp>
+        <p:nvCxnSpPr>
+          <p:cNvPr id="207" name="Straight Arrow Connector 206">
+            <a:extLst>
+              <a:ext uri="{FF2B5EF4-FFF2-40B4-BE49-F238E27FC236}">
+                <a16:creationId xmlns:a16="http://schemas.microsoft.com/office/drawing/2014/main" id="{530460FD-B49A-6441-B04E-454DF3E5FF17}"/>
+              </a:ext>
+            </a:extLst>
+          </p:cNvPr>
+          <p:cNvCxnSpPr>
+            <a:cxnSpLocks/>
+            <a:stCxn id="216" idx="1"/>
+          </p:cNvCxnSpPr>
+          <p:nvPr/>
+        </p:nvCxnSpPr>
+        <p:spPr>
+          <a:xfrm>
+            <a:off x="3072377" y="1761090"/>
+            <a:ext cx="376308" cy="526664"/>
+          </a:xfrm>
+          <a:prstGeom prst="straightConnector1">
+            <a:avLst/>
+          </a:prstGeom>
+          <a:ln w="6350">
+            <a:solidFill>
+              <a:srgbClr val="000000"/>
+            </a:solidFill>
+            <a:tailEnd type="arrow"/>
+          </a:ln>
+        </p:spPr>
+        <p:style>
+          <a:lnRef idx="1">
+            <a:schemeClr val="accent1"/>
+          </a:lnRef>
+          <a:fillRef idx="0">
+            <a:schemeClr val="accent1"/>
+          </a:fillRef>
+          <a:effectRef idx="0">
+            <a:schemeClr val="accent1"/>
+          </a:effectRef>
+          <a:fontRef idx="minor">
+            <a:schemeClr val="tx1"/>
+          </a:fontRef>
+        </p:style>
+      </p:cxnSp>
+      <p:cxnSp>
+        <p:nvCxnSpPr>
+          <p:cNvPr id="208" name="Straight Arrow Connector 207">
+            <a:extLst>
+              <a:ext uri="{FF2B5EF4-FFF2-40B4-BE49-F238E27FC236}">
+                <a16:creationId xmlns:a16="http://schemas.microsoft.com/office/drawing/2014/main" id="{B0F21332-AAC5-BA48-BB5D-06FF9AD316BD}"/>
+              </a:ext>
+            </a:extLst>
+          </p:cNvPr>
+          <p:cNvCxnSpPr>
+            <a:cxnSpLocks/>
+            <a:stCxn id="214" idx="2"/>
+          </p:cNvCxnSpPr>
+          <p:nvPr/>
+        </p:nvCxnSpPr>
+        <p:spPr>
+          <a:xfrm>
+            <a:off x="3375648" y="1764179"/>
+            <a:ext cx="583378" cy="523575"/>
+          </a:xfrm>
+          <a:prstGeom prst="straightConnector1">
+            <a:avLst/>
+          </a:prstGeom>
+          <a:ln w="6350">
+            <a:solidFill>
+              <a:srgbClr val="000000"/>
+            </a:solidFill>
+            <a:tailEnd type="arrow"/>
+          </a:ln>
+        </p:spPr>
+        <p:style>
+          <a:lnRef idx="1">
+            <a:schemeClr val="accent1"/>
+          </a:lnRef>
+          <a:fillRef idx="0">
+            <a:schemeClr val="accent1"/>
+          </a:fillRef>
+          <a:effectRef idx="0">
+            <a:schemeClr val="accent1"/>
+          </a:effectRef>
+          <a:fontRef idx="minor">
+            <a:schemeClr val="tx1"/>
+          </a:fontRef>
+        </p:style>
+      </p:cxnSp>
+      <p:cxnSp>
+        <p:nvCxnSpPr>
+          <p:cNvPr id="209" name="Straight Arrow Connector 208">
+            <a:extLst>
+              <a:ext uri="{FF2B5EF4-FFF2-40B4-BE49-F238E27FC236}">
+                <a16:creationId xmlns:a16="http://schemas.microsoft.com/office/drawing/2014/main" id="{BE477BA6-F4DD-FA46-A858-BA7895D4381B}"/>
+              </a:ext>
+            </a:extLst>
+          </p:cNvPr>
+          <p:cNvCxnSpPr>
+            <a:cxnSpLocks/>
+            <a:stCxn id="215" idx="2"/>
+          </p:cNvCxnSpPr>
+          <p:nvPr/>
+        </p:nvCxnSpPr>
+        <p:spPr>
+          <a:xfrm>
+            <a:off x="3530237" y="1764179"/>
+            <a:ext cx="966312" cy="534171"/>
+          </a:xfrm>
+          <a:prstGeom prst="straightConnector1">
+            <a:avLst/>
+          </a:prstGeom>
+          <a:ln w="6350">
+            <a:solidFill>
+              <a:srgbClr val="000000"/>
+            </a:solidFill>
+            <a:tailEnd type="arrow"/>
+          </a:ln>
+        </p:spPr>
+        <p:style>
+          <a:lnRef idx="1">
+            <a:schemeClr val="accent1"/>
+          </a:lnRef>
+          <a:fillRef idx="0">
+            <a:schemeClr val="accent1"/>
+          </a:fillRef>
+          <a:effectRef idx="0">
+            <a:schemeClr val="accent1"/>
+          </a:effectRef>
+          <a:fontRef idx="minor">
+            <a:schemeClr val="tx1"/>
+          </a:fontRef>
+        </p:style>
+      </p:cxnSp>
+      <p:sp>
+        <p:nvSpPr>
+          <p:cNvPr id="210" name="Diamond 209">
+            <a:extLst>
+              <a:ext uri="{FF2B5EF4-FFF2-40B4-BE49-F238E27FC236}">
+                <a16:creationId xmlns:a16="http://schemas.microsoft.com/office/drawing/2014/main" id="{C087EB16-E519-1B4F-A135-F4D22BD9323C}"/>
+              </a:ext>
+            </a:extLst>
+          </p:cNvPr>
+          <p:cNvSpPr/>
+          <p:nvPr/>
+        </p:nvSpPr>
+        <p:spPr>
+          <a:xfrm rot="18971391">
+            <a:off x="2572139" y="1583138"/>
+            <a:ext cx="210312" cy="210312"/>
+          </a:xfrm>
+          <a:prstGeom prst="diamond">
+            <a:avLst/>
+          </a:prstGeom>
+          <a:solidFill>
+            <a:srgbClr val="0070C0"/>
+          </a:solidFill>
+          <a:ln>
+            <a:solidFill>
+              <a:schemeClr val="tx1"/>
+            </a:solidFill>
+          </a:ln>
+        </p:spPr>
+        <p:style>
+          <a:lnRef idx="1">
+            <a:schemeClr val="accent6"/>
+          </a:lnRef>
+          <a:fillRef idx="3">
+            <a:schemeClr val="accent6"/>
+          </a:fillRef>
+          <a:effectRef idx="2">
+            <a:schemeClr val="accent6"/>
+          </a:effectRef>
+          <a:fontRef idx="minor">
+            <a:schemeClr val="lt1"/>
+          </a:fontRef>
+        </p:style>
+        <p:txBody>
+          <a:bodyPr rtlCol="0" anchor="t">
+            <a:normAutofit fontScale="25000" lnSpcReduction="20000"/>
+          </a:bodyPr>
+          <a:lstStyle/>
+          <a:p>
+            <a:pPr algn="ctr"/>
+            <a:endParaRPr lang="en-US" sz="1600" dirty="0" err="1">
+              <a:solidFill>
+                <a:schemeClr val="tx1"/>
+              </a:solidFill>
+              <a:latin typeface="Arial" pitchFamily="34" charset="0"/>
+              <a:cs typeface="Arial" pitchFamily="34" charset="0"/>
+            </a:endParaRPr>
+          </a:p>
+        </p:txBody>
+      </p:sp>
+      <p:sp>
+        <p:nvSpPr>
+          <p:cNvPr id="211" name="Diamond 210">
+            <a:extLst>
+              <a:ext uri="{FF2B5EF4-FFF2-40B4-BE49-F238E27FC236}">
+                <a16:creationId xmlns:a16="http://schemas.microsoft.com/office/drawing/2014/main" id="{231A0675-2A4F-3F44-9FD4-B88B20C50103}"/>
+              </a:ext>
+            </a:extLst>
+          </p:cNvPr>
+          <p:cNvSpPr/>
+          <p:nvPr/>
+        </p:nvSpPr>
+        <p:spPr>
+          <a:xfrm rot="18971391">
+            <a:off x="2726728" y="1583138"/>
+            <a:ext cx="210312" cy="210312"/>
+          </a:xfrm>
+          <a:prstGeom prst="diamond">
+            <a:avLst/>
+          </a:prstGeom>
+          <a:solidFill>
+            <a:srgbClr val="0070C0"/>
+          </a:solidFill>
+          <a:ln>
+            <a:solidFill>
+              <a:schemeClr val="tx1"/>
+            </a:solidFill>
+          </a:ln>
+        </p:spPr>
+        <p:style>
+          <a:lnRef idx="1">
+            <a:schemeClr val="accent6"/>
+          </a:lnRef>
+          <a:fillRef idx="3">
+            <a:schemeClr val="accent6"/>
+          </a:fillRef>
+          <a:effectRef idx="2">
+            <a:schemeClr val="accent6"/>
+          </a:effectRef>
+          <a:fontRef idx="minor">
+            <a:schemeClr val="lt1"/>
+          </a:fontRef>
+        </p:style>
+        <p:txBody>
+          <a:bodyPr rtlCol="0" anchor="t">
+            <a:normAutofit fontScale="25000" lnSpcReduction="20000"/>
+          </a:bodyPr>
+          <a:lstStyle/>
+          <a:p>
+            <a:pPr algn="ctr"/>
+            <a:endParaRPr lang="en-US" sz="1600" dirty="0" err="1">
+              <a:solidFill>
+                <a:schemeClr val="tx1"/>
+              </a:solidFill>
+              <a:latin typeface="Arial" pitchFamily="34" charset="0"/>
+              <a:cs typeface="Arial" pitchFamily="34" charset="0"/>
+            </a:endParaRPr>
+          </a:p>
+        </p:txBody>
+      </p:sp>
+      <p:sp>
+        <p:nvSpPr>
+          <p:cNvPr id="212" name="Diamond 211">
+            <a:extLst>
+              <a:ext uri="{FF2B5EF4-FFF2-40B4-BE49-F238E27FC236}">
+                <a16:creationId xmlns:a16="http://schemas.microsoft.com/office/drawing/2014/main" id="{90FAD0A0-6D96-EE41-BEEB-7ECD114B6AC1}"/>
+              </a:ext>
+            </a:extLst>
+          </p:cNvPr>
+          <p:cNvSpPr/>
+          <p:nvPr/>
+        </p:nvSpPr>
+        <p:spPr>
+          <a:xfrm rot="18971391">
+            <a:off x="2417549" y="1583138"/>
+            <a:ext cx="210312" cy="210312"/>
+          </a:xfrm>
+          <a:prstGeom prst="diamond">
+            <a:avLst/>
+          </a:prstGeom>
+          <a:solidFill>
+            <a:srgbClr val="0070C0"/>
+          </a:solidFill>
+          <a:ln>
+            <a:solidFill>
+              <a:schemeClr val="tx1"/>
+            </a:solidFill>
+          </a:ln>
+        </p:spPr>
+        <p:style>
+          <a:lnRef idx="1">
+            <a:schemeClr val="accent6"/>
+          </a:lnRef>
+          <a:fillRef idx="3">
+            <a:schemeClr val="accent6"/>
+          </a:fillRef>
+          <a:effectRef idx="2">
+            <a:schemeClr val="accent6"/>
+          </a:effectRef>
+          <a:fontRef idx="minor">
+            <a:schemeClr val="lt1"/>
+          </a:fontRef>
+        </p:style>
+        <p:txBody>
+          <a:bodyPr rtlCol="0" anchor="t">
+            <a:normAutofit fontScale="25000" lnSpcReduction="20000"/>
+          </a:bodyPr>
+          <a:lstStyle/>
+          <a:p>
+            <a:pPr algn="ctr"/>
+            <a:endParaRPr lang="en-US" sz="1600" dirty="0" err="1">
+              <a:solidFill>
+                <a:schemeClr val="tx1"/>
+              </a:solidFill>
+              <a:latin typeface="Arial" pitchFamily="34" charset="0"/>
+              <a:cs typeface="Arial" pitchFamily="34" charset="0"/>
+            </a:endParaRPr>
+          </a:p>
+        </p:txBody>
+      </p:sp>
+      <p:sp>
+        <p:nvSpPr>
+          <p:cNvPr id="213" name="Diamond 212">
+            <a:extLst>
+              <a:ext uri="{FF2B5EF4-FFF2-40B4-BE49-F238E27FC236}">
+                <a16:creationId xmlns:a16="http://schemas.microsoft.com/office/drawing/2014/main" id="{5E913281-94A1-134C-A5F0-1E8BB94FD2DD}"/>
+              </a:ext>
+            </a:extLst>
+          </p:cNvPr>
+          <p:cNvSpPr/>
+          <p:nvPr/>
+        </p:nvSpPr>
+        <p:spPr>
+          <a:xfrm rot="18971391">
+            <a:off x="2888516" y="1583138"/>
+            <a:ext cx="210312" cy="210312"/>
+          </a:xfrm>
+          <a:prstGeom prst="diamond">
+            <a:avLst/>
+          </a:prstGeom>
+          <a:solidFill>
+            <a:srgbClr val="0070C0"/>
+          </a:solidFill>
+          <a:ln>
+            <a:solidFill>
+              <a:schemeClr val="tx1"/>
+            </a:solidFill>
+          </a:ln>
+        </p:spPr>
+        <p:style>
+          <a:lnRef idx="1">
+            <a:schemeClr val="accent6"/>
+          </a:lnRef>
+          <a:fillRef idx="3">
+            <a:schemeClr val="accent6"/>
+          </a:fillRef>
+          <a:effectRef idx="2">
+            <a:schemeClr val="accent6"/>
+          </a:effectRef>
+          <a:fontRef idx="minor">
+            <a:schemeClr val="lt1"/>
+          </a:fontRef>
+        </p:style>
+        <p:txBody>
+          <a:bodyPr rtlCol="0" anchor="t">
+            <a:normAutofit fontScale="25000" lnSpcReduction="20000"/>
+          </a:bodyPr>
+          <a:lstStyle/>
+          <a:p>
+            <a:pPr algn="ctr"/>
+            <a:endParaRPr lang="en-US" sz="1600" dirty="0" err="1">
+              <a:solidFill>
+                <a:schemeClr val="tx1"/>
+              </a:solidFill>
+              <a:latin typeface="Arial" pitchFamily="34" charset="0"/>
+              <a:cs typeface="Arial" pitchFamily="34" charset="0"/>
+            </a:endParaRPr>
+          </a:p>
+        </p:txBody>
+      </p:sp>
+      <p:sp>
+        <p:nvSpPr>
+          <p:cNvPr id="214" name="Diamond 213">
+            <a:extLst>
+              <a:ext uri="{FF2B5EF4-FFF2-40B4-BE49-F238E27FC236}">
+                <a16:creationId xmlns:a16="http://schemas.microsoft.com/office/drawing/2014/main" id="{3B777B00-E62A-DD46-8A7C-171B83B1EAFD}"/>
+              </a:ext>
+            </a:extLst>
+          </p:cNvPr>
+          <p:cNvSpPr/>
+          <p:nvPr/>
+        </p:nvSpPr>
+        <p:spPr>
+          <a:xfrm rot="18971391">
+            <a:off x="3197696" y="1583138"/>
+            <a:ext cx="210312" cy="210312"/>
+          </a:xfrm>
+          <a:prstGeom prst="diamond">
+            <a:avLst/>
+          </a:prstGeom>
+          <a:solidFill>
+            <a:srgbClr val="0070C0"/>
+          </a:solidFill>
+          <a:ln>
+            <a:solidFill>
+              <a:schemeClr val="tx1"/>
+            </a:solidFill>
+          </a:ln>
+        </p:spPr>
+        <p:style>
+          <a:lnRef idx="1">
+            <a:schemeClr val="accent6"/>
+          </a:lnRef>
+          <a:fillRef idx="3">
+            <a:schemeClr val="accent6"/>
+          </a:fillRef>
+          <a:effectRef idx="2">
+            <a:schemeClr val="accent6"/>
+          </a:effectRef>
+          <a:fontRef idx="minor">
+            <a:schemeClr val="lt1"/>
+          </a:fontRef>
+        </p:style>
+        <p:txBody>
+          <a:bodyPr rtlCol="0" anchor="t">
+            <a:normAutofit fontScale="25000" lnSpcReduction="20000"/>
+          </a:bodyPr>
+          <a:lstStyle/>
+          <a:p>
+            <a:pPr algn="ctr"/>
+            <a:endParaRPr lang="en-US" sz="1600" dirty="0" err="1">
+              <a:solidFill>
+                <a:schemeClr val="tx1"/>
+              </a:solidFill>
+              <a:latin typeface="Arial" pitchFamily="34" charset="0"/>
+              <a:cs typeface="Arial" pitchFamily="34" charset="0"/>
+            </a:endParaRPr>
+          </a:p>
+        </p:txBody>
+      </p:sp>
+      <p:sp>
+        <p:nvSpPr>
+          <p:cNvPr id="215" name="Diamond 214">
+            <a:extLst>
+              <a:ext uri="{FF2B5EF4-FFF2-40B4-BE49-F238E27FC236}">
+                <a16:creationId xmlns:a16="http://schemas.microsoft.com/office/drawing/2014/main" id="{5F370D92-C997-5B43-8C67-C18418B337B5}"/>
+              </a:ext>
+            </a:extLst>
+          </p:cNvPr>
+          <p:cNvSpPr/>
+          <p:nvPr/>
+        </p:nvSpPr>
+        <p:spPr>
+          <a:xfrm rot="18971391">
+            <a:off x="3352285" y="1583138"/>
+            <a:ext cx="210312" cy="210312"/>
+          </a:xfrm>
+          <a:prstGeom prst="diamond">
+            <a:avLst/>
+          </a:prstGeom>
+          <a:solidFill>
+            <a:srgbClr val="0070C0"/>
+          </a:solidFill>
+          <a:ln>
+            <a:solidFill>
+              <a:schemeClr val="tx1"/>
+            </a:solidFill>
+          </a:ln>
+        </p:spPr>
+        <p:style>
+          <a:lnRef idx="1">
+            <a:schemeClr val="accent6"/>
+          </a:lnRef>
+          <a:fillRef idx="3">
+            <a:schemeClr val="accent6"/>
+          </a:fillRef>
+          <a:effectRef idx="2">
+            <a:schemeClr val="accent6"/>
+          </a:effectRef>
+          <a:fontRef idx="minor">
+            <a:schemeClr val="lt1"/>
+          </a:fontRef>
+        </p:style>
+        <p:txBody>
+          <a:bodyPr rtlCol="0" anchor="t">
+            <a:normAutofit fontScale="25000" lnSpcReduction="20000"/>
+          </a:bodyPr>
+          <a:lstStyle/>
+          <a:p>
+            <a:pPr algn="ctr"/>
+            <a:endParaRPr lang="en-US" sz="1600" dirty="0" err="1">
+              <a:solidFill>
+                <a:schemeClr val="tx1"/>
+              </a:solidFill>
+              <a:latin typeface="Arial" pitchFamily="34" charset="0"/>
+              <a:cs typeface="Arial" pitchFamily="34" charset="0"/>
+            </a:endParaRPr>
+          </a:p>
+        </p:txBody>
+      </p:sp>
+      <p:sp>
+        <p:nvSpPr>
+          <p:cNvPr id="216" name="Diamond 215">
+            <a:extLst>
+              <a:ext uri="{FF2B5EF4-FFF2-40B4-BE49-F238E27FC236}">
+                <a16:creationId xmlns:a16="http://schemas.microsoft.com/office/drawing/2014/main" id="{96822EFE-0D15-2042-BD72-30E19C13FF80}"/>
+              </a:ext>
+            </a:extLst>
+          </p:cNvPr>
+          <p:cNvSpPr/>
+          <p:nvPr/>
+        </p:nvSpPr>
+        <p:spPr>
+          <a:xfrm rot="18971391">
+            <a:off x="3043106" y="1583138"/>
+            <a:ext cx="210312" cy="210312"/>
+          </a:xfrm>
+          <a:prstGeom prst="diamond">
+            <a:avLst/>
+          </a:prstGeom>
+          <a:solidFill>
+            <a:srgbClr val="0070C0"/>
+          </a:solidFill>
+          <a:ln>
+            <a:solidFill>
+              <a:schemeClr val="tx1"/>
+            </a:solidFill>
+          </a:ln>
+        </p:spPr>
+        <p:style>
+          <a:lnRef idx="1">
+            <a:schemeClr val="accent6"/>
+          </a:lnRef>
+          <a:fillRef idx="3">
+            <a:schemeClr val="accent6"/>
+          </a:fillRef>
+          <a:effectRef idx="2">
+            <a:schemeClr val="accent6"/>
+          </a:effectRef>
+          <a:fontRef idx="minor">
+            <a:schemeClr val="lt1"/>
+          </a:fontRef>
+        </p:style>
+        <p:txBody>
+          <a:bodyPr rtlCol="0" anchor="t">
+            <a:normAutofit fontScale="25000" lnSpcReduction="20000"/>
+          </a:bodyPr>
+          <a:lstStyle/>
+          <a:p>
+            <a:pPr algn="ctr"/>
+            <a:endParaRPr lang="en-US" sz="1600" dirty="0" err="1">
+              <a:solidFill>
+                <a:schemeClr val="tx1"/>
+              </a:solidFill>
+              <a:latin typeface="Arial" pitchFamily="34" charset="0"/>
+              <a:cs typeface="Arial" pitchFamily="34" charset="0"/>
+            </a:endParaRPr>
+          </a:p>
+        </p:txBody>
+      </p:sp>
+      <p:sp>
+        <p:nvSpPr>
+          <p:cNvPr id="227" name="Rectangle 226">
+            <a:extLst>
+              <a:ext uri="{FF2B5EF4-FFF2-40B4-BE49-F238E27FC236}">
+                <a16:creationId xmlns:a16="http://schemas.microsoft.com/office/drawing/2014/main" id="{9BDF5E56-508C-574B-B173-5252C9C44C18}"/>
+              </a:ext>
+            </a:extLst>
+          </p:cNvPr>
+          <p:cNvSpPr/>
+          <p:nvPr/>
+        </p:nvSpPr>
+        <p:spPr>
+          <a:xfrm>
+            <a:off x="420831" y="1274106"/>
+            <a:ext cx="4928839" cy="811942"/>
           </a:xfrm>
           <a:prstGeom prst="rect">
             <a:avLst/>
@@ -5916,10 +7953,10 @@
       </p:sp>
       <p:sp>
         <p:nvSpPr>
-          <p:cNvPr id="177" name="Diamond 176">
-            <a:extLst>
-              <a:ext uri="{FF2B5EF4-FFF2-40B4-BE49-F238E27FC236}">
-                <a16:creationId xmlns:a16="http://schemas.microsoft.com/office/drawing/2014/main" id="{AB16EF4F-F7A3-5045-B2F2-502FCC3DD437}"/>
+          <p:cNvPr id="2" name="Oval 1">
+            <a:extLst>
+              <a:ext uri="{FF2B5EF4-FFF2-40B4-BE49-F238E27FC236}">
+                <a16:creationId xmlns:a16="http://schemas.microsoft.com/office/drawing/2014/main" id="{B1FEFAFF-3989-1042-8EAA-E5DCACA018D0}"/>
               </a:ext>
             </a:extLst>
           </p:cNvPr>
@@ -5927,81 +7964,490 @@
           <p:nvPr/>
         </p:nvSpPr>
         <p:spPr>
-          <a:xfrm rot="18971391">
-            <a:off x="8351525" y="2475231"/>
-            <a:ext cx="210312" cy="210312"/>
-          </a:xfrm>
-          <a:prstGeom prst="diamond">
-            <a:avLst/>
-          </a:prstGeom>
-          <a:solidFill>
-            <a:srgbClr val="0070C0"/>
-          </a:solidFill>
-          <a:ln>
+          <a:xfrm>
+            <a:off x="691187" y="2287754"/>
+            <a:ext cx="334537" cy="323385"/>
+          </a:xfrm>
+          <a:prstGeom prst="ellipse">
+            <a:avLst/>
+          </a:prstGeom>
+        </p:spPr>
+        <p:style>
+          <a:lnRef idx="2">
+            <a:schemeClr val="accent1">
+              <a:shade val="50000"/>
+            </a:schemeClr>
+          </a:lnRef>
+          <a:fillRef idx="1">
+            <a:schemeClr val="accent1"/>
+          </a:fillRef>
+          <a:effectRef idx="0">
+            <a:schemeClr val="accent1"/>
+          </a:effectRef>
+          <a:fontRef idx="minor">
+            <a:schemeClr val="lt1"/>
+          </a:fontRef>
+        </p:style>
+        <p:txBody>
+          <a:bodyPr rtlCol="0" anchor="ctr"/>
+          <a:lstStyle/>
+          <a:p>
+            <a:pPr algn="ctr"/>
+            <a:endParaRPr lang="en-US"/>
+          </a:p>
+        </p:txBody>
+      </p:sp>
+      <p:sp>
+        <p:nvSpPr>
+          <p:cNvPr id="71" name="Oval 70">
+            <a:extLst>
+              <a:ext uri="{FF2B5EF4-FFF2-40B4-BE49-F238E27FC236}">
+                <a16:creationId xmlns:a16="http://schemas.microsoft.com/office/drawing/2014/main" id="{36CFEB0D-6032-A349-832F-EC3591E6A5B1}"/>
+              </a:ext>
+            </a:extLst>
+          </p:cNvPr>
+          <p:cNvSpPr/>
+          <p:nvPr/>
+        </p:nvSpPr>
+        <p:spPr>
+          <a:xfrm>
+            <a:off x="1270642" y="2296065"/>
+            <a:ext cx="334537" cy="323385"/>
+          </a:xfrm>
+          <a:prstGeom prst="ellipse">
+            <a:avLst/>
+          </a:prstGeom>
+        </p:spPr>
+        <p:style>
+          <a:lnRef idx="2">
+            <a:schemeClr val="accent1">
+              <a:shade val="50000"/>
+            </a:schemeClr>
+          </a:lnRef>
+          <a:fillRef idx="1">
+            <a:schemeClr val="accent1"/>
+          </a:fillRef>
+          <a:effectRef idx="0">
+            <a:schemeClr val="accent1"/>
+          </a:effectRef>
+          <a:fontRef idx="minor">
+            <a:schemeClr val="lt1"/>
+          </a:fontRef>
+        </p:style>
+        <p:txBody>
+          <a:bodyPr rtlCol="0" anchor="ctr"/>
+          <a:lstStyle/>
+          <a:p>
+            <a:pPr algn="ctr"/>
+            <a:endParaRPr lang="en-US"/>
+          </a:p>
+        </p:txBody>
+      </p:sp>
+      <p:sp>
+        <p:nvSpPr>
+          <p:cNvPr id="72" name="Oval 71">
+            <a:extLst>
+              <a:ext uri="{FF2B5EF4-FFF2-40B4-BE49-F238E27FC236}">
+                <a16:creationId xmlns:a16="http://schemas.microsoft.com/office/drawing/2014/main" id="{BC700FD1-EE7C-DD40-8E58-3DA34BDA120B}"/>
+              </a:ext>
+            </a:extLst>
+          </p:cNvPr>
+          <p:cNvSpPr/>
+          <p:nvPr/>
+        </p:nvSpPr>
+        <p:spPr>
+          <a:xfrm>
+            <a:off x="3260531" y="2314594"/>
+            <a:ext cx="334537" cy="323385"/>
+          </a:xfrm>
+          <a:prstGeom prst="ellipse">
+            <a:avLst/>
+          </a:prstGeom>
+        </p:spPr>
+        <p:style>
+          <a:lnRef idx="2">
+            <a:schemeClr val="accent1">
+              <a:shade val="50000"/>
+            </a:schemeClr>
+          </a:lnRef>
+          <a:fillRef idx="1">
+            <a:schemeClr val="accent1"/>
+          </a:fillRef>
+          <a:effectRef idx="0">
+            <a:schemeClr val="accent1"/>
+          </a:effectRef>
+          <a:fontRef idx="minor">
+            <a:schemeClr val="lt1"/>
+          </a:fontRef>
+        </p:style>
+        <p:txBody>
+          <a:bodyPr rtlCol="0" anchor="ctr"/>
+          <a:lstStyle/>
+          <a:p>
+            <a:pPr algn="ctr"/>
+            <a:endParaRPr lang="en-US"/>
+          </a:p>
+        </p:txBody>
+      </p:sp>
+      <p:sp>
+        <p:nvSpPr>
+          <p:cNvPr id="73" name="Oval 72">
+            <a:extLst>
+              <a:ext uri="{FF2B5EF4-FFF2-40B4-BE49-F238E27FC236}">
+                <a16:creationId xmlns:a16="http://schemas.microsoft.com/office/drawing/2014/main" id="{9928F994-91D2-DC4D-86B9-55125DCFD83D}"/>
+              </a:ext>
+            </a:extLst>
+          </p:cNvPr>
+          <p:cNvSpPr/>
+          <p:nvPr/>
+        </p:nvSpPr>
+        <p:spPr>
+          <a:xfrm>
+            <a:off x="3801884" y="2314594"/>
+            <a:ext cx="334537" cy="323385"/>
+          </a:xfrm>
+          <a:prstGeom prst="ellipse">
+            <a:avLst/>
+          </a:prstGeom>
+        </p:spPr>
+        <p:style>
+          <a:lnRef idx="2">
+            <a:schemeClr val="accent1">
+              <a:shade val="50000"/>
+            </a:schemeClr>
+          </a:lnRef>
+          <a:fillRef idx="1">
+            <a:schemeClr val="accent1"/>
+          </a:fillRef>
+          <a:effectRef idx="0">
+            <a:schemeClr val="accent1"/>
+          </a:effectRef>
+          <a:fontRef idx="minor">
+            <a:schemeClr val="lt1"/>
+          </a:fontRef>
+        </p:style>
+        <p:txBody>
+          <a:bodyPr rtlCol="0" anchor="ctr"/>
+          <a:lstStyle/>
+          <a:p>
+            <a:pPr algn="ctr"/>
+            <a:endParaRPr lang="en-US"/>
+          </a:p>
+        </p:txBody>
+      </p:sp>
+      <p:sp>
+        <p:nvSpPr>
+          <p:cNvPr id="74" name="Oval 73">
+            <a:extLst>
+              <a:ext uri="{FF2B5EF4-FFF2-40B4-BE49-F238E27FC236}">
+                <a16:creationId xmlns:a16="http://schemas.microsoft.com/office/drawing/2014/main" id="{6BA1265D-BD3B-BE49-A785-EC074336249E}"/>
+              </a:ext>
+            </a:extLst>
+          </p:cNvPr>
+          <p:cNvSpPr/>
+          <p:nvPr/>
+        </p:nvSpPr>
+        <p:spPr>
+          <a:xfrm>
+            <a:off x="4329280" y="2314595"/>
+            <a:ext cx="334537" cy="323385"/>
+          </a:xfrm>
+          <a:prstGeom prst="ellipse">
+            <a:avLst/>
+          </a:prstGeom>
+        </p:spPr>
+        <p:style>
+          <a:lnRef idx="2">
+            <a:schemeClr val="accent1">
+              <a:shade val="50000"/>
+            </a:schemeClr>
+          </a:lnRef>
+          <a:fillRef idx="1">
+            <a:schemeClr val="accent1"/>
+          </a:fillRef>
+          <a:effectRef idx="0">
+            <a:schemeClr val="accent1"/>
+          </a:effectRef>
+          <a:fontRef idx="minor">
+            <a:schemeClr val="lt1"/>
+          </a:fontRef>
+        </p:style>
+        <p:txBody>
+          <a:bodyPr rtlCol="0" anchor="ctr"/>
+          <a:lstStyle/>
+          <a:p>
+            <a:pPr algn="ctr"/>
+            <a:endParaRPr lang="en-US"/>
+          </a:p>
+        </p:txBody>
+      </p:sp>
+      <p:sp>
+        <p:nvSpPr>
+          <p:cNvPr id="75" name="Oval 74">
+            <a:extLst>
+              <a:ext uri="{FF2B5EF4-FFF2-40B4-BE49-F238E27FC236}">
+                <a16:creationId xmlns:a16="http://schemas.microsoft.com/office/drawing/2014/main" id="{8A03EFD9-C28A-C649-BB5D-C9D263880E93}"/>
+              </a:ext>
+            </a:extLst>
+          </p:cNvPr>
+          <p:cNvSpPr/>
+          <p:nvPr/>
+        </p:nvSpPr>
+        <p:spPr>
+          <a:xfrm>
+            <a:off x="2727944" y="2305057"/>
+            <a:ext cx="334537" cy="323385"/>
+          </a:xfrm>
+          <a:prstGeom prst="ellipse">
+            <a:avLst/>
+          </a:prstGeom>
+        </p:spPr>
+        <p:style>
+          <a:lnRef idx="2">
+            <a:schemeClr val="accent1">
+              <a:shade val="50000"/>
+            </a:schemeClr>
+          </a:lnRef>
+          <a:fillRef idx="1">
+            <a:schemeClr val="accent1"/>
+          </a:fillRef>
+          <a:effectRef idx="0">
+            <a:schemeClr val="accent1"/>
+          </a:effectRef>
+          <a:fontRef idx="minor">
+            <a:schemeClr val="lt1"/>
+          </a:fontRef>
+        </p:style>
+        <p:txBody>
+          <a:bodyPr rtlCol="0" anchor="ctr"/>
+          <a:lstStyle/>
+          <a:p>
+            <a:pPr algn="ctr"/>
+            <a:endParaRPr lang="en-US"/>
+          </a:p>
+        </p:txBody>
+      </p:sp>
+      <p:sp>
+        <p:nvSpPr>
+          <p:cNvPr id="76" name="Oval 75">
+            <a:extLst>
+              <a:ext uri="{FF2B5EF4-FFF2-40B4-BE49-F238E27FC236}">
+                <a16:creationId xmlns:a16="http://schemas.microsoft.com/office/drawing/2014/main" id="{57B7A097-F4A7-164A-B2E4-3B826C3DE2B1}"/>
+              </a:ext>
+            </a:extLst>
+          </p:cNvPr>
+          <p:cNvSpPr/>
+          <p:nvPr/>
+        </p:nvSpPr>
+        <p:spPr>
+          <a:xfrm>
+            <a:off x="2067869" y="2282744"/>
+            <a:ext cx="334537" cy="323385"/>
+          </a:xfrm>
+          <a:prstGeom prst="ellipse">
+            <a:avLst/>
+          </a:prstGeom>
+        </p:spPr>
+        <p:style>
+          <a:lnRef idx="2">
+            <a:schemeClr val="accent1">
+              <a:shade val="50000"/>
+            </a:schemeClr>
+          </a:lnRef>
+          <a:fillRef idx="1">
+            <a:schemeClr val="accent1"/>
+          </a:fillRef>
+          <a:effectRef idx="0">
+            <a:schemeClr val="accent1"/>
+          </a:effectRef>
+          <a:fontRef idx="minor">
+            <a:schemeClr val="lt1"/>
+          </a:fontRef>
+        </p:style>
+        <p:txBody>
+          <a:bodyPr rtlCol="0" anchor="ctr"/>
+          <a:lstStyle/>
+          <a:p>
+            <a:pPr algn="ctr"/>
+            <a:endParaRPr lang="en-US"/>
+          </a:p>
+        </p:txBody>
+      </p:sp>
+      <p:sp>
+        <p:nvSpPr>
+          <p:cNvPr id="3" name="Rectangle 2">
+            <a:extLst>
+              <a:ext uri="{FF2B5EF4-FFF2-40B4-BE49-F238E27FC236}">
+                <a16:creationId xmlns:a16="http://schemas.microsoft.com/office/drawing/2014/main" id="{BB96B9A2-9B13-934E-95D6-CBB067C31582}"/>
+              </a:ext>
+            </a:extLst>
+          </p:cNvPr>
+          <p:cNvSpPr/>
+          <p:nvPr/>
+        </p:nvSpPr>
+        <p:spPr>
+          <a:xfrm>
+            <a:off x="525442" y="3099696"/>
+            <a:ext cx="3610979" cy="446049"/>
+          </a:xfrm>
+          <a:prstGeom prst="rect">
+            <a:avLst/>
+          </a:prstGeom>
+        </p:spPr>
+        <p:style>
+          <a:lnRef idx="2">
+            <a:schemeClr val="accent1">
+              <a:shade val="50000"/>
+            </a:schemeClr>
+          </a:lnRef>
+          <a:fillRef idx="1">
+            <a:schemeClr val="accent1"/>
+          </a:fillRef>
+          <a:effectRef idx="0">
+            <a:schemeClr val="accent1"/>
+          </a:effectRef>
+          <a:fontRef idx="minor">
+            <a:schemeClr val="lt1"/>
+          </a:fontRef>
+        </p:style>
+        <p:txBody>
+          <a:bodyPr rtlCol="0" anchor="ctr"/>
+          <a:lstStyle/>
+          <a:p>
+            <a:pPr algn="ctr"/>
+            <a:r>
+              <a:rPr lang="en-US" dirty="0"/>
+              <a:t>MSLAB Chunk A</a:t>
+            </a:r>
+          </a:p>
+        </p:txBody>
+      </p:sp>
+      <p:sp>
+        <p:nvSpPr>
+          <p:cNvPr id="77" name="Rectangle 76">
+            <a:extLst>
+              <a:ext uri="{FF2B5EF4-FFF2-40B4-BE49-F238E27FC236}">
+                <a16:creationId xmlns:a16="http://schemas.microsoft.com/office/drawing/2014/main" id="{3F5F089D-1DDF-7842-94D0-82B709AD1D88}"/>
+              </a:ext>
+            </a:extLst>
+          </p:cNvPr>
+          <p:cNvSpPr/>
+          <p:nvPr/>
+        </p:nvSpPr>
+        <p:spPr>
+          <a:xfrm>
+            <a:off x="984592" y="3635508"/>
+            <a:ext cx="3657600" cy="446049"/>
+          </a:xfrm>
+          <a:prstGeom prst="rect">
+            <a:avLst/>
+          </a:prstGeom>
+        </p:spPr>
+        <p:style>
+          <a:lnRef idx="2">
+            <a:schemeClr val="accent1">
+              <a:shade val="50000"/>
+            </a:schemeClr>
+          </a:lnRef>
+          <a:fillRef idx="1">
+            <a:schemeClr val="accent1"/>
+          </a:fillRef>
+          <a:effectRef idx="0">
+            <a:schemeClr val="accent1"/>
+          </a:effectRef>
+          <a:fontRef idx="minor">
+            <a:schemeClr val="lt1"/>
+          </a:fontRef>
+        </p:style>
+        <p:txBody>
+          <a:bodyPr rtlCol="0" anchor="ctr"/>
+          <a:lstStyle/>
+          <a:p>
+            <a:pPr algn="ctr"/>
+            <a:r>
+              <a:rPr lang="en-US" dirty="0"/>
+              <a:t>MSLAB Chunk B</a:t>
+            </a:r>
+          </a:p>
+        </p:txBody>
+      </p:sp>
+      <p:sp>
+        <p:nvSpPr>
+          <p:cNvPr id="78" name="Rectangle 77">
+            <a:extLst>
+              <a:ext uri="{FF2B5EF4-FFF2-40B4-BE49-F238E27FC236}">
+                <a16:creationId xmlns:a16="http://schemas.microsoft.com/office/drawing/2014/main" id="{CAE9D3E4-8668-9C4B-B02F-B47BC68CE989}"/>
+              </a:ext>
+            </a:extLst>
+          </p:cNvPr>
+          <p:cNvSpPr/>
+          <p:nvPr/>
+        </p:nvSpPr>
+        <p:spPr>
+          <a:xfrm>
+            <a:off x="4241032" y="3099695"/>
+            <a:ext cx="1037063" cy="446049"/>
+          </a:xfrm>
+          <a:prstGeom prst="rect">
+            <a:avLst/>
+          </a:prstGeom>
+        </p:spPr>
+        <p:style>
+          <a:lnRef idx="2">
+            <a:schemeClr val="accent1">
+              <a:shade val="50000"/>
+            </a:schemeClr>
+          </a:lnRef>
+          <a:fillRef idx="1">
+            <a:schemeClr val="accent1"/>
+          </a:fillRef>
+          <a:effectRef idx="0">
+            <a:schemeClr val="accent1"/>
+          </a:effectRef>
+          <a:fontRef idx="minor">
+            <a:schemeClr val="lt1"/>
+          </a:fontRef>
+        </p:style>
+        <p:txBody>
+          <a:bodyPr rtlCol="0" anchor="ctr"/>
+          <a:lstStyle/>
+          <a:p>
+            <a:pPr algn="ctr"/>
+            <a:r>
+              <a:rPr lang="en-US" dirty="0"/>
+              <a:t>POJO</a:t>
+            </a:r>
+          </a:p>
+        </p:txBody>
+      </p:sp>
+      <p:cxnSp>
+        <p:nvCxnSpPr>
+          <p:cNvPr id="5" name="Curved Connector 4">
+            <a:extLst>
+              <a:ext uri="{FF2B5EF4-FFF2-40B4-BE49-F238E27FC236}">
+                <a16:creationId xmlns:a16="http://schemas.microsoft.com/office/drawing/2014/main" id="{6499D3E4-3EB3-604A-BD9D-FA0616AE6956}"/>
+              </a:ext>
+            </a:extLst>
+          </p:cNvPr>
+          <p:cNvCxnSpPr>
+            <a:stCxn id="2" idx="4"/>
+            <a:endCxn id="3" idx="0"/>
+          </p:cNvCxnSpPr>
+          <p:nvPr/>
+        </p:nvCxnSpPr>
+        <p:spPr>
+          <a:xfrm rot="16200000" flipH="1">
+            <a:off x="1350416" y="2119179"/>
+            <a:ext cx="488557" cy="1472476"/>
+          </a:xfrm>
+          <a:prstGeom prst="curvedConnector3">
+            <a:avLst/>
+          </a:prstGeom>
+          <a:ln w="25400">
             <a:solidFill>
               <a:schemeClr val="tx1"/>
             </a:solidFill>
-          </a:ln>
-        </p:spPr>
-        <p:style>
-          <a:lnRef idx="1">
-            <a:schemeClr val="accent6"/>
-          </a:lnRef>
-          <a:fillRef idx="3">
-            <a:schemeClr val="accent6"/>
-          </a:fillRef>
-          <a:effectRef idx="2">
-            <a:schemeClr val="accent6"/>
-          </a:effectRef>
-          <a:fontRef idx="minor">
-            <a:schemeClr val="lt1"/>
-          </a:fontRef>
-        </p:style>
-        <p:txBody>
-          <a:bodyPr rtlCol="0" anchor="t">
-            <a:normAutofit fontScale="25000" lnSpcReduction="20000"/>
-          </a:bodyPr>
-          <a:lstStyle/>
-          <a:p>
-            <a:pPr algn="ctr"/>
-            <a:endParaRPr lang="en-US" sz="1600" dirty="0" err="1">
-              <a:solidFill>
-                <a:schemeClr val="tx1"/>
-              </a:solidFill>
-              <a:latin typeface="Arial" pitchFamily="34" charset="0"/>
-              <a:cs typeface="Arial" pitchFamily="34" charset="0"/>
-            </a:endParaRPr>
-          </a:p>
-        </p:txBody>
-      </p:sp>
-      <p:cxnSp>
-        <p:nvCxnSpPr>
-          <p:cNvPr id="203" name="Straight Arrow Connector 202">
-            <a:extLst>
-              <a:ext uri="{FF2B5EF4-FFF2-40B4-BE49-F238E27FC236}">
-                <a16:creationId xmlns:a16="http://schemas.microsoft.com/office/drawing/2014/main" id="{2EAD6762-F5E4-5E4D-84B2-DACB9D691FCE}"/>
-              </a:ext>
-            </a:extLst>
-          </p:cNvPr>
-          <p:cNvCxnSpPr>
-            <a:cxnSpLocks/>
-            <a:stCxn id="212" idx="2"/>
-          </p:cNvCxnSpPr>
-          <p:nvPr/>
-        </p:nvCxnSpPr>
-        <p:spPr>
-          <a:xfrm flipH="1">
-            <a:off x="7505687" y="2656272"/>
-            <a:ext cx="1178380" cy="534171"/>
-          </a:xfrm>
-          <a:prstGeom prst="straightConnector1">
-            <a:avLst/>
-          </a:prstGeom>
-          <a:ln w="6350">
-            <a:solidFill>
-              <a:srgbClr val="000000"/>
-            </a:solidFill>
-            <a:tailEnd type="arrow"/>
+            <a:tailEnd type="triangle"/>
           </a:ln>
         </p:spPr>
         <p:style>
@@ -6021,32 +8467,33 @@
       </p:cxnSp>
       <p:cxnSp>
         <p:nvCxnSpPr>
-          <p:cNvPr id="204" name="Straight Arrow Connector 203">
-            <a:extLst>
-              <a:ext uri="{FF2B5EF4-FFF2-40B4-BE49-F238E27FC236}">
-                <a16:creationId xmlns:a16="http://schemas.microsoft.com/office/drawing/2014/main" id="{3D93965E-9518-A84E-BF0D-2129A62B67C4}"/>
+          <p:cNvPr id="81" name="Curved Connector 80">
+            <a:extLst>
+              <a:ext uri="{FF2B5EF4-FFF2-40B4-BE49-F238E27FC236}">
+                <a16:creationId xmlns:a16="http://schemas.microsoft.com/office/drawing/2014/main" id="{7465C3C9-208D-2E42-A8B0-AEE753CB50B1}"/>
               </a:ext>
             </a:extLst>
           </p:cNvPr>
           <p:cNvCxnSpPr>
             <a:cxnSpLocks/>
-            <a:stCxn id="177" idx="1"/>
+            <a:stCxn id="75" idx="4"/>
+            <a:endCxn id="78" idx="0"/>
           </p:cNvCxnSpPr>
           <p:nvPr/>
         </p:nvCxnSpPr>
         <p:spPr>
-          <a:xfrm flipH="1">
-            <a:off x="7028816" y="2653183"/>
-            <a:ext cx="1351980" cy="537260"/>
-          </a:xfrm>
-          <a:prstGeom prst="straightConnector1">
-            <a:avLst/>
-          </a:prstGeom>
-          <a:ln w="6350">
+          <a:xfrm rot="16200000" flipH="1">
+            <a:off x="3591762" y="1931892"/>
+            <a:ext cx="471253" cy="1864351"/>
+          </a:xfrm>
+          <a:prstGeom prst="curvedConnector3">
+            <a:avLst/>
+          </a:prstGeom>
+          <a:ln w="25400">
             <a:solidFill>
-              <a:srgbClr val="000000"/>
+              <a:schemeClr val="tx1"/>
             </a:solidFill>
-            <a:tailEnd type="arrow"/>
+            <a:tailEnd type="triangle"/>
           </a:ln>
         </p:spPr>
         <p:style>
@@ -6066,295 +8513,167 @@
       </p:cxnSp>
       <p:cxnSp>
         <p:nvCxnSpPr>
-          <p:cNvPr id="205" name="Straight Arrow Connector 204">
-            <a:extLst>
-              <a:ext uri="{FF2B5EF4-FFF2-40B4-BE49-F238E27FC236}">
-                <a16:creationId xmlns:a16="http://schemas.microsoft.com/office/drawing/2014/main" id="{609FEF21-1633-9C45-9843-161EC63C470B}"/>
+          <p:cNvPr id="84" name="Curved Connector 83">
+            <a:extLst>
+              <a:ext uri="{FF2B5EF4-FFF2-40B4-BE49-F238E27FC236}">
+                <a16:creationId xmlns:a16="http://schemas.microsoft.com/office/drawing/2014/main" id="{440D4372-C844-DB44-A80F-7C7C12D3FDCE}"/>
               </a:ext>
             </a:extLst>
           </p:cNvPr>
           <p:cNvCxnSpPr>
             <a:cxnSpLocks/>
-            <a:stCxn id="210" idx="2"/>
+            <a:stCxn id="71" idx="4"/>
+            <a:endCxn id="77" idx="0"/>
           </p:cNvCxnSpPr>
           <p:nvPr/>
         </p:nvCxnSpPr>
         <p:spPr>
-          <a:xfrm flipH="1">
-            <a:off x="8436337" y="2656272"/>
-            <a:ext cx="402320" cy="553019"/>
-          </a:xfrm>
-          <a:prstGeom prst="straightConnector1">
-            <a:avLst/>
-          </a:prstGeom>
-          <a:ln w="6350">
-            <a:solidFill>
-              <a:srgbClr val="000000"/>
-            </a:solidFill>
-            <a:tailEnd type="arrow"/>
-          </a:ln>
-        </p:spPr>
-        <p:style>
-          <a:lnRef idx="1">
-            <a:schemeClr val="accent1"/>
-          </a:lnRef>
-          <a:fillRef idx="0">
-            <a:schemeClr val="accent1"/>
-          </a:fillRef>
-          <a:effectRef idx="0">
-            <a:schemeClr val="accent1"/>
-          </a:effectRef>
-          <a:fontRef idx="minor">
-            <a:schemeClr val="tx1"/>
-          </a:fontRef>
-        </p:style>
-      </p:cxnSp>
-      <p:cxnSp>
-        <p:nvCxnSpPr>
-          <p:cNvPr id="206" name="Straight Arrow Connector 205">
-            <a:extLst>
-              <a:ext uri="{FF2B5EF4-FFF2-40B4-BE49-F238E27FC236}">
-                <a16:creationId xmlns:a16="http://schemas.microsoft.com/office/drawing/2014/main" id="{BB9C85B4-571B-BD4B-A070-D91785DE77F1}"/>
-              </a:ext>
-            </a:extLst>
-          </p:cNvPr>
-          <p:cNvCxnSpPr>
-            <a:cxnSpLocks/>
-            <a:stCxn id="213" idx="1"/>
-          </p:cNvCxnSpPr>
-          <p:nvPr/>
-        </p:nvCxnSpPr>
-        <p:spPr>
-          <a:xfrm flipH="1">
-            <a:off x="8995725" y="2653183"/>
-            <a:ext cx="10628" cy="542394"/>
-          </a:xfrm>
-          <a:prstGeom prst="straightConnector1">
-            <a:avLst/>
-          </a:prstGeom>
-          <a:ln w="6350">
-            <a:solidFill>
-              <a:srgbClr val="000000"/>
-            </a:solidFill>
-            <a:tailEnd type="arrow"/>
-          </a:ln>
-        </p:spPr>
-        <p:style>
-          <a:lnRef idx="1">
-            <a:schemeClr val="accent1"/>
-          </a:lnRef>
-          <a:fillRef idx="0">
-            <a:schemeClr val="accent1"/>
-          </a:fillRef>
-          <a:effectRef idx="0">
-            <a:schemeClr val="accent1"/>
-          </a:effectRef>
-          <a:fontRef idx="minor">
-            <a:schemeClr val="tx1"/>
-          </a:fontRef>
-        </p:style>
-      </p:cxnSp>
-      <p:cxnSp>
-        <p:nvCxnSpPr>
-          <p:cNvPr id="207" name="Straight Arrow Connector 206">
-            <a:extLst>
-              <a:ext uri="{FF2B5EF4-FFF2-40B4-BE49-F238E27FC236}">
-                <a16:creationId xmlns:a16="http://schemas.microsoft.com/office/drawing/2014/main" id="{530460FD-B49A-6441-B04E-454DF3E5FF17}"/>
-              </a:ext>
-            </a:extLst>
-          </p:cNvPr>
-          <p:cNvCxnSpPr>
-            <a:cxnSpLocks/>
-            <a:stCxn id="216" idx="1"/>
-          </p:cNvCxnSpPr>
-          <p:nvPr/>
-        </p:nvCxnSpPr>
-        <p:spPr>
-          <a:xfrm>
-            <a:off x="9160943" y="2653183"/>
-            <a:ext cx="376308" cy="526664"/>
-          </a:xfrm>
-          <a:prstGeom prst="straightConnector1">
-            <a:avLst/>
-          </a:prstGeom>
-          <a:ln w="6350">
-            <a:solidFill>
-              <a:srgbClr val="000000"/>
-            </a:solidFill>
-            <a:tailEnd type="arrow"/>
-          </a:ln>
-        </p:spPr>
-        <p:style>
-          <a:lnRef idx="1">
-            <a:schemeClr val="accent1"/>
-          </a:lnRef>
-          <a:fillRef idx="0">
-            <a:schemeClr val="accent1"/>
-          </a:fillRef>
-          <a:effectRef idx="0">
-            <a:schemeClr val="accent1"/>
-          </a:effectRef>
-          <a:fontRef idx="minor">
-            <a:schemeClr val="tx1"/>
-          </a:fontRef>
-        </p:style>
-      </p:cxnSp>
-      <p:cxnSp>
-        <p:nvCxnSpPr>
-          <p:cNvPr id="208" name="Straight Arrow Connector 207">
-            <a:extLst>
-              <a:ext uri="{FF2B5EF4-FFF2-40B4-BE49-F238E27FC236}">
-                <a16:creationId xmlns:a16="http://schemas.microsoft.com/office/drawing/2014/main" id="{B0F21332-AAC5-BA48-BB5D-06FF9AD316BD}"/>
-              </a:ext>
-            </a:extLst>
-          </p:cNvPr>
-          <p:cNvCxnSpPr>
-            <a:cxnSpLocks/>
-            <a:stCxn id="214" idx="2"/>
-          </p:cNvCxnSpPr>
-          <p:nvPr/>
-        </p:nvCxnSpPr>
-        <p:spPr>
-          <a:xfrm>
-            <a:off x="9464214" y="2656272"/>
-            <a:ext cx="583378" cy="523575"/>
-          </a:xfrm>
-          <a:prstGeom prst="straightConnector1">
-            <a:avLst/>
-          </a:prstGeom>
-          <a:ln w="6350">
-            <a:solidFill>
-              <a:srgbClr val="000000"/>
-            </a:solidFill>
-            <a:tailEnd type="arrow"/>
-          </a:ln>
-        </p:spPr>
-        <p:style>
-          <a:lnRef idx="1">
-            <a:schemeClr val="accent1"/>
-          </a:lnRef>
-          <a:fillRef idx="0">
-            <a:schemeClr val="accent1"/>
-          </a:fillRef>
-          <a:effectRef idx="0">
-            <a:schemeClr val="accent1"/>
-          </a:effectRef>
-          <a:fontRef idx="minor">
-            <a:schemeClr val="tx1"/>
-          </a:fontRef>
-        </p:style>
-      </p:cxnSp>
-      <p:cxnSp>
-        <p:nvCxnSpPr>
-          <p:cNvPr id="209" name="Straight Arrow Connector 208">
-            <a:extLst>
-              <a:ext uri="{FF2B5EF4-FFF2-40B4-BE49-F238E27FC236}">
-                <a16:creationId xmlns:a16="http://schemas.microsoft.com/office/drawing/2014/main" id="{BE477BA6-F4DD-FA46-A858-BA7895D4381B}"/>
-              </a:ext>
-            </a:extLst>
-          </p:cNvPr>
-          <p:cNvCxnSpPr>
-            <a:cxnSpLocks/>
-            <a:stCxn id="215" idx="2"/>
-          </p:cNvCxnSpPr>
-          <p:nvPr/>
-        </p:nvCxnSpPr>
-        <p:spPr>
-          <a:xfrm>
-            <a:off x="9618803" y="2656272"/>
-            <a:ext cx="966312" cy="534171"/>
-          </a:xfrm>
-          <a:prstGeom prst="straightConnector1">
-            <a:avLst/>
-          </a:prstGeom>
-          <a:ln w="6350">
-            <a:solidFill>
-              <a:srgbClr val="000000"/>
-            </a:solidFill>
-            <a:tailEnd type="arrow"/>
-          </a:ln>
-        </p:spPr>
-        <p:style>
-          <a:lnRef idx="1">
-            <a:schemeClr val="accent1"/>
-          </a:lnRef>
-          <a:fillRef idx="0">
-            <a:schemeClr val="accent1"/>
-          </a:fillRef>
-          <a:effectRef idx="0">
-            <a:schemeClr val="accent1"/>
-          </a:effectRef>
-          <a:fontRef idx="minor">
-            <a:schemeClr val="tx1"/>
-          </a:fontRef>
-        </p:style>
-      </p:cxnSp>
-      <p:sp>
-        <p:nvSpPr>
-          <p:cNvPr id="210" name="Diamond 209">
-            <a:extLst>
-              <a:ext uri="{FF2B5EF4-FFF2-40B4-BE49-F238E27FC236}">
-                <a16:creationId xmlns:a16="http://schemas.microsoft.com/office/drawing/2014/main" id="{C087EB16-E519-1B4F-A135-F4D22BD9323C}"/>
-              </a:ext>
-            </a:extLst>
-          </p:cNvPr>
-          <p:cNvSpPr/>
-          <p:nvPr/>
-        </p:nvSpPr>
-        <p:spPr>
-          <a:xfrm rot="18971391">
-            <a:off x="8660705" y="2475231"/>
-            <a:ext cx="210312" cy="210312"/>
-          </a:xfrm>
-          <a:prstGeom prst="diamond">
-            <a:avLst/>
-          </a:prstGeom>
-          <a:solidFill>
-            <a:srgbClr val="0070C0"/>
-          </a:solidFill>
-          <a:ln>
+          <a:xfrm rot="16200000" flipH="1">
+            <a:off x="1617622" y="2439738"/>
+            <a:ext cx="1016058" cy="1375481"/>
+          </a:xfrm>
+          <a:prstGeom prst="curvedConnector3">
+            <a:avLst>
+              <a:gd name="adj1" fmla="val 50000"/>
+            </a:avLst>
+          </a:prstGeom>
+          <a:ln w="25400">
             <a:solidFill>
               <a:schemeClr val="tx1"/>
             </a:solidFill>
+            <a:tailEnd type="triangle"/>
           </a:ln>
         </p:spPr>
         <p:style>
           <a:lnRef idx="1">
-            <a:schemeClr val="accent6"/>
-          </a:lnRef>
-          <a:fillRef idx="3">
-            <a:schemeClr val="accent6"/>
-          </a:fillRef>
-          <a:effectRef idx="2">
-            <a:schemeClr val="accent6"/>
-          </a:effectRef>
-          <a:fontRef idx="minor">
+            <a:schemeClr val="accent1"/>
+          </a:lnRef>
+          <a:fillRef idx="0">
+            <a:schemeClr val="accent1"/>
+          </a:fillRef>
+          <a:effectRef idx="0">
+            <a:schemeClr val="accent1"/>
+          </a:effectRef>
+          <a:fontRef idx="minor">
+            <a:schemeClr val="tx1"/>
+          </a:fontRef>
+        </p:style>
+      </p:cxnSp>
+      <p:sp>
+        <p:nvSpPr>
+          <p:cNvPr id="87" name="Rounded Rectangle 86">
+            <a:extLst>
+              <a:ext uri="{FF2B5EF4-FFF2-40B4-BE49-F238E27FC236}">
+                <a16:creationId xmlns:a16="http://schemas.microsoft.com/office/drawing/2014/main" id="{2EF77D05-DF05-4247-AA54-C1EFCD3D5A13}"/>
+              </a:ext>
+            </a:extLst>
+          </p:cNvPr>
+          <p:cNvSpPr>
+            <a:spLocks noChangeAspect="1"/>
+          </p:cNvSpPr>
+          <p:nvPr/>
+        </p:nvSpPr>
+        <p:spPr>
+          <a:xfrm>
+            <a:off x="6160170" y="1052121"/>
+            <a:ext cx="5308784" cy="3317990"/>
+          </a:xfrm>
+          <a:prstGeom prst="roundRect">
+            <a:avLst/>
+          </a:prstGeom>
+          <a:noFill/>
+          <a:ln w="28575">
+            <a:solidFill>
+              <a:srgbClr val="002060">
+                <a:alpha val="70000"/>
+              </a:srgbClr>
+            </a:solidFill>
+          </a:ln>
+        </p:spPr>
+        <p:style>
+          <a:lnRef idx="2">
+            <a:schemeClr val="accent1"/>
+          </a:lnRef>
+          <a:fillRef idx="1">
             <a:schemeClr val="lt1"/>
-          </a:fontRef>
-        </p:style>
-        <p:txBody>
-          <a:bodyPr rtlCol="0" anchor="t">
-            <a:normAutofit fontScale="25000" lnSpcReduction="20000"/>
+          </a:fillRef>
+          <a:effectRef idx="0">
+            <a:schemeClr val="accent1"/>
+          </a:effectRef>
+          <a:fontRef idx="minor">
+            <a:schemeClr val="dk1"/>
+          </a:fontRef>
+        </p:style>
+        <p:txBody>
+          <a:bodyPr rot="0" spcFirstLastPara="0" vert="horz" wrap="square" lIns="91440" tIns="45720" rIns="91440" bIns="45720" numCol="1" spcCol="0" rtlCol="0" fromWordArt="0" anchor="ctr" anchorCtr="0" forceAA="0" compatLnSpc="1">
+            <a:prstTxWarp prst="textNoShape">
+              <a:avLst/>
+            </a:prstTxWarp>
+            <a:noAutofit/>
           </a:bodyPr>
           <a:lstStyle/>
           <a:p>
+            <a:pPr marL="0" marR="0" algn="ctr">
+              <a:spcBef>
+                <a:spcPts val="0"/>
+              </a:spcBef>
+              <a:spcAft>
+                <a:spcPts val="0"/>
+              </a:spcAft>
+            </a:pPr>
+            <a:endParaRPr lang="en-US" sz="1200" dirty="0">
+              <a:effectLst/>
+              <a:ea typeface="ＭＳ 明朝"/>
+              <a:cs typeface="Times New Roman"/>
+            </a:endParaRPr>
+          </a:p>
+        </p:txBody>
+      </p:sp>
+      <p:sp>
+        <p:nvSpPr>
+          <p:cNvPr id="88" name="TextBox 87">
+            <a:extLst>
+              <a:ext uri="{FF2B5EF4-FFF2-40B4-BE49-F238E27FC236}">
+                <a16:creationId xmlns:a16="http://schemas.microsoft.com/office/drawing/2014/main" id="{632C2853-ECBA-454C-844D-64266B647B4E}"/>
+              </a:ext>
+            </a:extLst>
+          </p:cNvPr>
+          <p:cNvSpPr txBox="1"/>
+          <p:nvPr/>
+        </p:nvSpPr>
+        <p:spPr>
+          <a:xfrm>
+            <a:off x="7789894" y="644418"/>
+            <a:ext cx="2033183" cy="914400"/>
+          </a:xfrm>
+          <a:prstGeom prst="rect">
+            <a:avLst/>
+          </a:prstGeom>
+          <a:noFill/>
+          <a:ln>
+            <a:noFill/>
+          </a:ln>
+        </p:spPr>
+        <p:txBody>
+          <a:bodyPr wrap="none" rtlCol="0">
+            <a:normAutofit/>
+          </a:bodyPr>
+          <a:lstStyle/>
+          <a:p>
             <a:pPr algn="ctr"/>
-            <a:endParaRPr lang="en-US" sz="1600" dirty="0" err="1">
-              <a:solidFill>
-                <a:schemeClr val="tx1"/>
-              </a:solidFill>
-              <a:latin typeface="Arial" pitchFamily="34" charset="0"/>
-              <a:cs typeface="Arial" pitchFamily="34" charset="0"/>
-            </a:endParaRPr>
-          </a:p>
-        </p:txBody>
-      </p:sp>
-      <p:sp>
-        <p:nvSpPr>
-          <p:cNvPr id="211" name="Diamond 210">
-            <a:extLst>
-              <a:ext uri="{FF2B5EF4-FFF2-40B4-BE49-F238E27FC236}">
-                <a16:creationId xmlns:a16="http://schemas.microsoft.com/office/drawing/2014/main" id="{231A0675-2A4F-3F44-9FD4-B88B20C50103}"/>
+            <a:r>
+              <a:rPr lang="en-US" sz="2400" b="1" dirty="0"/>
+              <a:t>Serialized Segment</a:t>
+            </a:r>
+          </a:p>
+        </p:txBody>
+      </p:sp>
+      <p:sp>
+        <p:nvSpPr>
+          <p:cNvPr id="89" name="Rectangle 88">
+            <a:extLst>
+              <a:ext uri="{FF2B5EF4-FFF2-40B4-BE49-F238E27FC236}">
+                <a16:creationId xmlns:a16="http://schemas.microsoft.com/office/drawing/2014/main" id="{BCD4287F-F1C3-C44E-AE76-E0B3CD1BB5CA}"/>
               </a:ext>
             </a:extLst>
           </p:cNvPr>
@@ -6362,59 +8681,62 @@
           <p:nvPr/>
         </p:nvSpPr>
         <p:spPr>
-          <a:xfrm rot="18971391">
-            <a:off x="8815294" y="2475231"/>
-            <a:ext cx="210312" cy="210312"/>
-          </a:xfrm>
-          <a:prstGeom prst="diamond">
+          <a:xfrm>
+            <a:off x="6342065" y="2086048"/>
+            <a:ext cx="4928839" cy="2073357"/>
+          </a:xfrm>
+          <a:prstGeom prst="rect">
             <a:avLst/>
           </a:prstGeom>
           <a:solidFill>
-            <a:srgbClr val="0070C0"/>
+            <a:schemeClr val="accent1">
+              <a:lumMod val="40000"/>
+              <a:lumOff val="60000"/>
+            </a:schemeClr>
           </a:solidFill>
-          <a:ln>
-            <a:solidFill>
-              <a:schemeClr val="tx1"/>
-            </a:solidFill>
-          </a:ln>
-        </p:spPr>
-        <p:style>
-          <a:lnRef idx="1">
-            <a:schemeClr val="accent6"/>
-          </a:lnRef>
-          <a:fillRef idx="3">
-            <a:schemeClr val="accent6"/>
-          </a:fillRef>
-          <a:effectRef idx="2">
-            <a:schemeClr val="accent6"/>
+          <a:ln w="28575">
+            <a:prstDash val="dash"/>
+          </a:ln>
+        </p:spPr>
+        <p:style>
+          <a:lnRef idx="2">
+            <a:schemeClr val="accent1">
+              <a:shade val="50000"/>
+            </a:schemeClr>
+          </a:lnRef>
+          <a:fillRef idx="1">
+            <a:schemeClr val="accent1"/>
+          </a:fillRef>
+          <a:effectRef idx="0">
+            <a:schemeClr val="accent1"/>
           </a:effectRef>
           <a:fontRef idx="minor">
             <a:schemeClr val="lt1"/>
           </a:fontRef>
         </p:style>
         <p:txBody>
-          <a:bodyPr rtlCol="0" anchor="t">
-            <a:normAutofit fontScale="25000" lnSpcReduction="20000"/>
-          </a:bodyPr>
-          <a:lstStyle/>
-          <a:p>
-            <a:pPr algn="ctr"/>
-            <a:endParaRPr lang="en-US" sz="1600" dirty="0" err="1">
-              <a:solidFill>
-                <a:schemeClr val="tx1"/>
-              </a:solidFill>
-              <a:latin typeface="Arial" pitchFamily="34" charset="0"/>
-              <a:cs typeface="Arial" pitchFamily="34" charset="0"/>
-            </a:endParaRPr>
-          </a:p>
-        </p:txBody>
-      </p:sp>
-      <p:sp>
-        <p:nvSpPr>
-          <p:cNvPr id="212" name="Diamond 211">
-            <a:extLst>
-              <a:ext uri="{FF2B5EF4-FFF2-40B4-BE49-F238E27FC236}">
-                <a16:creationId xmlns:a16="http://schemas.microsoft.com/office/drawing/2014/main" id="{90FAD0A0-6D96-EE41-BEEB-7ECD114B6AC1}"/>
+          <a:bodyPr rtlCol="0" anchor="ctr"/>
+          <a:lstStyle/>
+          <a:p>
+            <a:r>
+              <a:rPr lang="en-US" b="1" dirty="0"/>
+              <a:t>DATA</a:t>
+            </a:r>
+          </a:p>
+          <a:p>
+            <a:endParaRPr lang="en-US" b="1" dirty="0"/>
+          </a:p>
+          <a:p>
+            <a:endParaRPr lang="en-US" b="1" dirty="0"/>
+          </a:p>
+        </p:txBody>
+      </p:sp>
+      <p:sp>
+        <p:nvSpPr>
+          <p:cNvPr id="105" name="Rectangle 104">
+            <a:extLst>
+              <a:ext uri="{FF2B5EF4-FFF2-40B4-BE49-F238E27FC236}">
+                <a16:creationId xmlns:a16="http://schemas.microsoft.com/office/drawing/2014/main" id="{A89C9A13-938B-C54A-9471-4BF1F1EF93D8}"/>
               </a:ext>
             </a:extLst>
           </p:cNvPr>
@@ -6422,309 +8744,9 @@
           <p:nvPr/>
         </p:nvSpPr>
         <p:spPr>
-          <a:xfrm rot="18971391">
-            <a:off x="8506115" y="2475231"/>
-            <a:ext cx="210312" cy="210312"/>
-          </a:xfrm>
-          <a:prstGeom prst="diamond">
-            <a:avLst/>
-          </a:prstGeom>
-          <a:solidFill>
-            <a:srgbClr val="0070C0"/>
-          </a:solidFill>
-          <a:ln>
-            <a:solidFill>
-              <a:schemeClr val="tx1"/>
-            </a:solidFill>
-          </a:ln>
-        </p:spPr>
-        <p:style>
-          <a:lnRef idx="1">
-            <a:schemeClr val="accent6"/>
-          </a:lnRef>
-          <a:fillRef idx="3">
-            <a:schemeClr val="accent6"/>
-          </a:fillRef>
-          <a:effectRef idx="2">
-            <a:schemeClr val="accent6"/>
-          </a:effectRef>
-          <a:fontRef idx="minor">
-            <a:schemeClr val="lt1"/>
-          </a:fontRef>
-        </p:style>
-        <p:txBody>
-          <a:bodyPr rtlCol="0" anchor="t">
-            <a:normAutofit fontScale="25000" lnSpcReduction="20000"/>
-          </a:bodyPr>
-          <a:lstStyle/>
-          <a:p>
-            <a:pPr algn="ctr"/>
-            <a:endParaRPr lang="en-US" sz="1600" dirty="0" err="1">
-              <a:solidFill>
-                <a:schemeClr val="tx1"/>
-              </a:solidFill>
-              <a:latin typeface="Arial" pitchFamily="34" charset="0"/>
-              <a:cs typeface="Arial" pitchFamily="34" charset="0"/>
-            </a:endParaRPr>
-          </a:p>
-        </p:txBody>
-      </p:sp>
-      <p:sp>
-        <p:nvSpPr>
-          <p:cNvPr id="213" name="Diamond 212">
-            <a:extLst>
-              <a:ext uri="{FF2B5EF4-FFF2-40B4-BE49-F238E27FC236}">
-                <a16:creationId xmlns:a16="http://schemas.microsoft.com/office/drawing/2014/main" id="{5E913281-94A1-134C-A5F0-1E8BB94FD2DD}"/>
-              </a:ext>
-            </a:extLst>
-          </p:cNvPr>
-          <p:cNvSpPr/>
-          <p:nvPr/>
-        </p:nvSpPr>
-        <p:spPr>
-          <a:xfrm rot="18971391">
-            <a:off x="8977082" y="2475231"/>
-            <a:ext cx="210312" cy="210312"/>
-          </a:xfrm>
-          <a:prstGeom prst="diamond">
-            <a:avLst/>
-          </a:prstGeom>
-          <a:solidFill>
-            <a:srgbClr val="0070C0"/>
-          </a:solidFill>
-          <a:ln>
-            <a:solidFill>
-              <a:schemeClr val="tx1"/>
-            </a:solidFill>
-          </a:ln>
-        </p:spPr>
-        <p:style>
-          <a:lnRef idx="1">
-            <a:schemeClr val="accent6"/>
-          </a:lnRef>
-          <a:fillRef idx="3">
-            <a:schemeClr val="accent6"/>
-          </a:fillRef>
-          <a:effectRef idx="2">
-            <a:schemeClr val="accent6"/>
-          </a:effectRef>
-          <a:fontRef idx="minor">
-            <a:schemeClr val="lt1"/>
-          </a:fontRef>
-        </p:style>
-        <p:txBody>
-          <a:bodyPr rtlCol="0" anchor="t">
-            <a:normAutofit fontScale="25000" lnSpcReduction="20000"/>
-          </a:bodyPr>
-          <a:lstStyle/>
-          <a:p>
-            <a:pPr algn="ctr"/>
-            <a:endParaRPr lang="en-US" sz="1600" dirty="0" err="1">
-              <a:solidFill>
-                <a:schemeClr val="tx1"/>
-              </a:solidFill>
-              <a:latin typeface="Arial" pitchFamily="34" charset="0"/>
-              <a:cs typeface="Arial" pitchFamily="34" charset="0"/>
-            </a:endParaRPr>
-          </a:p>
-        </p:txBody>
-      </p:sp>
-      <p:sp>
-        <p:nvSpPr>
-          <p:cNvPr id="214" name="Diamond 213">
-            <a:extLst>
-              <a:ext uri="{FF2B5EF4-FFF2-40B4-BE49-F238E27FC236}">
-                <a16:creationId xmlns:a16="http://schemas.microsoft.com/office/drawing/2014/main" id="{3B777B00-E62A-DD46-8A7C-171B83B1EAFD}"/>
-              </a:ext>
-            </a:extLst>
-          </p:cNvPr>
-          <p:cNvSpPr/>
-          <p:nvPr/>
-        </p:nvSpPr>
-        <p:spPr>
-          <a:xfrm rot="18971391">
-            <a:off x="9286262" y="2475231"/>
-            <a:ext cx="210312" cy="210312"/>
-          </a:xfrm>
-          <a:prstGeom prst="diamond">
-            <a:avLst/>
-          </a:prstGeom>
-          <a:solidFill>
-            <a:srgbClr val="0070C0"/>
-          </a:solidFill>
-          <a:ln>
-            <a:solidFill>
-              <a:schemeClr val="tx1"/>
-            </a:solidFill>
-          </a:ln>
-        </p:spPr>
-        <p:style>
-          <a:lnRef idx="1">
-            <a:schemeClr val="accent6"/>
-          </a:lnRef>
-          <a:fillRef idx="3">
-            <a:schemeClr val="accent6"/>
-          </a:fillRef>
-          <a:effectRef idx="2">
-            <a:schemeClr val="accent6"/>
-          </a:effectRef>
-          <a:fontRef idx="minor">
-            <a:schemeClr val="lt1"/>
-          </a:fontRef>
-        </p:style>
-        <p:txBody>
-          <a:bodyPr rtlCol="0" anchor="t">
-            <a:normAutofit fontScale="25000" lnSpcReduction="20000"/>
-          </a:bodyPr>
-          <a:lstStyle/>
-          <a:p>
-            <a:pPr algn="ctr"/>
-            <a:endParaRPr lang="en-US" sz="1600" dirty="0" err="1">
-              <a:solidFill>
-                <a:schemeClr val="tx1"/>
-              </a:solidFill>
-              <a:latin typeface="Arial" pitchFamily="34" charset="0"/>
-              <a:cs typeface="Arial" pitchFamily="34" charset="0"/>
-            </a:endParaRPr>
-          </a:p>
-        </p:txBody>
-      </p:sp>
-      <p:sp>
-        <p:nvSpPr>
-          <p:cNvPr id="215" name="Diamond 214">
-            <a:extLst>
-              <a:ext uri="{FF2B5EF4-FFF2-40B4-BE49-F238E27FC236}">
-                <a16:creationId xmlns:a16="http://schemas.microsoft.com/office/drawing/2014/main" id="{5F370D92-C997-5B43-8C67-C18418B337B5}"/>
-              </a:ext>
-            </a:extLst>
-          </p:cNvPr>
-          <p:cNvSpPr/>
-          <p:nvPr/>
-        </p:nvSpPr>
-        <p:spPr>
-          <a:xfrm rot="18971391">
-            <a:off x="9440851" y="2475231"/>
-            <a:ext cx="210312" cy="210312"/>
-          </a:xfrm>
-          <a:prstGeom prst="diamond">
-            <a:avLst/>
-          </a:prstGeom>
-          <a:solidFill>
-            <a:srgbClr val="0070C0"/>
-          </a:solidFill>
-          <a:ln>
-            <a:solidFill>
-              <a:schemeClr val="tx1"/>
-            </a:solidFill>
-          </a:ln>
-        </p:spPr>
-        <p:style>
-          <a:lnRef idx="1">
-            <a:schemeClr val="accent6"/>
-          </a:lnRef>
-          <a:fillRef idx="3">
-            <a:schemeClr val="accent6"/>
-          </a:fillRef>
-          <a:effectRef idx="2">
-            <a:schemeClr val="accent6"/>
-          </a:effectRef>
-          <a:fontRef idx="minor">
-            <a:schemeClr val="lt1"/>
-          </a:fontRef>
-        </p:style>
-        <p:txBody>
-          <a:bodyPr rtlCol="0" anchor="t">
-            <a:normAutofit fontScale="25000" lnSpcReduction="20000"/>
-          </a:bodyPr>
-          <a:lstStyle/>
-          <a:p>
-            <a:pPr algn="ctr"/>
-            <a:endParaRPr lang="en-US" sz="1600" dirty="0" err="1">
-              <a:solidFill>
-                <a:schemeClr val="tx1"/>
-              </a:solidFill>
-              <a:latin typeface="Arial" pitchFamily="34" charset="0"/>
-              <a:cs typeface="Arial" pitchFamily="34" charset="0"/>
-            </a:endParaRPr>
-          </a:p>
-        </p:txBody>
-      </p:sp>
-      <p:sp>
-        <p:nvSpPr>
-          <p:cNvPr id="216" name="Diamond 215">
-            <a:extLst>
-              <a:ext uri="{FF2B5EF4-FFF2-40B4-BE49-F238E27FC236}">
-                <a16:creationId xmlns:a16="http://schemas.microsoft.com/office/drawing/2014/main" id="{96822EFE-0D15-2042-BD72-30E19C13FF80}"/>
-              </a:ext>
-            </a:extLst>
-          </p:cNvPr>
-          <p:cNvSpPr/>
-          <p:nvPr/>
-        </p:nvSpPr>
-        <p:spPr>
-          <a:xfrm rot="18971391">
-            <a:off x="9131672" y="2475231"/>
-            <a:ext cx="210312" cy="210312"/>
-          </a:xfrm>
-          <a:prstGeom prst="diamond">
-            <a:avLst/>
-          </a:prstGeom>
-          <a:solidFill>
-            <a:srgbClr val="0070C0"/>
-          </a:solidFill>
-          <a:ln>
-            <a:solidFill>
-              <a:schemeClr val="tx1"/>
-            </a:solidFill>
-          </a:ln>
-        </p:spPr>
-        <p:style>
-          <a:lnRef idx="1">
-            <a:schemeClr val="accent6"/>
-          </a:lnRef>
-          <a:fillRef idx="3">
-            <a:schemeClr val="accent6"/>
-          </a:fillRef>
-          <a:effectRef idx="2">
-            <a:schemeClr val="accent6"/>
-          </a:effectRef>
-          <a:fontRef idx="minor">
-            <a:schemeClr val="lt1"/>
-          </a:fontRef>
-        </p:style>
-        <p:txBody>
-          <a:bodyPr rtlCol="0" anchor="t">
-            <a:normAutofit fontScale="25000" lnSpcReduction="20000"/>
-          </a:bodyPr>
-          <a:lstStyle/>
-          <a:p>
-            <a:pPr algn="ctr"/>
-            <a:endParaRPr lang="en-US" sz="1600" dirty="0" err="1">
-              <a:solidFill>
-                <a:schemeClr val="tx1"/>
-              </a:solidFill>
-              <a:latin typeface="Arial" pitchFamily="34" charset="0"/>
-              <a:cs typeface="Arial" pitchFamily="34" charset="0"/>
-            </a:endParaRPr>
-          </a:p>
-        </p:txBody>
-      </p:sp>
-      <p:sp>
-        <p:nvSpPr>
-          <p:cNvPr id="227" name="Rectangle 226">
-            <a:extLst>
-              <a:ext uri="{FF2B5EF4-FFF2-40B4-BE49-F238E27FC236}">
-                <a16:creationId xmlns:a16="http://schemas.microsoft.com/office/drawing/2014/main" id="{9BDF5E56-508C-574B-B173-5252C9C44C18}"/>
-              </a:ext>
-            </a:extLst>
-          </p:cNvPr>
-          <p:cNvSpPr/>
-          <p:nvPr/>
-        </p:nvSpPr>
-        <p:spPr>
-          <a:xfrm>
-            <a:off x="6509397" y="1686701"/>
-            <a:ext cx="4928839" cy="1232028"/>
+          <a:xfrm>
+            <a:off x="6342065" y="1274106"/>
+            <a:ext cx="4928839" cy="811942"/>
           </a:xfrm>
           <a:prstGeom prst="rect">
             <a:avLst/>
@@ -6765,10 +8787,886 @@
           </a:p>
         </p:txBody>
       </p:sp>
+      <p:sp>
+        <p:nvSpPr>
+          <p:cNvPr id="113" name="Rectangle 112">
+            <a:extLst>
+              <a:ext uri="{FF2B5EF4-FFF2-40B4-BE49-F238E27FC236}">
+                <a16:creationId xmlns:a16="http://schemas.microsoft.com/office/drawing/2014/main" id="{F95A3F2D-8CA9-D748-8345-797163CD1741}"/>
+              </a:ext>
+            </a:extLst>
+          </p:cNvPr>
+          <p:cNvSpPr/>
+          <p:nvPr/>
+        </p:nvSpPr>
+        <p:spPr>
+          <a:xfrm>
+            <a:off x="6446676" y="3099696"/>
+            <a:ext cx="3610979" cy="446049"/>
+          </a:xfrm>
+          <a:prstGeom prst="rect">
+            <a:avLst/>
+          </a:prstGeom>
+        </p:spPr>
+        <p:style>
+          <a:lnRef idx="2">
+            <a:schemeClr val="accent1">
+              <a:shade val="50000"/>
+            </a:schemeClr>
+          </a:lnRef>
+          <a:fillRef idx="1">
+            <a:schemeClr val="accent1"/>
+          </a:fillRef>
+          <a:effectRef idx="0">
+            <a:schemeClr val="accent1"/>
+          </a:effectRef>
+          <a:fontRef idx="minor">
+            <a:schemeClr val="lt1"/>
+          </a:fontRef>
+        </p:style>
+        <p:txBody>
+          <a:bodyPr rtlCol="0" anchor="ctr"/>
+          <a:lstStyle/>
+          <a:p>
+            <a:pPr algn="ctr"/>
+            <a:r>
+              <a:rPr lang="en-US" dirty="0"/>
+              <a:t>MSLAB Chunk A</a:t>
+            </a:r>
+          </a:p>
+        </p:txBody>
+      </p:sp>
+      <p:sp>
+        <p:nvSpPr>
+          <p:cNvPr id="114" name="Rectangle 113">
+            <a:extLst>
+              <a:ext uri="{FF2B5EF4-FFF2-40B4-BE49-F238E27FC236}">
+                <a16:creationId xmlns:a16="http://schemas.microsoft.com/office/drawing/2014/main" id="{A9C7B5C3-A176-3E47-A2B1-CCFECA6FEF68}"/>
+              </a:ext>
+            </a:extLst>
+          </p:cNvPr>
+          <p:cNvSpPr/>
+          <p:nvPr/>
+        </p:nvSpPr>
+        <p:spPr>
+          <a:xfrm>
+            <a:off x="6977266" y="3635508"/>
+            <a:ext cx="3657600" cy="446049"/>
+          </a:xfrm>
+          <a:prstGeom prst="rect">
+            <a:avLst/>
+          </a:prstGeom>
+        </p:spPr>
+        <p:style>
+          <a:lnRef idx="2">
+            <a:schemeClr val="accent1">
+              <a:shade val="50000"/>
+            </a:schemeClr>
+          </a:lnRef>
+          <a:fillRef idx="1">
+            <a:schemeClr val="accent1"/>
+          </a:fillRef>
+          <a:effectRef idx="0">
+            <a:schemeClr val="accent1"/>
+          </a:effectRef>
+          <a:fontRef idx="minor">
+            <a:schemeClr val="lt1"/>
+          </a:fontRef>
+        </p:style>
+        <p:txBody>
+          <a:bodyPr rtlCol="0" anchor="ctr"/>
+          <a:lstStyle/>
+          <a:p>
+            <a:pPr algn="ctr"/>
+            <a:r>
+              <a:rPr lang="en-US" dirty="0"/>
+              <a:t>MSLAB Chunk B</a:t>
+            </a:r>
+          </a:p>
+        </p:txBody>
+      </p:sp>
+      <p:cxnSp>
+        <p:nvCxnSpPr>
+          <p:cNvPr id="116" name="Curved Connector 115">
+            <a:extLst>
+              <a:ext uri="{FF2B5EF4-FFF2-40B4-BE49-F238E27FC236}">
+                <a16:creationId xmlns:a16="http://schemas.microsoft.com/office/drawing/2014/main" id="{7A466155-56A4-1B41-96C2-3D312C67BA9C}"/>
+              </a:ext>
+            </a:extLst>
+          </p:cNvPr>
+          <p:cNvCxnSpPr>
+            <a:cxnSpLocks/>
+          </p:cNvCxnSpPr>
+          <p:nvPr/>
+        </p:nvCxnSpPr>
+        <p:spPr>
+          <a:xfrm rot="16200000" flipH="1">
+            <a:off x="9127165" y="2409743"/>
+            <a:ext cx="1731590" cy="719940"/>
+          </a:xfrm>
+          <a:prstGeom prst="curvedConnector3">
+            <a:avLst>
+              <a:gd name="adj1" fmla="val 50000"/>
+            </a:avLst>
+          </a:prstGeom>
+          <a:ln w="25400">
+            <a:solidFill>
+              <a:schemeClr val="tx1"/>
+            </a:solidFill>
+            <a:tailEnd type="triangle"/>
+          </a:ln>
+        </p:spPr>
+        <p:style>
+          <a:lnRef idx="1">
+            <a:schemeClr val="accent1"/>
+          </a:lnRef>
+          <a:fillRef idx="0">
+            <a:schemeClr val="accent1"/>
+          </a:fillRef>
+          <a:effectRef idx="0">
+            <a:schemeClr val="accent1"/>
+          </a:effectRef>
+          <a:fontRef idx="minor">
+            <a:schemeClr val="tx1"/>
+          </a:fontRef>
+        </p:style>
+      </p:cxnSp>
+      <p:cxnSp>
+        <p:nvCxnSpPr>
+          <p:cNvPr id="117" name="Curved Connector 116">
+            <a:extLst>
+              <a:ext uri="{FF2B5EF4-FFF2-40B4-BE49-F238E27FC236}">
+                <a16:creationId xmlns:a16="http://schemas.microsoft.com/office/drawing/2014/main" id="{812FFA94-BB8C-8E42-9365-27B95DD4CAB5}"/>
+              </a:ext>
+            </a:extLst>
+          </p:cNvPr>
+          <p:cNvCxnSpPr>
+            <a:cxnSpLocks/>
+            <a:stCxn id="155" idx="2"/>
+            <a:endCxn id="85" idx="0"/>
+          </p:cNvCxnSpPr>
+          <p:nvPr/>
+        </p:nvCxnSpPr>
+        <p:spPr>
+          <a:xfrm rot="5400000">
+            <a:off x="7930106" y="849392"/>
+            <a:ext cx="1276356" cy="3252800"/>
+          </a:xfrm>
+          <a:prstGeom prst="curvedConnector3">
+            <a:avLst>
+              <a:gd name="adj1" fmla="val 50000"/>
+            </a:avLst>
+          </a:prstGeom>
+          <a:ln w="25400">
+            <a:solidFill>
+              <a:schemeClr val="tx1"/>
+            </a:solidFill>
+            <a:tailEnd type="triangle"/>
+          </a:ln>
+        </p:spPr>
+        <p:style>
+          <a:lnRef idx="1">
+            <a:schemeClr val="accent1"/>
+          </a:lnRef>
+          <a:fillRef idx="0">
+            <a:schemeClr val="accent1"/>
+          </a:fillRef>
+          <a:effectRef idx="0">
+            <a:schemeClr val="accent1"/>
+          </a:effectRef>
+          <a:fontRef idx="minor">
+            <a:schemeClr val="tx1"/>
+          </a:fontRef>
+        </p:style>
+      </p:cxnSp>
+      <p:cxnSp>
+        <p:nvCxnSpPr>
+          <p:cNvPr id="118" name="Curved Connector 117">
+            <a:extLst>
+              <a:ext uri="{FF2B5EF4-FFF2-40B4-BE49-F238E27FC236}">
+                <a16:creationId xmlns:a16="http://schemas.microsoft.com/office/drawing/2014/main" id="{562F70C8-9530-4B43-AC2B-168D45B7580E}"/>
+              </a:ext>
+            </a:extLst>
+          </p:cNvPr>
+          <p:cNvCxnSpPr>
+            <a:cxnSpLocks/>
+            <a:endCxn id="114" idx="0"/>
+          </p:cNvCxnSpPr>
+          <p:nvPr/>
+        </p:nvCxnSpPr>
+        <p:spPr>
+          <a:xfrm rot="5400000">
+            <a:off x="8485796" y="2223307"/>
+            <a:ext cx="1732471" cy="1091930"/>
+          </a:xfrm>
+          <a:prstGeom prst="curvedConnector3">
+            <a:avLst>
+              <a:gd name="adj1" fmla="val 50000"/>
+            </a:avLst>
+          </a:prstGeom>
+          <a:ln w="25400">
+            <a:solidFill>
+              <a:schemeClr val="tx1"/>
+            </a:solidFill>
+            <a:tailEnd type="triangle"/>
+          </a:ln>
+        </p:spPr>
+        <p:style>
+          <a:lnRef idx="1">
+            <a:schemeClr val="accent1"/>
+          </a:lnRef>
+          <a:fillRef idx="0">
+            <a:schemeClr val="accent1"/>
+          </a:fillRef>
+          <a:effectRef idx="0">
+            <a:schemeClr val="accent1"/>
+          </a:effectRef>
+          <a:fontRef idx="minor">
+            <a:schemeClr val="tx1"/>
+          </a:fontRef>
+        </p:style>
+      </p:cxnSp>
+      <p:cxnSp>
+        <p:nvCxnSpPr>
+          <p:cNvPr id="119" name="Curved Connector 118">
+            <a:extLst>
+              <a:ext uri="{FF2B5EF4-FFF2-40B4-BE49-F238E27FC236}">
+                <a16:creationId xmlns:a16="http://schemas.microsoft.com/office/drawing/2014/main" id="{5D3EA1DF-AD7B-4C41-BCC3-BA8836A8CC73}"/>
+              </a:ext>
+            </a:extLst>
+          </p:cNvPr>
+          <p:cNvCxnSpPr>
+            <a:cxnSpLocks/>
+            <a:stCxn id="76" idx="4"/>
+          </p:cNvCxnSpPr>
+          <p:nvPr/>
+        </p:nvCxnSpPr>
+        <p:spPr>
+          <a:xfrm rot="16200000" flipH="1">
+            <a:off x="2361069" y="2480197"/>
+            <a:ext cx="493567" cy="745429"/>
+          </a:xfrm>
+          <a:prstGeom prst="curvedConnector2">
+            <a:avLst/>
+          </a:prstGeom>
+          <a:ln w="25400">
+            <a:solidFill>
+              <a:schemeClr val="tx1"/>
+            </a:solidFill>
+            <a:tailEnd type="triangle"/>
+          </a:ln>
+        </p:spPr>
+        <p:style>
+          <a:lnRef idx="1">
+            <a:schemeClr val="accent1"/>
+          </a:lnRef>
+          <a:fillRef idx="0">
+            <a:schemeClr val="accent1"/>
+          </a:fillRef>
+          <a:effectRef idx="0">
+            <a:schemeClr val="accent1"/>
+          </a:effectRef>
+          <a:fontRef idx="minor">
+            <a:schemeClr val="tx1"/>
+          </a:fontRef>
+        </p:style>
+      </p:cxnSp>
+      <p:cxnSp>
+        <p:nvCxnSpPr>
+          <p:cNvPr id="125" name="Curved Connector 124">
+            <a:extLst>
+              <a:ext uri="{FF2B5EF4-FFF2-40B4-BE49-F238E27FC236}">
+                <a16:creationId xmlns:a16="http://schemas.microsoft.com/office/drawing/2014/main" id="{2D89393C-562E-BA44-8026-76BCAC596B37}"/>
+              </a:ext>
+            </a:extLst>
+          </p:cNvPr>
+          <p:cNvCxnSpPr>
+            <a:cxnSpLocks/>
+            <a:stCxn id="72" idx="4"/>
+          </p:cNvCxnSpPr>
+          <p:nvPr/>
+        </p:nvCxnSpPr>
+        <p:spPr>
+          <a:xfrm rot="16200000" flipH="1">
+            <a:off x="2929036" y="3136743"/>
+            <a:ext cx="997531" cy="2"/>
+          </a:xfrm>
+          <a:prstGeom prst="curvedConnector3">
+            <a:avLst>
+              <a:gd name="adj1" fmla="val 50000"/>
+            </a:avLst>
+          </a:prstGeom>
+          <a:ln w="25400">
+            <a:solidFill>
+              <a:schemeClr val="tx1"/>
+            </a:solidFill>
+            <a:tailEnd type="triangle"/>
+          </a:ln>
+        </p:spPr>
+        <p:style>
+          <a:lnRef idx="1">
+            <a:schemeClr val="accent1"/>
+          </a:lnRef>
+          <a:fillRef idx="0">
+            <a:schemeClr val="accent1"/>
+          </a:fillRef>
+          <a:effectRef idx="0">
+            <a:schemeClr val="accent1"/>
+          </a:effectRef>
+          <a:fontRef idx="minor">
+            <a:schemeClr val="tx1"/>
+          </a:fontRef>
+        </p:style>
+      </p:cxnSp>
+      <p:sp>
+        <p:nvSpPr>
+          <p:cNvPr id="128" name="Rectangle 127">
+            <a:extLst>
+              <a:ext uri="{FF2B5EF4-FFF2-40B4-BE49-F238E27FC236}">
+                <a16:creationId xmlns:a16="http://schemas.microsoft.com/office/drawing/2014/main" id="{EF12B126-BE83-DE42-BF9F-D4E9275DABD0}"/>
+              </a:ext>
+            </a:extLst>
+          </p:cNvPr>
+          <p:cNvSpPr/>
+          <p:nvPr/>
+        </p:nvSpPr>
+        <p:spPr>
+          <a:xfrm>
+            <a:off x="7346323" y="1429293"/>
+            <a:ext cx="3657600" cy="446049"/>
+          </a:xfrm>
+          <a:prstGeom prst="rect">
+            <a:avLst/>
+          </a:prstGeom>
+        </p:spPr>
+        <p:style>
+          <a:lnRef idx="2">
+            <a:schemeClr val="accent1">
+              <a:shade val="50000"/>
+            </a:schemeClr>
+          </a:lnRef>
+          <a:fillRef idx="1">
+            <a:schemeClr val="accent1"/>
+          </a:fillRef>
+          <a:effectRef idx="0">
+            <a:schemeClr val="accent1"/>
+          </a:effectRef>
+          <a:fontRef idx="minor">
+            <a:schemeClr val="lt1"/>
+          </a:fontRef>
+        </p:style>
+        <p:txBody>
+          <a:bodyPr rtlCol="0" anchor="ctr"/>
+          <a:lstStyle/>
+          <a:p>
+            <a:r>
+              <a:rPr lang="en-US" dirty="0"/>
+              <a:t>MSLAB Chunk C</a:t>
+            </a:r>
+          </a:p>
+        </p:txBody>
+      </p:sp>
+      <p:cxnSp>
+        <p:nvCxnSpPr>
+          <p:cNvPr id="56" name="Straight Connector 55">
+            <a:extLst>
+              <a:ext uri="{FF2B5EF4-FFF2-40B4-BE49-F238E27FC236}">
+                <a16:creationId xmlns:a16="http://schemas.microsoft.com/office/drawing/2014/main" id="{E15461C1-E28A-514F-91EF-A56A212922F9}"/>
+              </a:ext>
+            </a:extLst>
+          </p:cNvPr>
+          <p:cNvCxnSpPr/>
+          <p:nvPr/>
+        </p:nvCxnSpPr>
+        <p:spPr>
+          <a:xfrm>
+            <a:off x="10057655" y="1383017"/>
+            <a:ext cx="0" cy="603725"/>
+          </a:xfrm>
+          <a:prstGeom prst="line">
+            <a:avLst/>
+          </a:prstGeom>
+          <a:ln>
+            <a:solidFill>
+              <a:schemeClr val="bg1"/>
+            </a:solidFill>
+          </a:ln>
+        </p:spPr>
+        <p:style>
+          <a:lnRef idx="1">
+            <a:schemeClr val="accent1"/>
+          </a:lnRef>
+          <a:fillRef idx="0">
+            <a:schemeClr val="accent1"/>
+          </a:fillRef>
+          <a:effectRef idx="0">
+            <a:schemeClr val="accent1"/>
+          </a:effectRef>
+          <a:fontRef idx="minor">
+            <a:schemeClr val="tx1"/>
+          </a:fontRef>
+        </p:style>
+      </p:cxnSp>
+      <p:cxnSp>
+        <p:nvCxnSpPr>
+          <p:cNvPr id="131" name="Straight Connector 130">
+            <a:extLst>
+              <a:ext uri="{FF2B5EF4-FFF2-40B4-BE49-F238E27FC236}">
+                <a16:creationId xmlns:a16="http://schemas.microsoft.com/office/drawing/2014/main" id="{3B095D42-C5D4-5F4A-AD8F-A8A5F8A74B0D}"/>
+              </a:ext>
+            </a:extLst>
+          </p:cNvPr>
+          <p:cNvCxnSpPr/>
+          <p:nvPr/>
+        </p:nvCxnSpPr>
+        <p:spPr>
+          <a:xfrm>
+            <a:off x="10352930" y="1378214"/>
+            <a:ext cx="0" cy="603725"/>
+          </a:xfrm>
+          <a:prstGeom prst="line">
+            <a:avLst/>
+          </a:prstGeom>
+          <a:ln>
+            <a:solidFill>
+              <a:schemeClr val="bg1"/>
+            </a:solidFill>
+          </a:ln>
+        </p:spPr>
+        <p:style>
+          <a:lnRef idx="1">
+            <a:schemeClr val="accent1"/>
+          </a:lnRef>
+          <a:fillRef idx="0">
+            <a:schemeClr val="accent1"/>
+          </a:fillRef>
+          <a:effectRef idx="0">
+            <a:schemeClr val="accent1"/>
+          </a:effectRef>
+          <a:fontRef idx="minor">
+            <a:schemeClr val="tx1"/>
+          </a:fontRef>
+        </p:style>
+      </p:cxnSp>
+      <p:cxnSp>
+        <p:nvCxnSpPr>
+          <p:cNvPr id="132" name="Straight Connector 131">
+            <a:extLst>
+              <a:ext uri="{FF2B5EF4-FFF2-40B4-BE49-F238E27FC236}">
+                <a16:creationId xmlns:a16="http://schemas.microsoft.com/office/drawing/2014/main" id="{4D496480-1971-084B-B4D4-3987A5252EA6}"/>
+              </a:ext>
+            </a:extLst>
+          </p:cNvPr>
+          <p:cNvCxnSpPr/>
+          <p:nvPr/>
+        </p:nvCxnSpPr>
+        <p:spPr>
+          <a:xfrm>
+            <a:off x="9433767" y="1395954"/>
+            <a:ext cx="0" cy="603725"/>
+          </a:xfrm>
+          <a:prstGeom prst="line">
+            <a:avLst/>
+          </a:prstGeom>
+          <a:ln>
+            <a:solidFill>
+              <a:schemeClr val="bg1"/>
+            </a:solidFill>
+          </a:ln>
+        </p:spPr>
+        <p:style>
+          <a:lnRef idx="1">
+            <a:schemeClr val="accent1"/>
+          </a:lnRef>
+          <a:fillRef idx="0">
+            <a:schemeClr val="accent1"/>
+          </a:fillRef>
+          <a:effectRef idx="0">
+            <a:schemeClr val="accent1"/>
+          </a:effectRef>
+          <a:fontRef idx="minor">
+            <a:schemeClr val="tx1"/>
+          </a:fontRef>
+        </p:style>
+      </p:cxnSp>
+      <p:cxnSp>
+        <p:nvCxnSpPr>
+          <p:cNvPr id="133" name="Straight Connector 132">
+            <a:extLst>
+              <a:ext uri="{FF2B5EF4-FFF2-40B4-BE49-F238E27FC236}">
+                <a16:creationId xmlns:a16="http://schemas.microsoft.com/office/drawing/2014/main" id="{4D9E27AF-134F-344B-A840-F0E6F8C79312}"/>
+              </a:ext>
+            </a:extLst>
+          </p:cNvPr>
+          <p:cNvCxnSpPr/>
+          <p:nvPr/>
+        </p:nvCxnSpPr>
+        <p:spPr>
+          <a:xfrm>
+            <a:off x="9747876" y="1350454"/>
+            <a:ext cx="0" cy="603725"/>
+          </a:xfrm>
+          <a:prstGeom prst="line">
+            <a:avLst/>
+          </a:prstGeom>
+          <a:ln>
+            <a:solidFill>
+              <a:schemeClr val="bg1"/>
+            </a:solidFill>
+          </a:ln>
+        </p:spPr>
+        <p:style>
+          <a:lnRef idx="1">
+            <a:schemeClr val="accent1"/>
+          </a:lnRef>
+          <a:fillRef idx="0">
+            <a:schemeClr val="accent1"/>
+          </a:fillRef>
+          <a:effectRef idx="0">
+            <a:schemeClr val="accent1"/>
+          </a:effectRef>
+          <a:fontRef idx="minor">
+            <a:schemeClr val="tx1"/>
+          </a:fontRef>
+        </p:style>
+      </p:cxnSp>
+      <p:cxnSp>
+        <p:nvCxnSpPr>
+          <p:cNvPr id="134" name="Straight Connector 133">
+            <a:extLst>
+              <a:ext uri="{FF2B5EF4-FFF2-40B4-BE49-F238E27FC236}">
+                <a16:creationId xmlns:a16="http://schemas.microsoft.com/office/drawing/2014/main" id="{38E2DBE6-4CDC-B24D-9BFD-933A32606249}"/>
+              </a:ext>
+            </a:extLst>
+          </p:cNvPr>
+          <p:cNvCxnSpPr/>
+          <p:nvPr/>
+        </p:nvCxnSpPr>
+        <p:spPr>
+          <a:xfrm>
+            <a:off x="10680797" y="1400717"/>
+            <a:ext cx="0" cy="603725"/>
+          </a:xfrm>
+          <a:prstGeom prst="line">
+            <a:avLst/>
+          </a:prstGeom>
+          <a:ln>
+            <a:solidFill>
+              <a:schemeClr val="bg1"/>
+            </a:solidFill>
+          </a:ln>
+        </p:spPr>
+        <p:style>
+          <a:lnRef idx="1">
+            <a:schemeClr val="accent1"/>
+          </a:lnRef>
+          <a:fillRef idx="0">
+            <a:schemeClr val="accent1"/>
+          </a:fillRef>
+          <a:effectRef idx="0">
+            <a:schemeClr val="accent1"/>
+          </a:effectRef>
+          <a:fontRef idx="minor">
+            <a:schemeClr val="tx1"/>
+          </a:fontRef>
+        </p:style>
+      </p:cxnSp>
+      <p:cxnSp>
+        <p:nvCxnSpPr>
+          <p:cNvPr id="138" name="Curved Connector 137">
+            <a:extLst>
+              <a:ext uri="{FF2B5EF4-FFF2-40B4-BE49-F238E27FC236}">
+                <a16:creationId xmlns:a16="http://schemas.microsoft.com/office/drawing/2014/main" id="{D0F2095B-BF02-2B4C-98AB-E20AFBC65046}"/>
+              </a:ext>
+            </a:extLst>
+          </p:cNvPr>
+          <p:cNvCxnSpPr>
+            <a:cxnSpLocks/>
+            <a:stCxn id="73" idx="4"/>
+          </p:cNvCxnSpPr>
+          <p:nvPr/>
+        </p:nvCxnSpPr>
+        <p:spPr>
+          <a:xfrm rot="5400000">
+            <a:off x="3654663" y="2785203"/>
+            <a:ext cx="461715" cy="167267"/>
+          </a:xfrm>
+          <a:prstGeom prst="curvedConnector3">
+            <a:avLst>
+              <a:gd name="adj1" fmla="val 50000"/>
+            </a:avLst>
+          </a:prstGeom>
+          <a:ln w="25400">
+            <a:solidFill>
+              <a:schemeClr val="tx1"/>
+            </a:solidFill>
+            <a:tailEnd type="triangle"/>
+          </a:ln>
+        </p:spPr>
+        <p:style>
+          <a:lnRef idx="1">
+            <a:schemeClr val="accent1"/>
+          </a:lnRef>
+          <a:fillRef idx="0">
+            <a:schemeClr val="accent1"/>
+          </a:fillRef>
+          <a:effectRef idx="0">
+            <a:schemeClr val="accent1"/>
+          </a:effectRef>
+          <a:fontRef idx="minor">
+            <a:schemeClr val="tx1"/>
+          </a:fontRef>
+        </p:style>
+      </p:cxnSp>
+      <p:cxnSp>
+        <p:nvCxnSpPr>
+          <p:cNvPr id="141" name="Curved Connector 140">
+            <a:extLst>
+              <a:ext uri="{FF2B5EF4-FFF2-40B4-BE49-F238E27FC236}">
+                <a16:creationId xmlns:a16="http://schemas.microsoft.com/office/drawing/2014/main" id="{7FA7132A-69EB-264B-8F97-F6A4DFA5A6A4}"/>
+              </a:ext>
+            </a:extLst>
+          </p:cNvPr>
+          <p:cNvCxnSpPr>
+            <a:cxnSpLocks/>
+            <a:stCxn id="74" idx="4"/>
+          </p:cNvCxnSpPr>
+          <p:nvPr/>
+        </p:nvCxnSpPr>
+        <p:spPr>
+          <a:xfrm rot="5400000">
+            <a:off x="3870027" y="3008986"/>
+            <a:ext cx="997528" cy="255517"/>
+          </a:xfrm>
+          <a:prstGeom prst="curvedConnector3">
+            <a:avLst>
+              <a:gd name="adj1" fmla="val 50000"/>
+            </a:avLst>
+          </a:prstGeom>
+          <a:ln w="25400">
+            <a:solidFill>
+              <a:schemeClr val="tx1"/>
+            </a:solidFill>
+            <a:tailEnd type="triangle"/>
+          </a:ln>
+        </p:spPr>
+        <p:style>
+          <a:lnRef idx="1">
+            <a:schemeClr val="accent1"/>
+          </a:lnRef>
+          <a:fillRef idx="0">
+            <a:schemeClr val="accent1"/>
+          </a:fillRef>
+          <a:effectRef idx="0">
+            <a:schemeClr val="accent1"/>
+          </a:effectRef>
+          <a:fontRef idx="minor">
+            <a:schemeClr val="tx1"/>
+          </a:fontRef>
+        </p:style>
+      </p:cxnSp>
+      <p:sp>
+        <p:nvSpPr>
+          <p:cNvPr id="85" name="Rectangle 84">
+            <a:extLst>
+              <a:ext uri="{FF2B5EF4-FFF2-40B4-BE49-F238E27FC236}">
+                <a16:creationId xmlns:a16="http://schemas.microsoft.com/office/drawing/2014/main" id="{BC2E17DF-FEB8-2449-AC56-49173E926328}"/>
+              </a:ext>
+            </a:extLst>
+          </p:cNvPr>
+          <p:cNvSpPr/>
+          <p:nvPr/>
+        </p:nvSpPr>
+        <p:spPr>
+          <a:xfrm>
+            <a:off x="6731643" y="3113970"/>
+            <a:ext cx="420482" cy="342900"/>
+          </a:xfrm>
+          <a:prstGeom prst="rect">
+            <a:avLst/>
+          </a:prstGeom>
+          <a:noFill/>
+          <a:ln>
+            <a:noFill/>
+          </a:ln>
+        </p:spPr>
+        <p:style>
+          <a:lnRef idx="2">
+            <a:schemeClr val="accent1">
+              <a:shade val="50000"/>
+            </a:schemeClr>
+          </a:lnRef>
+          <a:fillRef idx="1">
+            <a:schemeClr val="accent1"/>
+          </a:fillRef>
+          <a:effectRef idx="0">
+            <a:schemeClr val="accent1"/>
+          </a:effectRef>
+          <a:fontRef idx="minor">
+            <a:schemeClr val="lt1"/>
+          </a:fontRef>
+        </p:style>
+        <p:txBody>
+          <a:bodyPr rtlCol="0" anchor="ctr"/>
+          <a:lstStyle/>
+          <a:p>
+            <a:pPr algn="ctr"/>
+            <a:endParaRPr lang="en-US"/>
+          </a:p>
+        </p:txBody>
+      </p:sp>
+      <p:sp>
+        <p:nvSpPr>
+          <p:cNvPr id="155" name="Rectangle 154">
+            <a:extLst>
+              <a:ext uri="{FF2B5EF4-FFF2-40B4-BE49-F238E27FC236}">
+                <a16:creationId xmlns:a16="http://schemas.microsoft.com/office/drawing/2014/main" id="{68A3FEF5-60AB-7846-B9DD-319930E49032}"/>
+              </a:ext>
+            </a:extLst>
+          </p:cNvPr>
+          <p:cNvSpPr/>
+          <p:nvPr/>
+        </p:nvSpPr>
+        <p:spPr>
+          <a:xfrm>
+            <a:off x="9984443" y="1494714"/>
+            <a:ext cx="420482" cy="342900"/>
+          </a:xfrm>
+          <a:prstGeom prst="rect">
+            <a:avLst/>
+          </a:prstGeom>
+          <a:noFill/>
+          <a:ln>
+            <a:noFill/>
+          </a:ln>
+        </p:spPr>
+        <p:style>
+          <a:lnRef idx="2">
+            <a:schemeClr val="accent1">
+              <a:shade val="50000"/>
+            </a:schemeClr>
+          </a:lnRef>
+          <a:fillRef idx="1">
+            <a:schemeClr val="accent1"/>
+          </a:fillRef>
+          <a:effectRef idx="0">
+            <a:schemeClr val="accent1"/>
+          </a:effectRef>
+          <a:fontRef idx="minor">
+            <a:schemeClr val="lt1"/>
+          </a:fontRef>
+        </p:style>
+        <p:txBody>
+          <a:bodyPr rtlCol="0" anchor="ctr"/>
+          <a:lstStyle/>
+          <a:p>
+            <a:pPr algn="ctr"/>
+            <a:endParaRPr lang="en-US"/>
+          </a:p>
+        </p:txBody>
+      </p:sp>
+      <p:cxnSp>
+        <p:nvCxnSpPr>
+          <p:cNvPr id="156" name="Curved Connector 155">
+            <a:extLst>
+              <a:ext uri="{FF2B5EF4-FFF2-40B4-BE49-F238E27FC236}">
+                <a16:creationId xmlns:a16="http://schemas.microsoft.com/office/drawing/2014/main" id="{07249CEF-1733-584A-81B4-523690F1818A}"/>
+              </a:ext>
+            </a:extLst>
+          </p:cNvPr>
+          <p:cNvCxnSpPr>
+            <a:cxnSpLocks/>
+            <a:stCxn id="158" idx="2"/>
+            <a:endCxn id="113" idx="0"/>
+          </p:cNvCxnSpPr>
+          <p:nvPr/>
+        </p:nvCxnSpPr>
+        <p:spPr>
+          <a:xfrm rot="5400000">
+            <a:off x="8766215" y="1347371"/>
+            <a:ext cx="1238276" cy="2266374"/>
+          </a:xfrm>
+          <a:prstGeom prst="curvedConnector3">
+            <a:avLst>
+              <a:gd name="adj1" fmla="val 50000"/>
+            </a:avLst>
+          </a:prstGeom>
+          <a:ln w="25400">
+            <a:solidFill>
+              <a:schemeClr val="tx1"/>
+            </a:solidFill>
+            <a:tailEnd type="triangle"/>
+          </a:ln>
+        </p:spPr>
+        <p:style>
+          <a:lnRef idx="1">
+            <a:schemeClr val="accent1"/>
+          </a:lnRef>
+          <a:fillRef idx="0">
+            <a:schemeClr val="accent1"/>
+          </a:fillRef>
+          <a:effectRef idx="0">
+            <a:schemeClr val="accent1"/>
+          </a:effectRef>
+          <a:fontRef idx="minor">
+            <a:schemeClr val="tx1"/>
+          </a:fontRef>
+        </p:style>
+      </p:cxnSp>
+      <p:sp>
+        <p:nvSpPr>
+          <p:cNvPr id="158" name="Rectangle 157">
+            <a:extLst>
+              <a:ext uri="{FF2B5EF4-FFF2-40B4-BE49-F238E27FC236}">
+                <a16:creationId xmlns:a16="http://schemas.microsoft.com/office/drawing/2014/main" id="{03AD9244-6065-1E4D-A3FA-1CE6DA76C45C}"/>
+              </a:ext>
+            </a:extLst>
+          </p:cNvPr>
+          <p:cNvSpPr/>
+          <p:nvPr/>
+        </p:nvSpPr>
+        <p:spPr>
+          <a:xfrm>
+            <a:off x="10308299" y="1518520"/>
+            <a:ext cx="420482" cy="342900"/>
+          </a:xfrm>
+          <a:prstGeom prst="rect">
+            <a:avLst/>
+          </a:prstGeom>
+          <a:noFill/>
+          <a:ln>
+            <a:noFill/>
+          </a:ln>
+        </p:spPr>
+        <p:style>
+          <a:lnRef idx="2">
+            <a:schemeClr val="accent1">
+              <a:shade val="50000"/>
+            </a:schemeClr>
+          </a:lnRef>
+          <a:fillRef idx="1">
+            <a:schemeClr val="accent1"/>
+          </a:fillRef>
+          <a:effectRef idx="0">
+            <a:schemeClr val="accent1"/>
+          </a:effectRef>
+          <a:fontRef idx="minor">
+            <a:schemeClr val="lt1"/>
+          </a:fontRef>
+        </p:style>
+        <p:txBody>
+          <a:bodyPr rtlCol="0" anchor="ctr"/>
+          <a:lstStyle/>
+          <a:p>
+            <a:pPr algn="ctr"/>
+            <a:endParaRPr lang="en-US"/>
+          </a:p>
+        </p:txBody>
+      </p:sp>
     </p:spTree>
     <p:extLst>
       <p:ext uri="{BB962C8B-B14F-4D97-AF65-F5344CB8AC3E}">
-        <p14:creationId xmlns:p14="http://schemas.microsoft.com/office/powerpoint/2010/main" val="2040009103"/>
+        <p14:creationId xmlns:p14="http://schemas.microsoft.com/office/powerpoint/2010/main" val="4214871261"/>
       </p:ext>
     </p:extLst>
   </p:cSld>

--- a/VLDB2018/flattening.pptx
+++ b/VLDB2018/flattening.pptx
@@ -6938,14 +6938,14 @@
             </a:extLst>
           </p:cNvPr>
           <p:cNvSpPr>
-            <a:spLocks noChangeAspect="1"/>
+            <a:spLocks/>
           </p:cNvSpPr>
           <p:nvPr/>
         </p:nvSpPr>
         <p:spPr>
           <a:xfrm>
-            <a:off x="238936" y="1052121"/>
-            <a:ext cx="5308784" cy="3317990"/>
+            <a:off x="67480" y="1052121"/>
+            <a:ext cx="5943600" cy="3317990"/>
           </a:xfrm>
           <a:prstGeom prst="roundRect">
             <a:avLst/>
@@ -7012,7 +7012,7 @@
         </p:nvSpPr>
         <p:spPr>
           <a:xfrm>
-            <a:off x="1868660" y="644418"/>
+            <a:off x="1725780" y="301516"/>
             <a:ext cx="2033183" cy="914400"/>
           </a:xfrm>
           <a:prstGeom prst="rect">
@@ -7031,7 +7031,7 @@
           <a:p>
             <a:pPr algn="ctr"/>
             <a:r>
-              <a:rPr lang="en-US" sz="2400" b="1" dirty="0"/>
+              <a:rPr lang="en-US" sz="4400" b="1" dirty="0"/>
               <a:t>Flat Segment</a:t>
             </a:r>
           </a:p>
@@ -7051,8 +7051,8 @@
         </p:nvSpPr>
         <p:spPr>
           <a:xfrm>
-            <a:off x="420831" y="2086048"/>
-            <a:ext cx="4928839" cy="2073357"/>
+            <a:off x="249375" y="2102483"/>
+            <a:ext cx="5516777" cy="2056922"/>
           </a:xfrm>
           <a:prstGeom prst="rect">
             <a:avLst/>
@@ -7088,24 +7088,24 @@
           <a:lstStyle/>
           <a:p>
             <a:r>
-              <a:rPr lang="en-US" b="1" dirty="0"/>
+              <a:rPr lang="en-US" sz="2800" b="1" dirty="0"/>
               <a:t>DATA</a:t>
             </a:r>
           </a:p>
           <a:p>
-            <a:endParaRPr lang="en-US" b="1" dirty="0"/>
-          </a:p>
-          <a:p>
-            <a:endParaRPr lang="en-US" b="1" dirty="0"/>
-          </a:p>
-        </p:txBody>
-      </p:sp>
-      <p:sp>
-        <p:nvSpPr>
-          <p:cNvPr id="177" name="Diamond 176">
-            <a:extLst>
-              <a:ext uri="{FF2B5EF4-FFF2-40B4-BE49-F238E27FC236}">
-                <a16:creationId xmlns:a16="http://schemas.microsoft.com/office/drawing/2014/main" id="{AB16EF4F-F7A3-5045-B2F2-502FCC3DD437}"/>
+            <a:endParaRPr lang="en-US" sz="2800" b="1" dirty="0"/>
+          </a:p>
+          <a:p>
+            <a:endParaRPr lang="en-US" sz="2800" b="1" dirty="0"/>
+          </a:p>
+        </p:txBody>
+      </p:sp>
+      <p:sp>
+        <p:nvSpPr>
+          <p:cNvPr id="227" name="Rectangle 226">
+            <a:extLst>
+              <a:ext uri="{FF2B5EF4-FFF2-40B4-BE49-F238E27FC236}">
+                <a16:creationId xmlns:a16="http://schemas.microsoft.com/office/drawing/2014/main" id="{9BDF5E56-508C-574B-B173-5252C9C44C18}"/>
               </a:ext>
             </a:extLst>
           </p:cNvPr>
@@ -7113,804 +7113,9 @@
           <p:nvPr/>
         </p:nvSpPr>
         <p:spPr>
-          <a:xfrm rot="18971391">
-            <a:off x="2262959" y="1583138"/>
-            <a:ext cx="210312" cy="210312"/>
-          </a:xfrm>
-          <a:prstGeom prst="diamond">
-            <a:avLst/>
-          </a:prstGeom>
-          <a:solidFill>
-            <a:srgbClr val="0070C0"/>
-          </a:solidFill>
-          <a:ln>
-            <a:solidFill>
-              <a:schemeClr val="tx1"/>
-            </a:solidFill>
-          </a:ln>
-        </p:spPr>
-        <p:style>
-          <a:lnRef idx="1">
-            <a:schemeClr val="accent6"/>
-          </a:lnRef>
-          <a:fillRef idx="3">
-            <a:schemeClr val="accent6"/>
-          </a:fillRef>
-          <a:effectRef idx="2">
-            <a:schemeClr val="accent6"/>
-          </a:effectRef>
-          <a:fontRef idx="minor">
-            <a:schemeClr val="lt1"/>
-          </a:fontRef>
-        </p:style>
-        <p:txBody>
-          <a:bodyPr rtlCol="0" anchor="t">
-            <a:normAutofit fontScale="25000" lnSpcReduction="20000"/>
-          </a:bodyPr>
-          <a:lstStyle/>
-          <a:p>
-            <a:pPr algn="ctr"/>
-            <a:endParaRPr lang="en-US" sz="1600" dirty="0" err="1">
-              <a:solidFill>
-                <a:schemeClr val="tx1"/>
-              </a:solidFill>
-              <a:latin typeface="Arial" pitchFamily="34" charset="0"/>
-              <a:cs typeface="Arial" pitchFamily="34" charset="0"/>
-            </a:endParaRPr>
-          </a:p>
-        </p:txBody>
-      </p:sp>
-      <p:cxnSp>
-        <p:nvCxnSpPr>
-          <p:cNvPr id="203" name="Straight Arrow Connector 202">
-            <a:extLst>
-              <a:ext uri="{FF2B5EF4-FFF2-40B4-BE49-F238E27FC236}">
-                <a16:creationId xmlns:a16="http://schemas.microsoft.com/office/drawing/2014/main" id="{2EAD6762-F5E4-5E4D-84B2-DACB9D691FCE}"/>
-              </a:ext>
-            </a:extLst>
-          </p:cNvPr>
-          <p:cNvCxnSpPr>
-            <a:cxnSpLocks/>
-            <a:stCxn id="212" idx="2"/>
-          </p:cNvCxnSpPr>
-          <p:nvPr/>
-        </p:nvCxnSpPr>
-        <p:spPr>
-          <a:xfrm flipH="1">
-            <a:off x="1417121" y="1764179"/>
-            <a:ext cx="1178380" cy="534171"/>
-          </a:xfrm>
-          <a:prstGeom prst="straightConnector1">
-            <a:avLst/>
-          </a:prstGeom>
-          <a:ln w="6350">
-            <a:solidFill>
-              <a:srgbClr val="000000"/>
-            </a:solidFill>
-            <a:tailEnd type="arrow"/>
-          </a:ln>
-        </p:spPr>
-        <p:style>
-          <a:lnRef idx="1">
-            <a:schemeClr val="accent1"/>
-          </a:lnRef>
-          <a:fillRef idx="0">
-            <a:schemeClr val="accent1"/>
-          </a:fillRef>
-          <a:effectRef idx="0">
-            <a:schemeClr val="accent1"/>
-          </a:effectRef>
-          <a:fontRef idx="minor">
-            <a:schemeClr val="tx1"/>
-          </a:fontRef>
-        </p:style>
-      </p:cxnSp>
-      <p:cxnSp>
-        <p:nvCxnSpPr>
-          <p:cNvPr id="204" name="Straight Arrow Connector 203">
-            <a:extLst>
-              <a:ext uri="{FF2B5EF4-FFF2-40B4-BE49-F238E27FC236}">
-                <a16:creationId xmlns:a16="http://schemas.microsoft.com/office/drawing/2014/main" id="{3D93965E-9518-A84E-BF0D-2129A62B67C4}"/>
-              </a:ext>
-            </a:extLst>
-          </p:cNvPr>
-          <p:cNvCxnSpPr>
-            <a:cxnSpLocks/>
-            <a:stCxn id="177" idx="1"/>
-          </p:cNvCxnSpPr>
-          <p:nvPr/>
-        </p:nvCxnSpPr>
-        <p:spPr>
-          <a:xfrm flipH="1">
-            <a:off x="940250" y="1761090"/>
-            <a:ext cx="1351980" cy="537260"/>
-          </a:xfrm>
-          <a:prstGeom prst="straightConnector1">
-            <a:avLst/>
-          </a:prstGeom>
-          <a:ln w="6350">
-            <a:solidFill>
-              <a:srgbClr val="000000"/>
-            </a:solidFill>
-            <a:tailEnd type="arrow"/>
-          </a:ln>
-        </p:spPr>
-        <p:style>
-          <a:lnRef idx="1">
-            <a:schemeClr val="accent1"/>
-          </a:lnRef>
-          <a:fillRef idx="0">
-            <a:schemeClr val="accent1"/>
-          </a:fillRef>
-          <a:effectRef idx="0">
-            <a:schemeClr val="accent1"/>
-          </a:effectRef>
-          <a:fontRef idx="minor">
-            <a:schemeClr val="tx1"/>
-          </a:fontRef>
-        </p:style>
-      </p:cxnSp>
-      <p:cxnSp>
-        <p:nvCxnSpPr>
-          <p:cNvPr id="205" name="Straight Arrow Connector 204">
-            <a:extLst>
-              <a:ext uri="{FF2B5EF4-FFF2-40B4-BE49-F238E27FC236}">
-                <a16:creationId xmlns:a16="http://schemas.microsoft.com/office/drawing/2014/main" id="{609FEF21-1633-9C45-9843-161EC63C470B}"/>
-              </a:ext>
-            </a:extLst>
-          </p:cNvPr>
-          <p:cNvCxnSpPr>
-            <a:cxnSpLocks/>
-            <a:stCxn id="210" idx="2"/>
-          </p:cNvCxnSpPr>
-          <p:nvPr/>
-        </p:nvCxnSpPr>
-        <p:spPr>
-          <a:xfrm flipH="1">
-            <a:off x="2347771" y="1764179"/>
-            <a:ext cx="402320" cy="553019"/>
-          </a:xfrm>
-          <a:prstGeom prst="straightConnector1">
-            <a:avLst/>
-          </a:prstGeom>
-          <a:ln w="6350">
-            <a:solidFill>
-              <a:srgbClr val="000000"/>
-            </a:solidFill>
-            <a:tailEnd type="arrow"/>
-          </a:ln>
-        </p:spPr>
-        <p:style>
-          <a:lnRef idx="1">
-            <a:schemeClr val="accent1"/>
-          </a:lnRef>
-          <a:fillRef idx="0">
-            <a:schemeClr val="accent1"/>
-          </a:fillRef>
-          <a:effectRef idx="0">
-            <a:schemeClr val="accent1"/>
-          </a:effectRef>
-          <a:fontRef idx="minor">
-            <a:schemeClr val="tx1"/>
-          </a:fontRef>
-        </p:style>
-      </p:cxnSp>
-      <p:cxnSp>
-        <p:nvCxnSpPr>
-          <p:cNvPr id="206" name="Straight Arrow Connector 205">
-            <a:extLst>
-              <a:ext uri="{FF2B5EF4-FFF2-40B4-BE49-F238E27FC236}">
-                <a16:creationId xmlns:a16="http://schemas.microsoft.com/office/drawing/2014/main" id="{BB9C85B4-571B-BD4B-A070-D91785DE77F1}"/>
-              </a:ext>
-            </a:extLst>
-          </p:cNvPr>
-          <p:cNvCxnSpPr>
-            <a:cxnSpLocks/>
-            <a:stCxn id="213" idx="1"/>
-          </p:cNvCxnSpPr>
-          <p:nvPr/>
-        </p:nvCxnSpPr>
-        <p:spPr>
-          <a:xfrm flipH="1">
-            <a:off x="2907159" y="1761090"/>
-            <a:ext cx="10628" cy="542394"/>
-          </a:xfrm>
-          <a:prstGeom prst="straightConnector1">
-            <a:avLst/>
-          </a:prstGeom>
-          <a:ln w="6350">
-            <a:solidFill>
-              <a:srgbClr val="000000"/>
-            </a:solidFill>
-            <a:tailEnd type="arrow"/>
-          </a:ln>
-        </p:spPr>
-        <p:style>
-          <a:lnRef idx="1">
-            <a:schemeClr val="accent1"/>
-          </a:lnRef>
-          <a:fillRef idx="0">
-            <a:schemeClr val="accent1"/>
-          </a:fillRef>
-          <a:effectRef idx="0">
-            <a:schemeClr val="accent1"/>
-          </a:effectRef>
-          <a:fontRef idx="minor">
-            <a:schemeClr val="tx1"/>
-          </a:fontRef>
-        </p:style>
-      </p:cxnSp>
-      <p:cxnSp>
-        <p:nvCxnSpPr>
-          <p:cNvPr id="207" name="Straight Arrow Connector 206">
-            <a:extLst>
-              <a:ext uri="{FF2B5EF4-FFF2-40B4-BE49-F238E27FC236}">
-                <a16:creationId xmlns:a16="http://schemas.microsoft.com/office/drawing/2014/main" id="{530460FD-B49A-6441-B04E-454DF3E5FF17}"/>
-              </a:ext>
-            </a:extLst>
-          </p:cNvPr>
-          <p:cNvCxnSpPr>
-            <a:cxnSpLocks/>
-            <a:stCxn id="216" idx="1"/>
-          </p:cNvCxnSpPr>
-          <p:nvPr/>
-        </p:nvCxnSpPr>
-        <p:spPr>
-          <a:xfrm>
-            <a:off x="3072377" y="1761090"/>
-            <a:ext cx="376308" cy="526664"/>
-          </a:xfrm>
-          <a:prstGeom prst="straightConnector1">
-            <a:avLst/>
-          </a:prstGeom>
-          <a:ln w="6350">
-            <a:solidFill>
-              <a:srgbClr val="000000"/>
-            </a:solidFill>
-            <a:tailEnd type="arrow"/>
-          </a:ln>
-        </p:spPr>
-        <p:style>
-          <a:lnRef idx="1">
-            <a:schemeClr val="accent1"/>
-          </a:lnRef>
-          <a:fillRef idx="0">
-            <a:schemeClr val="accent1"/>
-          </a:fillRef>
-          <a:effectRef idx="0">
-            <a:schemeClr val="accent1"/>
-          </a:effectRef>
-          <a:fontRef idx="minor">
-            <a:schemeClr val="tx1"/>
-          </a:fontRef>
-        </p:style>
-      </p:cxnSp>
-      <p:cxnSp>
-        <p:nvCxnSpPr>
-          <p:cNvPr id="208" name="Straight Arrow Connector 207">
-            <a:extLst>
-              <a:ext uri="{FF2B5EF4-FFF2-40B4-BE49-F238E27FC236}">
-                <a16:creationId xmlns:a16="http://schemas.microsoft.com/office/drawing/2014/main" id="{B0F21332-AAC5-BA48-BB5D-06FF9AD316BD}"/>
-              </a:ext>
-            </a:extLst>
-          </p:cNvPr>
-          <p:cNvCxnSpPr>
-            <a:cxnSpLocks/>
-            <a:stCxn id="214" idx="2"/>
-          </p:cNvCxnSpPr>
-          <p:nvPr/>
-        </p:nvCxnSpPr>
-        <p:spPr>
-          <a:xfrm>
-            <a:off x="3375648" y="1764179"/>
-            <a:ext cx="583378" cy="523575"/>
-          </a:xfrm>
-          <a:prstGeom prst="straightConnector1">
-            <a:avLst/>
-          </a:prstGeom>
-          <a:ln w="6350">
-            <a:solidFill>
-              <a:srgbClr val="000000"/>
-            </a:solidFill>
-            <a:tailEnd type="arrow"/>
-          </a:ln>
-        </p:spPr>
-        <p:style>
-          <a:lnRef idx="1">
-            <a:schemeClr val="accent1"/>
-          </a:lnRef>
-          <a:fillRef idx="0">
-            <a:schemeClr val="accent1"/>
-          </a:fillRef>
-          <a:effectRef idx="0">
-            <a:schemeClr val="accent1"/>
-          </a:effectRef>
-          <a:fontRef idx="minor">
-            <a:schemeClr val="tx1"/>
-          </a:fontRef>
-        </p:style>
-      </p:cxnSp>
-      <p:cxnSp>
-        <p:nvCxnSpPr>
-          <p:cNvPr id="209" name="Straight Arrow Connector 208">
-            <a:extLst>
-              <a:ext uri="{FF2B5EF4-FFF2-40B4-BE49-F238E27FC236}">
-                <a16:creationId xmlns:a16="http://schemas.microsoft.com/office/drawing/2014/main" id="{BE477BA6-F4DD-FA46-A858-BA7895D4381B}"/>
-              </a:ext>
-            </a:extLst>
-          </p:cNvPr>
-          <p:cNvCxnSpPr>
-            <a:cxnSpLocks/>
-            <a:stCxn id="215" idx="2"/>
-          </p:cNvCxnSpPr>
-          <p:nvPr/>
-        </p:nvCxnSpPr>
-        <p:spPr>
-          <a:xfrm>
-            <a:off x="3530237" y="1764179"/>
-            <a:ext cx="966312" cy="534171"/>
-          </a:xfrm>
-          <a:prstGeom prst="straightConnector1">
-            <a:avLst/>
-          </a:prstGeom>
-          <a:ln w="6350">
-            <a:solidFill>
-              <a:srgbClr val="000000"/>
-            </a:solidFill>
-            <a:tailEnd type="arrow"/>
-          </a:ln>
-        </p:spPr>
-        <p:style>
-          <a:lnRef idx="1">
-            <a:schemeClr val="accent1"/>
-          </a:lnRef>
-          <a:fillRef idx="0">
-            <a:schemeClr val="accent1"/>
-          </a:fillRef>
-          <a:effectRef idx="0">
-            <a:schemeClr val="accent1"/>
-          </a:effectRef>
-          <a:fontRef idx="minor">
-            <a:schemeClr val="tx1"/>
-          </a:fontRef>
-        </p:style>
-      </p:cxnSp>
-      <p:sp>
-        <p:nvSpPr>
-          <p:cNvPr id="210" name="Diamond 209">
-            <a:extLst>
-              <a:ext uri="{FF2B5EF4-FFF2-40B4-BE49-F238E27FC236}">
-                <a16:creationId xmlns:a16="http://schemas.microsoft.com/office/drawing/2014/main" id="{C087EB16-E519-1B4F-A135-F4D22BD9323C}"/>
-              </a:ext>
-            </a:extLst>
-          </p:cNvPr>
-          <p:cNvSpPr/>
-          <p:nvPr/>
-        </p:nvSpPr>
-        <p:spPr>
-          <a:xfrm rot="18971391">
-            <a:off x="2572139" y="1583138"/>
-            <a:ext cx="210312" cy="210312"/>
-          </a:xfrm>
-          <a:prstGeom prst="diamond">
-            <a:avLst/>
-          </a:prstGeom>
-          <a:solidFill>
-            <a:srgbClr val="0070C0"/>
-          </a:solidFill>
-          <a:ln>
-            <a:solidFill>
-              <a:schemeClr val="tx1"/>
-            </a:solidFill>
-          </a:ln>
-        </p:spPr>
-        <p:style>
-          <a:lnRef idx="1">
-            <a:schemeClr val="accent6"/>
-          </a:lnRef>
-          <a:fillRef idx="3">
-            <a:schemeClr val="accent6"/>
-          </a:fillRef>
-          <a:effectRef idx="2">
-            <a:schemeClr val="accent6"/>
-          </a:effectRef>
-          <a:fontRef idx="minor">
-            <a:schemeClr val="lt1"/>
-          </a:fontRef>
-        </p:style>
-        <p:txBody>
-          <a:bodyPr rtlCol="0" anchor="t">
-            <a:normAutofit fontScale="25000" lnSpcReduction="20000"/>
-          </a:bodyPr>
-          <a:lstStyle/>
-          <a:p>
-            <a:pPr algn="ctr"/>
-            <a:endParaRPr lang="en-US" sz="1600" dirty="0" err="1">
-              <a:solidFill>
-                <a:schemeClr val="tx1"/>
-              </a:solidFill>
-              <a:latin typeface="Arial" pitchFamily="34" charset="0"/>
-              <a:cs typeface="Arial" pitchFamily="34" charset="0"/>
-            </a:endParaRPr>
-          </a:p>
-        </p:txBody>
-      </p:sp>
-      <p:sp>
-        <p:nvSpPr>
-          <p:cNvPr id="211" name="Diamond 210">
-            <a:extLst>
-              <a:ext uri="{FF2B5EF4-FFF2-40B4-BE49-F238E27FC236}">
-                <a16:creationId xmlns:a16="http://schemas.microsoft.com/office/drawing/2014/main" id="{231A0675-2A4F-3F44-9FD4-B88B20C50103}"/>
-              </a:ext>
-            </a:extLst>
-          </p:cNvPr>
-          <p:cNvSpPr/>
-          <p:nvPr/>
-        </p:nvSpPr>
-        <p:spPr>
-          <a:xfrm rot="18971391">
-            <a:off x="2726728" y="1583138"/>
-            <a:ext cx="210312" cy="210312"/>
-          </a:xfrm>
-          <a:prstGeom prst="diamond">
-            <a:avLst/>
-          </a:prstGeom>
-          <a:solidFill>
-            <a:srgbClr val="0070C0"/>
-          </a:solidFill>
-          <a:ln>
-            <a:solidFill>
-              <a:schemeClr val="tx1"/>
-            </a:solidFill>
-          </a:ln>
-        </p:spPr>
-        <p:style>
-          <a:lnRef idx="1">
-            <a:schemeClr val="accent6"/>
-          </a:lnRef>
-          <a:fillRef idx="3">
-            <a:schemeClr val="accent6"/>
-          </a:fillRef>
-          <a:effectRef idx="2">
-            <a:schemeClr val="accent6"/>
-          </a:effectRef>
-          <a:fontRef idx="minor">
-            <a:schemeClr val="lt1"/>
-          </a:fontRef>
-        </p:style>
-        <p:txBody>
-          <a:bodyPr rtlCol="0" anchor="t">
-            <a:normAutofit fontScale="25000" lnSpcReduction="20000"/>
-          </a:bodyPr>
-          <a:lstStyle/>
-          <a:p>
-            <a:pPr algn="ctr"/>
-            <a:endParaRPr lang="en-US" sz="1600" dirty="0" err="1">
-              <a:solidFill>
-                <a:schemeClr val="tx1"/>
-              </a:solidFill>
-              <a:latin typeface="Arial" pitchFamily="34" charset="0"/>
-              <a:cs typeface="Arial" pitchFamily="34" charset="0"/>
-            </a:endParaRPr>
-          </a:p>
-        </p:txBody>
-      </p:sp>
-      <p:sp>
-        <p:nvSpPr>
-          <p:cNvPr id="212" name="Diamond 211">
-            <a:extLst>
-              <a:ext uri="{FF2B5EF4-FFF2-40B4-BE49-F238E27FC236}">
-                <a16:creationId xmlns:a16="http://schemas.microsoft.com/office/drawing/2014/main" id="{90FAD0A0-6D96-EE41-BEEB-7ECD114B6AC1}"/>
-              </a:ext>
-            </a:extLst>
-          </p:cNvPr>
-          <p:cNvSpPr/>
-          <p:nvPr/>
-        </p:nvSpPr>
-        <p:spPr>
-          <a:xfrm rot="18971391">
-            <a:off x="2417549" y="1583138"/>
-            <a:ext cx="210312" cy="210312"/>
-          </a:xfrm>
-          <a:prstGeom prst="diamond">
-            <a:avLst/>
-          </a:prstGeom>
-          <a:solidFill>
-            <a:srgbClr val="0070C0"/>
-          </a:solidFill>
-          <a:ln>
-            <a:solidFill>
-              <a:schemeClr val="tx1"/>
-            </a:solidFill>
-          </a:ln>
-        </p:spPr>
-        <p:style>
-          <a:lnRef idx="1">
-            <a:schemeClr val="accent6"/>
-          </a:lnRef>
-          <a:fillRef idx="3">
-            <a:schemeClr val="accent6"/>
-          </a:fillRef>
-          <a:effectRef idx="2">
-            <a:schemeClr val="accent6"/>
-          </a:effectRef>
-          <a:fontRef idx="minor">
-            <a:schemeClr val="lt1"/>
-          </a:fontRef>
-        </p:style>
-        <p:txBody>
-          <a:bodyPr rtlCol="0" anchor="t">
-            <a:normAutofit fontScale="25000" lnSpcReduction="20000"/>
-          </a:bodyPr>
-          <a:lstStyle/>
-          <a:p>
-            <a:pPr algn="ctr"/>
-            <a:endParaRPr lang="en-US" sz="1600" dirty="0" err="1">
-              <a:solidFill>
-                <a:schemeClr val="tx1"/>
-              </a:solidFill>
-              <a:latin typeface="Arial" pitchFamily="34" charset="0"/>
-              <a:cs typeface="Arial" pitchFamily="34" charset="0"/>
-            </a:endParaRPr>
-          </a:p>
-        </p:txBody>
-      </p:sp>
-      <p:sp>
-        <p:nvSpPr>
-          <p:cNvPr id="213" name="Diamond 212">
-            <a:extLst>
-              <a:ext uri="{FF2B5EF4-FFF2-40B4-BE49-F238E27FC236}">
-                <a16:creationId xmlns:a16="http://schemas.microsoft.com/office/drawing/2014/main" id="{5E913281-94A1-134C-A5F0-1E8BB94FD2DD}"/>
-              </a:ext>
-            </a:extLst>
-          </p:cNvPr>
-          <p:cNvSpPr/>
-          <p:nvPr/>
-        </p:nvSpPr>
-        <p:spPr>
-          <a:xfrm rot="18971391">
-            <a:off x="2888516" y="1583138"/>
-            <a:ext cx="210312" cy="210312"/>
-          </a:xfrm>
-          <a:prstGeom prst="diamond">
-            <a:avLst/>
-          </a:prstGeom>
-          <a:solidFill>
-            <a:srgbClr val="0070C0"/>
-          </a:solidFill>
-          <a:ln>
-            <a:solidFill>
-              <a:schemeClr val="tx1"/>
-            </a:solidFill>
-          </a:ln>
-        </p:spPr>
-        <p:style>
-          <a:lnRef idx="1">
-            <a:schemeClr val="accent6"/>
-          </a:lnRef>
-          <a:fillRef idx="3">
-            <a:schemeClr val="accent6"/>
-          </a:fillRef>
-          <a:effectRef idx="2">
-            <a:schemeClr val="accent6"/>
-          </a:effectRef>
-          <a:fontRef idx="minor">
-            <a:schemeClr val="lt1"/>
-          </a:fontRef>
-        </p:style>
-        <p:txBody>
-          <a:bodyPr rtlCol="0" anchor="t">
-            <a:normAutofit fontScale="25000" lnSpcReduction="20000"/>
-          </a:bodyPr>
-          <a:lstStyle/>
-          <a:p>
-            <a:pPr algn="ctr"/>
-            <a:endParaRPr lang="en-US" sz="1600" dirty="0" err="1">
-              <a:solidFill>
-                <a:schemeClr val="tx1"/>
-              </a:solidFill>
-              <a:latin typeface="Arial" pitchFamily="34" charset="0"/>
-              <a:cs typeface="Arial" pitchFamily="34" charset="0"/>
-            </a:endParaRPr>
-          </a:p>
-        </p:txBody>
-      </p:sp>
-      <p:sp>
-        <p:nvSpPr>
-          <p:cNvPr id="214" name="Diamond 213">
-            <a:extLst>
-              <a:ext uri="{FF2B5EF4-FFF2-40B4-BE49-F238E27FC236}">
-                <a16:creationId xmlns:a16="http://schemas.microsoft.com/office/drawing/2014/main" id="{3B777B00-E62A-DD46-8A7C-171B83B1EAFD}"/>
-              </a:ext>
-            </a:extLst>
-          </p:cNvPr>
-          <p:cNvSpPr/>
-          <p:nvPr/>
-        </p:nvSpPr>
-        <p:spPr>
-          <a:xfrm rot="18971391">
-            <a:off x="3197696" y="1583138"/>
-            <a:ext cx="210312" cy="210312"/>
-          </a:xfrm>
-          <a:prstGeom prst="diamond">
-            <a:avLst/>
-          </a:prstGeom>
-          <a:solidFill>
-            <a:srgbClr val="0070C0"/>
-          </a:solidFill>
-          <a:ln>
-            <a:solidFill>
-              <a:schemeClr val="tx1"/>
-            </a:solidFill>
-          </a:ln>
-        </p:spPr>
-        <p:style>
-          <a:lnRef idx="1">
-            <a:schemeClr val="accent6"/>
-          </a:lnRef>
-          <a:fillRef idx="3">
-            <a:schemeClr val="accent6"/>
-          </a:fillRef>
-          <a:effectRef idx="2">
-            <a:schemeClr val="accent6"/>
-          </a:effectRef>
-          <a:fontRef idx="minor">
-            <a:schemeClr val="lt1"/>
-          </a:fontRef>
-        </p:style>
-        <p:txBody>
-          <a:bodyPr rtlCol="0" anchor="t">
-            <a:normAutofit fontScale="25000" lnSpcReduction="20000"/>
-          </a:bodyPr>
-          <a:lstStyle/>
-          <a:p>
-            <a:pPr algn="ctr"/>
-            <a:endParaRPr lang="en-US" sz="1600" dirty="0" err="1">
-              <a:solidFill>
-                <a:schemeClr val="tx1"/>
-              </a:solidFill>
-              <a:latin typeface="Arial" pitchFamily="34" charset="0"/>
-              <a:cs typeface="Arial" pitchFamily="34" charset="0"/>
-            </a:endParaRPr>
-          </a:p>
-        </p:txBody>
-      </p:sp>
-      <p:sp>
-        <p:nvSpPr>
-          <p:cNvPr id="215" name="Diamond 214">
-            <a:extLst>
-              <a:ext uri="{FF2B5EF4-FFF2-40B4-BE49-F238E27FC236}">
-                <a16:creationId xmlns:a16="http://schemas.microsoft.com/office/drawing/2014/main" id="{5F370D92-C997-5B43-8C67-C18418B337B5}"/>
-              </a:ext>
-            </a:extLst>
-          </p:cNvPr>
-          <p:cNvSpPr/>
-          <p:nvPr/>
-        </p:nvSpPr>
-        <p:spPr>
-          <a:xfrm rot="18971391">
-            <a:off x="3352285" y="1583138"/>
-            <a:ext cx="210312" cy="210312"/>
-          </a:xfrm>
-          <a:prstGeom prst="diamond">
-            <a:avLst/>
-          </a:prstGeom>
-          <a:solidFill>
-            <a:srgbClr val="0070C0"/>
-          </a:solidFill>
-          <a:ln>
-            <a:solidFill>
-              <a:schemeClr val="tx1"/>
-            </a:solidFill>
-          </a:ln>
-        </p:spPr>
-        <p:style>
-          <a:lnRef idx="1">
-            <a:schemeClr val="accent6"/>
-          </a:lnRef>
-          <a:fillRef idx="3">
-            <a:schemeClr val="accent6"/>
-          </a:fillRef>
-          <a:effectRef idx="2">
-            <a:schemeClr val="accent6"/>
-          </a:effectRef>
-          <a:fontRef idx="minor">
-            <a:schemeClr val="lt1"/>
-          </a:fontRef>
-        </p:style>
-        <p:txBody>
-          <a:bodyPr rtlCol="0" anchor="t">
-            <a:normAutofit fontScale="25000" lnSpcReduction="20000"/>
-          </a:bodyPr>
-          <a:lstStyle/>
-          <a:p>
-            <a:pPr algn="ctr"/>
-            <a:endParaRPr lang="en-US" sz="1600" dirty="0" err="1">
-              <a:solidFill>
-                <a:schemeClr val="tx1"/>
-              </a:solidFill>
-              <a:latin typeface="Arial" pitchFamily="34" charset="0"/>
-              <a:cs typeface="Arial" pitchFamily="34" charset="0"/>
-            </a:endParaRPr>
-          </a:p>
-        </p:txBody>
-      </p:sp>
-      <p:sp>
-        <p:nvSpPr>
-          <p:cNvPr id="216" name="Diamond 215">
-            <a:extLst>
-              <a:ext uri="{FF2B5EF4-FFF2-40B4-BE49-F238E27FC236}">
-                <a16:creationId xmlns:a16="http://schemas.microsoft.com/office/drawing/2014/main" id="{96822EFE-0D15-2042-BD72-30E19C13FF80}"/>
-              </a:ext>
-            </a:extLst>
-          </p:cNvPr>
-          <p:cNvSpPr/>
-          <p:nvPr/>
-        </p:nvSpPr>
-        <p:spPr>
-          <a:xfrm rot="18971391">
-            <a:off x="3043106" y="1583138"/>
-            <a:ext cx="210312" cy="210312"/>
-          </a:xfrm>
-          <a:prstGeom prst="diamond">
-            <a:avLst/>
-          </a:prstGeom>
-          <a:solidFill>
-            <a:srgbClr val="0070C0"/>
-          </a:solidFill>
-          <a:ln>
-            <a:solidFill>
-              <a:schemeClr val="tx1"/>
-            </a:solidFill>
-          </a:ln>
-        </p:spPr>
-        <p:style>
-          <a:lnRef idx="1">
-            <a:schemeClr val="accent6"/>
-          </a:lnRef>
-          <a:fillRef idx="3">
-            <a:schemeClr val="accent6"/>
-          </a:fillRef>
-          <a:effectRef idx="2">
-            <a:schemeClr val="accent6"/>
-          </a:effectRef>
-          <a:fontRef idx="minor">
-            <a:schemeClr val="lt1"/>
-          </a:fontRef>
-        </p:style>
-        <p:txBody>
-          <a:bodyPr rtlCol="0" anchor="t">
-            <a:normAutofit fontScale="25000" lnSpcReduction="20000"/>
-          </a:bodyPr>
-          <a:lstStyle/>
-          <a:p>
-            <a:pPr algn="ctr"/>
-            <a:endParaRPr lang="en-US" sz="1600" dirty="0" err="1">
-              <a:solidFill>
-                <a:schemeClr val="tx1"/>
-              </a:solidFill>
-              <a:latin typeface="Arial" pitchFamily="34" charset="0"/>
-              <a:cs typeface="Arial" pitchFamily="34" charset="0"/>
-            </a:endParaRPr>
-          </a:p>
-        </p:txBody>
-      </p:sp>
-      <p:sp>
-        <p:nvSpPr>
-          <p:cNvPr id="227" name="Rectangle 226">
-            <a:extLst>
-              <a:ext uri="{FF2B5EF4-FFF2-40B4-BE49-F238E27FC236}">
-                <a16:creationId xmlns:a16="http://schemas.microsoft.com/office/drawing/2014/main" id="{9BDF5E56-508C-574B-B173-5252C9C44C18}"/>
-              </a:ext>
-            </a:extLst>
-          </p:cNvPr>
-          <p:cNvSpPr/>
-          <p:nvPr/>
-        </p:nvSpPr>
-        <p:spPr>
-          <a:xfrm>
-            <a:off x="420831" y="1274106"/>
-            <a:ext cx="4928839" cy="811942"/>
+          <a:xfrm>
+            <a:off x="249375" y="1274106"/>
+            <a:ext cx="5516777" cy="828378"/>
           </a:xfrm>
           <a:prstGeom prst="rect">
             <a:avLst/>
@@ -7941,12 +7146,12 @@
           <a:lstStyle/>
           <a:p>
             <a:r>
-              <a:rPr lang="en-US" b="1" dirty="0">
+              <a:rPr lang="en-US" sz="2800" b="1" dirty="0">
                 <a:solidFill>
                   <a:schemeClr val="tx1"/>
                 </a:solidFill>
               </a:rPr>
-              <a:t>  INDEX</a:t>
+              <a:t>INDEX</a:t>
             </a:r>
           </a:p>
         </p:txBody>
@@ -7960,13 +7165,15 @@
               </a:ext>
             </a:extLst>
           </p:cNvPr>
-          <p:cNvSpPr/>
-          <p:nvPr/>
-        </p:nvSpPr>
-        <p:spPr>
-          <a:xfrm>
-            <a:off x="691187" y="2287754"/>
-            <a:ext cx="334537" cy="323385"/>
+          <p:cNvSpPr>
+            <a:spLocks/>
+          </p:cNvSpPr>
+          <p:nvPr/>
+        </p:nvSpPr>
+        <p:spPr>
+          <a:xfrm>
+            <a:off x="1091227" y="2282744"/>
+            <a:ext cx="475488" cy="353567"/>
           </a:xfrm>
           <a:prstGeom prst="ellipse">
             <a:avLst/>
@@ -7989,11 +7196,14 @@
           </a:fontRef>
         </p:style>
         <p:txBody>
-          <a:bodyPr rtlCol="0" anchor="ctr"/>
+          <a:bodyPr lIns="0" tIns="0" rIns="0" bIns="0" rtlCol="0" anchor="ctr"/>
           <a:lstStyle/>
           <a:p>
             <a:pPr algn="ctr"/>
-            <a:endParaRPr lang="en-US"/>
+            <a:r>
+              <a:rPr lang="en-US" b="1" dirty="0"/>
+              <a:t>cell</a:t>
+            </a:r>
           </a:p>
         </p:txBody>
       </p:sp>
@@ -8006,13 +7216,15 @@
               </a:ext>
             </a:extLst>
           </p:cNvPr>
-          <p:cNvSpPr/>
-          <p:nvPr/>
-        </p:nvSpPr>
-        <p:spPr>
-          <a:xfrm>
-            <a:off x="1270642" y="2296065"/>
-            <a:ext cx="334537" cy="323385"/>
+          <p:cNvSpPr>
+            <a:spLocks/>
+          </p:cNvSpPr>
+          <p:nvPr/>
+        </p:nvSpPr>
+        <p:spPr>
+          <a:xfrm>
+            <a:off x="1697576" y="2282744"/>
+            <a:ext cx="475488" cy="353567"/>
           </a:xfrm>
           <a:prstGeom prst="ellipse">
             <a:avLst/>
@@ -8035,11 +7247,14 @@
           </a:fontRef>
         </p:style>
         <p:txBody>
-          <a:bodyPr rtlCol="0" anchor="ctr"/>
+          <a:bodyPr lIns="0" tIns="0" rIns="0" bIns="0" rtlCol="0" anchor="ctr"/>
           <a:lstStyle/>
           <a:p>
             <a:pPr algn="ctr"/>
-            <a:endParaRPr lang="en-US"/>
+            <a:r>
+              <a:rPr lang="en-US" b="1" dirty="0"/>
+              <a:t>cell</a:t>
+            </a:r>
           </a:p>
         </p:txBody>
       </p:sp>
@@ -8052,13 +7267,15 @@
               </a:ext>
             </a:extLst>
           </p:cNvPr>
-          <p:cNvSpPr/>
-          <p:nvPr/>
-        </p:nvSpPr>
-        <p:spPr>
-          <a:xfrm>
-            <a:off x="3260531" y="2314594"/>
-            <a:ext cx="334537" cy="323385"/>
+          <p:cNvSpPr>
+            <a:spLocks/>
+          </p:cNvSpPr>
+          <p:nvPr/>
+        </p:nvSpPr>
+        <p:spPr>
+          <a:xfrm>
+            <a:off x="3516623" y="2282744"/>
+            <a:ext cx="475488" cy="353567"/>
           </a:xfrm>
           <a:prstGeom prst="ellipse">
             <a:avLst/>
@@ -8081,11 +7298,14 @@
           </a:fontRef>
         </p:style>
         <p:txBody>
-          <a:bodyPr rtlCol="0" anchor="ctr"/>
+          <a:bodyPr lIns="0" tIns="0" rIns="0" bIns="0" rtlCol="0" anchor="ctr"/>
           <a:lstStyle/>
           <a:p>
             <a:pPr algn="ctr"/>
-            <a:endParaRPr lang="en-US"/>
+            <a:r>
+              <a:rPr lang="en-US" b="1" dirty="0"/>
+              <a:t>cell</a:t>
+            </a:r>
           </a:p>
         </p:txBody>
       </p:sp>
@@ -8098,13 +7318,15 @@
               </a:ext>
             </a:extLst>
           </p:cNvPr>
-          <p:cNvSpPr/>
-          <p:nvPr/>
-        </p:nvSpPr>
-        <p:spPr>
-          <a:xfrm>
-            <a:off x="3801884" y="2314594"/>
-            <a:ext cx="334537" cy="323385"/>
+          <p:cNvSpPr>
+            <a:spLocks/>
+          </p:cNvSpPr>
+          <p:nvPr/>
+        </p:nvSpPr>
+        <p:spPr>
+          <a:xfrm>
+            <a:off x="4122972" y="2282744"/>
+            <a:ext cx="475488" cy="353567"/>
           </a:xfrm>
           <a:prstGeom prst="ellipse">
             <a:avLst/>
@@ -8127,11 +7349,14 @@
           </a:fontRef>
         </p:style>
         <p:txBody>
-          <a:bodyPr rtlCol="0" anchor="ctr"/>
+          <a:bodyPr lIns="0" tIns="0" rIns="0" bIns="0" rtlCol="0" anchor="ctr"/>
           <a:lstStyle/>
           <a:p>
             <a:pPr algn="ctr"/>
-            <a:endParaRPr lang="en-US"/>
+            <a:r>
+              <a:rPr lang="en-US" b="1" dirty="0"/>
+              <a:t>cell</a:t>
+            </a:r>
           </a:p>
         </p:txBody>
       </p:sp>
@@ -8144,13 +7369,15 @@
               </a:ext>
             </a:extLst>
           </p:cNvPr>
-          <p:cNvSpPr/>
-          <p:nvPr/>
-        </p:nvSpPr>
-        <p:spPr>
-          <a:xfrm>
-            <a:off x="4329280" y="2314595"/>
-            <a:ext cx="334537" cy="323385"/>
+          <p:cNvSpPr>
+            <a:spLocks/>
+          </p:cNvSpPr>
+          <p:nvPr/>
+        </p:nvSpPr>
+        <p:spPr>
+          <a:xfrm>
+            <a:off x="4729320" y="2282744"/>
+            <a:ext cx="475488" cy="353567"/>
           </a:xfrm>
           <a:prstGeom prst="ellipse">
             <a:avLst/>
@@ -8173,11 +7400,14 @@
           </a:fontRef>
         </p:style>
         <p:txBody>
-          <a:bodyPr rtlCol="0" anchor="ctr"/>
+          <a:bodyPr lIns="0" tIns="0" rIns="0" bIns="0" rtlCol="0" anchor="ctr"/>
           <a:lstStyle/>
           <a:p>
             <a:pPr algn="ctr"/>
-            <a:endParaRPr lang="en-US"/>
+            <a:r>
+              <a:rPr lang="en-US" b="1" dirty="0"/>
+              <a:t>cell</a:t>
+            </a:r>
           </a:p>
         </p:txBody>
       </p:sp>
@@ -8190,13 +7420,15 @@
               </a:ext>
             </a:extLst>
           </p:cNvPr>
-          <p:cNvSpPr/>
-          <p:nvPr/>
-        </p:nvSpPr>
-        <p:spPr>
-          <a:xfrm>
-            <a:off x="2727944" y="2305057"/>
-            <a:ext cx="334537" cy="323385"/>
+          <p:cNvSpPr>
+            <a:spLocks/>
+          </p:cNvSpPr>
+          <p:nvPr/>
+        </p:nvSpPr>
+        <p:spPr>
+          <a:xfrm>
+            <a:off x="2910274" y="2282744"/>
+            <a:ext cx="475488" cy="353567"/>
           </a:xfrm>
           <a:prstGeom prst="ellipse">
             <a:avLst/>
@@ -8219,11 +7451,14 @@
           </a:fontRef>
         </p:style>
         <p:txBody>
-          <a:bodyPr rtlCol="0" anchor="ctr"/>
+          <a:bodyPr lIns="0" tIns="0" rIns="0" bIns="0" rtlCol="0" anchor="ctr"/>
           <a:lstStyle/>
           <a:p>
             <a:pPr algn="ctr"/>
-            <a:endParaRPr lang="en-US"/>
+            <a:r>
+              <a:rPr lang="en-US" b="1" dirty="0"/>
+              <a:t>cell</a:t>
+            </a:r>
           </a:p>
         </p:txBody>
       </p:sp>
@@ -8236,13 +7471,15 @@
               </a:ext>
             </a:extLst>
           </p:cNvPr>
-          <p:cNvSpPr/>
-          <p:nvPr/>
-        </p:nvSpPr>
-        <p:spPr>
-          <a:xfrm>
-            <a:off x="2067869" y="2282744"/>
-            <a:ext cx="334537" cy="323385"/>
+          <p:cNvSpPr>
+            <a:spLocks/>
+          </p:cNvSpPr>
+          <p:nvPr/>
+        </p:nvSpPr>
+        <p:spPr>
+          <a:xfrm>
+            <a:off x="2303925" y="2282744"/>
+            <a:ext cx="475488" cy="353567"/>
           </a:xfrm>
           <a:prstGeom prst="ellipse">
             <a:avLst/>
@@ -8265,11 +7502,14 @@
           </a:fontRef>
         </p:style>
         <p:txBody>
-          <a:bodyPr rtlCol="0" anchor="ctr"/>
+          <a:bodyPr lIns="0" tIns="0" rIns="0" bIns="0" rtlCol="0" anchor="ctr"/>
           <a:lstStyle/>
           <a:p>
             <a:pPr algn="ctr"/>
-            <a:endParaRPr lang="en-US"/>
+            <a:r>
+              <a:rPr lang="en-US" b="1" dirty="0"/>
+              <a:t>cell</a:t>
+            </a:r>
           </a:p>
         </p:txBody>
       </p:sp>
@@ -8287,7 +7527,7 @@
         </p:nvSpPr>
         <p:spPr>
           <a:xfrm>
-            <a:off x="525442" y="3099696"/>
+            <a:off x="825480" y="3099696"/>
             <a:ext cx="3610979" cy="446049"/>
           </a:xfrm>
           <a:prstGeom prst="rect">
@@ -8316,7 +7556,7 @@
           <a:p>
             <a:pPr algn="ctr"/>
             <a:r>
-              <a:rPr lang="en-US" dirty="0"/>
+              <a:rPr lang="en-US" sz="2400" dirty="0"/>
               <a:t>MSLAB Chunk A</a:t>
             </a:r>
           </a:p>
@@ -8336,7 +7576,7 @@
         </p:nvSpPr>
         <p:spPr>
           <a:xfrm>
-            <a:off x="984592" y="3635508"/>
+            <a:off x="1384632" y="3635508"/>
             <a:ext cx="3657600" cy="446049"/>
           </a:xfrm>
           <a:prstGeom prst="rect">
@@ -8365,7 +7605,7 @@
           <a:p>
             <a:pPr algn="ctr"/>
             <a:r>
-              <a:rPr lang="en-US" dirty="0"/>
+              <a:rPr lang="en-US" sz="2400" dirty="0"/>
               <a:t>MSLAB Chunk B</a:t>
             </a:r>
           </a:p>
@@ -8385,7 +7625,7 @@
         </p:nvSpPr>
         <p:spPr>
           <a:xfrm>
-            <a:off x="4241032" y="3099695"/>
+            <a:off x="4641072" y="3099695"/>
             <a:ext cx="1037063" cy="446049"/>
           </a:xfrm>
           <a:prstGeom prst="rect">
@@ -8414,7 +7654,7 @@
           <a:p>
             <a:pPr algn="ctr"/>
             <a:r>
-              <a:rPr lang="en-US" dirty="0"/>
+              <a:rPr lang="en-US" sz="2400" dirty="0"/>
               <a:t>POJO</a:t>
             </a:r>
           </a:p>
@@ -8430,18 +7670,21 @@
             </a:extLst>
           </p:cNvPr>
           <p:cNvCxnSpPr>
+            <a:cxnSpLocks/>
             <a:stCxn id="2" idx="4"/>
-            <a:endCxn id="3" idx="0"/>
+            <a:endCxn id="183" idx="0"/>
           </p:cNvCxnSpPr>
           <p:nvPr/>
         </p:nvCxnSpPr>
         <p:spPr>
-          <a:xfrm rot="16200000" flipH="1">
-            <a:off x="1350416" y="2119179"/>
-            <a:ext cx="488557" cy="1472476"/>
+          <a:xfrm rot="5400000">
+            <a:off x="974436" y="2768922"/>
+            <a:ext cx="487147" cy="221925"/>
           </a:xfrm>
           <a:prstGeom prst="curvedConnector3">
-            <a:avLst/>
+            <a:avLst>
+              <a:gd name="adj1" fmla="val 50000"/>
+            </a:avLst>
           </a:prstGeom>
           <a:ln w="25400">
             <a:solidFill>
@@ -8483,8 +7726,8 @@
         </p:nvCxnSpPr>
         <p:spPr>
           <a:xfrm rot="16200000" flipH="1">
-            <a:off x="3591762" y="1931892"/>
-            <a:ext cx="471253" cy="1864351"/>
+            <a:off x="3922119" y="1862210"/>
+            <a:ext cx="463384" cy="2011586"/>
           </a:xfrm>
           <a:prstGeom prst="curvedConnector3">
             <a:avLst/>
@@ -8529,8 +7772,8 @@
         </p:nvCxnSpPr>
         <p:spPr>
           <a:xfrm rot="16200000" flipH="1">
-            <a:off x="1617622" y="2439738"/>
-            <a:ext cx="1016058" cy="1375481"/>
+            <a:off x="2074778" y="2496853"/>
+            <a:ext cx="999197" cy="1278112"/>
           </a:xfrm>
           <a:prstGeom prst="curvedConnector3">
             <a:avLst>
@@ -8569,14 +7812,14 @@
             </a:extLst>
           </p:cNvPr>
           <p:cNvSpPr>
-            <a:spLocks noChangeAspect="1"/>
+            <a:spLocks/>
           </p:cNvSpPr>
           <p:nvPr/>
         </p:nvSpPr>
         <p:spPr>
           <a:xfrm>
-            <a:off x="6160170" y="1052121"/>
-            <a:ext cx="5308784" cy="3317990"/>
+            <a:off x="6160168" y="1052121"/>
+            <a:ext cx="5943600" cy="3317990"/>
           </a:xfrm>
           <a:prstGeom prst="roundRect">
             <a:avLst/>
@@ -8643,7 +7886,7 @@
         </p:nvSpPr>
         <p:spPr>
           <a:xfrm>
-            <a:off x="7789894" y="644418"/>
+            <a:off x="8432836" y="301516"/>
             <a:ext cx="2033183" cy="914400"/>
           </a:xfrm>
           <a:prstGeom prst="rect">
@@ -8662,7 +7905,7 @@
           <a:p>
             <a:pPr algn="ctr"/>
             <a:r>
-              <a:rPr lang="en-US" sz="2400" b="1" dirty="0"/>
+              <a:rPr lang="en-US" sz="4400" b="1" dirty="0"/>
               <a:t>Serialized Segment</a:t>
             </a:r>
           </a:p>
@@ -8682,8 +7925,8 @@
         </p:nvSpPr>
         <p:spPr>
           <a:xfrm>
-            <a:off x="6342065" y="2086048"/>
-            <a:ext cx="4928839" cy="2073357"/>
+            <a:off x="6371205" y="2084925"/>
+            <a:ext cx="5542641" cy="2074480"/>
           </a:xfrm>
           <a:prstGeom prst="rect">
             <a:avLst/>
@@ -8719,15 +7962,15 @@
           <a:lstStyle/>
           <a:p>
             <a:r>
-              <a:rPr lang="en-US" b="1" dirty="0"/>
+              <a:rPr lang="en-US" sz="2800" b="1" dirty="0"/>
               <a:t>DATA</a:t>
             </a:r>
           </a:p>
           <a:p>
-            <a:endParaRPr lang="en-US" b="1" dirty="0"/>
-          </a:p>
-          <a:p>
-            <a:endParaRPr lang="en-US" b="1" dirty="0"/>
+            <a:endParaRPr lang="en-US" sz="2800" b="1" dirty="0"/>
+          </a:p>
+          <a:p>
+            <a:endParaRPr lang="en-US" sz="2800" b="1" dirty="0"/>
           </a:p>
         </p:txBody>
       </p:sp>
@@ -8745,8 +7988,8 @@
         </p:nvSpPr>
         <p:spPr>
           <a:xfrm>
-            <a:off x="6342065" y="1274106"/>
-            <a:ext cx="4928839" cy="811942"/>
+            <a:off x="6371205" y="1292968"/>
+            <a:ext cx="5542641" cy="793079"/>
           </a:xfrm>
           <a:prstGeom prst="rect">
             <a:avLst/>
@@ -8777,12 +8020,12 @@
           <a:lstStyle/>
           <a:p>
             <a:r>
-              <a:rPr lang="en-US" b="1" dirty="0">
+              <a:rPr lang="en-US" sz="2800" b="1" dirty="0">
                 <a:solidFill>
                   <a:schemeClr val="tx1"/>
                 </a:solidFill>
               </a:rPr>
-              <a:t>  INDEX</a:t>
+              <a:t>INDEX</a:t>
             </a:r>
           </a:p>
         </p:txBody>
@@ -8801,7 +8044,7 @@
         </p:nvSpPr>
         <p:spPr>
           <a:xfrm>
-            <a:off x="6446676" y="3099696"/>
+            <a:off x="7089618" y="3099696"/>
             <a:ext cx="3610979" cy="446049"/>
           </a:xfrm>
           <a:prstGeom prst="rect">
@@ -8830,7 +8073,7 @@
           <a:p>
             <a:pPr algn="ctr"/>
             <a:r>
-              <a:rPr lang="en-US" dirty="0"/>
+              <a:rPr lang="en-US" sz="2400" dirty="0"/>
               <a:t>MSLAB Chunk A</a:t>
             </a:r>
           </a:p>
@@ -8850,7 +8093,7 @@
         </p:nvSpPr>
         <p:spPr>
           <a:xfrm>
-            <a:off x="6977266" y="3635508"/>
+            <a:off x="7620208" y="3635508"/>
             <a:ext cx="3657600" cy="446049"/>
           </a:xfrm>
           <a:prstGeom prst="rect">
@@ -8879,7 +8122,7 @@
           <a:p>
             <a:pPr algn="ctr"/>
             <a:r>
-              <a:rPr lang="en-US" dirty="0"/>
+              <a:rPr lang="en-US" sz="2400" dirty="0"/>
               <a:t>MSLAB Chunk B</a:t>
             </a:r>
           </a:p>
@@ -8901,7 +8144,7 @@
         </p:nvCxnSpPr>
         <p:spPr>
           <a:xfrm rot="16200000" flipH="1">
-            <a:off x="9127165" y="2409743"/>
+            <a:off x="9770107" y="2409743"/>
             <a:ext cx="1731590" cy="719940"/>
           </a:xfrm>
           <a:prstGeom prst="curvedConnector3">
@@ -8949,7 +8192,7 @@
         </p:nvCxnSpPr>
         <p:spPr>
           <a:xfrm rot="5400000">
-            <a:off x="7930106" y="849392"/>
+            <a:off x="8573048" y="849392"/>
             <a:ext cx="1276356" cy="3252800"/>
           </a:xfrm>
           <a:prstGeom prst="curvedConnector3">
@@ -8996,7 +8239,7 @@
         </p:nvCxnSpPr>
         <p:spPr>
           <a:xfrm rot="5400000">
-            <a:off x="8485796" y="2223307"/>
+            <a:off x="9128738" y="2223307"/>
             <a:ext cx="1732471" cy="1091930"/>
           </a:xfrm>
           <a:prstGeom prst="curvedConnector3">
@@ -9038,16 +8281,19 @@
           <p:cNvCxnSpPr>
             <a:cxnSpLocks/>
             <a:stCxn id="76" idx="4"/>
+            <a:endCxn id="188" idx="0"/>
           </p:cNvCxnSpPr>
           <p:nvPr/>
         </p:nvCxnSpPr>
         <p:spPr>
-          <a:xfrm rot="16200000" flipH="1">
-            <a:off x="2361069" y="2480197"/>
-            <a:ext cx="493567" cy="745429"/>
-          </a:xfrm>
-          <a:prstGeom prst="curvedConnector2">
-            <a:avLst/>
+          <a:xfrm rot="5400000">
+            <a:off x="1831484" y="2399700"/>
+            <a:ext cx="473575" cy="946796"/>
+          </a:xfrm>
+          <a:prstGeom prst="curvedConnector3">
+            <a:avLst>
+              <a:gd name="adj1" fmla="val 50000"/>
+            </a:avLst>
           </a:prstGeom>
           <a:ln w="25400">
             <a:solidFill>
@@ -9088,8 +8334,8 @@
         </p:nvCxnSpPr>
         <p:spPr>
           <a:xfrm rot="16200000" flipH="1">
-            <a:off x="2929036" y="3136743"/>
-            <a:ext cx="997531" cy="2"/>
+            <a:off x="3291507" y="3099171"/>
+            <a:ext cx="999199" cy="73478"/>
           </a:xfrm>
           <a:prstGeom prst="curvedConnector3">
             <a:avLst>
@@ -9132,7 +8378,7 @@
         </p:nvSpPr>
         <p:spPr>
           <a:xfrm>
-            <a:off x="7346323" y="1429293"/>
+            <a:off x="7989265" y="1429293"/>
             <a:ext cx="3657600" cy="446049"/>
           </a:xfrm>
           <a:prstGeom prst="rect">
@@ -9160,7 +8406,7 @@
           <a:lstStyle/>
           <a:p>
             <a:r>
-              <a:rPr lang="en-US" dirty="0"/>
+              <a:rPr lang="en-US" sz="2400" dirty="0"/>
               <a:t>MSLAB Chunk C</a:t>
             </a:r>
           </a:p>
@@ -9180,7 +8426,7 @@
         </p:nvCxnSpPr>
         <p:spPr>
           <a:xfrm>
-            <a:off x="10057655" y="1383017"/>
+            <a:off x="10700597" y="1383017"/>
             <a:ext cx="0" cy="603725"/>
           </a:xfrm>
           <a:prstGeom prst="line">
@@ -9221,7 +8467,7 @@
         </p:nvCxnSpPr>
         <p:spPr>
           <a:xfrm>
-            <a:off x="10352930" y="1378214"/>
+            <a:off x="10995872" y="1378214"/>
             <a:ext cx="0" cy="603725"/>
           </a:xfrm>
           <a:prstGeom prst="line">
@@ -9262,7 +8508,7 @@
         </p:nvCxnSpPr>
         <p:spPr>
           <a:xfrm>
-            <a:off x="9433767" y="1395954"/>
+            <a:off x="10076709" y="1395954"/>
             <a:ext cx="0" cy="603725"/>
           </a:xfrm>
           <a:prstGeom prst="line">
@@ -9303,7 +8549,7 @@
         </p:nvCxnSpPr>
         <p:spPr>
           <a:xfrm>
-            <a:off x="9747876" y="1350454"/>
+            <a:off x="10390818" y="1350454"/>
             <a:ext cx="0" cy="603725"/>
           </a:xfrm>
           <a:prstGeom prst="line">
@@ -9344,7 +8590,7 @@
         </p:nvCxnSpPr>
         <p:spPr>
           <a:xfrm>
-            <a:off x="10680797" y="1400717"/>
+            <a:off x="11323739" y="1400717"/>
             <a:ext cx="0" cy="603725"/>
           </a:xfrm>
           <a:prstGeom prst="line">
@@ -9388,8 +8634,8 @@
         </p:nvCxnSpPr>
         <p:spPr>
           <a:xfrm rot="5400000">
-            <a:off x="3654663" y="2785203"/>
-            <a:ext cx="461715" cy="167267"/>
+            <a:off x="4049635" y="2788612"/>
+            <a:ext cx="463382" cy="158781"/>
           </a:xfrm>
           <a:prstGeom prst="curvedConnector3">
             <a:avLst>
@@ -9435,8 +8681,8 @@
         </p:nvCxnSpPr>
         <p:spPr>
           <a:xfrm rot="5400000">
-            <a:off x="3870027" y="3008986"/>
-            <a:ext cx="997528" cy="255517"/>
+            <a:off x="4304471" y="2972916"/>
+            <a:ext cx="999198" cy="325989"/>
           </a:xfrm>
           <a:prstGeom prst="curvedConnector3">
             <a:avLst>
@@ -9479,7 +8725,7 @@
         </p:nvSpPr>
         <p:spPr>
           <a:xfrm>
-            <a:off x="6731643" y="3113970"/>
+            <a:off x="7374585" y="3113970"/>
             <a:ext cx="420482" cy="342900"/>
           </a:xfrm>
           <a:prstGeom prst="rect">
@@ -9529,7 +8775,7 @@
         </p:nvSpPr>
         <p:spPr>
           <a:xfrm>
-            <a:off x="9984443" y="1494714"/>
+            <a:off x="10627385" y="1494714"/>
             <a:ext cx="420482" cy="342900"/>
           </a:xfrm>
           <a:prstGeom prst="rect">
@@ -9583,7 +8829,7 @@
         </p:nvCxnSpPr>
         <p:spPr>
           <a:xfrm rot="5400000">
-            <a:off x="8766215" y="1347371"/>
+            <a:off x="9409157" y="1347371"/>
             <a:ext cx="1238276" cy="2266374"/>
           </a:xfrm>
           <a:prstGeom prst="curvedConnector3">
@@ -9627,7 +8873,925 @@
         </p:nvSpPr>
         <p:spPr>
           <a:xfrm>
-            <a:off x="10308299" y="1518520"/>
+            <a:off x="10951241" y="1518520"/>
+            <a:ext cx="420482" cy="342900"/>
+          </a:xfrm>
+          <a:prstGeom prst="rect">
+            <a:avLst/>
+          </a:prstGeom>
+          <a:noFill/>
+          <a:ln>
+            <a:noFill/>
+          </a:ln>
+        </p:spPr>
+        <p:style>
+          <a:lnRef idx="2">
+            <a:schemeClr val="accent1">
+              <a:shade val="50000"/>
+            </a:schemeClr>
+          </a:lnRef>
+          <a:fillRef idx="1">
+            <a:schemeClr val="accent1"/>
+          </a:fillRef>
+          <a:effectRef idx="0">
+            <a:schemeClr val="accent1"/>
+          </a:effectRef>
+          <a:fontRef idx="minor">
+            <a:schemeClr val="lt1"/>
+          </a:fontRef>
+        </p:style>
+        <p:txBody>
+          <a:bodyPr rtlCol="0" anchor="ctr"/>
+          <a:lstStyle/>
+          <a:p>
+            <a:pPr algn="ctr"/>
+            <a:endParaRPr lang="en-US"/>
+          </a:p>
+        </p:txBody>
+      </p:sp>
+      <p:sp>
+        <p:nvSpPr>
+          <p:cNvPr id="160" name="Diamond 159">
+            <a:extLst>
+              <a:ext uri="{FF2B5EF4-FFF2-40B4-BE49-F238E27FC236}">
+                <a16:creationId xmlns:a16="http://schemas.microsoft.com/office/drawing/2014/main" id="{028AC7FC-A240-0841-8135-373727601A46}"/>
+              </a:ext>
+            </a:extLst>
+          </p:cNvPr>
+          <p:cNvSpPr>
+            <a:spLocks noChangeAspect="1"/>
+          </p:cNvSpPr>
+          <p:nvPr/>
+        </p:nvSpPr>
+        <p:spPr>
+          <a:xfrm rot="18971391">
+            <a:off x="2301992" y="1478998"/>
+            <a:ext cx="320040" cy="320040"/>
+          </a:xfrm>
+          <a:prstGeom prst="diamond">
+            <a:avLst/>
+          </a:prstGeom>
+          <a:solidFill>
+            <a:srgbClr val="0070C0"/>
+          </a:solidFill>
+          <a:ln>
+            <a:solidFill>
+              <a:schemeClr val="tx1"/>
+            </a:solidFill>
+          </a:ln>
+        </p:spPr>
+        <p:style>
+          <a:lnRef idx="1">
+            <a:schemeClr val="accent6"/>
+          </a:lnRef>
+          <a:fillRef idx="3">
+            <a:schemeClr val="accent6"/>
+          </a:fillRef>
+          <a:effectRef idx="2">
+            <a:schemeClr val="accent6"/>
+          </a:effectRef>
+          <a:fontRef idx="minor">
+            <a:schemeClr val="lt1"/>
+          </a:fontRef>
+        </p:style>
+        <p:txBody>
+          <a:bodyPr rtlCol="0" anchor="t">
+            <a:normAutofit fontScale="32500" lnSpcReduction="20000"/>
+          </a:bodyPr>
+          <a:lstStyle/>
+          <a:p>
+            <a:pPr algn="ctr"/>
+            <a:endParaRPr lang="en-US" sz="1600" dirty="0" err="1">
+              <a:solidFill>
+                <a:schemeClr val="tx1"/>
+              </a:solidFill>
+              <a:latin typeface="Arial" pitchFamily="34" charset="0"/>
+              <a:cs typeface="Arial" pitchFamily="34" charset="0"/>
+            </a:endParaRPr>
+          </a:p>
+        </p:txBody>
+      </p:sp>
+      <p:cxnSp>
+        <p:nvCxnSpPr>
+          <p:cNvPr id="161" name="Straight Arrow Connector 160">
+            <a:extLst>
+              <a:ext uri="{FF2B5EF4-FFF2-40B4-BE49-F238E27FC236}">
+                <a16:creationId xmlns:a16="http://schemas.microsoft.com/office/drawing/2014/main" id="{6BC247A3-4E45-6246-81B9-A4CAB56DC435}"/>
+              </a:ext>
+            </a:extLst>
+          </p:cNvPr>
+          <p:cNvCxnSpPr>
+            <a:cxnSpLocks/>
+            <a:stCxn id="170" idx="2"/>
+            <a:endCxn id="71" idx="0"/>
+          </p:cNvCxnSpPr>
+          <p:nvPr/>
+        </p:nvCxnSpPr>
+        <p:spPr>
+          <a:xfrm flipH="1">
+            <a:off x="1935320" y="1754494"/>
+            <a:ext cx="888451" cy="528250"/>
+          </a:xfrm>
+          <a:prstGeom prst="straightConnector1">
+            <a:avLst/>
+          </a:prstGeom>
+          <a:ln w="38100">
+            <a:solidFill>
+              <a:srgbClr val="000000"/>
+            </a:solidFill>
+            <a:tailEnd type="arrow"/>
+          </a:ln>
+        </p:spPr>
+        <p:style>
+          <a:lnRef idx="1">
+            <a:schemeClr val="accent1"/>
+          </a:lnRef>
+          <a:fillRef idx="0">
+            <a:schemeClr val="accent1"/>
+          </a:fillRef>
+          <a:effectRef idx="0">
+            <a:schemeClr val="accent1"/>
+          </a:effectRef>
+          <a:fontRef idx="minor">
+            <a:schemeClr val="tx1"/>
+          </a:fontRef>
+        </p:style>
+      </p:cxnSp>
+      <p:cxnSp>
+        <p:nvCxnSpPr>
+          <p:cNvPr id="162" name="Straight Arrow Connector 161">
+            <a:extLst>
+              <a:ext uri="{FF2B5EF4-FFF2-40B4-BE49-F238E27FC236}">
+                <a16:creationId xmlns:a16="http://schemas.microsoft.com/office/drawing/2014/main" id="{B1389840-B632-954B-A573-AE63A1C0BFC7}"/>
+              </a:ext>
+            </a:extLst>
+          </p:cNvPr>
+          <p:cNvCxnSpPr>
+            <a:cxnSpLocks/>
+            <a:stCxn id="160" idx="1"/>
+            <a:endCxn id="2" idx="0"/>
+          </p:cNvCxnSpPr>
+          <p:nvPr/>
+        </p:nvCxnSpPr>
+        <p:spPr>
+          <a:xfrm flipH="1">
+            <a:off x="1328971" y="1749795"/>
+            <a:ext cx="1017565" cy="532949"/>
+          </a:xfrm>
+          <a:prstGeom prst="straightConnector1">
+            <a:avLst/>
+          </a:prstGeom>
+          <a:ln w="38100">
+            <a:solidFill>
+              <a:srgbClr val="000000"/>
+            </a:solidFill>
+            <a:tailEnd type="arrow"/>
+          </a:ln>
+        </p:spPr>
+        <p:style>
+          <a:lnRef idx="1">
+            <a:schemeClr val="accent1"/>
+          </a:lnRef>
+          <a:fillRef idx="0">
+            <a:schemeClr val="accent1"/>
+          </a:fillRef>
+          <a:effectRef idx="0">
+            <a:schemeClr val="accent1"/>
+          </a:effectRef>
+          <a:fontRef idx="minor">
+            <a:schemeClr val="tx1"/>
+          </a:fontRef>
+        </p:style>
+      </p:cxnSp>
+      <p:cxnSp>
+        <p:nvCxnSpPr>
+          <p:cNvPr id="163" name="Straight Arrow Connector 162">
+            <a:extLst>
+              <a:ext uri="{FF2B5EF4-FFF2-40B4-BE49-F238E27FC236}">
+                <a16:creationId xmlns:a16="http://schemas.microsoft.com/office/drawing/2014/main" id="{5C719B9C-1772-5740-A8E1-763CA07C65E4}"/>
+              </a:ext>
+            </a:extLst>
+          </p:cNvPr>
+          <p:cNvCxnSpPr>
+            <a:cxnSpLocks/>
+            <a:stCxn id="168" idx="2"/>
+            <a:endCxn id="76" idx="0"/>
+          </p:cNvCxnSpPr>
+          <p:nvPr/>
+        </p:nvCxnSpPr>
+        <p:spPr>
+          <a:xfrm flipH="1">
+            <a:off x="2541669" y="1754494"/>
+            <a:ext cx="533084" cy="528250"/>
+          </a:xfrm>
+          <a:prstGeom prst="straightConnector1">
+            <a:avLst/>
+          </a:prstGeom>
+          <a:ln w="38100">
+            <a:solidFill>
+              <a:srgbClr val="000000"/>
+            </a:solidFill>
+            <a:tailEnd type="arrow"/>
+          </a:ln>
+        </p:spPr>
+        <p:style>
+          <a:lnRef idx="1">
+            <a:schemeClr val="accent1"/>
+          </a:lnRef>
+          <a:fillRef idx="0">
+            <a:schemeClr val="accent1"/>
+          </a:fillRef>
+          <a:effectRef idx="0">
+            <a:schemeClr val="accent1"/>
+          </a:effectRef>
+          <a:fontRef idx="minor">
+            <a:schemeClr val="tx1"/>
+          </a:fontRef>
+        </p:style>
+      </p:cxnSp>
+      <p:cxnSp>
+        <p:nvCxnSpPr>
+          <p:cNvPr id="164" name="Straight Arrow Connector 163">
+            <a:extLst>
+              <a:ext uri="{FF2B5EF4-FFF2-40B4-BE49-F238E27FC236}">
+                <a16:creationId xmlns:a16="http://schemas.microsoft.com/office/drawing/2014/main" id="{A0677E7B-0247-074B-B556-4F6B4560C52C}"/>
+              </a:ext>
+            </a:extLst>
+          </p:cNvPr>
+          <p:cNvCxnSpPr>
+            <a:cxnSpLocks/>
+            <a:stCxn id="171" idx="1"/>
+            <a:endCxn id="75" idx="0"/>
+          </p:cNvCxnSpPr>
+          <p:nvPr/>
+        </p:nvCxnSpPr>
+        <p:spPr>
+          <a:xfrm flipH="1">
+            <a:off x="3148018" y="1749795"/>
+            <a:ext cx="202446" cy="532949"/>
+          </a:xfrm>
+          <a:prstGeom prst="straightConnector1">
+            <a:avLst/>
+          </a:prstGeom>
+          <a:ln w="38100">
+            <a:solidFill>
+              <a:srgbClr val="000000"/>
+            </a:solidFill>
+            <a:tailEnd type="arrow"/>
+          </a:ln>
+        </p:spPr>
+        <p:style>
+          <a:lnRef idx="1">
+            <a:schemeClr val="accent1"/>
+          </a:lnRef>
+          <a:fillRef idx="0">
+            <a:schemeClr val="accent1"/>
+          </a:fillRef>
+          <a:effectRef idx="0">
+            <a:schemeClr val="accent1"/>
+          </a:effectRef>
+          <a:fontRef idx="minor">
+            <a:schemeClr val="tx1"/>
+          </a:fontRef>
+        </p:style>
+      </p:cxnSp>
+      <p:cxnSp>
+        <p:nvCxnSpPr>
+          <p:cNvPr id="165" name="Straight Arrow Connector 164">
+            <a:extLst>
+              <a:ext uri="{FF2B5EF4-FFF2-40B4-BE49-F238E27FC236}">
+                <a16:creationId xmlns:a16="http://schemas.microsoft.com/office/drawing/2014/main" id="{45908A99-70B6-264B-9C18-58CECC7302C0}"/>
+              </a:ext>
+            </a:extLst>
+          </p:cNvPr>
+          <p:cNvCxnSpPr>
+            <a:cxnSpLocks/>
+            <a:stCxn id="174" idx="1"/>
+            <a:endCxn id="72" idx="0"/>
+          </p:cNvCxnSpPr>
+          <p:nvPr/>
+        </p:nvCxnSpPr>
+        <p:spPr>
+          <a:xfrm>
+            <a:off x="3601446" y="1749795"/>
+            <a:ext cx="152921" cy="532949"/>
+          </a:xfrm>
+          <a:prstGeom prst="straightConnector1">
+            <a:avLst/>
+          </a:prstGeom>
+          <a:ln w="38100">
+            <a:solidFill>
+              <a:srgbClr val="000000"/>
+            </a:solidFill>
+            <a:tailEnd type="arrow"/>
+          </a:ln>
+        </p:spPr>
+        <p:style>
+          <a:lnRef idx="1">
+            <a:schemeClr val="accent1"/>
+          </a:lnRef>
+          <a:fillRef idx="0">
+            <a:schemeClr val="accent1"/>
+          </a:fillRef>
+          <a:effectRef idx="0">
+            <a:schemeClr val="accent1"/>
+          </a:effectRef>
+          <a:fontRef idx="minor">
+            <a:schemeClr val="tx1"/>
+          </a:fontRef>
+        </p:style>
+      </p:cxnSp>
+      <p:cxnSp>
+        <p:nvCxnSpPr>
+          <p:cNvPr id="166" name="Straight Arrow Connector 165">
+            <a:extLst>
+              <a:ext uri="{FF2B5EF4-FFF2-40B4-BE49-F238E27FC236}">
+                <a16:creationId xmlns:a16="http://schemas.microsoft.com/office/drawing/2014/main" id="{1EBE5ADE-5E1A-D14D-8EFE-14E56CF8901A}"/>
+              </a:ext>
+            </a:extLst>
+          </p:cNvPr>
+          <p:cNvCxnSpPr>
+            <a:cxnSpLocks/>
+            <a:stCxn id="172" idx="2"/>
+            <a:endCxn id="73" idx="0"/>
+          </p:cNvCxnSpPr>
+          <p:nvPr/>
+        </p:nvCxnSpPr>
+        <p:spPr>
+          <a:xfrm>
+            <a:off x="4078681" y="1754494"/>
+            <a:ext cx="282035" cy="528250"/>
+          </a:xfrm>
+          <a:prstGeom prst="straightConnector1">
+            <a:avLst/>
+          </a:prstGeom>
+          <a:ln w="38100">
+            <a:solidFill>
+              <a:srgbClr val="000000"/>
+            </a:solidFill>
+            <a:tailEnd type="arrow"/>
+          </a:ln>
+        </p:spPr>
+        <p:style>
+          <a:lnRef idx="1">
+            <a:schemeClr val="accent1"/>
+          </a:lnRef>
+          <a:fillRef idx="0">
+            <a:schemeClr val="accent1"/>
+          </a:fillRef>
+          <a:effectRef idx="0">
+            <a:schemeClr val="accent1"/>
+          </a:effectRef>
+          <a:fontRef idx="minor">
+            <a:schemeClr val="tx1"/>
+          </a:fontRef>
+        </p:style>
+      </p:cxnSp>
+      <p:cxnSp>
+        <p:nvCxnSpPr>
+          <p:cNvPr id="167" name="Straight Arrow Connector 166">
+            <a:extLst>
+              <a:ext uri="{FF2B5EF4-FFF2-40B4-BE49-F238E27FC236}">
+                <a16:creationId xmlns:a16="http://schemas.microsoft.com/office/drawing/2014/main" id="{50902DC7-B860-9048-BC27-0D08F812478E}"/>
+              </a:ext>
+            </a:extLst>
+          </p:cNvPr>
+          <p:cNvCxnSpPr>
+            <a:cxnSpLocks/>
+            <a:stCxn id="173" idx="2"/>
+            <a:endCxn id="74" idx="0"/>
+          </p:cNvCxnSpPr>
+          <p:nvPr/>
+        </p:nvCxnSpPr>
+        <p:spPr>
+          <a:xfrm>
+            <a:off x="4329663" y="1754494"/>
+            <a:ext cx="637401" cy="528250"/>
+          </a:xfrm>
+          <a:prstGeom prst="straightConnector1">
+            <a:avLst/>
+          </a:prstGeom>
+          <a:ln w="38100">
+            <a:solidFill>
+              <a:srgbClr val="000000"/>
+            </a:solidFill>
+            <a:tailEnd type="arrow"/>
+          </a:ln>
+        </p:spPr>
+        <p:style>
+          <a:lnRef idx="1">
+            <a:schemeClr val="accent1"/>
+          </a:lnRef>
+          <a:fillRef idx="0">
+            <a:schemeClr val="accent1"/>
+          </a:fillRef>
+          <a:effectRef idx="0">
+            <a:schemeClr val="accent1"/>
+          </a:effectRef>
+          <a:fontRef idx="minor">
+            <a:schemeClr val="tx1"/>
+          </a:fontRef>
+        </p:style>
+      </p:cxnSp>
+      <p:sp>
+        <p:nvSpPr>
+          <p:cNvPr id="168" name="Diamond 167">
+            <a:extLst>
+              <a:ext uri="{FF2B5EF4-FFF2-40B4-BE49-F238E27FC236}">
+                <a16:creationId xmlns:a16="http://schemas.microsoft.com/office/drawing/2014/main" id="{5B1E02D9-FF16-1E4A-869F-B1054AE3C255}"/>
+              </a:ext>
+            </a:extLst>
+          </p:cNvPr>
+          <p:cNvSpPr>
+            <a:spLocks noChangeAspect="1"/>
+          </p:cNvSpPr>
+          <p:nvPr/>
+        </p:nvSpPr>
+        <p:spPr>
+          <a:xfrm rot="18971391">
+            <a:off x="2803956" y="1478998"/>
+            <a:ext cx="320040" cy="320040"/>
+          </a:xfrm>
+          <a:prstGeom prst="diamond">
+            <a:avLst/>
+          </a:prstGeom>
+          <a:solidFill>
+            <a:srgbClr val="0070C0"/>
+          </a:solidFill>
+          <a:ln>
+            <a:solidFill>
+              <a:schemeClr val="tx1"/>
+            </a:solidFill>
+          </a:ln>
+        </p:spPr>
+        <p:style>
+          <a:lnRef idx="1">
+            <a:schemeClr val="accent6"/>
+          </a:lnRef>
+          <a:fillRef idx="3">
+            <a:schemeClr val="accent6"/>
+          </a:fillRef>
+          <a:effectRef idx="2">
+            <a:schemeClr val="accent6"/>
+          </a:effectRef>
+          <a:fontRef idx="minor">
+            <a:schemeClr val="lt1"/>
+          </a:fontRef>
+        </p:style>
+        <p:txBody>
+          <a:bodyPr rtlCol="0" anchor="t">
+            <a:normAutofit fontScale="32500" lnSpcReduction="20000"/>
+          </a:bodyPr>
+          <a:lstStyle/>
+          <a:p>
+            <a:pPr algn="ctr"/>
+            <a:endParaRPr lang="en-US" sz="1600" dirty="0" err="1">
+              <a:solidFill>
+                <a:schemeClr val="tx1"/>
+              </a:solidFill>
+              <a:latin typeface="Arial" pitchFamily="34" charset="0"/>
+              <a:cs typeface="Arial" pitchFamily="34" charset="0"/>
+            </a:endParaRPr>
+          </a:p>
+        </p:txBody>
+      </p:sp>
+      <p:sp>
+        <p:nvSpPr>
+          <p:cNvPr id="169" name="Diamond 168">
+            <a:extLst>
+              <a:ext uri="{FF2B5EF4-FFF2-40B4-BE49-F238E27FC236}">
+                <a16:creationId xmlns:a16="http://schemas.microsoft.com/office/drawing/2014/main" id="{9CD68CB3-F46D-B943-9244-99307F1DE065}"/>
+              </a:ext>
+            </a:extLst>
+          </p:cNvPr>
+          <p:cNvSpPr>
+            <a:spLocks noChangeAspect="1"/>
+          </p:cNvSpPr>
+          <p:nvPr/>
+        </p:nvSpPr>
+        <p:spPr>
+          <a:xfrm rot="18971391">
+            <a:off x="3054938" y="1478998"/>
+            <a:ext cx="320040" cy="320040"/>
+          </a:xfrm>
+          <a:prstGeom prst="diamond">
+            <a:avLst/>
+          </a:prstGeom>
+          <a:solidFill>
+            <a:srgbClr val="0070C0"/>
+          </a:solidFill>
+          <a:ln>
+            <a:solidFill>
+              <a:schemeClr val="tx1"/>
+            </a:solidFill>
+          </a:ln>
+        </p:spPr>
+        <p:style>
+          <a:lnRef idx="1">
+            <a:schemeClr val="accent6"/>
+          </a:lnRef>
+          <a:fillRef idx="3">
+            <a:schemeClr val="accent6"/>
+          </a:fillRef>
+          <a:effectRef idx="2">
+            <a:schemeClr val="accent6"/>
+          </a:effectRef>
+          <a:fontRef idx="minor">
+            <a:schemeClr val="lt1"/>
+          </a:fontRef>
+        </p:style>
+        <p:txBody>
+          <a:bodyPr rtlCol="0" anchor="t">
+            <a:normAutofit fontScale="32500" lnSpcReduction="20000"/>
+          </a:bodyPr>
+          <a:lstStyle/>
+          <a:p>
+            <a:pPr algn="ctr"/>
+            <a:endParaRPr lang="en-US" sz="1600" dirty="0" err="1">
+              <a:solidFill>
+                <a:schemeClr val="tx1"/>
+              </a:solidFill>
+              <a:latin typeface="Arial" pitchFamily="34" charset="0"/>
+              <a:cs typeface="Arial" pitchFamily="34" charset="0"/>
+            </a:endParaRPr>
+          </a:p>
+        </p:txBody>
+      </p:sp>
+      <p:sp>
+        <p:nvSpPr>
+          <p:cNvPr id="170" name="Diamond 169">
+            <a:extLst>
+              <a:ext uri="{FF2B5EF4-FFF2-40B4-BE49-F238E27FC236}">
+                <a16:creationId xmlns:a16="http://schemas.microsoft.com/office/drawing/2014/main" id="{5F82B400-4F2A-CD4A-B603-BF5FDB9E9BED}"/>
+              </a:ext>
+            </a:extLst>
+          </p:cNvPr>
+          <p:cNvSpPr>
+            <a:spLocks noChangeAspect="1"/>
+          </p:cNvSpPr>
+          <p:nvPr/>
+        </p:nvSpPr>
+        <p:spPr>
+          <a:xfrm rot="18971391">
+            <a:off x="2552974" y="1478998"/>
+            <a:ext cx="320040" cy="320040"/>
+          </a:xfrm>
+          <a:prstGeom prst="diamond">
+            <a:avLst/>
+          </a:prstGeom>
+          <a:solidFill>
+            <a:srgbClr val="0070C0"/>
+          </a:solidFill>
+          <a:ln>
+            <a:solidFill>
+              <a:schemeClr val="tx1"/>
+            </a:solidFill>
+          </a:ln>
+        </p:spPr>
+        <p:style>
+          <a:lnRef idx="1">
+            <a:schemeClr val="accent6"/>
+          </a:lnRef>
+          <a:fillRef idx="3">
+            <a:schemeClr val="accent6"/>
+          </a:fillRef>
+          <a:effectRef idx="2">
+            <a:schemeClr val="accent6"/>
+          </a:effectRef>
+          <a:fontRef idx="minor">
+            <a:schemeClr val="lt1"/>
+          </a:fontRef>
+        </p:style>
+        <p:txBody>
+          <a:bodyPr rtlCol="0" anchor="t">
+            <a:normAutofit fontScale="32500" lnSpcReduction="20000"/>
+          </a:bodyPr>
+          <a:lstStyle/>
+          <a:p>
+            <a:pPr algn="ctr"/>
+            <a:endParaRPr lang="en-US" sz="1600" dirty="0" err="1">
+              <a:solidFill>
+                <a:schemeClr val="tx1"/>
+              </a:solidFill>
+              <a:latin typeface="Arial" pitchFamily="34" charset="0"/>
+              <a:cs typeface="Arial" pitchFamily="34" charset="0"/>
+            </a:endParaRPr>
+          </a:p>
+        </p:txBody>
+      </p:sp>
+      <p:sp>
+        <p:nvSpPr>
+          <p:cNvPr id="171" name="Diamond 170">
+            <a:extLst>
+              <a:ext uri="{FF2B5EF4-FFF2-40B4-BE49-F238E27FC236}">
+                <a16:creationId xmlns:a16="http://schemas.microsoft.com/office/drawing/2014/main" id="{AD3070AB-73B7-B744-926B-08E823381CFF}"/>
+              </a:ext>
+            </a:extLst>
+          </p:cNvPr>
+          <p:cNvSpPr>
+            <a:spLocks noChangeAspect="1"/>
+          </p:cNvSpPr>
+          <p:nvPr/>
+        </p:nvSpPr>
+        <p:spPr>
+          <a:xfrm rot="18971391">
+            <a:off x="3305920" y="1478998"/>
+            <a:ext cx="320040" cy="320040"/>
+          </a:xfrm>
+          <a:prstGeom prst="diamond">
+            <a:avLst/>
+          </a:prstGeom>
+          <a:solidFill>
+            <a:srgbClr val="0070C0"/>
+          </a:solidFill>
+          <a:ln>
+            <a:solidFill>
+              <a:schemeClr val="tx1"/>
+            </a:solidFill>
+          </a:ln>
+        </p:spPr>
+        <p:style>
+          <a:lnRef idx="1">
+            <a:schemeClr val="accent6"/>
+          </a:lnRef>
+          <a:fillRef idx="3">
+            <a:schemeClr val="accent6"/>
+          </a:fillRef>
+          <a:effectRef idx="2">
+            <a:schemeClr val="accent6"/>
+          </a:effectRef>
+          <a:fontRef idx="minor">
+            <a:schemeClr val="lt1"/>
+          </a:fontRef>
+        </p:style>
+        <p:txBody>
+          <a:bodyPr rtlCol="0" anchor="t">
+            <a:normAutofit fontScale="32500" lnSpcReduction="20000"/>
+          </a:bodyPr>
+          <a:lstStyle/>
+          <a:p>
+            <a:pPr algn="ctr"/>
+            <a:endParaRPr lang="en-US" sz="1600" dirty="0" err="1">
+              <a:solidFill>
+                <a:schemeClr val="tx1"/>
+              </a:solidFill>
+              <a:latin typeface="Arial" pitchFamily="34" charset="0"/>
+              <a:cs typeface="Arial" pitchFamily="34" charset="0"/>
+            </a:endParaRPr>
+          </a:p>
+        </p:txBody>
+      </p:sp>
+      <p:sp>
+        <p:nvSpPr>
+          <p:cNvPr id="172" name="Diamond 171">
+            <a:extLst>
+              <a:ext uri="{FF2B5EF4-FFF2-40B4-BE49-F238E27FC236}">
+                <a16:creationId xmlns:a16="http://schemas.microsoft.com/office/drawing/2014/main" id="{F4CE22DD-7248-494E-849E-1149355DEA62}"/>
+              </a:ext>
+            </a:extLst>
+          </p:cNvPr>
+          <p:cNvSpPr>
+            <a:spLocks noChangeAspect="1"/>
+          </p:cNvSpPr>
+          <p:nvPr/>
+        </p:nvSpPr>
+        <p:spPr>
+          <a:xfrm rot="18971391">
+            <a:off x="3807884" y="1478998"/>
+            <a:ext cx="320040" cy="320040"/>
+          </a:xfrm>
+          <a:prstGeom prst="diamond">
+            <a:avLst/>
+          </a:prstGeom>
+          <a:solidFill>
+            <a:srgbClr val="0070C0"/>
+          </a:solidFill>
+          <a:ln>
+            <a:solidFill>
+              <a:schemeClr val="tx1"/>
+            </a:solidFill>
+          </a:ln>
+        </p:spPr>
+        <p:style>
+          <a:lnRef idx="1">
+            <a:schemeClr val="accent6"/>
+          </a:lnRef>
+          <a:fillRef idx="3">
+            <a:schemeClr val="accent6"/>
+          </a:fillRef>
+          <a:effectRef idx="2">
+            <a:schemeClr val="accent6"/>
+          </a:effectRef>
+          <a:fontRef idx="minor">
+            <a:schemeClr val="lt1"/>
+          </a:fontRef>
+        </p:style>
+        <p:txBody>
+          <a:bodyPr rtlCol="0" anchor="t">
+            <a:normAutofit fontScale="32500" lnSpcReduction="20000"/>
+          </a:bodyPr>
+          <a:lstStyle/>
+          <a:p>
+            <a:pPr algn="ctr"/>
+            <a:endParaRPr lang="en-US" sz="1600" dirty="0" err="1">
+              <a:solidFill>
+                <a:schemeClr val="tx1"/>
+              </a:solidFill>
+              <a:latin typeface="Arial" pitchFamily="34" charset="0"/>
+              <a:cs typeface="Arial" pitchFamily="34" charset="0"/>
+            </a:endParaRPr>
+          </a:p>
+        </p:txBody>
+      </p:sp>
+      <p:sp>
+        <p:nvSpPr>
+          <p:cNvPr id="173" name="Diamond 172">
+            <a:extLst>
+              <a:ext uri="{FF2B5EF4-FFF2-40B4-BE49-F238E27FC236}">
+                <a16:creationId xmlns:a16="http://schemas.microsoft.com/office/drawing/2014/main" id="{E25C73C0-0C56-0348-85FC-5E3B4F8C63CB}"/>
+              </a:ext>
+            </a:extLst>
+          </p:cNvPr>
+          <p:cNvSpPr>
+            <a:spLocks noChangeAspect="1"/>
+          </p:cNvSpPr>
+          <p:nvPr/>
+        </p:nvSpPr>
+        <p:spPr>
+          <a:xfrm rot="18971391">
+            <a:off x="4058866" y="1478998"/>
+            <a:ext cx="320040" cy="320040"/>
+          </a:xfrm>
+          <a:prstGeom prst="diamond">
+            <a:avLst/>
+          </a:prstGeom>
+          <a:solidFill>
+            <a:srgbClr val="0070C0"/>
+          </a:solidFill>
+          <a:ln>
+            <a:solidFill>
+              <a:schemeClr val="tx1"/>
+            </a:solidFill>
+          </a:ln>
+        </p:spPr>
+        <p:style>
+          <a:lnRef idx="1">
+            <a:schemeClr val="accent6"/>
+          </a:lnRef>
+          <a:fillRef idx="3">
+            <a:schemeClr val="accent6"/>
+          </a:fillRef>
+          <a:effectRef idx="2">
+            <a:schemeClr val="accent6"/>
+          </a:effectRef>
+          <a:fontRef idx="minor">
+            <a:schemeClr val="lt1"/>
+          </a:fontRef>
+        </p:style>
+        <p:txBody>
+          <a:bodyPr rtlCol="0" anchor="t">
+            <a:normAutofit fontScale="32500" lnSpcReduction="20000"/>
+          </a:bodyPr>
+          <a:lstStyle/>
+          <a:p>
+            <a:pPr algn="ctr"/>
+            <a:endParaRPr lang="en-US" sz="1600" dirty="0" err="1">
+              <a:solidFill>
+                <a:schemeClr val="tx1"/>
+              </a:solidFill>
+              <a:latin typeface="Arial" pitchFamily="34" charset="0"/>
+              <a:cs typeface="Arial" pitchFamily="34" charset="0"/>
+            </a:endParaRPr>
+          </a:p>
+        </p:txBody>
+      </p:sp>
+      <p:sp>
+        <p:nvSpPr>
+          <p:cNvPr id="174" name="Diamond 173">
+            <a:extLst>
+              <a:ext uri="{FF2B5EF4-FFF2-40B4-BE49-F238E27FC236}">
+                <a16:creationId xmlns:a16="http://schemas.microsoft.com/office/drawing/2014/main" id="{3F3FCF9F-51C6-8043-B0FB-3304C18F1778}"/>
+              </a:ext>
+            </a:extLst>
+          </p:cNvPr>
+          <p:cNvSpPr>
+            <a:spLocks noChangeAspect="1"/>
+          </p:cNvSpPr>
+          <p:nvPr/>
+        </p:nvSpPr>
+        <p:spPr>
+          <a:xfrm rot="18971391">
+            <a:off x="3556902" y="1478998"/>
+            <a:ext cx="320040" cy="320040"/>
+          </a:xfrm>
+          <a:prstGeom prst="diamond">
+            <a:avLst/>
+          </a:prstGeom>
+          <a:solidFill>
+            <a:srgbClr val="0070C0"/>
+          </a:solidFill>
+          <a:ln>
+            <a:solidFill>
+              <a:schemeClr val="tx1"/>
+            </a:solidFill>
+          </a:ln>
+        </p:spPr>
+        <p:style>
+          <a:lnRef idx="1">
+            <a:schemeClr val="accent6"/>
+          </a:lnRef>
+          <a:fillRef idx="3">
+            <a:schemeClr val="accent6"/>
+          </a:fillRef>
+          <a:effectRef idx="2">
+            <a:schemeClr val="accent6"/>
+          </a:effectRef>
+          <a:fontRef idx="minor">
+            <a:schemeClr val="lt1"/>
+          </a:fontRef>
+        </p:style>
+        <p:txBody>
+          <a:bodyPr rtlCol="0" anchor="t">
+            <a:normAutofit fontScale="32500" lnSpcReduction="20000"/>
+          </a:bodyPr>
+          <a:lstStyle/>
+          <a:p>
+            <a:pPr algn="ctr"/>
+            <a:endParaRPr lang="en-US" sz="1600" dirty="0" err="1">
+              <a:solidFill>
+                <a:schemeClr val="tx1"/>
+              </a:solidFill>
+              <a:latin typeface="Arial" pitchFamily="34" charset="0"/>
+              <a:cs typeface="Arial" pitchFamily="34" charset="0"/>
+            </a:endParaRPr>
+          </a:p>
+        </p:txBody>
+      </p:sp>
+      <p:sp>
+        <p:nvSpPr>
+          <p:cNvPr id="183" name="Rectangle 182">
+            <a:extLst>
+              <a:ext uri="{FF2B5EF4-FFF2-40B4-BE49-F238E27FC236}">
+                <a16:creationId xmlns:a16="http://schemas.microsoft.com/office/drawing/2014/main" id="{8B25D594-B5F9-2D4E-9C68-DAC02D3BA531}"/>
+              </a:ext>
+            </a:extLst>
+          </p:cNvPr>
+          <p:cNvSpPr/>
+          <p:nvPr/>
+        </p:nvSpPr>
+        <p:spPr>
+          <a:xfrm>
+            <a:off x="896805" y="3123458"/>
+            <a:ext cx="420482" cy="342900"/>
+          </a:xfrm>
+          <a:prstGeom prst="rect">
+            <a:avLst/>
+          </a:prstGeom>
+          <a:noFill/>
+          <a:ln>
+            <a:noFill/>
+          </a:ln>
+        </p:spPr>
+        <p:style>
+          <a:lnRef idx="2">
+            <a:schemeClr val="accent1">
+              <a:shade val="50000"/>
+            </a:schemeClr>
+          </a:lnRef>
+          <a:fillRef idx="1">
+            <a:schemeClr val="accent1"/>
+          </a:fillRef>
+          <a:effectRef idx="0">
+            <a:schemeClr val="accent1"/>
+          </a:effectRef>
+          <a:fontRef idx="minor">
+            <a:schemeClr val="lt1"/>
+          </a:fontRef>
+        </p:style>
+        <p:txBody>
+          <a:bodyPr rtlCol="0" anchor="ctr"/>
+          <a:lstStyle/>
+          <a:p>
+            <a:pPr algn="ctr"/>
+            <a:endParaRPr lang="en-US"/>
+          </a:p>
+        </p:txBody>
+      </p:sp>
+      <p:sp>
+        <p:nvSpPr>
+          <p:cNvPr id="188" name="Rectangle 187">
+            <a:extLst>
+              <a:ext uri="{FF2B5EF4-FFF2-40B4-BE49-F238E27FC236}">
+                <a16:creationId xmlns:a16="http://schemas.microsoft.com/office/drawing/2014/main" id="{590540D6-325D-8E47-A9BA-D2525D663307}"/>
+              </a:ext>
+            </a:extLst>
+          </p:cNvPr>
+          <p:cNvSpPr/>
+          <p:nvPr/>
+        </p:nvSpPr>
+        <p:spPr>
+          <a:xfrm>
+            <a:off x="1384632" y="3109886"/>
             <a:ext cx="420482" cy="342900"/>
           </a:xfrm>
           <a:prstGeom prst="rect">

--- a/VLDB2018/flattening.pptx
+++ b/VLDB2018/flattening.pptx
@@ -3332,14 +3332,14 @@
             </a:extLst>
           </p:cNvPr>
           <p:cNvSpPr>
-            <a:spLocks noChangeAspect="1"/>
+            <a:spLocks/>
           </p:cNvSpPr>
           <p:nvPr/>
         </p:nvSpPr>
         <p:spPr>
           <a:xfrm>
             <a:off x="220007" y="1466575"/>
-            <a:ext cx="5308784" cy="3317990"/>
+            <a:ext cx="5308784" cy="3840480"/>
           </a:xfrm>
           <a:prstGeom prst="roundRect">
             <a:avLst/>
@@ -3425,7 +3425,7 @@
           <a:p>
             <a:pPr algn="ctr"/>
             <a:r>
-              <a:rPr lang="en-US" sz="4400" b="1" dirty="0"/>
+              <a:rPr lang="en-US" sz="4400" dirty="0"/>
               <a:t>Active Segment</a:t>
             </a:r>
           </a:p>
@@ -3440,13 +3440,15 @@
               </a:ext>
             </a:extLst>
           </p:cNvPr>
-          <p:cNvSpPr/>
+          <p:cNvSpPr>
+            <a:spLocks/>
+          </p:cNvSpPr>
           <p:nvPr/>
         </p:nvSpPr>
         <p:spPr>
           <a:xfrm>
             <a:off x="1731717" y="1754207"/>
-            <a:ext cx="210312" cy="210312"/>
+            <a:ext cx="365760" cy="274320"/>
           </a:xfrm>
           <a:prstGeom prst="diamond">
             <a:avLst/>
@@ -3502,13 +3504,15 @@
               </a:ext>
             </a:extLst>
           </p:cNvPr>
-          <p:cNvSpPr/>
-          <p:nvPr/>
-        </p:nvSpPr>
-        <p:spPr>
-          <a:xfrm>
-            <a:off x="1731717" y="2024069"/>
-            <a:ext cx="210312" cy="210312"/>
+          <p:cNvSpPr>
+            <a:spLocks/>
+          </p:cNvSpPr>
+          <p:nvPr/>
+        </p:nvSpPr>
+        <p:spPr>
+          <a:xfrm>
+            <a:off x="1731717" y="2116669"/>
+            <a:ext cx="365760" cy="274320"/>
           </a:xfrm>
           <a:prstGeom prst="diamond">
             <a:avLst/>
@@ -3564,13 +3568,15 @@
               </a:ext>
             </a:extLst>
           </p:cNvPr>
-          <p:cNvSpPr/>
-          <p:nvPr/>
-        </p:nvSpPr>
-        <p:spPr>
-          <a:xfrm>
-            <a:off x="1731717" y="2308215"/>
-            <a:ext cx="210312" cy="210312"/>
+          <p:cNvSpPr>
+            <a:spLocks/>
+          </p:cNvSpPr>
+          <p:nvPr/>
+        </p:nvSpPr>
+        <p:spPr>
+          <a:xfrm>
+            <a:off x="1731717" y="2470265"/>
+            <a:ext cx="365760" cy="274320"/>
           </a:xfrm>
           <a:prstGeom prst="diamond">
             <a:avLst/>
@@ -3626,13 +3632,15 @@
               </a:ext>
             </a:extLst>
           </p:cNvPr>
-          <p:cNvSpPr/>
-          <p:nvPr/>
-        </p:nvSpPr>
-        <p:spPr>
-          <a:xfrm>
-            <a:off x="1731717" y="2562918"/>
-            <a:ext cx="210312" cy="210312"/>
+          <p:cNvSpPr>
+            <a:spLocks/>
+          </p:cNvSpPr>
+          <p:nvPr/>
+        </p:nvSpPr>
+        <p:spPr>
+          <a:xfrm>
+            <a:off x="1731717" y="2829143"/>
+            <a:ext cx="365760" cy="274320"/>
           </a:xfrm>
           <a:prstGeom prst="diamond">
             <a:avLst/>
@@ -3688,13 +3696,15 @@
               </a:ext>
             </a:extLst>
           </p:cNvPr>
-          <p:cNvSpPr/>
-          <p:nvPr/>
-        </p:nvSpPr>
-        <p:spPr>
-          <a:xfrm>
-            <a:off x="2163169" y="2562918"/>
-            <a:ext cx="210312" cy="210312"/>
+          <p:cNvSpPr>
+            <a:spLocks/>
+          </p:cNvSpPr>
+          <p:nvPr/>
+        </p:nvSpPr>
+        <p:spPr>
+          <a:xfrm>
+            <a:off x="2163169" y="2829143"/>
+            <a:ext cx="365760" cy="274320"/>
           </a:xfrm>
           <a:prstGeom prst="diamond">
             <a:avLst/>
@@ -3750,13 +3760,15 @@
               </a:ext>
             </a:extLst>
           </p:cNvPr>
-          <p:cNvSpPr/>
-          <p:nvPr/>
-        </p:nvSpPr>
-        <p:spPr>
-          <a:xfrm>
-            <a:off x="2594621" y="2562918"/>
-            <a:ext cx="210312" cy="210312"/>
+          <p:cNvSpPr>
+            <a:spLocks/>
+          </p:cNvSpPr>
+          <p:nvPr/>
+        </p:nvSpPr>
+        <p:spPr>
+          <a:xfrm>
+            <a:off x="2594621" y="2829143"/>
+            <a:ext cx="365760" cy="274320"/>
           </a:xfrm>
           <a:prstGeom prst="diamond">
             <a:avLst/>
@@ -3812,13 +3824,15 @@
               </a:ext>
             </a:extLst>
           </p:cNvPr>
-          <p:cNvSpPr/>
-          <p:nvPr/>
-        </p:nvSpPr>
-        <p:spPr>
-          <a:xfrm>
-            <a:off x="3026073" y="2562918"/>
-            <a:ext cx="210312" cy="210312"/>
+          <p:cNvSpPr>
+            <a:spLocks/>
+          </p:cNvSpPr>
+          <p:nvPr/>
+        </p:nvSpPr>
+        <p:spPr>
+          <a:xfrm>
+            <a:off x="3026073" y="2829143"/>
+            <a:ext cx="365760" cy="274320"/>
           </a:xfrm>
           <a:prstGeom prst="diamond">
             <a:avLst/>
@@ -3849,15 +3863,15 @@
           </a:fontRef>
         </p:style>
         <p:txBody>
-          <a:bodyPr rtlCol="0" anchor="t">
-            <a:normAutofit fontScale="25000" lnSpcReduction="20000"/>
+          <a:bodyPr lIns="0" tIns="0" rIns="0" bIns="0" rtlCol="0" anchor="t">
+            <a:noAutofit/>
           </a:bodyPr>
           <a:lstStyle/>
           <a:p>
             <a:pPr algn="ctr"/>
-            <a:endParaRPr lang="en-US" sz="1600" dirty="0" err="1">
+            <a:endParaRPr lang="en-US" sz="1600" dirty="0">
               <a:solidFill>
-                <a:schemeClr val="tx1"/>
+                <a:schemeClr val="bg1"/>
               </a:solidFill>
               <a:latin typeface="Arial" pitchFamily="34" charset="0"/>
               <a:cs typeface="Arial" pitchFamily="34" charset="0"/>
@@ -3874,13 +3888,15 @@
               </a:ext>
             </a:extLst>
           </p:cNvPr>
-          <p:cNvSpPr/>
-          <p:nvPr/>
-        </p:nvSpPr>
-        <p:spPr>
-          <a:xfrm>
-            <a:off x="3457525" y="2562918"/>
-            <a:ext cx="210312" cy="210312"/>
+          <p:cNvSpPr>
+            <a:spLocks/>
+          </p:cNvSpPr>
+          <p:nvPr/>
+        </p:nvSpPr>
+        <p:spPr>
+          <a:xfrm>
+            <a:off x="3457525" y="2829143"/>
+            <a:ext cx="365760" cy="274320"/>
           </a:xfrm>
           <a:prstGeom prst="diamond">
             <a:avLst/>
@@ -3936,13 +3952,15 @@
               </a:ext>
             </a:extLst>
           </p:cNvPr>
-          <p:cNvSpPr/>
-          <p:nvPr/>
-        </p:nvSpPr>
-        <p:spPr>
-          <a:xfrm>
-            <a:off x="3888977" y="2562918"/>
-            <a:ext cx="210312" cy="210312"/>
+          <p:cNvSpPr>
+            <a:spLocks/>
+          </p:cNvSpPr>
+          <p:nvPr/>
+        </p:nvSpPr>
+        <p:spPr>
+          <a:xfrm>
+            <a:off x="3888977" y="2829143"/>
+            <a:ext cx="365760" cy="274320"/>
           </a:xfrm>
           <a:prstGeom prst="diamond">
             <a:avLst/>
@@ -3998,13 +4016,15 @@
               </a:ext>
             </a:extLst>
           </p:cNvPr>
-          <p:cNvSpPr/>
-          <p:nvPr/>
-        </p:nvSpPr>
-        <p:spPr>
-          <a:xfrm>
-            <a:off x="2594621" y="2308215"/>
-            <a:ext cx="210312" cy="210312"/>
+          <p:cNvSpPr>
+            <a:spLocks/>
+          </p:cNvSpPr>
+          <p:nvPr/>
+        </p:nvSpPr>
+        <p:spPr>
+          <a:xfrm>
+            <a:off x="2594621" y="2470265"/>
+            <a:ext cx="365760" cy="274320"/>
           </a:xfrm>
           <a:prstGeom prst="diamond">
             <a:avLst/>
@@ -4060,13 +4080,15 @@
               </a:ext>
             </a:extLst>
           </p:cNvPr>
-          <p:cNvSpPr/>
-          <p:nvPr/>
-        </p:nvSpPr>
-        <p:spPr>
-          <a:xfrm>
-            <a:off x="3457525" y="2308215"/>
-            <a:ext cx="210312" cy="210312"/>
+          <p:cNvSpPr>
+            <a:spLocks/>
+          </p:cNvSpPr>
+          <p:nvPr/>
+        </p:nvSpPr>
+        <p:spPr>
+          <a:xfrm>
+            <a:off x="3457525" y="2470265"/>
+            <a:ext cx="365760" cy="274320"/>
           </a:xfrm>
           <a:prstGeom prst="diamond">
             <a:avLst/>
@@ -4122,13 +4144,15 @@
               </a:ext>
             </a:extLst>
           </p:cNvPr>
-          <p:cNvSpPr/>
+          <p:cNvSpPr>
+            <a:spLocks/>
+          </p:cNvSpPr>
           <p:nvPr/>
         </p:nvSpPr>
         <p:spPr>
           <a:xfrm>
             <a:off x="4320429" y="1754207"/>
-            <a:ext cx="210312" cy="210312"/>
+            <a:ext cx="365760" cy="274320"/>
           </a:xfrm>
           <a:prstGeom prst="diamond">
             <a:avLst/>
@@ -4184,13 +4208,15 @@
               </a:ext>
             </a:extLst>
           </p:cNvPr>
-          <p:cNvSpPr/>
-          <p:nvPr/>
-        </p:nvSpPr>
-        <p:spPr>
-          <a:xfrm>
-            <a:off x="4320429" y="2024069"/>
-            <a:ext cx="210312" cy="210312"/>
+          <p:cNvSpPr>
+            <a:spLocks/>
+          </p:cNvSpPr>
+          <p:nvPr/>
+        </p:nvSpPr>
+        <p:spPr>
+          <a:xfrm>
+            <a:off x="4320429" y="2116669"/>
+            <a:ext cx="365760" cy="274320"/>
           </a:xfrm>
           <a:prstGeom prst="diamond">
             <a:avLst/>
@@ -4246,13 +4272,15 @@
               </a:ext>
             </a:extLst>
           </p:cNvPr>
-          <p:cNvSpPr/>
-          <p:nvPr/>
-        </p:nvSpPr>
-        <p:spPr>
-          <a:xfrm>
-            <a:off x="4320429" y="2308215"/>
-            <a:ext cx="210312" cy="210312"/>
+          <p:cNvSpPr>
+            <a:spLocks/>
+          </p:cNvSpPr>
+          <p:nvPr/>
+        </p:nvSpPr>
+        <p:spPr>
+          <a:xfrm>
+            <a:off x="4320429" y="2470265"/>
+            <a:ext cx="365760" cy="274320"/>
           </a:xfrm>
           <a:prstGeom prst="diamond">
             <a:avLst/>
@@ -4308,13 +4336,15 @@
               </a:ext>
             </a:extLst>
           </p:cNvPr>
-          <p:cNvSpPr/>
-          <p:nvPr/>
-        </p:nvSpPr>
-        <p:spPr>
-          <a:xfrm>
-            <a:off x="4320429" y="2562918"/>
-            <a:ext cx="210312" cy="210312"/>
+          <p:cNvSpPr>
+            <a:spLocks/>
+          </p:cNvSpPr>
+          <p:nvPr/>
+        </p:nvSpPr>
+        <p:spPr>
+          <a:xfrm>
+            <a:off x="4320429" y="2829143"/>
+            <a:ext cx="365760" cy="274320"/>
           </a:xfrm>
           <a:prstGeom prst="diamond">
             <a:avLst/>
@@ -4370,13 +4400,15 @@
               </a:ext>
             </a:extLst>
           </p:cNvPr>
-          <p:cNvSpPr/>
-          <p:nvPr/>
-        </p:nvSpPr>
-        <p:spPr>
-          <a:xfrm>
-            <a:off x="3457525" y="2024069"/>
-            <a:ext cx="210312" cy="210312"/>
+          <p:cNvSpPr>
+            <a:spLocks/>
+          </p:cNvSpPr>
+          <p:nvPr/>
+        </p:nvSpPr>
+        <p:spPr>
+          <a:xfrm>
+            <a:off x="3457525" y="2116669"/>
+            <a:ext cx="365760" cy="274320"/>
           </a:xfrm>
           <a:prstGeom prst="diamond">
             <a:avLst/>
@@ -4433,6 +4465,7 @@
             </a:extLst>
           </p:cNvPr>
           <p:cNvCxnSpPr>
+            <a:cxnSpLocks/>
             <a:stCxn id="18" idx="3"/>
             <a:endCxn id="29" idx="1"/>
           </p:cNvCxnSpPr>
@@ -4440,8 +4473,8 @@
         </p:nvCxnSpPr>
         <p:spPr>
           <a:xfrm>
-            <a:off x="1942029" y="1859363"/>
-            <a:ext cx="2378400" cy="0"/>
+            <a:off x="2097477" y="1891367"/>
+            <a:ext cx="2222952" cy="0"/>
           </a:xfrm>
           <a:prstGeom prst="straightConnector1">
             <a:avLst/>
@@ -4487,8 +4520,8 @@
         </p:nvCxnSpPr>
         <p:spPr>
           <a:xfrm>
-            <a:off x="1942029" y="2129225"/>
-            <a:ext cx="1515496" cy="0"/>
+            <a:off x="2097477" y="2253829"/>
+            <a:ext cx="1360048" cy="0"/>
           </a:xfrm>
           <a:prstGeom prst="straightConnector1">
             <a:avLst/>
@@ -4526,6 +4559,7 @@
             </a:extLst>
           </p:cNvPr>
           <p:cNvCxnSpPr>
+            <a:cxnSpLocks/>
             <a:stCxn id="18" idx="2"/>
             <a:endCxn id="19" idx="0"/>
           </p:cNvCxnSpPr>
@@ -4533,8 +4567,8 @@
         </p:nvCxnSpPr>
         <p:spPr>
           <a:xfrm>
-            <a:off x="1836873" y="1964519"/>
-            <a:ext cx="0" cy="59550"/>
+            <a:off x="1914597" y="2028527"/>
+            <a:ext cx="0" cy="88142"/>
           </a:xfrm>
           <a:prstGeom prst="line">
             <a:avLst/>
@@ -4572,6 +4606,7 @@
             </a:extLst>
           </p:cNvPr>
           <p:cNvCxnSpPr>
+            <a:cxnSpLocks/>
             <a:stCxn id="19" idx="2"/>
             <a:endCxn id="20" idx="0"/>
           </p:cNvCxnSpPr>
@@ -4579,8 +4614,8 @@
         </p:nvCxnSpPr>
         <p:spPr>
           <a:xfrm>
-            <a:off x="1836873" y="2234381"/>
-            <a:ext cx="0" cy="73834"/>
+            <a:off x="1914597" y="2390989"/>
+            <a:ext cx="0" cy="79276"/>
           </a:xfrm>
           <a:prstGeom prst="line">
             <a:avLst/>
@@ -4618,6 +4653,7 @@
             </a:extLst>
           </p:cNvPr>
           <p:cNvCxnSpPr>
+            <a:cxnSpLocks/>
             <a:stCxn id="20" idx="2"/>
             <a:endCxn id="21" idx="0"/>
           </p:cNvCxnSpPr>
@@ -4625,8 +4661,8 @@
         </p:nvCxnSpPr>
         <p:spPr>
           <a:xfrm>
-            <a:off x="1836873" y="2518527"/>
-            <a:ext cx="0" cy="44391"/>
+            <a:off x="1914597" y="2744585"/>
+            <a:ext cx="0" cy="84558"/>
           </a:xfrm>
           <a:prstGeom prst="line">
             <a:avLst/>
@@ -4672,8 +4708,8 @@
         </p:nvCxnSpPr>
         <p:spPr>
           <a:xfrm>
-            <a:off x="4425585" y="1964519"/>
-            <a:ext cx="0" cy="59550"/>
+            <a:off x="4503309" y="2028527"/>
+            <a:ext cx="0" cy="88142"/>
           </a:xfrm>
           <a:prstGeom prst="line">
             <a:avLst/>
@@ -4711,6 +4747,7 @@
             </a:extLst>
           </p:cNvPr>
           <p:cNvCxnSpPr>
+            <a:cxnSpLocks/>
             <a:stCxn id="33" idx="2"/>
             <a:endCxn id="28" idx="0"/>
           </p:cNvCxnSpPr>
@@ -4718,8 +4755,8 @@
         </p:nvCxnSpPr>
         <p:spPr>
           <a:xfrm>
-            <a:off x="3562681" y="2234381"/>
-            <a:ext cx="0" cy="73834"/>
+            <a:off x="3640405" y="2390989"/>
+            <a:ext cx="0" cy="79276"/>
           </a:xfrm>
           <a:prstGeom prst="line">
             <a:avLst/>
@@ -4765,8 +4802,8 @@
         </p:nvCxnSpPr>
         <p:spPr>
           <a:xfrm>
-            <a:off x="4425585" y="2234381"/>
-            <a:ext cx="0" cy="73834"/>
+            <a:off x="4503309" y="2390989"/>
+            <a:ext cx="0" cy="79276"/>
           </a:xfrm>
           <a:prstGeom prst="line">
             <a:avLst/>
@@ -4812,8 +4849,8 @@
         </p:nvCxnSpPr>
         <p:spPr>
           <a:xfrm>
-            <a:off x="3562681" y="2518527"/>
-            <a:ext cx="0" cy="44391"/>
+            <a:off x="3640405" y="2744585"/>
+            <a:ext cx="0" cy="84558"/>
           </a:xfrm>
           <a:prstGeom prst="line">
             <a:avLst/>
@@ -4859,8 +4896,8 @@
         </p:nvCxnSpPr>
         <p:spPr>
           <a:xfrm>
-            <a:off x="2699777" y="2518527"/>
-            <a:ext cx="0" cy="44391"/>
+            <a:off x="2777501" y="2744585"/>
+            <a:ext cx="0" cy="84558"/>
           </a:xfrm>
           <a:prstGeom prst="line">
             <a:avLst/>
@@ -4898,6 +4935,7 @@
             </a:extLst>
           </p:cNvPr>
           <p:cNvCxnSpPr>
+            <a:cxnSpLocks/>
             <a:stCxn id="31" idx="2"/>
             <a:endCxn id="32" idx="0"/>
           </p:cNvCxnSpPr>
@@ -4905,8 +4943,8 @@
         </p:nvCxnSpPr>
         <p:spPr>
           <a:xfrm>
-            <a:off x="4425585" y="2518527"/>
-            <a:ext cx="0" cy="44391"/>
+            <a:off x="4503309" y="2744585"/>
+            <a:ext cx="0" cy="84558"/>
           </a:xfrm>
           <a:prstGeom prst="line">
             <a:avLst/>
@@ -4952,8 +4990,8 @@
         </p:nvCxnSpPr>
         <p:spPr>
           <a:xfrm>
-            <a:off x="3667837" y="2129225"/>
-            <a:ext cx="652592" cy="0"/>
+            <a:off x="3823285" y="2253829"/>
+            <a:ext cx="497144" cy="0"/>
           </a:xfrm>
           <a:prstGeom prst="straightConnector1">
             <a:avLst/>
@@ -4998,8 +5036,8 @@
         </p:nvCxnSpPr>
         <p:spPr>
           <a:xfrm>
-            <a:off x="1942029" y="2413371"/>
-            <a:ext cx="652592" cy="0"/>
+            <a:off x="2097477" y="2607425"/>
+            <a:ext cx="497144" cy="0"/>
           </a:xfrm>
           <a:prstGeom prst="straightConnector1">
             <a:avLst/>
@@ -5044,8 +5082,8 @@
         </p:nvCxnSpPr>
         <p:spPr>
           <a:xfrm>
-            <a:off x="2804933" y="2413371"/>
-            <a:ext cx="652592" cy="0"/>
+            <a:off x="2960381" y="2607425"/>
+            <a:ext cx="497144" cy="0"/>
           </a:xfrm>
           <a:prstGeom prst="straightConnector1">
             <a:avLst/>
@@ -5091,8 +5129,8 @@
         </p:nvCxnSpPr>
         <p:spPr>
           <a:xfrm>
-            <a:off x="3667837" y="2413371"/>
-            <a:ext cx="652592" cy="0"/>
+            <a:off x="3823285" y="2607425"/>
+            <a:ext cx="497144" cy="0"/>
           </a:xfrm>
           <a:prstGeom prst="straightConnector1">
             <a:avLst/>
@@ -5137,8 +5175,8 @@
         </p:nvCxnSpPr>
         <p:spPr>
           <a:xfrm>
-            <a:off x="1942029" y="2668074"/>
-            <a:ext cx="221140" cy="0"/>
+            <a:off x="2097477" y="2966303"/>
+            <a:ext cx="65692" cy="0"/>
           </a:xfrm>
           <a:prstGeom prst="straightConnector1">
             <a:avLst/>
@@ -5183,8 +5221,8 @@
         </p:nvCxnSpPr>
         <p:spPr>
           <a:xfrm>
-            <a:off x="2373481" y="2668074"/>
-            <a:ext cx="221140" cy="0"/>
+            <a:off x="2528929" y="2966303"/>
+            <a:ext cx="65692" cy="0"/>
           </a:xfrm>
           <a:prstGeom prst="straightConnector1">
             <a:avLst/>
@@ -5222,6 +5260,7 @@
             </a:extLst>
           </p:cNvPr>
           <p:cNvCxnSpPr>
+            <a:cxnSpLocks/>
             <a:stCxn id="23" idx="3"/>
             <a:endCxn id="24" idx="1"/>
           </p:cNvCxnSpPr>
@@ -5229,8 +5268,8 @@
         </p:nvCxnSpPr>
         <p:spPr>
           <a:xfrm>
-            <a:off x="2804933" y="2668074"/>
-            <a:ext cx="221140" cy="0"/>
+            <a:off x="2960381" y="2966303"/>
+            <a:ext cx="65692" cy="0"/>
           </a:xfrm>
           <a:prstGeom prst="straightConnector1">
             <a:avLst/>
@@ -5268,6 +5307,7 @@
             </a:extLst>
           </p:cNvPr>
           <p:cNvCxnSpPr>
+            <a:cxnSpLocks/>
             <a:stCxn id="24" idx="3"/>
             <a:endCxn id="25" idx="1"/>
           </p:cNvCxnSpPr>
@@ -5275,8 +5315,8 @@
         </p:nvCxnSpPr>
         <p:spPr>
           <a:xfrm>
-            <a:off x="3236385" y="2668074"/>
-            <a:ext cx="221140" cy="0"/>
+            <a:off x="3391833" y="2966303"/>
+            <a:ext cx="65692" cy="0"/>
           </a:xfrm>
           <a:prstGeom prst="straightConnector1">
             <a:avLst/>
@@ -5322,8 +5362,8 @@
         </p:nvCxnSpPr>
         <p:spPr>
           <a:xfrm>
-            <a:off x="3667837" y="2668074"/>
-            <a:ext cx="221140" cy="0"/>
+            <a:off x="3823285" y="2966303"/>
+            <a:ext cx="65692" cy="0"/>
           </a:xfrm>
           <a:prstGeom prst="straightConnector1">
             <a:avLst/>
@@ -5368,8 +5408,8 @@
         </p:nvCxnSpPr>
         <p:spPr>
           <a:xfrm>
-            <a:off x="4099289" y="2668074"/>
-            <a:ext cx="221140" cy="0"/>
+            <a:off x="4254737" y="2966303"/>
+            <a:ext cx="65692" cy="0"/>
           </a:xfrm>
           <a:prstGeom prst="straightConnector1">
             <a:avLst/>
@@ -5414,8 +5454,8 @@
         </p:nvCxnSpPr>
         <p:spPr>
           <a:xfrm flipH="1">
-            <a:off x="1397421" y="2773230"/>
-            <a:ext cx="870904" cy="435070"/>
+            <a:off x="1731717" y="3103463"/>
+            <a:ext cx="614332" cy="288661"/>
           </a:xfrm>
           <a:prstGeom prst="straightConnector1">
             <a:avLst/>
@@ -5459,8 +5499,8 @@
         </p:nvCxnSpPr>
         <p:spPr>
           <a:xfrm flipH="1">
-            <a:off x="920550" y="2773230"/>
-            <a:ext cx="916323" cy="435070"/>
+            <a:off x="1076447" y="3103463"/>
+            <a:ext cx="838150" cy="288661"/>
           </a:xfrm>
           <a:prstGeom prst="straightConnector1">
             <a:avLst/>
@@ -5499,13 +5539,14 @@
           <p:cNvCxnSpPr>
             <a:cxnSpLocks/>
             <a:stCxn id="23" idx="2"/>
+            <a:endCxn id="248" idx="0"/>
           </p:cNvCxnSpPr>
           <p:nvPr/>
         </p:nvCxnSpPr>
         <p:spPr>
           <a:xfrm flipH="1">
-            <a:off x="2328073" y="2773230"/>
-            <a:ext cx="371704" cy="453918"/>
+            <a:off x="2309589" y="3103463"/>
+            <a:ext cx="467912" cy="288661"/>
           </a:xfrm>
           <a:prstGeom prst="straightConnector1">
             <a:avLst/>
@@ -5550,8 +5591,8 @@
         </p:nvCxnSpPr>
         <p:spPr>
           <a:xfrm flipH="1">
-            <a:off x="2887460" y="2773230"/>
-            <a:ext cx="243769" cy="440204"/>
+            <a:off x="2846920" y="3103463"/>
+            <a:ext cx="362033" cy="306746"/>
           </a:xfrm>
           <a:prstGeom prst="straightConnector1">
             <a:avLst/>
@@ -5590,13 +5631,14 @@
           <p:cNvCxnSpPr>
             <a:cxnSpLocks/>
             <a:stCxn id="25" idx="2"/>
+            <a:endCxn id="247" idx="0"/>
           </p:cNvCxnSpPr>
           <p:nvPr/>
         </p:nvCxnSpPr>
         <p:spPr>
-          <a:xfrm>
-            <a:off x="3562681" y="2773230"/>
-            <a:ext cx="1047" cy="424474"/>
+          <a:xfrm flipH="1">
+            <a:off x="3535005" y="3103463"/>
+            <a:ext cx="105400" cy="306746"/>
           </a:xfrm>
           <a:prstGeom prst="straightConnector1">
             <a:avLst/>
@@ -5640,8 +5682,8 @@
         </p:nvCxnSpPr>
         <p:spPr>
           <a:xfrm>
-            <a:off x="3994133" y="2773230"/>
-            <a:ext cx="216667" cy="424474"/>
+            <a:off x="4071857" y="3103463"/>
+            <a:ext cx="152902" cy="311108"/>
           </a:xfrm>
           <a:prstGeom prst="straightConnector1">
             <a:avLst/>
@@ -5668,51 +5710,6 @@
           </a:fontRef>
         </p:style>
       </p:cxnSp>
-      <p:cxnSp>
-        <p:nvCxnSpPr>
-          <p:cNvPr id="70" name="Straight Arrow Connector 69">
-            <a:extLst>
-              <a:ext uri="{FF2B5EF4-FFF2-40B4-BE49-F238E27FC236}">
-                <a16:creationId xmlns:a16="http://schemas.microsoft.com/office/drawing/2014/main" id="{0EE6E9CB-19E6-C44A-A492-94F0F99CCD67}"/>
-              </a:ext>
-            </a:extLst>
-          </p:cNvPr>
-          <p:cNvCxnSpPr>
-            <a:cxnSpLocks/>
-            <a:stCxn id="32" idx="2"/>
-          </p:cNvCxnSpPr>
-          <p:nvPr/>
-        </p:nvCxnSpPr>
-        <p:spPr>
-          <a:xfrm>
-            <a:off x="4425585" y="2773230"/>
-            <a:ext cx="642679" cy="435070"/>
-          </a:xfrm>
-          <a:prstGeom prst="straightConnector1">
-            <a:avLst/>
-          </a:prstGeom>
-          <a:ln w="38100">
-            <a:solidFill>
-              <a:srgbClr val="000000"/>
-            </a:solidFill>
-            <a:tailEnd type="arrow"/>
-          </a:ln>
-        </p:spPr>
-        <p:style>
-          <a:lnRef idx="1">
-            <a:schemeClr val="accent1"/>
-          </a:lnRef>
-          <a:fillRef idx="0">
-            <a:schemeClr val="accent1"/>
-          </a:fillRef>
-          <a:effectRef idx="0">
-            <a:schemeClr val="accent1"/>
-          </a:effectRef>
-          <a:fontRef idx="minor">
-            <a:schemeClr val="tx1"/>
-          </a:fontRef>
-        </p:style>
-      </p:cxnSp>
       <p:sp>
         <p:nvSpPr>
           <p:cNvPr id="79" name="Rounded Rectangle 78">
@@ -5723,14 +5720,14 @@
             </a:extLst>
           </p:cNvPr>
           <p:cNvSpPr>
-            <a:spLocks noChangeAspect="1"/>
+            <a:spLocks/>
           </p:cNvSpPr>
           <p:nvPr/>
         </p:nvSpPr>
         <p:spPr>
           <a:xfrm>
             <a:off x="6327502" y="1464716"/>
-            <a:ext cx="5308784" cy="3317990"/>
+            <a:ext cx="5308784" cy="3840480"/>
           </a:xfrm>
           <a:prstGeom prst="roundRect">
             <a:avLst/>
@@ -5797,7 +5794,7 @@
         </p:nvSpPr>
         <p:spPr>
           <a:xfrm>
-            <a:off x="8014409" y="1986345"/>
+            <a:off x="8118584" y="2113670"/>
             <a:ext cx="2033183" cy="914400"/>
           </a:xfrm>
           <a:prstGeom prst="rect">
@@ -5817,7 +5814,7 @@
             <a:pPr algn="ctr"/>
             <a:r>
               <a:rPr lang="en-US" sz="2400" b="1" dirty="0"/>
-              <a:t>Ordered array</a:t>
+              <a:t>Ordered Array</a:t>
             </a:r>
           </a:p>
         </p:txBody>
@@ -5836,8 +5833,8 @@
         </p:nvSpPr>
         <p:spPr>
           <a:xfrm>
-            <a:off x="423040" y="3213434"/>
-            <a:ext cx="4928839" cy="1358566"/>
+            <a:off x="484311" y="3410209"/>
+            <a:ext cx="4725218" cy="1645920"/>
           </a:xfrm>
           <a:prstGeom prst="rect">
             <a:avLst/>
@@ -5893,8 +5890,8 @@
         </p:nvSpPr>
         <p:spPr>
           <a:xfrm>
-            <a:off x="6509397" y="3213434"/>
-            <a:ext cx="4928839" cy="1358566"/>
+            <a:off x="6646968" y="3410209"/>
+            <a:ext cx="4649923" cy="1645920"/>
           </a:xfrm>
           <a:prstGeom prst="rect">
             <a:avLst/>
@@ -5950,8 +5947,8 @@
         </p:nvSpPr>
         <p:spPr>
           <a:xfrm>
-            <a:off x="436440" y="1689592"/>
-            <a:ext cx="4928839" cy="1232028"/>
+            <a:off x="497711" y="1712741"/>
+            <a:ext cx="4725218" cy="1448109"/>
           </a:xfrm>
           <a:prstGeom prst="rect">
             <a:avLst/>
@@ -6008,7 +6005,7 @@
         </p:nvSpPr>
         <p:spPr>
           <a:xfrm rot="18971391">
-            <a:off x="8359095" y="2457481"/>
+            <a:off x="8359095" y="2526931"/>
             <a:ext cx="246888" cy="246888"/>
           </a:xfrm>
           <a:prstGeom prst="diamond">
@@ -6056,23 +6053,23 @@
       </p:sp>
       <p:cxnSp>
         <p:nvCxnSpPr>
-          <p:cNvPr id="203" name="Straight Arrow Connector 202">
-            <a:extLst>
-              <a:ext uri="{FF2B5EF4-FFF2-40B4-BE49-F238E27FC236}">
-                <a16:creationId xmlns:a16="http://schemas.microsoft.com/office/drawing/2014/main" id="{2EAD6762-F5E4-5E4D-84B2-DACB9D691FCE}"/>
+          <p:cNvPr id="204" name="Straight Arrow Connector 203">
+            <a:extLst>
+              <a:ext uri="{FF2B5EF4-FFF2-40B4-BE49-F238E27FC236}">
+                <a16:creationId xmlns:a16="http://schemas.microsoft.com/office/drawing/2014/main" id="{3D93965E-9518-A84E-BF0D-2129A62B67C4}"/>
               </a:ext>
             </a:extLst>
           </p:cNvPr>
           <p:cNvCxnSpPr>
             <a:cxnSpLocks/>
-            <a:stCxn id="212" idx="2"/>
+            <a:stCxn id="177" idx="1"/>
           </p:cNvCxnSpPr>
           <p:nvPr/>
         </p:nvCxnSpPr>
         <p:spPr>
           <a:xfrm flipH="1">
-            <a:off x="7505690" y="2670007"/>
-            <a:ext cx="1237767" cy="520436"/>
+            <a:off x="7051945" y="2735832"/>
+            <a:ext cx="1341512" cy="656292"/>
           </a:xfrm>
           <a:prstGeom prst="straightConnector1">
             <a:avLst/>
@@ -6101,23 +6098,24 @@
       </p:cxnSp>
       <p:cxnSp>
         <p:nvCxnSpPr>
-          <p:cNvPr id="204" name="Straight Arrow Connector 203">
-            <a:extLst>
-              <a:ext uri="{FF2B5EF4-FFF2-40B4-BE49-F238E27FC236}">
-                <a16:creationId xmlns:a16="http://schemas.microsoft.com/office/drawing/2014/main" id="{3D93965E-9518-A84E-BF0D-2129A62B67C4}"/>
+          <p:cNvPr id="205" name="Straight Arrow Connector 204">
+            <a:extLst>
+              <a:ext uri="{FF2B5EF4-FFF2-40B4-BE49-F238E27FC236}">
+                <a16:creationId xmlns:a16="http://schemas.microsoft.com/office/drawing/2014/main" id="{609FEF21-1633-9C45-9843-161EC63C470B}"/>
               </a:ext>
             </a:extLst>
           </p:cNvPr>
           <p:cNvCxnSpPr>
             <a:cxnSpLocks/>
-            <a:stCxn id="177" idx="1"/>
+            <a:stCxn id="210" idx="2"/>
+            <a:endCxn id="249" idx="0"/>
           </p:cNvCxnSpPr>
           <p:nvPr/>
         </p:nvCxnSpPr>
         <p:spPr>
           <a:xfrm flipH="1">
-            <a:off x="7028817" y="2666382"/>
-            <a:ext cx="1364640" cy="524061"/>
+            <a:off x="8372452" y="2739457"/>
+            <a:ext cx="546466" cy="670752"/>
           </a:xfrm>
           <a:prstGeom prst="straightConnector1">
             <a:avLst/>
@@ -6146,23 +6144,24 @@
       </p:cxnSp>
       <p:cxnSp>
         <p:nvCxnSpPr>
-          <p:cNvPr id="205" name="Straight Arrow Connector 204">
-            <a:extLst>
-              <a:ext uri="{FF2B5EF4-FFF2-40B4-BE49-F238E27FC236}">
-                <a16:creationId xmlns:a16="http://schemas.microsoft.com/office/drawing/2014/main" id="{609FEF21-1633-9C45-9843-161EC63C470B}"/>
+          <p:cNvPr id="206" name="Straight Arrow Connector 205">
+            <a:extLst>
+              <a:ext uri="{FF2B5EF4-FFF2-40B4-BE49-F238E27FC236}">
+                <a16:creationId xmlns:a16="http://schemas.microsoft.com/office/drawing/2014/main" id="{BB9C85B4-571B-BD4B-A070-D91785DE77F1}"/>
               </a:ext>
             </a:extLst>
           </p:cNvPr>
           <p:cNvCxnSpPr>
             <a:cxnSpLocks/>
-            <a:stCxn id="210" idx="2"/>
+            <a:stCxn id="213" idx="1"/>
+            <a:endCxn id="153" idx="0"/>
           </p:cNvCxnSpPr>
           <p:nvPr/>
         </p:nvCxnSpPr>
         <p:spPr>
           <a:xfrm flipH="1">
-            <a:off x="8436339" y="2670007"/>
-            <a:ext cx="482579" cy="539284"/>
+            <a:off x="8971930" y="2735832"/>
+            <a:ext cx="123371" cy="674377"/>
           </a:xfrm>
           <a:prstGeom prst="straightConnector1">
             <a:avLst/>
@@ -6191,23 +6190,24 @@
       </p:cxnSp>
       <p:cxnSp>
         <p:nvCxnSpPr>
-          <p:cNvPr id="206" name="Straight Arrow Connector 205">
-            <a:extLst>
-              <a:ext uri="{FF2B5EF4-FFF2-40B4-BE49-F238E27FC236}">
-                <a16:creationId xmlns:a16="http://schemas.microsoft.com/office/drawing/2014/main" id="{BB9C85B4-571B-BD4B-A070-D91785DE77F1}"/>
+          <p:cNvPr id="207" name="Straight Arrow Connector 206">
+            <a:extLst>
+              <a:ext uri="{FF2B5EF4-FFF2-40B4-BE49-F238E27FC236}">
+                <a16:creationId xmlns:a16="http://schemas.microsoft.com/office/drawing/2014/main" id="{530460FD-B49A-6441-B04E-454DF3E5FF17}"/>
               </a:ext>
             </a:extLst>
           </p:cNvPr>
           <p:cNvCxnSpPr>
             <a:cxnSpLocks/>
-            <a:stCxn id="213" idx="1"/>
+            <a:stCxn id="216" idx="1"/>
+            <a:endCxn id="246" idx="0"/>
           </p:cNvCxnSpPr>
           <p:nvPr/>
         </p:nvCxnSpPr>
         <p:spPr>
-          <a:xfrm flipH="1">
-            <a:off x="8995727" y="2666382"/>
-            <a:ext cx="99574" cy="529195"/>
+          <a:xfrm>
+            <a:off x="9270762" y="2735832"/>
+            <a:ext cx="232126" cy="674377"/>
           </a:xfrm>
           <a:prstGeom prst="straightConnector1">
             <a:avLst/>
@@ -6236,23 +6236,23 @@
       </p:cxnSp>
       <p:cxnSp>
         <p:nvCxnSpPr>
-          <p:cNvPr id="207" name="Straight Arrow Connector 206">
-            <a:extLst>
-              <a:ext uri="{FF2B5EF4-FFF2-40B4-BE49-F238E27FC236}">
-                <a16:creationId xmlns:a16="http://schemas.microsoft.com/office/drawing/2014/main" id="{530460FD-B49A-6441-B04E-454DF3E5FF17}"/>
+          <p:cNvPr id="208" name="Straight Arrow Connector 207">
+            <a:extLst>
+              <a:ext uri="{FF2B5EF4-FFF2-40B4-BE49-F238E27FC236}">
+                <a16:creationId xmlns:a16="http://schemas.microsoft.com/office/drawing/2014/main" id="{B0F21332-AAC5-BA48-BB5D-06FF9AD316BD}"/>
               </a:ext>
             </a:extLst>
           </p:cNvPr>
           <p:cNvCxnSpPr>
             <a:cxnSpLocks/>
-            <a:stCxn id="216" idx="1"/>
+            <a:stCxn id="214" idx="2"/>
           </p:cNvCxnSpPr>
           <p:nvPr/>
         </p:nvCxnSpPr>
         <p:spPr>
           <a:xfrm>
-            <a:off x="9270762" y="2666382"/>
-            <a:ext cx="266489" cy="513465"/>
+            <a:off x="9620762" y="2739457"/>
+            <a:ext cx="584008" cy="670752"/>
           </a:xfrm>
           <a:prstGeom prst="straightConnector1">
             <a:avLst/>
@@ -6281,23 +6281,23 @@
       </p:cxnSp>
       <p:cxnSp>
         <p:nvCxnSpPr>
-          <p:cNvPr id="208" name="Straight Arrow Connector 207">
-            <a:extLst>
-              <a:ext uri="{FF2B5EF4-FFF2-40B4-BE49-F238E27FC236}">
-                <a16:creationId xmlns:a16="http://schemas.microsoft.com/office/drawing/2014/main" id="{B0F21332-AAC5-BA48-BB5D-06FF9AD316BD}"/>
+          <p:cNvPr id="209" name="Straight Arrow Connector 208">
+            <a:extLst>
+              <a:ext uri="{FF2B5EF4-FFF2-40B4-BE49-F238E27FC236}">
+                <a16:creationId xmlns:a16="http://schemas.microsoft.com/office/drawing/2014/main" id="{BE477BA6-F4DD-FA46-A858-BA7895D4381B}"/>
               </a:ext>
             </a:extLst>
           </p:cNvPr>
           <p:cNvCxnSpPr>
             <a:cxnSpLocks/>
-            <a:stCxn id="214" idx="2"/>
+            <a:stCxn id="215" idx="2"/>
           </p:cNvCxnSpPr>
           <p:nvPr/>
         </p:nvCxnSpPr>
         <p:spPr>
           <a:xfrm>
-            <a:off x="9620762" y="2670007"/>
-            <a:ext cx="426830" cy="509840"/>
+            <a:off x="9796222" y="2739457"/>
+            <a:ext cx="1167646" cy="652667"/>
           </a:xfrm>
           <a:prstGeom prst="straightConnector1">
             <a:avLst/>
@@ -6324,51 +6324,6 @@
           </a:fontRef>
         </p:style>
       </p:cxnSp>
-      <p:cxnSp>
-        <p:nvCxnSpPr>
-          <p:cNvPr id="209" name="Straight Arrow Connector 208">
-            <a:extLst>
-              <a:ext uri="{FF2B5EF4-FFF2-40B4-BE49-F238E27FC236}">
-                <a16:creationId xmlns:a16="http://schemas.microsoft.com/office/drawing/2014/main" id="{BE477BA6-F4DD-FA46-A858-BA7895D4381B}"/>
-              </a:ext>
-            </a:extLst>
-          </p:cNvPr>
-          <p:cNvCxnSpPr>
-            <a:cxnSpLocks/>
-            <a:stCxn id="215" idx="2"/>
-          </p:cNvCxnSpPr>
-          <p:nvPr/>
-        </p:nvCxnSpPr>
-        <p:spPr>
-          <a:xfrm>
-            <a:off x="9796222" y="2670007"/>
-            <a:ext cx="927793" cy="520436"/>
-          </a:xfrm>
-          <a:prstGeom prst="straightConnector1">
-            <a:avLst/>
-          </a:prstGeom>
-          <a:ln w="38100">
-            <a:solidFill>
-              <a:srgbClr val="000000"/>
-            </a:solidFill>
-            <a:tailEnd type="arrow"/>
-          </a:ln>
-        </p:spPr>
-        <p:style>
-          <a:lnRef idx="1">
-            <a:schemeClr val="accent1"/>
-          </a:lnRef>
-          <a:fillRef idx="0">
-            <a:schemeClr val="accent1"/>
-          </a:fillRef>
-          <a:effectRef idx="0">
-            <a:schemeClr val="accent1"/>
-          </a:effectRef>
-          <a:fontRef idx="minor">
-            <a:schemeClr val="tx1"/>
-          </a:fontRef>
-        </p:style>
-      </p:cxnSp>
       <p:sp>
         <p:nvSpPr>
           <p:cNvPr id="210" name="Diamond 209">
@@ -6385,7 +6340,7 @@
         </p:nvSpPr>
         <p:spPr>
           <a:xfrm rot="18971391">
-            <a:off x="8710017" y="2457481"/>
+            <a:off x="8710017" y="2526931"/>
             <a:ext cx="246888" cy="246888"/>
           </a:xfrm>
           <a:prstGeom prst="diamond">
@@ -6447,7 +6402,7 @@
         </p:nvSpPr>
         <p:spPr>
           <a:xfrm rot="18971391">
-            <a:off x="8885478" y="2457481"/>
+            <a:off x="8885478" y="2526931"/>
             <a:ext cx="246888" cy="246888"/>
           </a:xfrm>
           <a:prstGeom prst="diamond">
@@ -6509,7 +6464,7 @@
         </p:nvSpPr>
         <p:spPr>
           <a:xfrm rot="18971391">
-            <a:off x="8534556" y="2457481"/>
+            <a:off x="8534556" y="2526931"/>
             <a:ext cx="246888" cy="246888"/>
           </a:xfrm>
           <a:prstGeom prst="diamond">
@@ -6571,7 +6526,7 @@
         </p:nvSpPr>
         <p:spPr>
           <a:xfrm rot="18971391">
-            <a:off x="9060939" y="2457481"/>
+            <a:off x="9060939" y="2526931"/>
             <a:ext cx="246888" cy="246888"/>
           </a:xfrm>
           <a:prstGeom prst="diamond">
@@ -6633,7 +6588,7 @@
         </p:nvSpPr>
         <p:spPr>
           <a:xfrm rot="18971391">
-            <a:off x="9411861" y="2457481"/>
+            <a:off x="9411861" y="2526931"/>
             <a:ext cx="246888" cy="246888"/>
           </a:xfrm>
           <a:prstGeom prst="diamond">
@@ -6695,7 +6650,7 @@
         </p:nvSpPr>
         <p:spPr>
           <a:xfrm rot="18971391">
-            <a:off x="9587321" y="2457481"/>
+            <a:off x="9587321" y="2526931"/>
             <a:ext cx="246888" cy="246888"/>
           </a:xfrm>
           <a:prstGeom prst="diamond">
@@ -6757,7 +6712,7 @@
         </p:nvSpPr>
         <p:spPr>
           <a:xfrm rot="18971391">
-            <a:off x="9236400" y="2457481"/>
+            <a:off x="9236400" y="2526931"/>
             <a:ext cx="246888" cy="246888"/>
           </a:xfrm>
           <a:prstGeom prst="diamond">
@@ -6817,8 +6772,8 @@
         </p:nvSpPr>
         <p:spPr>
           <a:xfrm>
-            <a:off x="6509397" y="1686701"/>
-            <a:ext cx="4928839" cy="1232028"/>
+            <a:off x="6646968" y="1709850"/>
+            <a:ext cx="4649923" cy="1451292"/>
           </a:xfrm>
           <a:prstGeom prst="rect">
             <a:avLst/>
@@ -6892,12 +6847,444 @@
           <a:p>
             <a:pPr algn="ctr"/>
             <a:r>
-              <a:rPr lang="en-US" sz="4400" b="1" dirty="0"/>
+              <a:rPr lang="en-US" sz="4400" dirty="0"/>
               <a:t>Flat Segment</a:t>
             </a:r>
           </a:p>
         </p:txBody>
       </p:sp>
+      <p:sp>
+        <p:nvSpPr>
+          <p:cNvPr id="246" name="Rectangle 245">
+            <a:extLst>
+              <a:ext uri="{FF2B5EF4-FFF2-40B4-BE49-F238E27FC236}">
+                <a16:creationId xmlns:a16="http://schemas.microsoft.com/office/drawing/2014/main" id="{6C5B0329-73E3-8947-A940-F3E5BF31F541}"/>
+              </a:ext>
+            </a:extLst>
+          </p:cNvPr>
+          <p:cNvSpPr/>
+          <p:nvPr/>
+        </p:nvSpPr>
+        <p:spPr>
+          <a:xfrm>
+            <a:off x="9234584" y="3410209"/>
+            <a:ext cx="536608" cy="462987"/>
+          </a:xfrm>
+          <a:prstGeom prst="rect">
+            <a:avLst/>
+          </a:prstGeom>
+          <a:noFill/>
+          <a:ln>
+            <a:noFill/>
+          </a:ln>
+        </p:spPr>
+        <p:style>
+          <a:lnRef idx="2">
+            <a:schemeClr val="accent1">
+              <a:shade val="50000"/>
+            </a:schemeClr>
+          </a:lnRef>
+          <a:fillRef idx="1">
+            <a:schemeClr val="accent1"/>
+          </a:fillRef>
+          <a:effectRef idx="0">
+            <a:schemeClr val="accent1"/>
+          </a:effectRef>
+          <a:fontRef idx="minor">
+            <a:schemeClr val="lt1"/>
+          </a:fontRef>
+        </p:style>
+        <p:txBody>
+          <a:bodyPr rtlCol="0" anchor="ctr"/>
+          <a:lstStyle/>
+          <a:p>
+            <a:pPr algn="ctr"/>
+            <a:endParaRPr lang="en-US"/>
+          </a:p>
+        </p:txBody>
+      </p:sp>
+      <p:sp>
+        <p:nvSpPr>
+          <p:cNvPr id="247" name="Rectangle 246">
+            <a:extLst>
+              <a:ext uri="{FF2B5EF4-FFF2-40B4-BE49-F238E27FC236}">
+                <a16:creationId xmlns:a16="http://schemas.microsoft.com/office/drawing/2014/main" id="{FC5F1975-83F6-3246-9B82-D35204B3F4AA}"/>
+              </a:ext>
+            </a:extLst>
+          </p:cNvPr>
+          <p:cNvSpPr/>
+          <p:nvPr/>
+        </p:nvSpPr>
+        <p:spPr>
+          <a:xfrm>
+            <a:off x="3266701" y="3410209"/>
+            <a:ext cx="536608" cy="462987"/>
+          </a:xfrm>
+          <a:prstGeom prst="rect">
+            <a:avLst/>
+          </a:prstGeom>
+          <a:noFill/>
+          <a:ln>
+            <a:noFill/>
+          </a:ln>
+        </p:spPr>
+        <p:style>
+          <a:lnRef idx="2">
+            <a:schemeClr val="accent1">
+              <a:shade val="50000"/>
+            </a:schemeClr>
+          </a:lnRef>
+          <a:fillRef idx="1">
+            <a:schemeClr val="accent1"/>
+          </a:fillRef>
+          <a:effectRef idx="0">
+            <a:schemeClr val="accent1"/>
+          </a:effectRef>
+          <a:fontRef idx="minor">
+            <a:schemeClr val="lt1"/>
+          </a:fontRef>
+        </p:style>
+        <p:txBody>
+          <a:bodyPr rtlCol="0" anchor="ctr"/>
+          <a:lstStyle/>
+          <a:p>
+            <a:pPr algn="ctr"/>
+            <a:endParaRPr lang="en-US"/>
+          </a:p>
+        </p:txBody>
+      </p:sp>
+      <p:sp>
+        <p:nvSpPr>
+          <p:cNvPr id="248" name="Rectangle 247">
+            <a:extLst>
+              <a:ext uri="{FF2B5EF4-FFF2-40B4-BE49-F238E27FC236}">
+                <a16:creationId xmlns:a16="http://schemas.microsoft.com/office/drawing/2014/main" id="{364FE965-DF58-C143-98FD-B3E92B8C7CEC}"/>
+              </a:ext>
+            </a:extLst>
+          </p:cNvPr>
+          <p:cNvSpPr/>
+          <p:nvPr/>
+        </p:nvSpPr>
+        <p:spPr>
+          <a:xfrm>
+            <a:off x="2041285" y="3392124"/>
+            <a:ext cx="536608" cy="462987"/>
+          </a:xfrm>
+          <a:prstGeom prst="rect">
+            <a:avLst/>
+          </a:prstGeom>
+          <a:noFill/>
+          <a:ln>
+            <a:noFill/>
+          </a:ln>
+        </p:spPr>
+        <p:style>
+          <a:lnRef idx="2">
+            <a:schemeClr val="accent1">
+              <a:shade val="50000"/>
+            </a:schemeClr>
+          </a:lnRef>
+          <a:fillRef idx="1">
+            <a:schemeClr val="accent1"/>
+          </a:fillRef>
+          <a:effectRef idx="0">
+            <a:schemeClr val="accent1"/>
+          </a:effectRef>
+          <a:fontRef idx="minor">
+            <a:schemeClr val="lt1"/>
+          </a:fontRef>
+        </p:style>
+        <p:txBody>
+          <a:bodyPr rtlCol="0" anchor="ctr"/>
+          <a:lstStyle/>
+          <a:p>
+            <a:pPr algn="ctr"/>
+            <a:endParaRPr lang="en-US"/>
+          </a:p>
+        </p:txBody>
+      </p:sp>
+      <p:sp>
+        <p:nvSpPr>
+          <p:cNvPr id="249" name="Rectangle 248">
+            <a:extLst>
+              <a:ext uri="{FF2B5EF4-FFF2-40B4-BE49-F238E27FC236}">
+                <a16:creationId xmlns:a16="http://schemas.microsoft.com/office/drawing/2014/main" id="{963D3DBC-C39F-144F-8B67-03E6C7595025}"/>
+              </a:ext>
+            </a:extLst>
+          </p:cNvPr>
+          <p:cNvSpPr/>
+          <p:nvPr/>
+        </p:nvSpPr>
+        <p:spPr>
+          <a:xfrm>
+            <a:off x="8104148" y="3410209"/>
+            <a:ext cx="536608" cy="462987"/>
+          </a:xfrm>
+          <a:prstGeom prst="rect">
+            <a:avLst/>
+          </a:prstGeom>
+          <a:noFill/>
+          <a:ln>
+            <a:noFill/>
+          </a:ln>
+        </p:spPr>
+        <p:style>
+          <a:lnRef idx="2">
+            <a:schemeClr val="accent1">
+              <a:shade val="50000"/>
+            </a:schemeClr>
+          </a:lnRef>
+          <a:fillRef idx="1">
+            <a:schemeClr val="accent1"/>
+          </a:fillRef>
+          <a:effectRef idx="0">
+            <a:schemeClr val="accent1"/>
+          </a:effectRef>
+          <a:fontRef idx="minor">
+            <a:schemeClr val="lt1"/>
+          </a:fontRef>
+        </p:style>
+        <p:txBody>
+          <a:bodyPr rtlCol="0" anchor="ctr"/>
+          <a:lstStyle/>
+          <a:p>
+            <a:pPr algn="ctr"/>
+            <a:endParaRPr lang="en-US"/>
+          </a:p>
+        </p:txBody>
+      </p:sp>
+      <p:sp>
+        <p:nvSpPr>
+          <p:cNvPr id="308" name="Rectangle 307">
+            <a:extLst>
+              <a:ext uri="{FF2B5EF4-FFF2-40B4-BE49-F238E27FC236}">
+                <a16:creationId xmlns:a16="http://schemas.microsoft.com/office/drawing/2014/main" id="{B72F5C36-AED3-E84C-878E-3C6B4ECD733A}"/>
+              </a:ext>
+            </a:extLst>
+          </p:cNvPr>
+          <p:cNvSpPr/>
+          <p:nvPr/>
+        </p:nvSpPr>
+        <p:spPr>
+          <a:xfrm>
+            <a:off x="3640405" y="3972161"/>
+            <a:ext cx="1476912" cy="479512"/>
+          </a:xfrm>
+          <a:prstGeom prst="rect">
+            <a:avLst/>
+          </a:prstGeom>
+        </p:spPr>
+        <p:style>
+          <a:lnRef idx="2">
+            <a:schemeClr val="accent1">
+              <a:shade val="50000"/>
+            </a:schemeClr>
+          </a:lnRef>
+          <a:fillRef idx="1">
+            <a:schemeClr val="accent1"/>
+          </a:fillRef>
+          <a:effectRef idx="0">
+            <a:schemeClr val="accent1"/>
+          </a:effectRef>
+          <a:fontRef idx="minor">
+            <a:schemeClr val="lt1"/>
+          </a:fontRef>
+        </p:style>
+        <p:txBody>
+          <a:bodyPr rtlCol="0" anchor="ctr"/>
+          <a:lstStyle/>
+          <a:p>
+            <a:pPr algn="ctr"/>
+            <a:r>
+              <a:rPr lang="en-US" b="1" dirty="0"/>
+              <a:t>K</a:t>
+            </a:r>
+            <a:r>
+              <a:rPr lang="en-US" dirty="0"/>
+              <a:t> | </a:t>
+            </a:r>
+            <a:r>
+              <a:rPr lang="en-US" b="1" dirty="0"/>
+              <a:t>V</a:t>
+            </a:r>
+            <a:r>
+              <a:rPr lang="en-US" dirty="0"/>
+              <a:t> | </a:t>
+            </a:r>
+            <a:r>
+              <a:rPr lang="en-US" b="1" dirty="0" err="1"/>
+              <a:t>ts</a:t>
+            </a:r>
+            <a:r>
+              <a:rPr lang="en-US" b="1" dirty="0"/>
+              <a:t>=2</a:t>
+            </a:r>
+          </a:p>
+        </p:txBody>
+      </p:sp>
+      <p:sp>
+        <p:nvSpPr>
+          <p:cNvPr id="312" name="Rectangle 311">
+            <a:extLst>
+              <a:ext uri="{FF2B5EF4-FFF2-40B4-BE49-F238E27FC236}">
+                <a16:creationId xmlns:a16="http://schemas.microsoft.com/office/drawing/2014/main" id="{41A110A2-1673-384E-9795-3F9193AD5D47}"/>
+              </a:ext>
+            </a:extLst>
+          </p:cNvPr>
+          <p:cNvSpPr/>
+          <p:nvPr/>
+        </p:nvSpPr>
+        <p:spPr>
+          <a:xfrm>
+            <a:off x="7907317" y="3987955"/>
+            <a:ext cx="1476912" cy="479512"/>
+          </a:xfrm>
+          <a:prstGeom prst="rect">
+            <a:avLst/>
+          </a:prstGeom>
+        </p:spPr>
+        <p:style>
+          <a:lnRef idx="2">
+            <a:schemeClr val="accent1">
+              <a:shade val="50000"/>
+            </a:schemeClr>
+          </a:lnRef>
+          <a:fillRef idx="1">
+            <a:schemeClr val="accent1"/>
+          </a:fillRef>
+          <a:effectRef idx="0">
+            <a:schemeClr val="accent1"/>
+          </a:effectRef>
+          <a:fontRef idx="minor">
+            <a:schemeClr val="lt1"/>
+          </a:fontRef>
+        </p:style>
+        <p:txBody>
+          <a:bodyPr rtlCol="0" anchor="ctr"/>
+          <a:lstStyle/>
+          <a:p>
+            <a:pPr algn="ctr"/>
+            <a:r>
+              <a:rPr lang="en-US" b="1" dirty="0"/>
+              <a:t>K</a:t>
+            </a:r>
+            <a:r>
+              <a:rPr lang="en-US" dirty="0"/>
+              <a:t> | </a:t>
+            </a:r>
+            <a:r>
+              <a:rPr lang="en-US" b="1" dirty="0"/>
+              <a:t>V</a:t>
+            </a:r>
+            <a:r>
+              <a:rPr lang="en-US" dirty="0"/>
+              <a:t> | </a:t>
+            </a:r>
+            <a:r>
+              <a:rPr lang="en-US" b="1" dirty="0" err="1"/>
+              <a:t>ts</a:t>
+            </a:r>
+            <a:r>
+              <a:rPr lang="en-US" b="1" dirty="0"/>
+              <a:t>=1</a:t>
+            </a:r>
+          </a:p>
+        </p:txBody>
+      </p:sp>
+      <p:cxnSp>
+        <p:nvCxnSpPr>
+          <p:cNvPr id="316" name="Curved Connector 315">
+            <a:extLst>
+              <a:ext uri="{FF2B5EF4-FFF2-40B4-BE49-F238E27FC236}">
+                <a16:creationId xmlns:a16="http://schemas.microsoft.com/office/drawing/2014/main" id="{27E8FB41-7FB8-1B45-95C4-8BF2FD9D4591}"/>
+              </a:ext>
+            </a:extLst>
+          </p:cNvPr>
+          <p:cNvCxnSpPr>
+            <a:stCxn id="32" idx="2"/>
+            <a:endCxn id="308" idx="0"/>
+          </p:cNvCxnSpPr>
+          <p:nvPr/>
+        </p:nvCxnSpPr>
+        <p:spPr>
+          <a:xfrm rot="5400000">
+            <a:off x="4006736" y="3475588"/>
+            <a:ext cx="868698" cy="124448"/>
+          </a:xfrm>
+          <a:prstGeom prst="curvedConnector3">
+            <a:avLst/>
+          </a:prstGeom>
+          <a:ln w="38100">
+            <a:solidFill>
+              <a:schemeClr val="tx1"/>
+            </a:solidFill>
+            <a:tailEnd type="arrow"/>
+          </a:ln>
+        </p:spPr>
+        <p:style>
+          <a:lnRef idx="1">
+            <a:schemeClr val="accent1"/>
+          </a:lnRef>
+          <a:fillRef idx="0">
+            <a:schemeClr val="accent1"/>
+          </a:fillRef>
+          <a:effectRef idx="0">
+            <a:schemeClr val="accent1"/>
+          </a:effectRef>
+          <a:fontRef idx="minor">
+            <a:schemeClr val="tx1"/>
+          </a:fontRef>
+        </p:style>
+      </p:cxnSp>
+      <p:cxnSp>
+        <p:nvCxnSpPr>
+          <p:cNvPr id="317" name="Curved Connector 316">
+            <a:extLst>
+              <a:ext uri="{FF2B5EF4-FFF2-40B4-BE49-F238E27FC236}">
+                <a16:creationId xmlns:a16="http://schemas.microsoft.com/office/drawing/2014/main" id="{DEC9321D-0049-3340-8C65-D51E8031891D}"/>
+              </a:ext>
+            </a:extLst>
+          </p:cNvPr>
+          <p:cNvCxnSpPr>
+            <a:cxnSpLocks/>
+            <a:stCxn id="212" idx="1"/>
+            <a:endCxn id="312" idx="0"/>
+          </p:cNvCxnSpPr>
+          <p:nvPr/>
+        </p:nvCxnSpPr>
+        <p:spPr>
+          <a:xfrm rot="10800000" flipH="1" flipV="1">
+            <a:off x="8568917" y="2735831"/>
+            <a:ext cx="76855" cy="1252123"/>
+          </a:xfrm>
+          <a:prstGeom prst="curvedConnector4">
+            <a:avLst>
+              <a:gd name="adj1" fmla="val -553470"/>
+              <a:gd name="adj2" fmla="val 70930"/>
+            </a:avLst>
+          </a:prstGeom>
+          <a:ln w="38100">
+            <a:solidFill>
+              <a:schemeClr val="tx1"/>
+            </a:solidFill>
+            <a:tailEnd type="arrow"/>
+          </a:ln>
+        </p:spPr>
+        <p:style>
+          <a:lnRef idx="1">
+            <a:schemeClr val="accent1"/>
+          </a:lnRef>
+          <a:fillRef idx="0">
+            <a:schemeClr val="accent1"/>
+          </a:fillRef>
+          <a:effectRef idx="0">
+            <a:schemeClr val="accent1"/>
+          </a:effectRef>
+          <a:fontRef idx="minor">
+            <a:schemeClr val="tx1"/>
+          </a:fontRef>
+        </p:style>
+      </p:cxnSp>
     </p:spTree>
     <p:extLst>
       <p:ext uri="{BB962C8B-B14F-4D97-AF65-F5344CB8AC3E}">
@@ -6945,7 +7332,7 @@
         <p:spPr>
           <a:xfrm>
             <a:off x="67480" y="1052121"/>
-            <a:ext cx="5943600" cy="3317990"/>
+            <a:ext cx="5943600" cy="3931920"/>
           </a:xfrm>
           <a:prstGeom prst="roundRect">
             <a:avLst/>
@@ -7051,8 +7438,8 @@
         </p:nvSpPr>
         <p:spPr>
           <a:xfrm>
-            <a:off x="249375" y="2102483"/>
-            <a:ext cx="5516777" cy="2056922"/>
+            <a:off x="249375" y="2287682"/>
+            <a:ext cx="5516777" cy="2420113"/>
           </a:xfrm>
           <a:prstGeom prst="rect">
             <a:avLst/>
@@ -7172,8 +7559,8 @@
         </p:nvSpPr>
         <p:spPr>
           <a:xfrm>
-            <a:off x="1091227" y="2282744"/>
-            <a:ext cx="475488" cy="353567"/>
+            <a:off x="952330" y="2467944"/>
+            <a:ext cx="548640" cy="353567"/>
           </a:xfrm>
           <a:prstGeom prst="ellipse">
             <a:avLst/>
@@ -7223,8 +7610,8 @@
         </p:nvSpPr>
         <p:spPr>
           <a:xfrm>
-            <a:off x="1697576" y="2282744"/>
-            <a:ext cx="475488" cy="353567"/>
+            <a:off x="1635844" y="2467944"/>
+            <a:ext cx="548640" cy="353567"/>
           </a:xfrm>
           <a:prstGeom prst="ellipse">
             <a:avLst/>
@@ -7274,8 +7661,8 @@
         </p:nvSpPr>
         <p:spPr>
           <a:xfrm>
-            <a:off x="3516623" y="2282744"/>
-            <a:ext cx="475488" cy="353567"/>
+            <a:off x="3686386" y="2467944"/>
+            <a:ext cx="548640" cy="353567"/>
           </a:xfrm>
           <a:prstGeom prst="ellipse">
             <a:avLst/>
@@ -7325,8 +7712,8 @@
         </p:nvSpPr>
         <p:spPr>
           <a:xfrm>
-            <a:off x="4122972" y="2282744"/>
-            <a:ext cx="475488" cy="353567"/>
+            <a:off x="4369900" y="2467944"/>
+            <a:ext cx="548640" cy="353567"/>
           </a:xfrm>
           <a:prstGeom prst="ellipse">
             <a:avLst/>
@@ -7376,8 +7763,8 @@
         </p:nvSpPr>
         <p:spPr>
           <a:xfrm>
-            <a:off x="4729320" y="2282744"/>
-            <a:ext cx="475488" cy="353567"/>
+            <a:off x="5053414" y="2467944"/>
+            <a:ext cx="548640" cy="353567"/>
           </a:xfrm>
           <a:prstGeom prst="ellipse">
             <a:avLst/>
@@ -7427,8 +7814,8 @@
         </p:nvSpPr>
         <p:spPr>
           <a:xfrm>
-            <a:off x="2910274" y="2282744"/>
-            <a:ext cx="475488" cy="353567"/>
+            <a:off x="3002872" y="2467944"/>
+            <a:ext cx="548640" cy="353567"/>
           </a:xfrm>
           <a:prstGeom prst="ellipse">
             <a:avLst/>
@@ -7478,8 +7865,8 @@
         </p:nvSpPr>
         <p:spPr>
           <a:xfrm>
-            <a:off x="2303925" y="2282744"/>
-            <a:ext cx="475488" cy="353567"/>
+            <a:off x="2319358" y="2467944"/>
+            <a:ext cx="548640" cy="353567"/>
           </a:xfrm>
           <a:prstGeom prst="ellipse">
             <a:avLst/>
@@ -7527,7 +7914,7 @@
         </p:nvSpPr>
         <p:spPr>
           <a:xfrm>
-            <a:off x="825480" y="3099696"/>
+            <a:off x="767605" y="3423796"/>
             <a:ext cx="3610979" cy="446049"/>
           </a:xfrm>
           <a:prstGeom prst="rect">
@@ -7576,7 +7963,7 @@
         </p:nvSpPr>
         <p:spPr>
           <a:xfrm>
-            <a:off x="1384632" y="3635508"/>
+            <a:off x="1361482" y="4086933"/>
             <a:ext cx="3657600" cy="446049"/>
           </a:xfrm>
           <a:prstGeom prst="rect">
@@ -7625,7 +8012,7 @@
         </p:nvSpPr>
         <p:spPr>
           <a:xfrm>
-            <a:off x="4641072" y="3099695"/>
+            <a:off x="4583197" y="3423795"/>
             <a:ext cx="1037063" cy="446049"/>
           </a:xfrm>
           <a:prstGeom prst="rect">
@@ -7677,9 +8064,9 @@
           <p:nvPr/>
         </p:nvCxnSpPr>
         <p:spPr>
-          <a:xfrm rot="5400000">
-            <a:off x="974436" y="2768922"/>
-            <a:ext cx="487147" cy="221925"/>
+          <a:xfrm rot="16200000" flipH="1">
+            <a:off x="917485" y="3130676"/>
+            <a:ext cx="626047" cy="7716"/>
           </a:xfrm>
           <a:prstGeom prst="curvedConnector3">
             <a:avLst>
@@ -7726,8 +8113,8 @@
         </p:nvCxnSpPr>
         <p:spPr>
           <a:xfrm rot="16200000" flipH="1">
-            <a:off x="3922119" y="1862210"/>
-            <a:ext cx="463384" cy="2011586"/>
+            <a:off x="3888318" y="2210384"/>
+            <a:ext cx="602284" cy="1824537"/>
           </a:xfrm>
           <a:prstGeom prst="curvedConnector3">
             <a:avLst/>
@@ -7772,12 +8159,12 @@
         </p:nvCxnSpPr>
         <p:spPr>
           <a:xfrm rot="16200000" flipH="1">
-            <a:off x="2074778" y="2496853"/>
-            <a:ext cx="999197" cy="1278112"/>
+            <a:off x="1917512" y="2814163"/>
+            <a:ext cx="1265422" cy="1280118"/>
           </a:xfrm>
           <a:prstGeom prst="curvedConnector3">
             <a:avLst>
-              <a:gd name="adj1" fmla="val 50000"/>
+              <a:gd name="adj1" fmla="val 75611"/>
             </a:avLst>
           </a:prstGeom>
           <a:ln w="25400">
@@ -7819,7 +8206,7 @@
         <p:spPr>
           <a:xfrm>
             <a:off x="6160168" y="1052121"/>
-            <a:ext cx="5943600" cy="3317990"/>
+            <a:ext cx="5943600" cy="3931920"/>
           </a:xfrm>
           <a:prstGeom prst="roundRect">
             <a:avLst/>
@@ -7925,8 +8312,8 @@
         </p:nvSpPr>
         <p:spPr>
           <a:xfrm>
-            <a:off x="6371205" y="2084925"/>
-            <a:ext cx="5542641" cy="2074480"/>
+            <a:off x="6371205" y="2270124"/>
+            <a:ext cx="5542641" cy="2440771"/>
           </a:xfrm>
           <a:prstGeom prst="rect">
             <a:avLst/>
@@ -8044,7 +8431,7 @@
         </p:nvSpPr>
         <p:spPr>
           <a:xfrm>
-            <a:off x="7089618" y="3099696"/>
+            <a:off x="7031743" y="3423796"/>
             <a:ext cx="3610979" cy="446049"/>
           </a:xfrm>
           <a:prstGeom prst="rect">
@@ -8093,7 +8480,7 @@
         </p:nvSpPr>
         <p:spPr>
           <a:xfrm>
-            <a:off x="7620208" y="3635508"/>
+            <a:off x="7747533" y="4086933"/>
             <a:ext cx="3657600" cy="446049"/>
           </a:xfrm>
           <a:prstGeom prst="rect">
@@ -8139,13 +8526,15 @@
           </p:cNvPr>
           <p:cNvCxnSpPr>
             <a:cxnSpLocks/>
+            <a:stCxn id="201" idx="2"/>
+            <a:endCxn id="199" idx="0"/>
           </p:cNvCxnSpPr>
           <p:nvPr/>
         </p:nvCxnSpPr>
         <p:spPr>
           <a:xfrm rot="16200000" flipH="1">
-            <a:off x="9770107" y="2409743"/>
-            <a:ext cx="1731590" cy="719940"/>
+            <a:off x="9508612" y="2540304"/>
+            <a:ext cx="2215654" cy="913556"/>
           </a:xfrm>
           <a:prstGeom prst="curvedConnector3">
             <a:avLst>
@@ -8192,8 +8581,8 @@
         </p:nvCxnSpPr>
         <p:spPr>
           <a:xfrm rot="5400000">
-            <a:off x="8573048" y="849392"/>
-            <a:ext cx="1276356" cy="3252800"/>
+            <a:off x="8382061" y="982505"/>
+            <a:ext cx="1600456" cy="3310675"/>
           </a:xfrm>
           <a:prstGeom prst="curvedConnector3">
             <a:avLst>
@@ -8233,14 +8622,15 @@
           </p:cNvPr>
           <p:cNvCxnSpPr>
             <a:cxnSpLocks/>
+            <a:stCxn id="195" idx="2"/>
             <a:endCxn id="114" idx="0"/>
           </p:cNvCxnSpPr>
           <p:nvPr/>
         </p:nvCxnSpPr>
         <p:spPr>
           <a:xfrm rot="5400000">
-            <a:off x="9128738" y="2223307"/>
-            <a:ext cx="1732471" cy="1091930"/>
+            <a:off x="8962713" y="2476309"/>
+            <a:ext cx="2224244" cy="997004"/>
           </a:xfrm>
           <a:prstGeom prst="curvedConnector3">
             <a:avLst>
@@ -8287,8 +8677,8 @@
         </p:nvCxnSpPr>
         <p:spPr>
           <a:xfrm rot="5400000">
-            <a:off x="1831484" y="2399700"/>
-            <a:ext cx="473575" cy="946796"/>
+            <a:off x="1759101" y="2599408"/>
+            <a:ext cx="612475" cy="1056680"/>
           </a:xfrm>
           <a:prstGeom prst="curvedConnector3">
             <a:avLst>
@@ -8329,13 +8719,14 @@
           <p:cNvCxnSpPr>
             <a:cxnSpLocks/>
             <a:stCxn id="72" idx="4"/>
+            <a:endCxn id="197" idx="0"/>
           </p:cNvCxnSpPr>
           <p:nvPr/>
         </p:nvCxnSpPr>
         <p:spPr>
-          <a:xfrm rot="16200000" flipH="1">
-            <a:off x="3291507" y="3099171"/>
-            <a:ext cx="999199" cy="73478"/>
+          <a:xfrm rot="5400000">
+            <a:off x="3173536" y="3299551"/>
+            <a:ext cx="1265211" cy="309131"/>
           </a:xfrm>
           <a:prstGeom prst="curvedConnector3">
             <a:avLst>
@@ -8629,13 +9020,14 @@
           <p:cNvCxnSpPr>
             <a:cxnSpLocks/>
             <a:stCxn id="73" idx="4"/>
+            <a:endCxn id="3" idx="0"/>
           </p:cNvCxnSpPr>
           <p:nvPr/>
         </p:nvCxnSpPr>
         <p:spPr>
           <a:xfrm rot="5400000">
-            <a:off x="4049635" y="2788612"/>
-            <a:ext cx="463382" cy="158781"/>
+            <a:off x="3307516" y="2087091"/>
+            <a:ext cx="602285" cy="2071125"/>
           </a:xfrm>
           <a:prstGeom prst="curvedConnector3">
             <a:avLst>
@@ -8676,17 +9068,18 @@
           <p:cNvCxnSpPr>
             <a:cxnSpLocks/>
             <a:stCxn id="74" idx="4"/>
+            <a:endCxn id="217" idx="0"/>
           </p:cNvCxnSpPr>
           <p:nvPr/>
         </p:nvCxnSpPr>
         <p:spPr>
           <a:xfrm rot="5400000">
-            <a:off x="4304471" y="2972916"/>
-            <a:ext cx="999198" cy="325989"/>
+            <a:off x="4084079" y="2850844"/>
+            <a:ext cx="1272988" cy="1214322"/>
           </a:xfrm>
           <a:prstGeom prst="curvedConnector3">
             <a:avLst>
-              <a:gd name="adj1" fmla="val 50000"/>
+              <a:gd name="adj1" fmla="val 37270"/>
             </a:avLst>
           </a:prstGeom>
           <a:ln w="25400">
@@ -8725,7 +9118,7 @@
         </p:nvSpPr>
         <p:spPr>
           <a:xfrm>
-            <a:off x="7374585" y="3113970"/>
+            <a:off x="7316710" y="3438070"/>
             <a:ext cx="420482" cy="342900"/>
           </a:xfrm>
           <a:prstGeom prst="rect">
@@ -8829,8 +9222,8 @@
         </p:nvCxnSpPr>
         <p:spPr>
           <a:xfrm rot="5400000">
-            <a:off x="9409157" y="1347371"/>
-            <a:ext cx="1238276" cy="2266374"/>
+            <a:off x="9380216" y="1318438"/>
+            <a:ext cx="1562376" cy="2648341"/>
           </a:xfrm>
           <a:prstGeom prst="curvedConnector3">
             <a:avLst>
@@ -8873,7 +9266,7 @@
         </p:nvSpPr>
         <p:spPr>
           <a:xfrm>
-            <a:off x="10951241" y="1518520"/>
+            <a:off x="11275333" y="1518520"/>
             <a:ext cx="420482" cy="342900"/>
           </a:xfrm>
           <a:prstGeom prst="rect">
@@ -8989,8 +9382,8 @@
         </p:nvCxnSpPr>
         <p:spPr>
           <a:xfrm flipH="1">
-            <a:off x="1935320" y="1754494"/>
-            <a:ext cx="888451" cy="528250"/>
+            <a:off x="1910164" y="1754494"/>
+            <a:ext cx="913607" cy="713450"/>
           </a:xfrm>
           <a:prstGeom prst="straightConnector1">
             <a:avLst/>
@@ -9035,8 +9428,8 @@
         </p:nvCxnSpPr>
         <p:spPr>
           <a:xfrm flipH="1">
-            <a:off x="1328971" y="1749795"/>
-            <a:ext cx="1017565" cy="532949"/>
+            <a:off x="1226650" y="1749795"/>
+            <a:ext cx="1119886" cy="718149"/>
           </a:xfrm>
           <a:prstGeom prst="straightConnector1">
             <a:avLst/>
@@ -9081,8 +9474,8 @@
         </p:nvCxnSpPr>
         <p:spPr>
           <a:xfrm flipH="1">
-            <a:off x="2541669" y="1754494"/>
-            <a:ext cx="533084" cy="528250"/>
+            <a:off x="2593678" y="1754494"/>
+            <a:ext cx="481075" cy="713450"/>
           </a:xfrm>
           <a:prstGeom prst="straightConnector1">
             <a:avLst/>
@@ -9127,8 +9520,8 @@
         </p:nvCxnSpPr>
         <p:spPr>
           <a:xfrm flipH="1">
-            <a:off x="3148018" y="1749795"/>
-            <a:ext cx="202446" cy="532949"/>
+            <a:off x="3277192" y="1749795"/>
+            <a:ext cx="73272" cy="718149"/>
           </a:xfrm>
           <a:prstGeom prst="straightConnector1">
             <a:avLst/>
@@ -9174,7 +9567,7 @@
         <p:spPr>
           <a:xfrm>
             <a:off x="3601446" y="1749795"/>
-            <a:ext cx="152921" cy="532949"/>
+            <a:ext cx="359260" cy="718149"/>
           </a:xfrm>
           <a:prstGeom prst="straightConnector1">
             <a:avLst/>
@@ -9220,7 +9613,7 @@
         <p:spPr>
           <a:xfrm>
             <a:off x="4078681" y="1754494"/>
-            <a:ext cx="282035" cy="528250"/>
+            <a:ext cx="565539" cy="713450"/>
           </a:xfrm>
           <a:prstGeom prst="straightConnector1">
             <a:avLst/>
@@ -9266,7 +9659,7 @@
         <p:spPr>
           <a:xfrm>
             <a:off x="4329663" y="1754494"/>
-            <a:ext cx="637401" cy="528250"/>
+            <a:ext cx="998071" cy="713450"/>
           </a:xfrm>
           <a:prstGeom prst="straightConnector1">
             <a:avLst/>
@@ -9741,7 +10134,7 @@
         </p:nvSpPr>
         <p:spPr>
           <a:xfrm>
-            <a:off x="896805" y="3123458"/>
+            <a:off x="1024125" y="3447558"/>
             <a:ext cx="420482" cy="342900"/>
           </a:xfrm>
           <a:prstGeom prst="rect">
@@ -9791,7 +10184,307 @@
         </p:nvSpPr>
         <p:spPr>
           <a:xfrm>
-            <a:off x="1384632" y="3109886"/>
+            <a:off x="1326757" y="3433986"/>
+            <a:ext cx="420482" cy="342900"/>
+          </a:xfrm>
+          <a:prstGeom prst="rect">
+            <a:avLst/>
+          </a:prstGeom>
+          <a:noFill/>
+          <a:ln>
+            <a:noFill/>
+          </a:ln>
+        </p:spPr>
+        <p:style>
+          <a:lnRef idx="2">
+            <a:schemeClr val="accent1">
+              <a:shade val="50000"/>
+            </a:schemeClr>
+          </a:lnRef>
+          <a:fillRef idx="1">
+            <a:schemeClr val="accent1"/>
+          </a:fillRef>
+          <a:effectRef idx="0">
+            <a:schemeClr val="accent1"/>
+          </a:effectRef>
+          <a:fontRef idx="minor">
+            <a:schemeClr val="lt1"/>
+          </a:fontRef>
+        </p:style>
+        <p:txBody>
+          <a:bodyPr rtlCol="0" anchor="ctr"/>
+          <a:lstStyle/>
+          <a:p>
+            <a:pPr algn="ctr"/>
+            <a:endParaRPr lang="en-US"/>
+          </a:p>
+        </p:txBody>
+      </p:sp>
+      <p:sp>
+        <p:nvSpPr>
+          <p:cNvPr id="195" name="Rectangle 194">
+            <a:extLst>
+              <a:ext uri="{FF2B5EF4-FFF2-40B4-BE49-F238E27FC236}">
+                <a16:creationId xmlns:a16="http://schemas.microsoft.com/office/drawing/2014/main" id="{7CA4B48A-91F4-8645-8ABB-448A2EF05F15}"/>
+              </a:ext>
+            </a:extLst>
+          </p:cNvPr>
+          <p:cNvSpPr/>
+          <p:nvPr/>
+        </p:nvSpPr>
+        <p:spPr>
+          <a:xfrm>
+            <a:off x="10363096" y="1519789"/>
+            <a:ext cx="420482" cy="342900"/>
+          </a:xfrm>
+          <a:prstGeom prst="rect">
+            <a:avLst/>
+          </a:prstGeom>
+          <a:noFill/>
+          <a:ln>
+            <a:noFill/>
+          </a:ln>
+        </p:spPr>
+        <p:style>
+          <a:lnRef idx="2">
+            <a:schemeClr val="accent1">
+              <a:shade val="50000"/>
+            </a:schemeClr>
+          </a:lnRef>
+          <a:fillRef idx="1">
+            <a:schemeClr val="accent1"/>
+          </a:fillRef>
+          <a:effectRef idx="0">
+            <a:schemeClr val="accent1"/>
+          </a:effectRef>
+          <a:fontRef idx="minor">
+            <a:schemeClr val="lt1"/>
+          </a:fontRef>
+        </p:style>
+        <p:txBody>
+          <a:bodyPr rtlCol="0" anchor="ctr"/>
+          <a:lstStyle/>
+          <a:p>
+            <a:pPr algn="ctr"/>
+            <a:endParaRPr lang="en-US"/>
+          </a:p>
+        </p:txBody>
+      </p:sp>
+      <p:sp>
+        <p:nvSpPr>
+          <p:cNvPr id="197" name="Rectangle 196">
+            <a:extLst>
+              <a:ext uri="{FF2B5EF4-FFF2-40B4-BE49-F238E27FC236}">
+                <a16:creationId xmlns:a16="http://schemas.microsoft.com/office/drawing/2014/main" id="{46E7F87C-EA5C-EE48-A88C-C8A8474672CC}"/>
+              </a:ext>
+            </a:extLst>
+          </p:cNvPr>
+          <p:cNvSpPr/>
+          <p:nvPr/>
+        </p:nvSpPr>
+        <p:spPr>
+          <a:xfrm>
+            <a:off x="3441334" y="4086722"/>
+            <a:ext cx="420482" cy="342900"/>
+          </a:xfrm>
+          <a:prstGeom prst="rect">
+            <a:avLst/>
+          </a:prstGeom>
+          <a:noFill/>
+          <a:ln>
+            <a:noFill/>
+          </a:ln>
+        </p:spPr>
+        <p:style>
+          <a:lnRef idx="2">
+            <a:schemeClr val="accent1">
+              <a:shade val="50000"/>
+            </a:schemeClr>
+          </a:lnRef>
+          <a:fillRef idx="1">
+            <a:schemeClr val="accent1"/>
+          </a:fillRef>
+          <a:effectRef idx="0">
+            <a:schemeClr val="accent1"/>
+          </a:effectRef>
+          <a:fontRef idx="minor">
+            <a:schemeClr val="lt1"/>
+          </a:fontRef>
+        </p:style>
+        <p:txBody>
+          <a:bodyPr rtlCol="0" anchor="ctr"/>
+          <a:lstStyle/>
+          <a:p>
+            <a:pPr algn="ctr"/>
+            <a:endParaRPr lang="en-US"/>
+          </a:p>
+        </p:txBody>
+      </p:sp>
+      <p:sp>
+        <p:nvSpPr>
+          <p:cNvPr id="199" name="Rectangle 198">
+            <a:extLst>
+              <a:ext uri="{FF2B5EF4-FFF2-40B4-BE49-F238E27FC236}">
+                <a16:creationId xmlns:a16="http://schemas.microsoft.com/office/drawing/2014/main" id="{F2F0F9F3-A0AF-D34C-84D5-31CAA7A11FCC}"/>
+              </a:ext>
+            </a:extLst>
+          </p:cNvPr>
+          <p:cNvSpPr/>
+          <p:nvPr/>
+        </p:nvSpPr>
+        <p:spPr>
+          <a:xfrm>
+            <a:off x="10862976" y="4104909"/>
+            <a:ext cx="420482" cy="342900"/>
+          </a:xfrm>
+          <a:prstGeom prst="rect">
+            <a:avLst/>
+          </a:prstGeom>
+          <a:noFill/>
+          <a:ln>
+            <a:noFill/>
+          </a:ln>
+        </p:spPr>
+        <p:style>
+          <a:lnRef idx="2">
+            <a:schemeClr val="accent1">
+              <a:shade val="50000"/>
+            </a:schemeClr>
+          </a:lnRef>
+          <a:fillRef idx="1">
+            <a:schemeClr val="accent1"/>
+          </a:fillRef>
+          <a:effectRef idx="0">
+            <a:schemeClr val="accent1"/>
+          </a:effectRef>
+          <a:fontRef idx="minor">
+            <a:schemeClr val="lt1"/>
+          </a:fontRef>
+        </p:style>
+        <p:txBody>
+          <a:bodyPr rtlCol="0" anchor="ctr"/>
+          <a:lstStyle/>
+          <a:p>
+            <a:pPr algn="ctr"/>
+            <a:endParaRPr lang="en-US"/>
+          </a:p>
+        </p:txBody>
+      </p:sp>
+      <p:sp>
+        <p:nvSpPr>
+          <p:cNvPr id="201" name="Rectangle 200">
+            <a:extLst>
+              <a:ext uri="{FF2B5EF4-FFF2-40B4-BE49-F238E27FC236}">
+                <a16:creationId xmlns:a16="http://schemas.microsoft.com/office/drawing/2014/main" id="{7209215A-C13F-D44C-9606-A025A96B80E9}"/>
+              </a:ext>
+            </a:extLst>
+          </p:cNvPr>
+          <p:cNvSpPr/>
+          <p:nvPr/>
+        </p:nvSpPr>
+        <p:spPr>
+          <a:xfrm>
+            <a:off x="9949420" y="1546355"/>
+            <a:ext cx="420482" cy="342900"/>
+          </a:xfrm>
+          <a:prstGeom prst="rect">
+            <a:avLst/>
+          </a:prstGeom>
+          <a:noFill/>
+          <a:ln>
+            <a:noFill/>
+          </a:ln>
+        </p:spPr>
+        <p:style>
+          <a:lnRef idx="2">
+            <a:schemeClr val="accent1">
+              <a:shade val="50000"/>
+            </a:schemeClr>
+          </a:lnRef>
+          <a:fillRef idx="1">
+            <a:schemeClr val="accent1"/>
+          </a:fillRef>
+          <a:effectRef idx="0">
+            <a:schemeClr val="accent1"/>
+          </a:effectRef>
+          <a:fontRef idx="minor">
+            <a:schemeClr val="lt1"/>
+          </a:fontRef>
+        </p:style>
+        <p:txBody>
+          <a:bodyPr rtlCol="0" anchor="ctr"/>
+          <a:lstStyle/>
+          <a:p>
+            <a:pPr algn="ctr"/>
+            <a:endParaRPr lang="en-US"/>
+          </a:p>
+        </p:txBody>
+      </p:sp>
+      <p:sp>
+        <p:nvSpPr>
+          <p:cNvPr id="217" name="Rectangle 216">
+            <a:extLst>
+              <a:ext uri="{FF2B5EF4-FFF2-40B4-BE49-F238E27FC236}">
+                <a16:creationId xmlns:a16="http://schemas.microsoft.com/office/drawing/2014/main" id="{48C01372-4EE8-4441-934E-45E928D5C2F5}"/>
+              </a:ext>
+            </a:extLst>
+          </p:cNvPr>
+          <p:cNvSpPr/>
+          <p:nvPr/>
+        </p:nvSpPr>
+        <p:spPr>
+          <a:xfrm>
+            <a:off x="3903171" y="4094499"/>
+            <a:ext cx="420482" cy="342900"/>
+          </a:xfrm>
+          <a:prstGeom prst="rect">
+            <a:avLst/>
+          </a:prstGeom>
+          <a:noFill/>
+          <a:ln>
+            <a:noFill/>
+          </a:ln>
+        </p:spPr>
+        <p:style>
+          <a:lnRef idx="2">
+            <a:schemeClr val="accent1">
+              <a:shade val="50000"/>
+            </a:schemeClr>
+          </a:lnRef>
+          <a:fillRef idx="1">
+            <a:schemeClr val="accent1"/>
+          </a:fillRef>
+          <a:effectRef idx="0">
+            <a:schemeClr val="accent1"/>
+          </a:effectRef>
+          <a:fontRef idx="minor">
+            <a:schemeClr val="lt1"/>
+          </a:fontRef>
+        </p:style>
+        <p:txBody>
+          <a:bodyPr rtlCol="0" anchor="ctr"/>
+          <a:lstStyle/>
+          <a:p>
+            <a:pPr algn="ctr"/>
+            <a:endParaRPr lang="en-US"/>
+          </a:p>
+        </p:txBody>
+      </p:sp>
+      <p:sp>
+        <p:nvSpPr>
+          <p:cNvPr id="218" name="Rectangle 217">
+            <a:extLst>
+              <a:ext uri="{FF2B5EF4-FFF2-40B4-BE49-F238E27FC236}">
+                <a16:creationId xmlns:a16="http://schemas.microsoft.com/office/drawing/2014/main" id="{46B5355C-6719-034A-A0B7-BA9E23088A76}"/>
+              </a:ext>
+            </a:extLst>
+          </p:cNvPr>
+          <p:cNvSpPr/>
+          <p:nvPr/>
+        </p:nvSpPr>
+        <p:spPr>
+          <a:xfrm>
+            <a:off x="3360594" y="5647179"/>
             <a:ext cx="420482" cy="342900"/>
           </a:xfrm>
           <a:prstGeom prst="rect">

--- a/VLDB2018/flattening.pptx
+++ b/VLDB2018/flattening.pptx
@@ -6,7 +6,8 @@
   </p:sldMasterIdLst>
   <p:sldIdLst>
     <p:sldId id="256" r:id="rId2"/>
-    <p:sldId id="257" r:id="rId3"/>
+    <p:sldId id="258" r:id="rId3"/>
+    <p:sldId id="257" r:id="rId4"/>
   </p:sldIdLst>
   <p:sldSz cx="12192000" cy="6858000"/>
   <p:notesSz cx="6858000" cy="9144000"/>
@@ -105,6 +106,11 @@
       </a:defRPr>
     </a:lvl9pPr>
   </p:defaultTextStyle>
+  <p:extLst>
+    <p:ext uri="{EFAFB233-063F-42B5-8137-9DF3F51BA10A}">
+      <p15:sldGuideLst xmlns:p15="http://schemas.microsoft.com/office/powerpoint/2012/main"/>
+    </p:ext>
+  </p:extLst>
 </p:presentation>
 </file>
 
@@ -255,7 +261,7 @@
           <a:p>
             <a:fld id="{9D64018F-7DFE-E045-B317-7619DD957578}" type="datetimeFigureOut">
               <a:rPr lang="en-US" smtClean="0"/>
-              <a:t>2/27/18</a:t>
+              <a:t>3/1/18</a:t>
             </a:fld>
             <a:endParaRPr lang="en-US"/>
           </a:p>
@@ -453,7 +459,7 @@
           <a:p>
             <a:fld id="{9D64018F-7DFE-E045-B317-7619DD957578}" type="datetimeFigureOut">
               <a:rPr lang="en-US" smtClean="0"/>
-              <a:t>2/27/18</a:t>
+              <a:t>3/1/18</a:t>
             </a:fld>
             <a:endParaRPr lang="en-US"/>
           </a:p>
@@ -661,7 +667,7 @@
           <a:p>
             <a:fld id="{9D64018F-7DFE-E045-B317-7619DD957578}" type="datetimeFigureOut">
               <a:rPr lang="en-US" smtClean="0"/>
-              <a:t>2/27/18</a:t>
+              <a:t>3/1/18</a:t>
             </a:fld>
             <a:endParaRPr lang="en-US"/>
           </a:p>
@@ -859,7 +865,7 @@
           <a:p>
             <a:fld id="{9D64018F-7DFE-E045-B317-7619DD957578}" type="datetimeFigureOut">
               <a:rPr lang="en-US" smtClean="0"/>
-              <a:t>2/27/18</a:t>
+              <a:t>3/1/18</a:t>
             </a:fld>
             <a:endParaRPr lang="en-US"/>
           </a:p>
@@ -1134,7 +1140,7 @@
           <a:p>
             <a:fld id="{9D64018F-7DFE-E045-B317-7619DD957578}" type="datetimeFigureOut">
               <a:rPr lang="en-US" smtClean="0"/>
-              <a:t>2/27/18</a:t>
+              <a:t>3/1/18</a:t>
             </a:fld>
             <a:endParaRPr lang="en-US"/>
           </a:p>
@@ -1399,7 +1405,7 @@
           <a:p>
             <a:fld id="{9D64018F-7DFE-E045-B317-7619DD957578}" type="datetimeFigureOut">
               <a:rPr lang="en-US" smtClean="0"/>
-              <a:t>2/27/18</a:t>
+              <a:t>3/1/18</a:t>
             </a:fld>
             <a:endParaRPr lang="en-US"/>
           </a:p>
@@ -1811,7 +1817,7 @@
           <a:p>
             <a:fld id="{9D64018F-7DFE-E045-B317-7619DD957578}" type="datetimeFigureOut">
               <a:rPr lang="en-US" smtClean="0"/>
-              <a:t>2/27/18</a:t>
+              <a:t>3/1/18</a:t>
             </a:fld>
             <a:endParaRPr lang="en-US"/>
           </a:p>
@@ -1952,7 +1958,7 @@
           <a:p>
             <a:fld id="{9D64018F-7DFE-E045-B317-7619DD957578}" type="datetimeFigureOut">
               <a:rPr lang="en-US" smtClean="0"/>
-              <a:t>2/27/18</a:t>
+              <a:t>3/1/18</a:t>
             </a:fld>
             <a:endParaRPr lang="en-US"/>
           </a:p>
@@ -2065,7 +2071,7 @@
           <a:p>
             <a:fld id="{9D64018F-7DFE-E045-B317-7619DD957578}" type="datetimeFigureOut">
               <a:rPr lang="en-US" smtClean="0"/>
-              <a:t>2/27/18</a:t>
+              <a:t>3/1/18</a:t>
             </a:fld>
             <a:endParaRPr lang="en-US"/>
           </a:p>
@@ -2376,7 +2382,7 @@
           <a:p>
             <a:fld id="{9D64018F-7DFE-E045-B317-7619DD957578}" type="datetimeFigureOut">
               <a:rPr lang="en-US" smtClean="0"/>
-              <a:t>2/27/18</a:t>
+              <a:t>3/1/18</a:t>
             </a:fld>
             <a:endParaRPr lang="en-US"/>
           </a:p>
@@ -2664,7 +2670,7 @@
           <a:p>
             <a:fld id="{9D64018F-7DFE-E045-B317-7619DD957578}" type="datetimeFigureOut">
               <a:rPr lang="en-US" smtClean="0"/>
-              <a:t>2/27/18</a:t>
+              <a:t>3/1/18</a:t>
             </a:fld>
             <a:endParaRPr lang="en-US"/>
           </a:p>
@@ -2905,7 +2911,7 @@
           <a:p>
             <a:fld id="{9D64018F-7DFE-E045-B317-7619DD957578}" type="datetimeFigureOut">
               <a:rPr lang="en-US" smtClean="0"/>
-              <a:t>2/27/18</a:t>
+              <a:t>3/1/18</a:t>
             </a:fld>
             <a:endParaRPr lang="en-US"/>
           </a:p>
@@ -3339,7 +3345,7 @@
         <p:spPr>
           <a:xfrm>
             <a:off x="220007" y="1466575"/>
-            <a:ext cx="5308784" cy="3840480"/>
+            <a:ext cx="5308784" cy="4297680"/>
           </a:xfrm>
           <a:prstGeom prst="roundRect">
             <a:avLst/>
@@ -5665,51 +5671,6 @@
           </a:fontRef>
         </p:style>
       </p:cxnSp>
-      <p:cxnSp>
-        <p:nvCxnSpPr>
-          <p:cNvPr id="69" name="Straight Arrow Connector 68">
-            <a:extLst>
-              <a:ext uri="{FF2B5EF4-FFF2-40B4-BE49-F238E27FC236}">
-                <a16:creationId xmlns:a16="http://schemas.microsoft.com/office/drawing/2014/main" id="{154C2F0E-844C-B442-9A1F-FA05DBFDB1BA}"/>
-              </a:ext>
-            </a:extLst>
-          </p:cNvPr>
-          <p:cNvCxnSpPr>
-            <a:cxnSpLocks/>
-            <a:stCxn id="26" idx="2"/>
-          </p:cNvCxnSpPr>
-          <p:nvPr/>
-        </p:nvCxnSpPr>
-        <p:spPr>
-          <a:xfrm>
-            <a:off x="4071857" y="3103463"/>
-            <a:ext cx="152902" cy="311108"/>
-          </a:xfrm>
-          <a:prstGeom prst="straightConnector1">
-            <a:avLst/>
-          </a:prstGeom>
-          <a:ln w="38100">
-            <a:solidFill>
-              <a:srgbClr val="000000"/>
-            </a:solidFill>
-            <a:tailEnd type="arrow"/>
-          </a:ln>
-        </p:spPr>
-        <p:style>
-          <a:lnRef idx="1">
-            <a:schemeClr val="accent1"/>
-          </a:lnRef>
-          <a:fillRef idx="0">
-            <a:schemeClr val="accent1"/>
-          </a:fillRef>
-          <a:effectRef idx="0">
-            <a:schemeClr val="accent1"/>
-          </a:effectRef>
-          <a:fontRef idx="minor">
-            <a:schemeClr val="tx1"/>
-          </a:fontRef>
-        </p:style>
-      </p:cxnSp>
       <p:sp>
         <p:nvSpPr>
           <p:cNvPr id="79" name="Rounded Rectangle 78">
@@ -5727,7 +5688,7 @@
         <p:spPr>
           <a:xfrm>
             <a:off x="6327502" y="1464716"/>
-            <a:ext cx="5308784" cy="3840480"/>
+            <a:ext cx="5308784" cy="4297680"/>
           </a:xfrm>
           <a:prstGeom prst="roundRect">
             <a:avLst/>
@@ -5834,7 +5795,7 @@
         <p:spPr>
           <a:xfrm>
             <a:off x="484311" y="3410209"/>
-            <a:ext cx="4725218" cy="1645920"/>
+            <a:ext cx="4725218" cy="2011680"/>
           </a:xfrm>
           <a:prstGeom prst="rect">
             <a:avLst/>
@@ -5891,7 +5852,7 @@
         <p:spPr>
           <a:xfrm>
             <a:off x="6646968" y="3410209"/>
-            <a:ext cx="4649923" cy="1645920"/>
+            <a:ext cx="4649923" cy="2011680"/>
           </a:xfrm>
           <a:prstGeom prst="rect">
             <a:avLst/>
@@ -6098,52 +6059,6 @@
       </p:cxnSp>
       <p:cxnSp>
         <p:nvCxnSpPr>
-          <p:cNvPr id="205" name="Straight Arrow Connector 204">
-            <a:extLst>
-              <a:ext uri="{FF2B5EF4-FFF2-40B4-BE49-F238E27FC236}">
-                <a16:creationId xmlns:a16="http://schemas.microsoft.com/office/drawing/2014/main" id="{609FEF21-1633-9C45-9843-161EC63C470B}"/>
-              </a:ext>
-            </a:extLst>
-          </p:cNvPr>
-          <p:cNvCxnSpPr>
-            <a:cxnSpLocks/>
-            <a:stCxn id="210" idx="2"/>
-            <a:endCxn id="249" idx="0"/>
-          </p:cNvCxnSpPr>
-          <p:nvPr/>
-        </p:nvCxnSpPr>
-        <p:spPr>
-          <a:xfrm flipH="1">
-            <a:off x="8372452" y="2739457"/>
-            <a:ext cx="546466" cy="670752"/>
-          </a:xfrm>
-          <a:prstGeom prst="straightConnector1">
-            <a:avLst/>
-          </a:prstGeom>
-          <a:ln w="38100">
-            <a:solidFill>
-              <a:srgbClr val="000000"/>
-            </a:solidFill>
-            <a:tailEnd type="arrow"/>
-          </a:ln>
-        </p:spPr>
-        <p:style>
-          <a:lnRef idx="1">
-            <a:schemeClr val="accent1"/>
-          </a:lnRef>
-          <a:fillRef idx="0">
-            <a:schemeClr val="accent1"/>
-          </a:fillRef>
-          <a:effectRef idx="0">
-            <a:schemeClr val="accent1"/>
-          </a:effectRef>
-          <a:fontRef idx="minor">
-            <a:schemeClr val="tx1"/>
-          </a:fontRef>
-        </p:style>
-      </p:cxnSp>
-      <p:cxnSp>
-        <p:nvCxnSpPr>
           <p:cNvPr id="206" name="Straight Arrow Connector 205">
             <a:extLst>
               <a:ext uri="{FF2B5EF4-FFF2-40B4-BE49-F238E27FC236}">
@@ -7096,27 +7011,27 @@
           <a:p>
             <a:pPr algn="ctr"/>
             <a:r>
-              <a:rPr lang="en-US" b="1" dirty="0"/>
+              <a:rPr lang="en-US" sz="2000" b="1" dirty="0"/>
               <a:t>K</a:t>
             </a:r>
             <a:r>
-              <a:rPr lang="en-US" dirty="0"/>
+              <a:rPr lang="en-US" sz="2000" dirty="0"/>
               <a:t> | </a:t>
             </a:r>
             <a:r>
-              <a:rPr lang="en-US" b="1" dirty="0"/>
+              <a:rPr lang="en-US" sz="2000" b="1" dirty="0"/>
               <a:t>V</a:t>
             </a:r>
             <a:r>
-              <a:rPr lang="en-US" dirty="0"/>
+              <a:rPr lang="en-US" sz="2000" dirty="0"/>
               <a:t> | </a:t>
             </a:r>
             <a:r>
-              <a:rPr lang="en-US" b="1" dirty="0" err="1"/>
+              <a:rPr lang="en-US" sz="2000" b="1" dirty="0" err="1"/>
               <a:t>ts</a:t>
             </a:r>
             <a:r>
-              <a:rPr lang="en-US" b="1" dirty="0"/>
+              <a:rPr lang="en-US" sz="2000" b="1" dirty="0"/>
               <a:t>=2</a:t>
             </a:r>
           </a:p>
@@ -7165,27 +7080,27 @@
           <a:p>
             <a:pPr algn="ctr"/>
             <a:r>
-              <a:rPr lang="en-US" b="1" dirty="0"/>
+              <a:rPr lang="en-US" sz="2000" b="1" dirty="0"/>
               <a:t>K</a:t>
             </a:r>
             <a:r>
-              <a:rPr lang="en-US" dirty="0"/>
+              <a:rPr lang="en-US" sz="2000" dirty="0"/>
               <a:t> | </a:t>
             </a:r>
             <a:r>
-              <a:rPr lang="en-US" b="1" dirty="0"/>
+              <a:rPr lang="en-US" sz="2000" b="1" dirty="0"/>
               <a:t>V</a:t>
             </a:r>
             <a:r>
-              <a:rPr lang="en-US" dirty="0"/>
+              <a:rPr lang="en-US" sz="2000" dirty="0"/>
               <a:t> | </a:t>
             </a:r>
             <a:r>
-              <a:rPr lang="en-US" b="1" dirty="0" err="1"/>
+              <a:rPr lang="en-US" sz="2000" b="1" dirty="0" err="1"/>
               <a:t>ts</a:t>
             </a:r>
             <a:r>
-              <a:rPr lang="en-US" b="1" dirty="0"/>
+              <a:rPr lang="en-US" sz="2000" b="1" dirty="0"/>
               <a:t>=1</a:t>
             </a:r>
           </a:p>
@@ -7261,6 +7176,238 @@
             <a:avLst>
               <a:gd name="adj1" fmla="val -553470"/>
               <a:gd name="adj2" fmla="val 70930"/>
+            </a:avLst>
+          </a:prstGeom>
+          <a:ln w="38100">
+            <a:solidFill>
+              <a:schemeClr val="tx1"/>
+            </a:solidFill>
+            <a:tailEnd type="arrow"/>
+          </a:ln>
+        </p:spPr>
+        <p:style>
+          <a:lnRef idx="1">
+            <a:schemeClr val="accent1"/>
+          </a:lnRef>
+          <a:fillRef idx="0">
+            <a:schemeClr val="accent1"/>
+          </a:fillRef>
+          <a:effectRef idx="0">
+            <a:schemeClr val="accent1"/>
+          </a:effectRef>
+          <a:fontRef idx="minor">
+            <a:schemeClr val="tx1"/>
+          </a:fontRef>
+        </p:style>
+      </p:cxnSp>
+      <p:sp>
+        <p:nvSpPr>
+          <p:cNvPr id="76" name="Rectangle 75">
+            <a:extLst>
+              <a:ext uri="{FF2B5EF4-FFF2-40B4-BE49-F238E27FC236}">
+                <a16:creationId xmlns:a16="http://schemas.microsoft.com/office/drawing/2014/main" id="{311B8628-B983-224E-A67D-FBD04844BA67}"/>
+              </a:ext>
+            </a:extLst>
+          </p:cNvPr>
+          <p:cNvSpPr/>
+          <p:nvPr/>
+        </p:nvSpPr>
+        <p:spPr>
+          <a:xfrm>
+            <a:off x="2003760" y="3968859"/>
+            <a:ext cx="1476912" cy="479512"/>
+          </a:xfrm>
+          <a:prstGeom prst="rect">
+            <a:avLst/>
+          </a:prstGeom>
+        </p:spPr>
+        <p:style>
+          <a:lnRef idx="2">
+            <a:schemeClr val="accent1">
+              <a:shade val="50000"/>
+            </a:schemeClr>
+          </a:lnRef>
+          <a:fillRef idx="1">
+            <a:schemeClr val="accent1"/>
+          </a:fillRef>
+          <a:effectRef idx="0">
+            <a:schemeClr val="accent1"/>
+          </a:effectRef>
+          <a:fontRef idx="minor">
+            <a:schemeClr val="lt1"/>
+          </a:fontRef>
+        </p:style>
+        <p:txBody>
+          <a:bodyPr rtlCol="0" anchor="ctr"/>
+          <a:lstStyle/>
+          <a:p>
+            <a:pPr algn="ctr"/>
+            <a:r>
+              <a:rPr lang="en-US" sz="2000" b="1" dirty="0"/>
+              <a:t>K</a:t>
+            </a:r>
+            <a:r>
+              <a:rPr lang="en-US" sz="2000" dirty="0"/>
+              <a:t> | </a:t>
+            </a:r>
+            <a:r>
+              <a:rPr lang="en-US" sz="2000" b="1" dirty="0"/>
+              <a:t>V</a:t>
+            </a:r>
+            <a:r>
+              <a:rPr lang="en-US" sz="2000" dirty="0"/>
+              <a:t> | </a:t>
+            </a:r>
+            <a:r>
+              <a:rPr lang="en-US" sz="2000" b="1" dirty="0" err="1"/>
+              <a:t>ts</a:t>
+            </a:r>
+            <a:r>
+              <a:rPr lang="en-US" sz="2000" b="1" dirty="0"/>
+              <a:t>=1</a:t>
+            </a:r>
+          </a:p>
+        </p:txBody>
+      </p:sp>
+      <p:cxnSp>
+        <p:nvCxnSpPr>
+          <p:cNvPr id="78" name="Curved Connector 77">
+            <a:extLst>
+              <a:ext uri="{FF2B5EF4-FFF2-40B4-BE49-F238E27FC236}">
+                <a16:creationId xmlns:a16="http://schemas.microsoft.com/office/drawing/2014/main" id="{D2E674EA-297F-5845-901C-B41245D2D83A}"/>
+              </a:ext>
+            </a:extLst>
+          </p:cNvPr>
+          <p:cNvCxnSpPr>
+            <a:cxnSpLocks/>
+            <a:stCxn id="26" idx="2"/>
+          </p:cNvCxnSpPr>
+          <p:nvPr/>
+        </p:nvCxnSpPr>
+        <p:spPr>
+          <a:xfrm rot="5400000">
+            <a:off x="3272334" y="3183370"/>
+            <a:ext cx="879431" cy="719617"/>
+          </a:xfrm>
+          <a:prstGeom prst="curvedConnector3">
+            <a:avLst>
+              <a:gd name="adj1" fmla="val 50000"/>
+            </a:avLst>
+          </a:prstGeom>
+          <a:ln w="38100">
+            <a:solidFill>
+              <a:schemeClr val="tx1"/>
+            </a:solidFill>
+            <a:tailEnd type="arrow"/>
+          </a:ln>
+        </p:spPr>
+        <p:style>
+          <a:lnRef idx="1">
+            <a:schemeClr val="accent1"/>
+          </a:lnRef>
+          <a:fillRef idx="0">
+            <a:schemeClr val="accent1"/>
+          </a:fillRef>
+          <a:effectRef idx="0">
+            <a:schemeClr val="accent1"/>
+          </a:effectRef>
+          <a:fontRef idx="minor">
+            <a:schemeClr val="tx1"/>
+          </a:fontRef>
+        </p:style>
+      </p:cxnSp>
+      <p:sp>
+        <p:nvSpPr>
+          <p:cNvPr id="85" name="Rectangle 84">
+            <a:extLst>
+              <a:ext uri="{FF2B5EF4-FFF2-40B4-BE49-F238E27FC236}">
+                <a16:creationId xmlns:a16="http://schemas.microsoft.com/office/drawing/2014/main" id="{2C203441-CA32-BB42-B31D-6AA971B530B8}"/>
+              </a:ext>
+            </a:extLst>
+          </p:cNvPr>
+          <p:cNvSpPr/>
+          <p:nvPr/>
+        </p:nvSpPr>
+        <p:spPr>
+          <a:xfrm>
+            <a:off x="9602104" y="3979181"/>
+            <a:ext cx="1476912" cy="479512"/>
+          </a:xfrm>
+          <a:prstGeom prst="rect">
+            <a:avLst/>
+          </a:prstGeom>
+        </p:spPr>
+        <p:style>
+          <a:lnRef idx="2">
+            <a:schemeClr val="accent1">
+              <a:shade val="50000"/>
+            </a:schemeClr>
+          </a:lnRef>
+          <a:fillRef idx="1">
+            <a:schemeClr val="accent1"/>
+          </a:fillRef>
+          <a:effectRef idx="0">
+            <a:schemeClr val="accent1"/>
+          </a:effectRef>
+          <a:fontRef idx="minor">
+            <a:schemeClr val="lt1"/>
+          </a:fontRef>
+        </p:style>
+        <p:txBody>
+          <a:bodyPr rtlCol="0" anchor="ctr"/>
+          <a:lstStyle/>
+          <a:p>
+            <a:pPr algn="ctr"/>
+            <a:r>
+              <a:rPr lang="en-US" sz="2000" b="1" dirty="0"/>
+              <a:t>K</a:t>
+            </a:r>
+            <a:r>
+              <a:rPr lang="en-US" sz="2000" dirty="0"/>
+              <a:t> | </a:t>
+            </a:r>
+            <a:r>
+              <a:rPr lang="en-US" sz="2000" b="1" dirty="0"/>
+              <a:t>V</a:t>
+            </a:r>
+            <a:r>
+              <a:rPr lang="en-US" sz="2000" dirty="0"/>
+              <a:t> | </a:t>
+            </a:r>
+            <a:r>
+              <a:rPr lang="en-US" sz="2000" b="1" dirty="0" err="1"/>
+              <a:t>ts</a:t>
+            </a:r>
+            <a:r>
+              <a:rPr lang="en-US" sz="2000" b="1" dirty="0"/>
+              <a:t>=2</a:t>
+            </a:r>
+          </a:p>
+        </p:txBody>
+      </p:sp>
+      <p:cxnSp>
+        <p:nvCxnSpPr>
+          <p:cNvPr id="86" name="Curved Connector 85">
+            <a:extLst>
+              <a:ext uri="{FF2B5EF4-FFF2-40B4-BE49-F238E27FC236}">
+                <a16:creationId xmlns:a16="http://schemas.microsoft.com/office/drawing/2014/main" id="{928EA481-4B7A-D249-B03E-1105E5BE48E6}"/>
+              </a:ext>
+            </a:extLst>
+          </p:cNvPr>
+          <p:cNvCxnSpPr>
+            <a:cxnSpLocks/>
+            <a:stCxn id="212" idx="2"/>
+          </p:cNvCxnSpPr>
+          <p:nvPr/>
+        </p:nvCxnSpPr>
+        <p:spPr>
+          <a:xfrm rot="16200000" flipH="1">
+            <a:off x="8655222" y="2827692"/>
+            <a:ext cx="1239726" cy="1063256"/>
+          </a:xfrm>
+          <a:prstGeom prst="curvedConnector3">
+            <a:avLst>
+              <a:gd name="adj1" fmla="val 73387"/>
             </a:avLst>
           </a:prstGeom>
           <a:ln w="38100">
@@ -7299,6 +7446,3392 @@
 </file>
 
 <file path=ppt/slides/slide2.xml><?xml version="1.0" encoding="utf-8"?>
+<p:sld xmlns:a="http://schemas.openxmlformats.org/drawingml/2006/main" xmlns:r="http://schemas.openxmlformats.org/officeDocument/2006/relationships" xmlns:p="http://schemas.openxmlformats.org/presentationml/2006/main">
+  <p:cSld>
+    <p:spTree>
+      <p:nvGrpSpPr>
+        <p:cNvPr id="1" name=""/>
+        <p:cNvGrpSpPr/>
+        <p:nvPr/>
+      </p:nvGrpSpPr>
+      <p:grpSpPr>
+        <a:xfrm>
+          <a:off x="0" y="0"/>
+          <a:ext cx="0" cy="0"/>
+          <a:chOff x="0" y="0"/>
+          <a:chExt cx="0" cy="0"/>
+        </a:xfrm>
+      </p:grpSpPr>
+      <p:sp>
+        <p:nvSpPr>
+          <p:cNvPr id="79" name="Rounded Rectangle 78">
+            <a:extLst>
+              <a:ext uri="{FF2B5EF4-FFF2-40B4-BE49-F238E27FC236}">
+                <a16:creationId xmlns:a16="http://schemas.microsoft.com/office/drawing/2014/main" id="{F80A6E6A-A8A3-A649-8DFE-0ACDC47A34BE}"/>
+              </a:ext>
+            </a:extLst>
+          </p:cNvPr>
+          <p:cNvSpPr>
+            <a:spLocks/>
+          </p:cNvSpPr>
+          <p:nvPr/>
+        </p:nvSpPr>
+        <p:spPr>
+          <a:xfrm>
+            <a:off x="6327502" y="1464716"/>
+            <a:ext cx="5308784" cy="4297680"/>
+          </a:xfrm>
+          <a:prstGeom prst="roundRect">
+            <a:avLst/>
+          </a:prstGeom>
+          <a:noFill/>
+          <a:ln w="28575">
+            <a:solidFill>
+              <a:srgbClr val="002060">
+                <a:alpha val="70000"/>
+              </a:srgbClr>
+            </a:solidFill>
+          </a:ln>
+        </p:spPr>
+        <p:style>
+          <a:lnRef idx="2">
+            <a:schemeClr val="accent1"/>
+          </a:lnRef>
+          <a:fillRef idx="1">
+            <a:schemeClr val="lt1"/>
+          </a:fillRef>
+          <a:effectRef idx="0">
+            <a:schemeClr val="accent1"/>
+          </a:effectRef>
+          <a:fontRef idx="minor">
+            <a:schemeClr val="dk1"/>
+          </a:fontRef>
+        </p:style>
+        <p:txBody>
+          <a:bodyPr rot="0" spcFirstLastPara="0" vert="horz" wrap="square" lIns="91440" tIns="45720" rIns="91440" bIns="45720" numCol="1" spcCol="0" rtlCol="0" fromWordArt="0" anchor="ctr" anchorCtr="0" forceAA="0" compatLnSpc="1">
+            <a:prstTxWarp prst="textNoShape">
+              <a:avLst/>
+            </a:prstTxWarp>
+            <a:noAutofit/>
+          </a:bodyPr>
+          <a:lstStyle/>
+          <a:p>
+            <a:pPr marL="0" marR="0" algn="ctr">
+              <a:spcBef>
+                <a:spcPts val="0"/>
+              </a:spcBef>
+              <a:spcAft>
+                <a:spcPts val="0"/>
+              </a:spcAft>
+            </a:pPr>
+            <a:endParaRPr lang="en-US" sz="1200" dirty="0">
+              <a:effectLst/>
+              <a:ea typeface="ＭＳ 明朝"/>
+              <a:cs typeface="Times New Roman"/>
+            </a:endParaRPr>
+          </a:p>
+        </p:txBody>
+      </p:sp>
+      <p:sp>
+        <p:nvSpPr>
+          <p:cNvPr id="80" name="TextBox 79">
+            <a:extLst>
+              <a:ext uri="{FF2B5EF4-FFF2-40B4-BE49-F238E27FC236}">
+                <a16:creationId xmlns:a16="http://schemas.microsoft.com/office/drawing/2014/main" id="{2F1BABAE-2D9C-E34E-8666-FCA58B71A878}"/>
+              </a:ext>
+            </a:extLst>
+          </p:cNvPr>
+          <p:cNvSpPr txBox="1"/>
+          <p:nvPr/>
+        </p:nvSpPr>
+        <p:spPr>
+          <a:xfrm>
+            <a:off x="8118584" y="2113670"/>
+            <a:ext cx="2033183" cy="914400"/>
+          </a:xfrm>
+          <a:prstGeom prst="rect">
+            <a:avLst/>
+          </a:prstGeom>
+          <a:noFill/>
+          <a:ln>
+            <a:noFill/>
+          </a:ln>
+        </p:spPr>
+        <p:txBody>
+          <a:bodyPr wrap="none" rtlCol="0">
+            <a:normAutofit/>
+          </a:bodyPr>
+          <a:lstStyle/>
+          <a:p>
+            <a:pPr algn="ctr"/>
+            <a:r>
+              <a:rPr lang="en-US" sz="2400" b="1" dirty="0"/>
+              <a:t>Ordered Array</a:t>
+            </a:r>
+          </a:p>
+        </p:txBody>
+      </p:sp>
+      <p:sp>
+        <p:nvSpPr>
+          <p:cNvPr id="153" name="Rectangle 152">
+            <a:extLst>
+              <a:ext uri="{FF2B5EF4-FFF2-40B4-BE49-F238E27FC236}">
+                <a16:creationId xmlns:a16="http://schemas.microsoft.com/office/drawing/2014/main" id="{58264CA3-4BEC-A84D-A3CD-72F13033C852}"/>
+              </a:ext>
+            </a:extLst>
+          </p:cNvPr>
+          <p:cNvSpPr/>
+          <p:nvPr/>
+        </p:nvSpPr>
+        <p:spPr>
+          <a:xfrm>
+            <a:off x="6646968" y="3410209"/>
+            <a:ext cx="4649923" cy="2011680"/>
+          </a:xfrm>
+          <a:prstGeom prst="rect">
+            <a:avLst/>
+          </a:prstGeom>
+          <a:solidFill>
+            <a:schemeClr val="accent1">
+              <a:lumMod val="40000"/>
+              <a:lumOff val="60000"/>
+            </a:schemeClr>
+          </a:solidFill>
+          <a:ln w="28575">
+            <a:prstDash val="dash"/>
+          </a:ln>
+        </p:spPr>
+        <p:style>
+          <a:lnRef idx="2">
+            <a:schemeClr val="accent1">
+              <a:shade val="50000"/>
+            </a:schemeClr>
+          </a:lnRef>
+          <a:fillRef idx="1">
+            <a:schemeClr val="accent1"/>
+          </a:fillRef>
+          <a:effectRef idx="0">
+            <a:schemeClr val="accent1"/>
+          </a:effectRef>
+          <a:fontRef idx="minor">
+            <a:schemeClr val="lt1"/>
+          </a:fontRef>
+        </p:style>
+        <p:txBody>
+          <a:bodyPr rtlCol="0" anchor="ctr"/>
+          <a:lstStyle/>
+          <a:p>
+            <a:r>
+              <a:rPr lang="en-US" sz="2800" b="1" dirty="0"/>
+              <a:t>  DATA</a:t>
+            </a:r>
+          </a:p>
+        </p:txBody>
+      </p:sp>
+      <p:sp>
+        <p:nvSpPr>
+          <p:cNvPr id="177" name="Diamond 176">
+            <a:extLst>
+              <a:ext uri="{FF2B5EF4-FFF2-40B4-BE49-F238E27FC236}">
+                <a16:creationId xmlns:a16="http://schemas.microsoft.com/office/drawing/2014/main" id="{AB16EF4F-F7A3-5045-B2F2-502FCC3DD437}"/>
+              </a:ext>
+            </a:extLst>
+          </p:cNvPr>
+          <p:cNvSpPr>
+            <a:spLocks noChangeAspect="1"/>
+          </p:cNvSpPr>
+          <p:nvPr/>
+        </p:nvSpPr>
+        <p:spPr>
+          <a:xfrm rot="18971391">
+            <a:off x="8353483" y="2519196"/>
+            <a:ext cx="246888" cy="246888"/>
+          </a:xfrm>
+          <a:prstGeom prst="diamond">
+            <a:avLst/>
+          </a:prstGeom>
+          <a:solidFill>
+            <a:srgbClr val="0070C0"/>
+          </a:solidFill>
+          <a:ln>
+            <a:solidFill>
+              <a:schemeClr val="tx1"/>
+            </a:solidFill>
+          </a:ln>
+        </p:spPr>
+        <p:style>
+          <a:lnRef idx="1">
+            <a:schemeClr val="accent6"/>
+          </a:lnRef>
+          <a:fillRef idx="3">
+            <a:schemeClr val="accent6"/>
+          </a:fillRef>
+          <a:effectRef idx="2">
+            <a:schemeClr val="accent6"/>
+          </a:effectRef>
+          <a:fontRef idx="minor">
+            <a:schemeClr val="lt1"/>
+          </a:fontRef>
+        </p:style>
+        <p:txBody>
+          <a:bodyPr rtlCol="0" anchor="t">
+            <a:normAutofit fontScale="25000" lnSpcReduction="20000"/>
+          </a:bodyPr>
+          <a:lstStyle/>
+          <a:p>
+            <a:pPr algn="ctr"/>
+            <a:endParaRPr lang="en-US" sz="1600" dirty="0" err="1">
+              <a:solidFill>
+                <a:schemeClr val="tx1"/>
+              </a:solidFill>
+              <a:latin typeface="Arial" pitchFamily="34" charset="0"/>
+              <a:cs typeface="Arial" pitchFamily="34" charset="0"/>
+            </a:endParaRPr>
+          </a:p>
+        </p:txBody>
+      </p:sp>
+      <p:cxnSp>
+        <p:nvCxnSpPr>
+          <p:cNvPr id="204" name="Straight Arrow Connector 203">
+            <a:extLst>
+              <a:ext uri="{FF2B5EF4-FFF2-40B4-BE49-F238E27FC236}">
+                <a16:creationId xmlns:a16="http://schemas.microsoft.com/office/drawing/2014/main" id="{3D93965E-9518-A84E-BF0D-2129A62B67C4}"/>
+              </a:ext>
+            </a:extLst>
+          </p:cNvPr>
+          <p:cNvCxnSpPr>
+            <a:cxnSpLocks/>
+            <a:stCxn id="107" idx="1"/>
+          </p:cNvCxnSpPr>
+          <p:nvPr/>
+        </p:nvCxnSpPr>
+        <p:spPr>
+          <a:xfrm flipH="1">
+            <a:off x="7051945" y="2728097"/>
+            <a:ext cx="1157152" cy="664027"/>
+          </a:xfrm>
+          <a:prstGeom prst="straightConnector1">
+            <a:avLst/>
+          </a:prstGeom>
+          <a:ln w="38100">
+            <a:solidFill>
+              <a:srgbClr val="000000"/>
+            </a:solidFill>
+            <a:tailEnd type="arrow"/>
+          </a:ln>
+        </p:spPr>
+        <p:style>
+          <a:lnRef idx="1">
+            <a:schemeClr val="accent1"/>
+          </a:lnRef>
+          <a:fillRef idx="0">
+            <a:schemeClr val="accent1"/>
+          </a:fillRef>
+          <a:effectRef idx="0">
+            <a:schemeClr val="accent1"/>
+          </a:effectRef>
+          <a:fontRef idx="minor">
+            <a:schemeClr val="tx1"/>
+          </a:fontRef>
+        </p:style>
+      </p:cxnSp>
+      <p:cxnSp>
+        <p:nvCxnSpPr>
+          <p:cNvPr id="205" name="Straight Arrow Connector 204">
+            <a:extLst>
+              <a:ext uri="{FF2B5EF4-FFF2-40B4-BE49-F238E27FC236}">
+                <a16:creationId xmlns:a16="http://schemas.microsoft.com/office/drawing/2014/main" id="{609FEF21-1633-9C45-9843-161EC63C470B}"/>
+              </a:ext>
+            </a:extLst>
+          </p:cNvPr>
+          <p:cNvCxnSpPr>
+            <a:cxnSpLocks/>
+            <a:stCxn id="210" idx="2"/>
+            <a:endCxn id="249" idx="0"/>
+          </p:cNvCxnSpPr>
+          <p:nvPr/>
+        </p:nvCxnSpPr>
+        <p:spPr>
+          <a:xfrm flipH="1">
+            <a:off x="8372452" y="2731722"/>
+            <a:ext cx="547428" cy="678487"/>
+          </a:xfrm>
+          <a:prstGeom prst="straightConnector1">
+            <a:avLst/>
+          </a:prstGeom>
+          <a:ln w="38100">
+            <a:solidFill>
+              <a:srgbClr val="000000"/>
+            </a:solidFill>
+            <a:tailEnd type="arrow"/>
+          </a:ln>
+        </p:spPr>
+        <p:style>
+          <a:lnRef idx="1">
+            <a:schemeClr val="accent1"/>
+          </a:lnRef>
+          <a:fillRef idx="0">
+            <a:schemeClr val="accent1"/>
+          </a:fillRef>
+          <a:effectRef idx="0">
+            <a:schemeClr val="accent1"/>
+          </a:effectRef>
+          <a:fontRef idx="minor">
+            <a:schemeClr val="tx1"/>
+          </a:fontRef>
+        </p:style>
+      </p:cxnSp>
+      <p:cxnSp>
+        <p:nvCxnSpPr>
+          <p:cNvPr id="206" name="Straight Arrow Connector 205">
+            <a:extLst>
+              <a:ext uri="{FF2B5EF4-FFF2-40B4-BE49-F238E27FC236}">
+                <a16:creationId xmlns:a16="http://schemas.microsoft.com/office/drawing/2014/main" id="{BB9C85B4-571B-BD4B-A070-D91785DE77F1}"/>
+              </a:ext>
+            </a:extLst>
+          </p:cNvPr>
+          <p:cNvCxnSpPr>
+            <a:cxnSpLocks/>
+            <a:stCxn id="213" idx="1"/>
+            <a:endCxn id="153" idx="0"/>
+          </p:cNvCxnSpPr>
+          <p:nvPr/>
+        </p:nvCxnSpPr>
+        <p:spPr>
+          <a:xfrm flipH="1">
+            <a:off x="8971930" y="2728097"/>
+            <a:ext cx="130907" cy="682112"/>
+          </a:xfrm>
+          <a:prstGeom prst="straightConnector1">
+            <a:avLst/>
+          </a:prstGeom>
+          <a:ln w="38100">
+            <a:solidFill>
+              <a:srgbClr val="000000"/>
+            </a:solidFill>
+            <a:tailEnd type="arrow"/>
+          </a:ln>
+        </p:spPr>
+        <p:style>
+          <a:lnRef idx="1">
+            <a:schemeClr val="accent1"/>
+          </a:lnRef>
+          <a:fillRef idx="0">
+            <a:schemeClr val="accent1"/>
+          </a:fillRef>
+          <a:effectRef idx="0">
+            <a:schemeClr val="accent1"/>
+          </a:effectRef>
+          <a:fontRef idx="minor">
+            <a:schemeClr val="tx1"/>
+          </a:fontRef>
+        </p:style>
+      </p:cxnSp>
+      <p:cxnSp>
+        <p:nvCxnSpPr>
+          <p:cNvPr id="207" name="Straight Arrow Connector 206">
+            <a:extLst>
+              <a:ext uri="{FF2B5EF4-FFF2-40B4-BE49-F238E27FC236}">
+                <a16:creationId xmlns:a16="http://schemas.microsoft.com/office/drawing/2014/main" id="{530460FD-B49A-6441-B04E-454DF3E5FF17}"/>
+              </a:ext>
+            </a:extLst>
+          </p:cNvPr>
+          <p:cNvCxnSpPr>
+            <a:cxnSpLocks/>
+            <a:stCxn id="216" idx="1"/>
+            <a:endCxn id="246" idx="0"/>
+          </p:cNvCxnSpPr>
+          <p:nvPr/>
+        </p:nvCxnSpPr>
+        <p:spPr>
+          <a:xfrm>
+            <a:off x="9281585" y="2728097"/>
+            <a:ext cx="221303" cy="682112"/>
+          </a:xfrm>
+          <a:prstGeom prst="straightConnector1">
+            <a:avLst/>
+          </a:prstGeom>
+          <a:ln w="38100">
+            <a:solidFill>
+              <a:srgbClr val="000000"/>
+            </a:solidFill>
+            <a:tailEnd type="arrow"/>
+          </a:ln>
+        </p:spPr>
+        <p:style>
+          <a:lnRef idx="1">
+            <a:schemeClr val="accent1"/>
+          </a:lnRef>
+          <a:fillRef idx="0">
+            <a:schemeClr val="accent1"/>
+          </a:fillRef>
+          <a:effectRef idx="0">
+            <a:schemeClr val="accent1"/>
+          </a:effectRef>
+          <a:fontRef idx="minor">
+            <a:schemeClr val="tx1"/>
+          </a:fontRef>
+        </p:style>
+      </p:cxnSp>
+      <p:cxnSp>
+        <p:nvCxnSpPr>
+          <p:cNvPr id="208" name="Straight Arrow Connector 207">
+            <a:extLst>
+              <a:ext uri="{FF2B5EF4-FFF2-40B4-BE49-F238E27FC236}">
+                <a16:creationId xmlns:a16="http://schemas.microsoft.com/office/drawing/2014/main" id="{B0F21332-AAC5-BA48-BB5D-06FF9AD316BD}"/>
+              </a:ext>
+            </a:extLst>
+          </p:cNvPr>
+          <p:cNvCxnSpPr>
+            <a:cxnSpLocks/>
+            <a:stCxn id="214" idx="2"/>
+          </p:cNvCxnSpPr>
+          <p:nvPr/>
+        </p:nvCxnSpPr>
+        <p:spPr>
+          <a:xfrm>
+            <a:off x="9634872" y="2731722"/>
+            <a:ext cx="569898" cy="678487"/>
+          </a:xfrm>
+          <a:prstGeom prst="straightConnector1">
+            <a:avLst/>
+          </a:prstGeom>
+          <a:ln w="38100">
+            <a:solidFill>
+              <a:srgbClr val="000000"/>
+            </a:solidFill>
+            <a:tailEnd type="arrow"/>
+          </a:ln>
+        </p:spPr>
+        <p:style>
+          <a:lnRef idx="1">
+            <a:schemeClr val="accent1"/>
+          </a:lnRef>
+          <a:fillRef idx="0">
+            <a:schemeClr val="accent1"/>
+          </a:fillRef>
+          <a:effectRef idx="0">
+            <a:schemeClr val="accent1"/>
+          </a:effectRef>
+          <a:fontRef idx="minor">
+            <a:schemeClr val="tx1"/>
+          </a:fontRef>
+        </p:style>
+      </p:cxnSp>
+      <p:cxnSp>
+        <p:nvCxnSpPr>
+          <p:cNvPr id="209" name="Straight Arrow Connector 208">
+            <a:extLst>
+              <a:ext uri="{FF2B5EF4-FFF2-40B4-BE49-F238E27FC236}">
+                <a16:creationId xmlns:a16="http://schemas.microsoft.com/office/drawing/2014/main" id="{BE477BA6-F4DD-FA46-A858-BA7895D4381B}"/>
+              </a:ext>
+            </a:extLst>
+          </p:cNvPr>
+          <p:cNvCxnSpPr>
+            <a:cxnSpLocks/>
+            <a:stCxn id="215" idx="2"/>
+          </p:cNvCxnSpPr>
+          <p:nvPr/>
+        </p:nvCxnSpPr>
+        <p:spPr>
+          <a:xfrm>
+            <a:off x="9813620" y="2731722"/>
+            <a:ext cx="1150248" cy="660402"/>
+          </a:xfrm>
+          <a:prstGeom prst="straightConnector1">
+            <a:avLst/>
+          </a:prstGeom>
+          <a:ln w="38100">
+            <a:solidFill>
+              <a:srgbClr val="000000"/>
+            </a:solidFill>
+            <a:tailEnd type="arrow"/>
+          </a:ln>
+        </p:spPr>
+        <p:style>
+          <a:lnRef idx="1">
+            <a:schemeClr val="accent1"/>
+          </a:lnRef>
+          <a:fillRef idx="0">
+            <a:schemeClr val="accent1"/>
+          </a:fillRef>
+          <a:effectRef idx="0">
+            <a:schemeClr val="accent1"/>
+          </a:effectRef>
+          <a:fontRef idx="minor">
+            <a:schemeClr val="tx1"/>
+          </a:fontRef>
+        </p:style>
+      </p:cxnSp>
+      <p:sp>
+        <p:nvSpPr>
+          <p:cNvPr id="210" name="Diamond 209">
+            <a:extLst>
+              <a:ext uri="{FF2B5EF4-FFF2-40B4-BE49-F238E27FC236}">
+                <a16:creationId xmlns:a16="http://schemas.microsoft.com/office/drawing/2014/main" id="{C087EB16-E519-1B4F-A135-F4D22BD9323C}"/>
+              </a:ext>
+            </a:extLst>
+          </p:cNvPr>
+          <p:cNvSpPr>
+            <a:spLocks noChangeAspect="1"/>
+          </p:cNvSpPr>
+          <p:nvPr/>
+        </p:nvSpPr>
+        <p:spPr>
+          <a:xfrm rot="18971391">
+            <a:off x="8710979" y="2519196"/>
+            <a:ext cx="246888" cy="246888"/>
+          </a:xfrm>
+          <a:prstGeom prst="diamond">
+            <a:avLst/>
+          </a:prstGeom>
+          <a:solidFill>
+            <a:srgbClr val="0070C0"/>
+          </a:solidFill>
+          <a:ln>
+            <a:solidFill>
+              <a:schemeClr val="tx1"/>
+            </a:solidFill>
+          </a:ln>
+        </p:spPr>
+        <p:style>
+          <a:lnRef idx="1">
+            <a:schemeClr val="accent6"/>
+          </a:lnRef>
+          <a:fillRef idx="3">
+            <a:schemeClr val="accent6"/>
+          </a:fillRef>
+          <a:effectRef idx="2">
+            <a:schemeClr val="accent6"/>
+          </a:effectRef>
+          <a:fontRef idx="minor">
+            <a:schemeClr val="lt1"/>
+          </a:fontRef>
+        </p:style>
+        <p:txBody>
+          <a:bodyPr rtlCol="0" anchor="t">
+            <a:normAutofit fontScale="25000" lnSpcReduction="20000"/>
+          </a:bodyPr>
+          <a:lstStyle/>
+          <a:p>
+            <a:pPr algn="ctr"/>
+            <a:endParaRPr lang="en-US" sz="1600" dirty="0" err="1">
+              <a:solidFill>
+                <a:schemeClr val="tx1"/>
+              </a:solidFill>
+              <a:latin typeface="Arial" pitchFamily="34" charset="0"/>
+              <a:cs typeface="Arial" pitchFamily="34" charset="0"/>
+            </a:endParaRPr>
+          </a:p>
+        </p:txBody>
+      </p:sp>
+      <p:sp>
+        <p:nvSpPr>
+          <p:cNvPr id="211" name="Diamond 210">
+            <a:extLst>
+              <a:ext uri="{FF2B5EF4-FFF2-40B4-BE49-F238E27FC236}">
+                <a16:creationId xmlns:a16="http://schemas.microsoft.com/office/drawing/2014/main" id="{231A0675-2A4F-3F44-9FD4-B88B20C50103}"/>
+              </a:ext>
+            </a:extLst>
+          </p:cNvPr>
+          <p:cNvSpPr>
+            <a:spLocks noChangeAspect="1"/>
+          </p:cNvSpPr>
+          <p:nvPr/>
+        </p:nvSpPr>
+        <p:spPr>
+          <a:xfrm rot="18971391">
+            <a:off x="8889727" y="2519196"/>
+            <a:ext cx="246888" cy="246888"/>
+          </a:xfrm>
+          <a:prstGeom prst="diamond">
+            <a:avLst/>
+          </a:prstGeom>
+          <a:solidFill>
+            <a:srgbClr val="0070C0"/>
+          </a:solidFill>
+          <a:ln>
+            <a:solidFill>
+              <a:schemeClr val="tx1"/>
+            </a:solidFill>
+          </a:ln>
+        </p:spPr>
+        <p:style>
+          <a:lnRef idx="1">
+            <a:schemeClr val="accent6"/>
+          </a:lnRef>
+          <a:fillRef idx="3">
+            <a:schemeClr val="accent6"/>
+          </a:fillRef>
+          <a:effectRef idx="2">
+            <a:schemeClr val="accent6"/>
+          </a:effectRef>
+          <a:fontRef idx="minor">
+            <a:schemeClr val="lt1"/>
+          </a:fontRef>
+        </p:style>
+        <p:txBody>
+          <a:bodyPr rtlCol="0" anchor="t">
+            <a:normAutofit fontScale="25000" lnSpcReduction="20000"/>
+          </a:bodyPr>
+          <a:lstStyle/>
+          <a:p>
+            <a:pPr algn="ctr"/>
+            <a:endParaRPr lang="en-US" sz="1600" dirty="0" err="1">
+              <a:solidFill>
+                <a:schemeClr val="tx1"/>
+              </a:solidFill>
+              <a:latin typeface="Arial" pitchFamily="34" charset="0"/>
+              <a:cs typeface="Arial" pitchFamily="34" charset="0"/>
+            </a:endParaRPr>
+          </a:p>
+        </p:txBody>
+      </p:sp>
+      <p:sp>
+        <p:nvSpPr>
+          <p:cNvPr id="212" name="Diamond 211">
+            <a:extLst>
+              <a:ext uri="{FF2B5EF4-FFF2-40B4-BE49-F238E27FC236}">
+                <a16:creationId xmlns:a16="http://schemas.microsoft.com/office/drawing/2014/main" id="{90FAD0A0-6D96-EE41-BEEB-7ECD114B6AC1}"/>
+              </a:ext>
+            </a:extLst>
+          </p:cNvPr>
+          <p:cNvSpPr>
+            <a:spLocks noChangeAspect="1"/>
+          </p:cNvSpPr>
+          <p:nvPr/>
+        </p:nvSpPr>
+        <p:spPr>
+          <a:xfrm rot="18971391">
+            <a:off x="8532231" y="2519196"/>
+            <a:ext cx="246888" cy="246888"/>
+          </a:xfrm>
+          <a:prstGeom prst="diamond">
+            <a:avLst/>
+          </a:prstGeom>
+          <a:solidFill>
+            <a:srgbClr val="0070C0"/>
+          </a:solidFill>
+          <a:ln>
+            <a:solidFill>
+              <a:schemeClr val="tx1"/>
+            </a:solidFill>
+          </a:ln>
+        </p:spPr>
+        <p:style>
+          <a:lnRef idx="1">
+            <a:schemeClr val="accent6"/>
+          </a:lnRef>
+          <a:fillRef idx="3">
+            <a:schemeClr val="accent6"/>
+          </a:fillRef>
+          <a:effectRef idx="2">
+            <a:schemeClr val="accent6"/>
+          </a:effectRef>
+          <a:fontRef idx="minor">
+            <a:schemeClr val="lt1"/>
+          </a:fontRef>
+        </p:style>
+        <p:txBody>
+          <a:bodyPr rtlCol="0" anchor="t">
+            <a:normAutofit fontScale="25000" lnSpcReduction="20000"/>
+          </a:bodyPr>
+          <a:lstStyle/>
+          <a:p>
+            <a:pPr algn="ctr"/>
+            <a:endParaRPr lang="en-US" sz="1600" dirty="0" err="1">
+              <a:solidFill>
+                <a:schemeClr val="tx1"/>
+              </a:solidFill>
+              <a:latin typeface="Arial" pitchFamily="34" charset="0"/>
+              <a:cs typeface="Arial" pitchFamily="34" charset="0"/>
+            </a:endParaRPr>
+          </a:p>
+        </p:txBody>
+      </p:sp>
+      <p:sp>
+        <p:nvSpPr>
+          <p:cNvPr id="213" name="Diamond 212">
+            <a:extLst>
+              <a:ext uri="{FF2B5EF4-FFF2-40B4-BE49-F238E27FC236}">
+                <a16:creationId xmlns:a16="http://schemas.microsoft.com/office/drawing/2014/main" id="{5E913281-94A1-134C-A5F0-1E8BB94FD2DD}"/>
+              </a:ext>
+            </a:extLst>
+          </p:cNvPr>
+          <p:cNvSpPr>
+            <a:spLocks noChangeAspect="1"/>
+          </p:cNvSpPr>
+          <p:nvPr/>
+        </p:nvSpPr>
+        <p:spPr>
+          <a:xfrm rot="18971391">
+            <a:off x="9068475" y="2519196"/>
+            <a:ext cx="246888" cy="246888"/>
+          </a:xfrm>
+          <a:prstGeom prst="diamond">
+            <a:avLst/>
+          </a:prstGeom>
+          <a:solidFill>
+            <a:srgbClr val="0070C0"/>
+          </a:solidFill>
+          <a:ln>
+            <a:solidFill>
+              <a:schemeClr val="tx1"/>
+            </a:solidFill>
+          </a:ln>
+        </p:spPr>
+        <p:style>
+          <a:lnRef idx="1">
+            <a:schemeClr val="accent6"/>
+          </a:lnRef>
+          <a:fillRef idx="3">
+            <a:schemeClr val="accent6"/>
+          </a:fillRef>
+          <a:effectRef idx="2">
+            <a:schemeClr val="accent6"/>
+          </a:effectRef>
+          <a:fontRef idx="minor">
+            <a:schemeClr val="lt1"/>
+          </a:fontRef>
+        </p:style>
+        <p:txBody>
+          <a:bodyPr rtlCol="0" anchor="t">
+            <a:normAutofit fontScale="25000" lnSpcReduction="20000"/>
+          </a:bodyPr>
+          <a:lstStyle/>
+          <a:p>
+            <a:pPr algn="ctr"/>
+            <a:endParaRPr lang="en-US" sz="1600" dirty="0" err="1">
+              <a:solidFill>
+                <a:schemeClr val="tx1"/>
+              </a:solidFill>
+              <a:latin typeface="Arial" pitchFamily="34" charset="0"/>
+              <a:cs typeface="Arial" pitchFamily="34" charset="0"/>
+            </a:endParaRPr>
+          </a:p>
+        </p:txBody>
+      </p:sp>
+      <p:sp>
+        <p:nvSpPr>
+          <p:cNvPr id="214" name="Diamond 213">
+            <a:extLst>
+              <a:ext uri="{FF2B5EF4-FFF2-40B4-BE49-F238E27FC236}">
+                <a16:creationId xmlns:a16="http://schemas.microsoft.com/office/drawing/2014/main" id="{3B777B00-E62A-DD46-8A7C-171B83B1EAFD}"/>
+              </a:ext>
+            </a:extLst>
+          </p:cNvPr>
+          <p:cNvSpPr>
+            <a:spLocks noChangeAspect="1"/>
+          </p:cNvSpPr>
+          <p:nvPr/>
+        </p:nvSpPr>
+        <p:spPr>
+          <a:xfrm rot="18971391">
+            <a:off x="9425971" y="2519196"/>
+            <a:ext cx="246888" cy="246888"/>
+          </a:xfrm>
+          <a:prstGeom prst="diamond">
+            <a:avLst/>
+          </a:prstGeom>
+          <a:solidFill>
+            <a:srgbClr val="0070C0"/>
+          </a:solidFill>
+          <a:ln>
+            <a:solidFill>
+              <a:schemeClr val="tx1"/>
+            </a:solidFill>
+          </a:ln>
+        </p:spPr>
+        <p:style>
+          <a:lnRef idx="1">
+            <a:schemeClr val="accent6"/>
+          </a:lnRef>
+          <a:fillRef idx="3">
+            <a:schemeClr val="accent6"/>
+          </a:fillRef>
+          <a:effectRef idx="2">
+            <a:schemeClr val="accent6"/>
+          </a:effectRef>
+          <a:fontRef idx="minor">
+            <a:schemeClr val="lt1"/>
+          </a:fontRef>
+        </p:style>
+        <p:txBody>
+          <a:bodyPr rtlCol="0" anchor="t">
+            <a:normAutofit fontScale="25000" lnSpcReduction="20000"/>
+          </a:bodyPr>
+          <a:lstStyle/>
+          <a:p>
+            <a:pPr algn="ctr"/>
+            <a:endParaRPr lang="en-US" sz="1600" dirty="0" err="1">
+              <a:solidFill>
+                <a:schemeClr val="tx1"/>
+              </a:solidFill>
+              <a:latin typeface="Arial" pitchFamily="34" charset="0"/>
+              <a:cs typeface="Arial" pitchFamily="34" charset="0"/>
+            </a:endParaRPr>
+          </a:p>
+        </p:txBody>
+      </p:sp>
+      <p:sp>
+        <p:nvSpPr>
+          <p:cNvPr id="215" name="Diamond 214">
+            <a:extLst>
+              <a:ext uri="{FF2B5EF4-FFF2-40B4-BE49-F238E27FC236}">
+                <a16:creationId xmlns:a16="http://schemas.microsoft.com/office/drawing/2014/main" id="{5F370D92-C997-5B43-8C67-C18418B337B5}"/>
+              </a:ext>
+            </a:extLst>
+          </p:cNvPr>
+          <p:cNvSpPr>
+            <a:spLocks noChangeAspect="1"/>
+          </p:cNvSpPr>
+          <p:nvPr/>
+        </p:nvSpPr>
+        <p:spPr>
+          <a:xfrm rot="18971391">
+            <a:off x="9604719" y="2519196"/>
+            <a:ext cx="246888" cy="246888"/>
+          </a:xfrm>
+          <a:prstGeom prst="diamond">
+            <a:avLst/>
+          </a:prstGeom>
+          <a:solidFill>
+            <a:srgbClr val="0070C0"/>
+          </a:solidFill>
+          <a:ln>
+            <a:solidFill>
+              <a:schemeClr val="tx1"/>
+            </a:solidFill>
+          </a:ln>
+        </p:spPr>
+        <p:style>
+          <a:lnRef idx="1">
+            <a:schemeClr val="accent6"/>
+          </a:lnRef>
+          <a:fillRef idx="3">
+            <a:schemeClr val="accent6"/>
+          </a:fillRef>
+          <a:effectRef idx="2">
+            <a:schemeClr val="accent6"/>
+          </a:effectRef>
+          <a:fontRef idx="minor">
+            <a:schemeClr val="lt1"/>
+          </a:fontRef>
+        </p:style>
+        <p:txBody>
+          <a:bodyPr rtlCol="0" anchor="t">
+            <a:normAutofit fontScale="25000" lnSpcReduction="20000"/>
+          </a:bodyPr>
+          <a:lstStyle/>
+          <a:p>
+            <a:pPr algn="ctr"/>
+            <a:endParaRPr lang="en-US" sz="1600" dirty="0" err="1">
+              <a:solidFill>
+                <a:schemeClr val="tx1"/>
+              </a:solidFill>
+              <a:latin typeface="Arial" pitchFamily="34" charset="0"/>
+              <a:cs typeface="Arial" pitchFamily="34" charset="0"/>
+            </a:endParaRPr>
+          </a:p>
+        </p:txBody>
+      </p:sp>
+      <p:sp>
+        <p:nvSpPr>
+          <p:cNvPr id="216" name="Diamond 215">
+            <a:extLst>
+              <a:ext uri="{FF2B5EF4-FFF2-40B4-BE49-F238E27FC236}">
+                <a16:creationId xmlns:a16="http://schemas.microsoft.com/office/drawing/2014/main" id="{96822EFE-0D15-2042-BD72-30E19C13FF80}"/>
+              </a:ext>
+            </a:extLst>
+          </p:cNvPr>
+          <p:cNvSpPr>
+            <a:spLocks noChangeAspect="1"/>
+          </p:cNvSpPr>
+          <p:nvPr/>
+        </p:nvSpPr>
+        <p:spPr>
+          <a:xfrm rot="18971391">
+            <a:off x="9247223" y="2519196"/>
+            <a:ext cx="246888" cy="246888"/>
+          </a:xfrm>
+          <a:prstGeom prst="diamond">
+            <a:avLst/>
+          </a:prstGeom>
+          <a:solidFill>
+            <a:srgbClr val="0070C0"/>
+          </a:solidFill>
+          <a:ln>
+            <a:solidFill>
+              <a:schemeClr val="tx1"/>
+            </a:solidFill>
+          </a:ln>
+        </p:spPr>
+        <p:style>
+          <a:lnRef idx="1">
+            <a:schemeClr val="accent6"/>
+          </a:lnRef>
+          <a:fillRef idx="3">
+            <a:schemeClr val="accent6"/>
+          </a:fillRef>
+          <a:effectRef idx="2">
+            <a:schemeClr val="accent6"/>
+          </a:effectRef>
+          <a:fontRef idx="minor">
+            <a:schemeClr val="lt1"/>
+          </a:fontRef>
+        </p:style>
+        <p:txBody>
+          <a:bodyPr rtlCol="0" anchor="t">
+            <a:normAutofit fontScale="25000" lnSpcReduction="20000"/>
+          </a:bodyPr>
+          <a:lstStyle/>
+          <a:p>
+            <a:pPr algn="ctr"/>
+            <a:endParaRPr lang="en-US" sz="1600" dirty="0" err="1">
+              <a:solidFill>
+                <a:schemeClr val="tx1"/>
+              </a:solidFill>
+              <a:latin typeface="Arial" pitchFamily="34" charset="0"/>
+              <a:cs typeface="Arial" pitchFamily="34" charset="0"/>
+            </a:endParaRPr>
+          </a:p>
+        </p:txBody>
+      </p:sp>
+      <p:sp>
+        <p:nvSpPr>
+          <p:cNvPr id="227" name="Rectangle 226">
+            <a:extLst>
+              <a:ext uri="{FF2B5EF4-FFF2-40B4-BE49-F238E27FC236}">
+                <a16:creationId xmlns:a16="http://schemas.microsoft.com/office/drawing/2014/main" id="{9BDF5E56-508C-574B-B173-5252C9C44C18}"/>
+              </a:ext>
+            </a:extLst>
+          </p:cNvPr>
+          <p:cNvSpPr/>
+          <p:nvPr/>
+        </p:nvSpPr>
+        <p:spPr>
+          <a:xfrm>
+            <a:off x="6646968" y="1709850"/>
+            <a:ext cx="4649923" cy="1451292"/>
+          </a:xfrm>
+          <a:prstGeom prst="rect">
+            <a:avLst/>
+          </a:prstGeom>
+          <a:noFill/>
+          <a:ln w="28575">
+            <a:prstDash val="dash"/>
+          </a:ln>
+        </p:spPr>
+        <p:style>
+          <a:lnRef idx="2">
+            <a:schemeClr val="accent1">
+              <a:shade val="50000"/>
+            </a:schemeClr>
+          </a:lnRef>
+          <a:fillRef idx="1">
+            <a:schemeClr val="accent1"/>
+          </a:fillRef>
+          <a:effectRef idx="0">
+            <a:schemeClr val="accent1"/>
+          </a:effectRef>
+          <a:fontRef idx="minor">
+            <a:schemeClr val="lt1"/>
+          </a:fontRef>
+        </p:style>
+        <p:txBody>
+          <a:bodyPr rtlCol="0" anchor="ctr"/>
+          <a:lstStyle/>
+          <a:p>
+            <a:r>
+              <a:rPr lang="en-US" sz="2800" b="1" dirty="0">
+                <a:solidFill>
+                  <a:schemeClr val="tx1"/>
+                </a:solidFill>
+              </a:rPr>
+              <a:t>  INDEX</a:t>
+            </a:r>
+          </a:p>
+        </p:txBody>
+      </p:sp>
+      <p:sp>
+        <p:nvSpPr>
+          <p:cNvPr id="229" name="TextBox 228">
+            <a:extLst>
+              <a:ext uri="{FF2B5EF4-FFF2-40B4-BE49-F238E27FC236}">
+                <a16:creationId xmlns:a16="http://schemas.microsoft.com/office/drawing/2014/main" id="{632FFC3D-1956-1444-9143-41A207016049}"/>
+              </a:ext>
+            </a:extLst>
+          </p:cNvPr>
+          <p:cNvSpPr txBox="1"/>
+          <p:nvPr/>
+        </p:nvSpPr>
+        <p:spPr>
+          <a:xfrm>
+            <a:off x="8052474" y="637903"/>
+            <a:ext cx="2033183" cy="914400"/>
+          </a:xfrm>
+          <a:prstGeom prst="rect">
+            <a:avLst/>
+          </a:prstGeom>
+          <a:noFill/>
+          <a:ln>
+            <a:noFill/>
+          </a:ln>
+        </p:spPr>
+        <p:txBody>
+          <a:bodyPr wrap="none" rtlCol="0">
+            <a:normAutofit/>
+          </a:bodyPr>
+          <a:lstStyle/>
+          <a:p>
+            <a:pPr algn="ctr"/>
+            <a:r>
+              <a:rPr lang="en-US" sz="4400" dirty="0"/>
+              <a:t>Compacted Segment</a:t>
+            </a:r>
+          </a:p>
+        </p:txBody>
+      </p:sp>
+      <p:sp>
+        <p:nvSpPr>
+          <p:cNvPr id="246" name="Rectangle 245">
+            <a:extLst>
+              <a:ext uri="{FF2B5EF4-FFF2-40B4-BE49-F238E27FC236}">
+                <a16:creationId xmlns:a16="http://schemas.microsoft.com/office/drawing/2014/main" id="{6C5B0329-73E3-8947-A940-F3E5BF31F541}"/>
+              </a:ext>
+            </a:extLst>
+          </p:cNvPr>
+          <p:cNvSpPr/>
+          <p:nvPr/>
+        </p:nvSpPr>
+        <p:spPr>
+          <a:xfrm>
+            <a:off x="9234584" y="3410209"/>
+            <a:ext cx="536608" cy="462987"/>
+          </a:xfrm>
+          <a:prstGeom prst="rect">
+            <a:avLst/>
+          </a:prstGeom>
+          <a:noFill/>
+          <a:ln>
+            <a:noFill/>
+          </a:ln>
+        </p:spPr>
+        <p:style>
+          <a:lnRef idx="2">
+            <a:schemeClr val="accent1">
+              <a:shade val="50000"/>
+            </a:schemeClr>
+          </a:lnRef>
+          <a:fillRef idx="1">
+            <a:schemeClr val="accent1"/>
+          </a:fillRef>
+          <a:effectRef idx="0">
+            <a:schemeClr val="accent1"/>
+          </a:effectRef>
+          <a:fontRef idx="minor">
+            <a:schemeClr val="lt1"/>
+          </a:fontRef>
+        </p:style>
+        <p:txBody>
+          <a:bodyPr rtlCol="0" anchor="ctr"/>
+          <a:lstStyle/>
+          <a:p>
+            <a:pPr algn="ctr"/>
+            <a:endParaRPr lang="en-US"/>
+          </a:p>
+        </p:txBody>
+      </p:sp>
+      <p:sp>
+        <p:nvSpPr>
+          <p:cNvPr id="249" name="Rectangle 248">
+            <a:extLst>
+              <a:ext uri="{FF2B5EF4-FFF2-40B4-BE49-F238E27FC236}">
+                <a16:creationId xmlns:a16="http://schemas.microsoft.com/office/drawing/2014/main" id="{963D3DBC-C39F-144F-8B67-03E6C7595025}"/>
+              </a:ext>
+            </a:extLst>
+          </p:cNvPr>
+          <p:cNvSpPr/>
+          <p:nvPr/>
+        </p:nvSpPr>
+        <p:spPr>
+          <a:xfrm>
+            <a:off x="8104148" y="3410209"/>
+            <a:ext cx="536608" cy="462987"/>
+          </a:xfrm>
+          <a:prstGeom prst="rect">
+            <a:avLst/>
+          </a:prstGeom>
+          <a:noFill/>
+          <a:ln>
+            <a:noFill/>
+          </a:ln>
+        </p:spPr>
+        <p:style>
+          <a:lnRef idx="2">
+            <a:schemeClr val="accent1">
+              <a:shade val="50000"/>
+            </a:schemeClr>
+          </a:lnRef>
+          <a:fillRef idx="1">
+            <a:schemeClr val="accent1"/>
+          </a:fillRef>
+          <a:effectRef idx="0">
+            <a:schemeClr val="accent1"/>
+          </a:effectRef>
+          <a:fontRef idx="minor">
+            <a:schemeClr val="lt1"/>
+          </a:fontRef>
+        </p:style>
+        <p:txBody>
+          <a:bodyPr rtlCol="0" anchor="ctr"/>
+          <a:lstStyle/>
+          <a:p>
+            <a:pPr algn="ctr"/>
+            <a:endParaRPr lang="en-US"/>
+          </a:p>
+        </p:txBody>
+      </p:sp>
+      <p:sp>
+        <p:nvSpPr>
+          <p:cNvPr id="312" name="Rectangle 311">
+            <a:extLst>
+              <a:ext uri="{FF2B5EF4-FFF2-40B4-BE49-F238E27FC236}">
+                <a16:creationId xmlns:a16="http://schemas.microsoft.com/office/drawing/2014/main" id="{41A110A2-1673-384E-9795-3F9193AD5D47}"/>
+              </a:ext>
+            </a:extLst>
+          </p:cNvPr>
+          <p:cNvSpPr/>
+          <p:nvPr/>
+        </p:nvSpPr>
+        <p:spPr>
+          <a:xfrm>
+            <a:off x="7907317" y="3987955"/>
+            <a:ext cx="1476912" cy="479512"/>
+          </a:xfrm>
+          <a:prstGeom prst="rect">
+            <a:avLst/>
+          </a:prstGeom>
+        </p:spPr>
+        <p:style>
+          <a:lnRef idx="2">
+            <a:schemeClr val="accent1">
+              <a:shade val="50000"/>
+            </a:schemeClr>
+          </a:lnRef>
+          <a:fillRef idx="1">
+            <a:schemeClr val="accent1"/>
+          </a:fillRef>
+          <a:effectRef idx="0">
+            <a:schemeClr val="accent1"/>
+          </a:effectRef>
+          <a:fontRef idx="minor">
+            <a:schemeClr val="lt1"/>
+          </a:fontRef>
+        </p:style>
+        <p:txBody>
+          <a:bodyPr rtlCol="0" anchor="ctr"/>
+          <a:lstStyle/>
+          <a:p>
+            <a:pPr algn="ctr"/>
+            <a:r>
+              <a:rPr lang="en-US" sz="2000" b="1" dirty="0"/>
+              <a:t>K</a:t>
+            </a:r>
+            <a:r>
+              <a:rPr lang="en-US" sz="2000" dirty="0"/>
+              <a:t> | </a:t>
+            </a:r>
+            <a:r>
+              <a:rPr lang="en-US" sz="2000" b="1" dirty="0"/>
+              <a:t>V</a:t>
+            </a:r>
+            <a:r>
+              <a:rPr lang="en-US" sz="2000" dirty="0"/>
+              <a:t> | </a:t>
+            </a:r>
+            <a:r>
+              <a:rPr lang="en-US" sz="2000" b="1" dirty="0" err="1"/>
+              <a:t>ts</a:t>
+            </a:r>
+            <a:r>
+              <a:rPr lang="en-US" sz="2000" b="1" dirty="0"/>
+              <a:t>=2</a:t>
+            </a:r>
+          </a:p>
+        </p:txBody>
+      </p:sp>
+      <p:cxnSp>
+        <p:nvCxnSpPr>
+          <p:cNvPr id="317" name="Curved Connector 316">
+            <a:extLst>
+              <a:ext uri="{FF2B5EF4-FFF2-40B4-BE49-F238E27FC236}">
+                <a16:creationId xmlns:a16="http://schemas.microsoft.com/office/drawing/2014/main" id="{DEC9321D-0049-3340-8C65-D51E8031891D}"/>
+              </a:ext>
+            </a:extLst>
+          </p:cNvPr>
+          <p:cNvCxnSpPr>
+            <a:cxnSpLocks/>
+            <a:stCxn id="107" idx="2"/>
+            <a:endCxn id="312" idx="0"/>
+          </p:cNvCxnSpPr>
+          <p:nvPr/>
+        </p:nvCxnSpPr>
+        <p:spPr>
+          <a:xfrm rot="16200000" flipH="1">
+            <a:off x="7886588" y="3228769"/>
+            <a:ext cx="1256233" cy="262137"/>
+          </a:xfrm>
+          <a:prstGeom prst="curvedConnector3">
+            <a:avLst>
+              <a:gd name="adj1" fmla="val 10942"/>
+            </a:avLst>
+          </a:prstGeom>
+          <a:ln w="38100">
+            <a:solidFill>
+              <a:schemeClr val="tx1"/>
+            </a:solidFill>
+            <a:tailEnd type="arrow"/>
+          </a:ln>
+        </p:spPr>
+        <p:style>
+          <a:lnRef idx="1">
+            <a:schemeClr val="accent1"/>
+          </a:lnRef>
+          <a:fillRef idx="0">
+            <a:schemeClr val="accent1"/>
+          </a:fillRef>
+          <a:effectRef idx="0">
+            <a:schemeClr val="accent1"/>
+          </a:effectRef>
+          <a:fontRef idx="minor">
+            <a:schemeClr val="tx1"/>
+          </a:fontRef>
+        </p:style>
+      </p:cxnSp>
+      <p:sp>
+        <p:nvSpPr>
+          <p:cNvPr id="76" name="Rounded Rectangle 75">
+            <a:extLst>
+              <a:ext uri="{FF2B5EF4-FFF2-40B4-BE49-F238E27FC236}">
+                <a16:creationId xmlns:a16="http://schemas.microsoft.com/office/drawing/2014/main" id="{445564D0-7B6E-CE47-8368-FDDD71FED5B9}"/>
+              </a:ext>
+            </a:extLst>
+          </p:cNvPr>
+          <p:cNvSpPr>
+            <a:spLocks/>
+          </p:cNvSpPr>
+          <p:nvPr/>
+        </p:nvSpPr>
+        <p:spPr>
+          <a:xfrm>
+            <a:off x="391346" y="1483302"/>
+            <a:ext cx="5308784" cy="4297680"/>
+          </a:xfrm>
+          <a:prstGeom prst="roundRect">
+            <a:avLst/>
+          </a:prstGeom>
+          <a:noFill/>
+          <a:ln w="28575">
+            <a:solidFill>
+              <a:srgbClr val="002060">
+                <a:alpha val="70000"/>
+              </a:srgbClr>
+            </a:solidFill>
+          </a:ln>
+        </p:spPr>
+        <p:style>
+          <a:lnRef idx="2">
+            <a:schemeClr val="accent1"/>
+          </a:lnRef>
+          <a:fillRef idx="1">
+            <a:schemeClr val="lt1"/>
+          </a:fillRef>
+          <a:effectRef idx="0">
+            <a:schemeClr val="accent1"/>
+          </a:effectRef>
+          <a:fontRef idx="minor">
+            <a:schemeClr val="dk1"/>
+          </a:fontRef>
+        </p:style>
+        <p:txBody>
+          <a:bodyPr rot="0" spcFirstLastPara="0" vert="horz" wrap="square" lIns="91440" tIns="45720" rIns="91440" bIns="45720" numCol="1" spcCol="0" rtlCol="0" fromWordArt="0" anchor="ctr" anchorCtr="0" forceAA="0" compatLnSpc="1">
+            <a:prstTxWarp prst="textNoShape">
+              <a:avLst/>
+            </a:prstTxWarp>
+            <a:noAutofit/>
+          </a:bodyPr>
+          <a:lstStyle/>
+          <a:p>
+            <a:pPr marL="0" marR="0" algn="ctr">
+              <a:spcBef>
+                <a:spcPts val="0"/>
+              </a:spcBef>
+              <a:spcAft>
+                <a:spcPts val="0"/>
+              </a:spcAft>
+            </a:pPr>
+            <a:endParaRPr lang="en-US" sz="1200" dirty="0">
+              <a:effectLst/>
+              <a:ea typeface="ＭＳ 明朝"/>
+              <a:cs typeface="Times New Roman"/>
+            </a:endParaRPr>
+          </a:p>
+        </p:txBody>
+      </p:sp>
+      <p:sp>
+        <p:nvSpPr>
+          <p:cNvPr id="77" name="TextBox 76">
+            <a:extLst>
+              <a:ext uri="{FF2B5EF4-FFF2-40B4-BE49-F238E27FC236}">
+                <a16:creationId xmlns:a16="http://schemas.microsoft.com/office/drawing/2014/main" id="{9945AEB0-125B-8349-9BFE-46A5EEF5EF4F}"/>
+              </a:ext>
+            </a:extLst>
+          </p:cNvPr>
+          <p:cNvSpPr txBox="1"/>
+          <p:nvPr/>
+        </p:nvSpPr>
+        <p:spPr>
+          <a:xfrm>
+            <a:off x="2182428" y="2132256"/>
+            <a:ext cx="2033183" cy="914400"/>
+          </a:xfrm>
+          <a:prstGeom prst="rect">
+            <a:avLst/>
+          </a:prstGeom>
+          <a:noFill/>
+          <a:ln>
+            <a:noFill/>
+          </a:ln>
+        </p:spPr>
+        <p:txBody>
+          <a:bodyPr wrap="none" rtlCol="0">
+            <a:normAutofit/>
+          </a:bodyPr>
+          <a:lstStyle/>
+          <a:p>
+            <a:pPr algn="ctr"/>
+            <a:r>
+              <a:rPr lang="en-US" sz="2400" b="1" dirty="0"/>
+              <a:t>Ordered Array</a:t>
+            </a:r>
+          </a:p>
+        </p:txBody>
+      </p:sp>
+      <p:sp>
+        <p:nvSpPr>
+          <p:cNvPr id="78" name="Rectangle 77">
+            <a:extLst>
+              <a:ext uri="{FF2B5EF4-FFF2-40B4-BE49-F238E27FC236}">
+                <a16:creationId xmlns:a16="http://schemas.microsoft.com/office/drawing/2014/main" id="{C9B7F313-77B8-6141-823C-6ADADD5DD1CF}"/>
+              </a:ext>
+            </a:extLst>
+          </p:cNvPr>
+          <p:cNvSpPr/>
+          <p:nvPr/>
+        </p:nvSpPr>
+        <p:spPr>
+          <a:xfrm>
+            <a:off x="710812" y="3428795"/>
+            <a:ext cx="4649923" cy="2011680"/>
+          </a:xfrm>
+          <a:prstGeom prst="rect">
+            <a:avLst/>
+          </a:prstGeom>
+          <a:solidFill>
+            <a:schemeClr val="accent1">
+              <a:lumMod val="40000"/>
+              <a:lumOff val="60000"/>
+            </a:schemeClr>
+          </a:solidFill>
+          <a:ln w="28575">
+            <a:prstDash val="dash"/>
+          </a:ln>
+        </p:spPr>
+        <p:style>
+          <a:lnRef idx="2">
+            <a:schemeClr val="accent1">
+              <a:shade val="50000"/>
+            </a:schemeClr>
+          </a:lnRef>
+          <a:fillRef idx="1">
+            <a:schemeClr val="accent1"/>
+          </a:fillRef>
+          <a:effectRef idx="0">
+            <a:schemeClr val="accent1"/>
+          </a:effectRef>
+          <a:fontRef idx="minor">
+            <a:schemeClr val="lt1"/>
+          </a:fontRef>
+        </p:style>
+        <p:txBody>
+          <a:bodyPr rtlCol="0" anchor="ctr"/>
+          <a:lstStyle/>
+          <a:p>
+            <a:r>
+              <a:rPr lang="en-US" sz="2800" b="1" dirty="0"/>
+              <a:t>  DATA</a:t>
+            </a:r>
+          </a:p>
+        </p:txBody>
+      </p:sp>
+      <p:sp>
+        <p:nvSpPr>
+          <p:cNvPr id="81" name="Diamond 80">
+            <a:extLst>
+              <a:ext uri="{FF2B5EF4-FFF2-40B4-BE49-F238E27FC236}">
+                <a16:creationId xmlns:a16="http://schemas.microsoft.com/office/drawing/2014/main" id="{01E29868-8DB6-B845-9E69-D18496091F8D}"/>
+              </a:ext>
+            </a:extLst>
+          </p:cNvPr>
+          <p:cNvSpPr>
+            <a:spLocks noChangeAspect="1"/>
+          </p:cNvSpPr>
+          <p:nvPr/>
+        </p:nvSpPr>
+        <p:spPr>
+          <a:xfrm rot="18971391">
+            <a:off x="2422939" y="2534217"/>
+            <a:ext cx="246888" cy="246888"/>
+          </a:xfrm>
+          <a:prstGeom prst="diamond">
+            <a:avLst/>
+          </a:prstGeom>
+          <a:solidFill>
+            <a:srgbClr val="0070C0"/>
+          </a:solidFill>
+          <a:ln>
+            <a:solidFill>
+              <a:schemeClr val="tx1"/>
+            </a:solidFill>
+          </a:ln>
+        </p:spPr>
+        <p:style>
+          <a:lnRef idx="1">
+            <a:schemeClr val="accent6"/>
+          </a:lnRef>
+          <a:fillRef idx="3">
+            <a:schemeClr val="accent6"/>
+          </a:fillRef>
+          <a:effectRef idx="2">
+            <a:schemeClr val="accent6"/>
+          </a:effectRef>
+          <a:fontRef idx="minor">
+            <a:schemeClr val="lt1"/>
+          </a:fontRef>
+        </p:style>
+        <p:txBody>
+          <a:bodyPr rtlCol="0" anchor="t">
+            <a:normAutofit fontScale="25000" lnSpcReduction="20000"/>
+          </a:bodyPr>
+          <a:lstStyle/>
+          <a:p>
+            <a:pPr algn="ctr"/>
+            <a:endParaRPr lang="en-US" sz="1600" dirty="0" err="1">
+              <a:solidFill>
+                <a:schemeClr val="tx1"/>
+              </a:solidFill>
+              <a:latin typeface="Arial" pitchFamily="34" charset="0"/>
+              <a:cs typeface="Arial" pitchFamily="34" charset="0"/>
+            </a:endParaRPr>
+          </a:p>
+        </p:txBody>
+      </p:sp>
+      <p:cxnSp>
+        <p:nvCxnSpPr>
+          <p:cNvPr id="82" name="Straight Arrow Connector 81">
+            <a:extLst>
+              <a:ext uri="{FF2B5EF4-FFF2-40B4-BE49-F238E27FC236}">
+                <a16:creationId xmlns:a16="http://schemas.microsoft.com/office/drawing/2014/main" id="{8B4203A2-8AD0-D544-B852-96F725340E1C}"/>
+              </a:ext>
+            </a:extLst>
+          </p:cNvPr>
+          <p:cNvCxnSpPr>
+            <a:cxnSpLocks/>
+            <a:stCxn id="81" idx="1"/>
+          </p:cNvCxnSpPr>
+          <p:nvPr/>
+        </p:nvCxnSpPr>
+        <p:spPr>
+          <a:xfrm flipH="1">
+            <a:off x="1115789" y="2743118"/>
+            <a:ext cx="1341512" cy="667592"/>
+          </a:xfrm>
+          <a:prstGeom prst="straightConnector1">
+            <a:avLst/>
+          </a:prstGeom>
+          <a:ln w="38100">
+            <a:solidFill>
+              <a:srgbClr val="000000"/>
+            </a:solidFill>
+            <a:tailEnd type="arrow"/>
+          </a:ln>
+        </p:spPr>
+        <p:style>
+          <a:lnRef idx="1">
+            <a:schemeClr val="accent1"/>
+          </a:lnRef>
+          <a:fillRef idx="0">
+            <a:schemeClr val="accent1"/>
+          </a:fillRef>
+          <a:effectRef idx="0">
+            <a:schemeClr val="accent1"/>
+          </a:effectRef>
+          <a:fontRef idx="minor">
+            <a:schemeClr val="tx1"/>
+          </a:fontRef>
+        </p:style>
+      </p:cxnSp>
+      <p:cxnSp>
+        <p:nvCxnSpPr>
+          <p:cNvPr id="84" name="Straight Arrow Connector 83">
+            <a:extLst>
+              <a:ext uri="{FF2B5EF4-FFF2-40B4-BE49-F238E27FC236}">
+                <a16:creationId xmlns:a16="http://schemas.microsoft.com/office/drawing/2014/main" id="{1A0566DD-698C-D246-961C-A7DA70A88227}"/>
+              </a:ext>
+            </a:extLst>
+          </p:cNvPr>
+          <p:cNvCxnSpPr>
+            <a:cxnSpLocks/>
+            <a:stCxn id="91" idx="1"/>
+            <a:endCxn id="78" idx="0"/>
+          </p:cNvCxnSpPr>
+          <p:nvPr/>
+        </p:nvCxnSpPr>
+        <p:spPr>
+          <a:xfrm flipH="1">
+            <a:off x="3035774" y="2743118"/>
+            <a:ext cx="123371" cy="685677"/>
+          </a:xfrm>
+          <a:prstGeom prst="straightConnector1">
+            <a:avLst/>
+          </a:prstGeom>
+          <a:ln w="38100">
+            <a:solidFill>
+              <a:srgbClr val="000000"/>
+            </a:solidFill>
+            <a:tailEnd type="arrow"/>
+          </a:ln>
+        </p:spPr>
+        <p:style>
+          <a:lnRef idx="1">
+            <a:schemeClr val="accent1"/>
+          </a:lnRef>
+          <a:fillRef idx="0">
+            <a:schemeClr val="accent1"/>
+          </a:fillRef>
+          <a:effectRef idx="0">
+            <a:schemeClr val="accent1"/>
+          </a:effectRef>
+          <a:fontRef idx="minor">
+            <a:schemeClr val="tx1"/>
+          </a:fontRef>
+        </p:style>
+      </p:cxnSp>
+      <p:cxnSp>
+        <p:nvCxnSpPr>
+          <p:cNvPr id="85" name="Straight Arrow Connector 84">
+            <a:extLst>
+              <a:ext uri="{FF2B5EF4-FFF2-40B4-BE49-F238E27FC236}">
+                <a16:creationId xmlns:a16="http://schemas.microsoft.com/office/drawing/2014/main" id="{399E1899-5F22-D74F-BF2A-7F1D936C88D0}"/>
+              </a:ext>
+            </a:extLst>
+          </p:cNvPr>
+          <p:cNvCxnSpPr>
+            <a:cxnSpLocks/>
+            <a:stCxn id="93" idx="1"/>
+            <a:endCxn id="97" idx="0"/>
+          </p:cNvCxnSpPr>
+          <p:nvPr/>
+        </p:nvCxnSpPr>
+        <p:spPr>
+          <a:xfrm>
+            <a:off x="3685527" y="2743118"/>
+            <a:ext cx="383010" cy="685677"/>
+          </a:xfrm>
+          <a:prstGeom prst="straightConnector1">
+            <a:avLst/>
+          </a:prstGeom>
+          <a:ln w="38100">
+            <a:solidFill>
+              <a:srgbClr val="000000"/>
+            </a:solidFill>
+            <a:tailEnd type="arrow"/>
+          </a:ln>
+        </p:spPr>
+        <p:style>
+          <a:lnRef idx="1">
+            <a:schemeClr val="accent1"/>
+          </a:lnRef>
+          <a:fillRef idx="0">
+            <a:schemeClr val="accent1"/>
+          </a:fillRef>
+          <a:effectRef idx="0">
+            <a:schemeClr val="accent1"/>
+          </a:effectRef>
+          <a:fontRef idx="minor">
+            <a:schemeClr val="tx1"/>
+          </a:fontRef>
+        </p:style>
+      </p:cxnSp>
+      <p:cxnSp>
+        <p:nvCxnSpPr>
+          <p:cNvPr id="86" name="Straight Arrow Connector 85">
+            <a:extLst>
+              <a:ext uri="{FF2B5EF4-FFF2-40B4-BE49-F238E27FC236}">
+                <a16:creationId xmlns:a16="http://schemas.microsoft.com/office/drawing/2014/main" id="{D689F4C3-891F-F646-A843-EE6632D7D2C0}"/>
+              </a:ext>
+            </a:extLst>
+          </p:cNvPr>
+          <p:cNvCxnSpPr>
+            <a:cxnSpLocks/>
+            <a:stCxn id="110" idx="2"/>
+          </p:cNvCxnSpPr>
+          <p:nvPr/>
+        </p:nvCxnSpPr>
+        <p:spPr>
+          <a:xfrm>
+            <a:off x="4035313" y="2746743"/>
+            <a:ext cx="233301" cy="682052"/>
+          </a:xfrm>
+          <a:prstGeom prst="straightConnector1">
+            <a:avLst/>
+          </a:prstGeom>
+          <a:ln w="38100">
+            <a:solidFill>
+              <a:srgbClr val="000000"/>
+            </a:solidFill>
+            <a:tailEnd type="arrow"/>
+          </a:ln>
+        </p:spPr>
+        <p:style>
+          <a:lnRef idx="1">
+            <a:schemeClr val="accent1"/>
+          </a:lnRef>
+          <a:fillRef idx="0">
+            <a:schemeClr val="accent1"/>
+          </a:fillRef>
+          <a:effectRef idx="0">
+            <a:schemeClr val="accent1"/>
+          </a:effectRef>
+          <a:fontRef idx="minor">
+            <a:schemeClr val="tx1"/>
+          </a:fontRef>
+        </p:style>
+      </p:cxnSp>
+      <p:cxnSp>
+        <p:nvCxnSpPr>
+          <p:cNvPr id="87" name="Straight Arrow Connector 86">
+            <a:extLst>
+              <a:ext uri="{FF2B5EF4-FFF2-40B4-BE49-F238E27FC236}">
+                <a16:creationId xmlns:a16="http://schemas.microsoft.com/office/drawing/2014/main" id="{634CD8C8-2697-A446-9829-76513CED36D9}"/>
+              </a:ext>
+            </a:extLst>
+          </p:cNvPr>
+          <p:cNvCxnSpPr>
+            <a:cxnSpLocks/>
+            <a:stCxn id="114" idx="1"/>
+          </p:cNvCxnSpPr>
+          <p:nvPr/>
+        </p:nvCxnSpPr>
+        <p:spPr>
+          <a:xfrm>
+            <a:off x="4405984" y="2743118"/>
+            <a:ext cx="621728" cy="667592"/>
+          </a:xfrm>
+          <a:prstGeom prst="straightConnector1">
+            <a:avLst/>
+          </a:prstGeom>
+          <a:ln w="38100">
+            <a:solidFill>
+              <a:srgbClr val="000000"/>
+            </a:solidFill>
+            <a:tailEnd type="arrow"/>
+          </a:ln>
+        </p:spPr>
+        <p:style>
+          <a:lnRef idx="1">
+            <a:schemeClr val="accent1"/>
+          </a:lnRef>
+          <a:fillRef idx="0">
+            <a:schemeClr val="accent1"/>
+          </a:fillRef>
+          <a:effectRef idx="0">
+            <a:schemeClr val="accent1"/>
+          </a:effectRef>
+          <a:fontRef idx="minor">
+            <a:schemeClr val="tx1"/>
+          </a:fontRef>
+        </p:style>
+      </p:cxnSp>
+      <p:sp>
+        <p:nvSpPr>
+          <p:cNvPr id="88" name="Diamond 87">
+            <a:extLst>
+              <a:ext uri="{FF2B5EF4-FFF2-40B4-BE49-F238E27FC236}">
+                <a16:creationId xmlns:a16="http://schemas.microsoft.com/office/drawing/2014/main" id="{2D6A2B7A-70AA-C644-8B67-52EFC84CDEB2}"/>
+              </a:ext>
+            </a:extLst>
+          </p:cNvPr>
+          <p:cNvSpPr>
+            <a:spLocks noChangeAspect="1"/>
+          </p:cNvSpPr>
+          <p:nvPr/>
+        </p:nvSpPr>
+        <p:spPr>
+          <a:xfrm rot="18971391">
+            <a:off x="2773861" y="2534217"/>
+            <a:ext cx="246888" cy="246888"/>
+          </a:xfrm>
+          <a:prstGeom prst="diamond">
+            <a:avLst/>
+          </a:prstGeom>
+          <a:solidFill>
+            <a:srgbClr val="0070C0"/>
+          </a:solidFill>
+          <a:ln>
+            <a:solidFill>
+              <a:schemeClr val="tx1"/>
+            </a:solidFill>
+          </a:ln>
+        </p:spPr>
+        <p:style>
+          <a:lnRef idx="1">
+            <a:schemeClr val="accent6"/>
+          </a:lnRef>
+          <a:fillRef idx="3">
+            <a:schemeClr val="accent6"/>
+          </a:fillRef>
+          <a:effectRef idx="2">
+            <a:schemeClr val="accent6"/>
+          </a:effectRef>
+          <a:fontRef idx="minor">
+            <a:schemeClr val="lt1"/>
+          </a:fontRef>
+        </p:style>
+        <p:txBody>
+          <a:bodyPr rtlCol="0" anchor="t">
+            <a:normAutofit fontScale="25000" lnSpcReduction="20000"/>
+          </a:bodyPr>
+          <a:lstStyle/>
+          <a:p>
+            <a:pPr algn="ctr"/>
+            <a:endParaRPr lang="en-US" sz="1600" dirty="0" err="1">
+              <a:solidFill>
+                <a:schemeClr val="tx1"/>
+              </a:solidFill>
+              <a:latin typeface="Arial" pitchFamily="34" charset="0"/>
+              <a:cs typeface="Arial" pitchFamily="34" charset="0"/>
+            </a:endParaRPr>
+          </a:p>
+        </p:txBody>
+      </p:sp>
+      <p:sp>
+        <p:nvSpPr>
+          <p:cNvPr id="89" name="Diamond 88">
+            <a:extLst>
+              <a:ext uri="{FF2B5EF4-FFF2-40B4-BE49-F238E27FC236}">
+                <a16:creationId xmlns:a16="http://schemas.microsoft.com/office/drawing/2014/main" id="{135E4552-4C7B-A645-A207-7BE308A57F5C}"/>
+              </a:ext>
+            </a:extLst>
+          </p:cNvPr>
+          <p:cNvSpPr>
+            <a:spLocks noChangeAspect="1"/>
+          </p:cNvSpPr>
+          <p:nvPr/>
+        </p:nvSpPr>
+        <p:spPr>
+          <a:xfrm rot="18971391">
+            <a:off x="2949322" y="2534217"/>
+            <a:ext cx="246888" cy="246888"/>
+          </a:xfrm>
+          <a:prstGeom prst="diamond">
+            <a:avLst/>
+          </a:prstGeom>
+          <a:solidFill>
+            <a:srgbClr val="0070C0"/>
+          </a:solidFill>
+          <a:ln>
+            <a:solidFill>
+              <a:schemeClr val="tx1"/>
+            </a:solidFill>
+          </a:ln>
+        </p:spPr>
+        <p:style>
+          <a:lnRef idx="1">
+            <a:schemeClr val="accent6"/>
+          </a:lnRef>
+          <a:fillRef idx="3">
+            <a:schemeClr val="accent6"/>
+          </a:fillRef>
+          <a:effectRef idx="2">
+            <a:schemeClr val="accent6"/>
+          </a:effectRef>
+          <a:fontRef idx="minor">
+            <a:schemeClr val="lt1"/>
+          </a:fontRef>
+        </p:style>
+        <p:txBody>
+          <a:bodyPr rtlCol="0" anchor="t">
+            <a:normAutofit fontScale="25000" lnSpcReduction="20000"/>
+          </a:bodyPr>
+          <a:lstStyle/>
+          <a:p>
+            <a:pPr algn="ctr"/>
+            <a:endParaRPr lang="en-US" sz="1600" dirty="0" err="1">
+              <a:solidFill>
+                <a:schemeClr val="tx1"/>
+              </a:solidFill>
+              <a:latin typeface="Arial" pitchFamily="34" charset="0"/>
+              <a:cs typeface="Arial" pitchFamily="34" charset="0"/>
+            </a:endParaRPr>
+          </a:p>
+        </p:txBody>
+      </p:sp>
+      <p:sp>
+        <p:nvSpPr>
+          <p:cNvPr id="90" name="Diamond 89">
+            <a:extLst>
+              <a:ext uri="{FF2B5EF4-FFF2-40B4-BE49-F238E27FC236}">
+                <a16:creationId xmlns:a16="http://schemas.microsoft.com/office/drawing/2014/main" id="{772BB68A-C824-7A42-94C0-D0E1108D9D95}"/>
+              </a:ext>
+            </a:extLst>
+          </p:cNvPr>
+          <p:cNvSpPr>
+            <a:spLocks noChangeAspect="1"/>
+          </p:cNvSpPr>
+          <p:nvPr/>
+        </p:nvSpPr>
+        <p:spPr>
+          <a:xfrm rot="18971391">
+            <a:off x="2598400" y="2534217"/>
+            <a:ext cx="246888" cy="246888"/>
+          </a:xfrm>
+          <a:prstGeom prst="diamond">
+            <a:avLst/>
+          </a:prstGeom>
+          <a:solidFill>
+            <a:srgbClr val="0070C0"/>
+          </a:solidFill>
+          <a:ln>
+            <a:solidFill>
+              <a:schemeClr val="tx1"/>
+            </a:solidFill>
+          </a:ln>
+        </p:spPr>
+        <p:style>
+          <a:lnRef idx="1">
+            <a:schemeClr val="accent6"/>
+          </a:lnRef>
+          <a:fillRef idx="3">
+            <a:schemeClr val="accent6"/>
+          </a:fillRef>
+          <a:effectRef idx="2">
+            <a:schemeClr val="accent6"/>
+          </a:effectRef>
+          <a:fontRef idx="minor">
+            <a:schemeClr val="lt1"/>
+          </a:fontRef>
+        </p:style>
+        <p:txBody>
+          <a:bodyPr rtlCol="0" anchor="t">
+            <a:normAutofit fontScale="25000" lnSpcReduction="20000"/>
+          </a:bodyPr>
+          <a:lstStyle/>
+          <a:p>
+            <a:pPr algn="ctr"/>
+            <a:endParaRPr lang="en-US" sz="1600" dirty="0" err="1">
+              <a:solidFill>
+                <a:schemeClr val="tx1"/>
+              </a:solidFill>
+              <a:latin typeface="Arial" pitchFamily="34" charset="0"/>
+              <a:cs typeface="Arial" pitchFamily="34" charset="0"/>
+            </a:endParaRPr>
+          </a:p>
+        </p:txBody>
+      </p:sp>
+      <p:sp>
+        <p:nvSpPr>
+          <p:cNvPr id="91" name="Diamond 90">
+            <a:extLst>
+              <a:ext uri="{FF2B5EF4-FFF2-40B4-BE49-F238E27FC236}">
+                <a16:creationId xmlns:a16="http://schemas.microsoft.com/office/drawing/2014/main" id="{C756A8D3-EFBF-014F-BED3-DC69FBD5D6BB}"/>
+              </a:ext>
+            </a:extLst>
+          </p:cNvPr>
+          <p:cNvSpPr>
+            <a:spLocks noChangeAspect="1"/>
+          </p:cNvSpPr>
+          <p:nvPr/>
+        </p:nvSpPr>
+        <p:spPr>
+          <a:xfrm rot="18971391">
+            <a:off x="3124783" y="2534217"/>
+            <a:ext cx="246888" cy="246888"/>
+          </a:xfrm>
+          <a:prstGeom prst="diamond">
+            <a:avLst/>
+          </a:prstGeom>
+          <a:solidFill>
+            <a:srgbClr val="0070C0"/>
+          </a:solidFill>
+          <a:ln>
+            <a:solidFill>
+              <a:schemeClr val="tx1"/>
+            </a:solidFill>
+          </a:ln>
+        </p:spPr>
+        <p:style>
+          <a:lnRef idx="1">
+            <a:schemeClr val="accent6"/>
+          </a:lnRef>
+          <a:fillRef idx="3">
+            <a:schemeClr val="accent6"/>
+          </a:fillRef>
+          <a:effectRef idx="2">
+            <a:schemeClr val="accent6"/>
+          </a:effectRef>
+          <a:fontRef idx="minor">
+            <a:schemeClr val="lt1"/>
+          </a:fontRef>
+        </p:style>
+        <p:txBody>
+          <a:bodyPr rtlCol="0" anchor="t">
+            <a:normAutofit fontScale="25000" lnSpcReduction="20000"/>
+          </a:bodyPr>
+          <a:lstStyle/>
+          <a:p>
+            <a:pPr algn="ctr"/>
+            <a:endParaRPr lang="en-US" sz="1600" dirty="0" err="1">
+              <a:solidFill>
+                <a:schemeClr val="tx1"/>
+              </a:solidFill>
+              <a:latin typeface="Arial" pitchFamily="34" charset="0"/>
+              <a:cs typeface="Arial" pitchFamily="34" charset="0"/>
+            </a:endParaRPr>
+          </a:p>
+        </p:txBody>
+      </p:sp>
+      <p:sp>
+        <p:nvSpPr>
+          <p:cNvPr id="92" name="Diamond 91">
+            <a:extLst>
+              <a:ext uri="{FF2B5EF4-FFF2-40B4-BE49-F238E27FC236}">
+                <a16:creationId xmlns:a16="http://schemas.microsoft.com/office/drawing/2014/main" id="{22BA28D3-A0FF-D844-8A6C-4FE411B0C545}"/>
+              </a:ext>
+            </a:extLst>
+          </p:cNvPr>
+          <p:cNvSpPr>
+            <a:spLocks noChangeAspect="1"/>
+          </p:cNvSpPr>
+          <p:nvPr/>
+        </p:nvSpPr>
+        <p:spPr>
+          <a:xfrm rot="18971391">
+            <a:off x="3475705" y="2534217"/>
+            <a:ext cx="246888" cy="246888"/>
+          </a:xfrm>
+          <a:prstGeom prst="diamond">
+            <a:avLst/>
+          </a:prstGeom>
+          <a:solidFill>
+            <a:srgbClr val="0070C0"/>
+          </a:solidFill>
+          <a:ln>
+            <a:solidFill>
+              <a:schemeClr val="tx1"/>
+            </a:solidFill>
+          </a:ln>
+        </p:spPr>
+        <p:style>
+          <a:lnRef idx="1">
+            <a:schemeClr val="accent6"/>
+          </a:lnRef>
+          <a:fillRef idx="3">
+            <a:schemeClr val="accent6"/>
+          </a:fillRef>
+          <a:effectRef idx="2">
+            <a:schemeClr val="accent6"/>
+          </a:effectRef>
+          <a:fontRef idx="minor">
+            <a:schemeClr val="lt1"/>
+          </a:fontRef>
+        </p:style>
+        <p:txBody>
+          <a:bodyPr rtlCol="0" anchor="t">
+            <a:normAutofit fontScale="25000" lnSpcReduction="20000"/>
+          </a:bodyPr>
+          <a:lstStyle/>
+          <a:p>
+            <a:pPr algn="ctr"/>
+            <a:endParaRPr lang="en-US" sz="1600" dirty="0" err="1">
+              <a:solidFill>
+                <a:schemeClr val="tx1"/>
+              </a:solidFill>
+              <a:latin typeface="Arial" pitchFamily="34" charset="0"/>
+              <a:cs typeface="Arial" pitchFamily="34" charset="0"/>
+            </a:endParaRPr>
+          </a:p>
+        </p:txBody>
+      </p:sp>
+      <p:sp>
+        <p:nvSpPr>
+          <p:cNvPr id="93" name="Diamond 92">
+            <a:extLst>
+              <a:ext uri="{FF2B5EF4-FFF2-40B4-BE49-F238E27FC236}">
+                <a16:creationId xmlns:a16="http://schemas.microsoft.com/office/drawing/2014/main" id="{7151B01C-C351-7248-AEA0-9BD099A003F2}"/>
+              </a:ext>
+            </a:extLst>
+          </p:cNvPr>
+          <p:cNvSpPr>
+            <a:spLocks noChangeAspect="1"/>
+          </p:cNvSpPr>
+          <p:nvPr/>
+        </p:nvSpPr>
+        <p:spPr>
+          <a:xfrm rot="18971391">
+            <a:off x="3651165" y="2534217"/>
+            <a:ext cx="246888" cy="246888"/>
+          </a:xfrm>
+          <a:prstGeom prst="diamond">
+            <a:avLst/>
+          </a:prstGeom>
+          <a:solidFill>
+            <a:srgbClr val="0070C0"/>
+          </a:solidFill>
+          <a:ln>
+            <a:solidFill>
+              <a:schemeClr val="tx1"/>
+            </a:solidFill>
+          </a:ln>
+        </p:spPr>
+        <p:style>
+          <a:lnRef idx="1">
+            <a:schemeClr val="accent6"/>
+          </a:lnRef>
+          <a:fillRef idx="3">
+            <a:schemeClr val="accent6"/>
+          </a:fillRef>
+          <a:effectRef idx="2">
+            <a:schemeClr val="accent6"/>
+          </a:effectRef>
+          <a:fontRef idx="minor">
+            <a:schemeClr val="lt1"/>
+          </a:fontRef>
+        </p:style>
+        <p:txBody>
+          <a:bodyPr rtlCol="0" anchor="t">
+            <a:normAutofit fontScale="25000" lnSpcReduction="20000"/>
+          </a:bodyPr>
+          <a:lstStyle/>
+          <a:p>
+            <a:pPr algn="ctr"/>
+            <a:endParaRPr lang="en-US" sz="1600" dirty="0" err="1">
+              <a:solidFill>
+                <a:schemeClr val="tx1"/>
+              </a:solidFill>
+              <a:latin typeface="Arial" pitchFamily="34" charset="0"/>
+              <a:cs typeface="Arial" pitchFamily="34" charset="0"/>
+            </a:endParaRPr>
+          </a:p>
+        </p:txBody>
+      </p:sp>
+      <p:sp>
+        <p:nvSpPr>
+          <p:cNvPr id="94" name="Diamond 93">
+            <a:extLst>
+              <a:ext uri="{FF2B5EF4-FFF2-40B4-BE49-F238E27FC236}">
+                <a16:creationId xmlns:a16="http://schemas.microsoft.com/office/drawing/2014/main" id="{53DFDFC1-055D-0347-BD16-5B3367FA1EF6}"/>
+              </a:ext>
+            </a:extLst>
+          </p:cNvPr>
+          <p:cNvSpPr>
+            <a:spLocks noChangeAspect="1"/>
+          </p:cNvSpPr>
+          <p:nvPr/>
+        </p:nvSpPr>
+        <p:spPr>
+          <a:xfrm rot="18971391">
+            <a:off x="3300244" y="2534217"/>
+            <a:ext cx="246888" cy="246888"/>
+          </a:xfrm>
+          <a:prstGeom prst="diamond">
+            <a:avLst/>
+          </a:prstGeom>
+          <a:solidFill>
+            <a:srgbClr val="0070C0"/>
+          </a:solidFill>
+          <a:ln>
+            <a:solidFill>
+              <a:schemeClr val="tx1"/>
+            </a:solidFill>
+          </a:ln>
+        </p:spPr>
+        <p:style>
+          <a:lnRef idx="1">
+            <a:schemeClr val="accent6"/>
+          </a:lnRef>
+          <a:fillRef idx="3">
+            <a:schemeClr val="accent6"/>
+          </a:fillRef>
+          <a:effectRef idx="2">
+            <a:schemeClr val="accent6"/>
+          </a:effectRef>
+          <a:fontRef idx="minor">
+            <a:schemeClr val="lt1"/>
+          </a:fontRef>
+        </p:style>
+        <p:txBody>
+          <a:bodyPr rtlCol="0" anchor="t">
+            <a:normAutofit fontScale="25000" lnSpcReduction="20000"/>
+          </a:bodyPr>
+          <a:lstStyle/>
+          <a:p>
+            <a:pPr algn="ctr"/>
+            <a:endParaRPr lang="en-US" sz="1600" dirty="0" err="1">
+              <a:solidFill>
+                <a:schemeClr val="tx1"/>
+              </a:solidFill>
+              <a:latin typeface="Arial" pitchFamily="34" charset="0"/>
+              <a:cs typeface="Arial" pitchFamily="34" charset="0"/>
+            </a:endParaRPr>
+          </a:p>
+        </p:txBody>
+      </p:sp>
+      <p:sp>
+        <p:nvSpPr>
+          <p:cNvPr id="95" name="Rectangle 94">
+            <a:extLst>
+              <a:ext uri="{FF2B5EF4-FFF2-40B4-BE49-F238E27FC236}">
+                <a16:creationId xmlns:a16="http://schemas.microsoft.com/office/drawing/2014/main" id="{215981E0-EBA3-EA45-AA28-E40796654412}"/>
+              </a:ext>
+            </a:extLst>
+          </p:cNvPr>
+          <p:cNvSpPr/>
+          <p:nvPr/>
+        </p:nvSpPr>
+        <p:spPr>
+          <a:xfrm>
+            <a:off x="710812" y="1728436"/>
+            <a:ext cx="4649923" cy="1451292"/>
+          </a:xfrm>
+          <a:prstGeom prst="rect">
+            <a:avLst/>
+          </a:prstGeom>
+          <a:noFill/>
+          <a:ln w="28575">
+            <a:prstDash val="dash"/>
+          </a:ln>
+        </p:spPr>
+        <p:style>
+          <a:lnRef idx="2">
+            <a:schemeClr val="accent1">
+              <a:shade val="50000"/>
+            </a:schemeClr>
+          </a:lnRef>
+          <a:fillRef idx="1">
+            <a:schemeClr val="accent1"/>
+          </a:fillRef>
+          <a:effectRef idx="0">
+            <a:schemeClr val="accent1"/>
+          </a:effectRef>
+          <a:fontRef idx="minor">
+            <a:schemeClr val="lt1"/>
+          </a:fontRef>
+        </p:style>
+        <p:txBody>
+          <a:bodyPr rtlCol="0" anchor="ctr"/>
+          <a:lstStyle/>
+          <a:p>
+            <a:r>
+              <a:rPr lang="en-US" sz="2800" b="1" dirty="0">
+                <a:solidFill>
+                  <a:schemeClr val="tx1"/>
+                </a:solidFill>
+              </a:rPr>
+              <a:t>  INDEX</a:t>
+            </a:r>
+          </a:p>
+        </p:txBody>
+      </p:sp>
+      <p:sp>
+        <p:nvSpPr>
+          <p:cNvPr id="96" name="TextBox 95">
+            <a:extLst>
+              <a:ext uri="{FF2B5EF4-FFF2-40B4-BE49-F238E27FC236}">
+                <a16:creationId xmlns:a16="http://schemas.microsoft.com/office/drawing/2014/main" id="{AA253B1E-E539-2E4C-ACA4-1756A35F4975}"/>
+              </a:ext>
+            </a:extLst>
+          </p:cNvPr>
+          <p:cNvSpPr txBox="1"/>
+          <p:nvPr/>
+        </p:nvSpPr>
+        <p:spPr>
+          <a:xfrm>
+            <a:off x="2116318" y="656489"/>
+            <a:ext cx="2033183" cy="914400"/>
+          </a:xfrm>
+          <a:prstGeom prst="rect">
+            <a:avLst/>
+          </a:prstGeom>
+          <a:noFill/>
+          <a:ln>
+            <a:noFill/>
+          </a:ln>
+        </p:spPr>
+        <p:txBody>
+          <a:bodyPr wrap="none" rtlCol="0">
+            <a:normAutofit/>
+          </a:bodyPr>
+          <a:lstStyle/>
+          <a:p>
+            <a:pPr algn="ctr"/>
+            <a:r>
+              <a:rPr lang="en-US" sz="4400" dirty="0"/>
+              <a:t>Merged Segment</a:t>
+            </a:r>
+          </a:p>
+        </p:txBody>
+      </p:sp>
+      <p:sp>
+        <p:nvSpPr>
+          <p:cNvPr id="97" name="Rectangle 96">
+            <a:extLst>
+              <a:ext uri="{FF2B5EF4-FFF2-40B4-BE49-F238E27FC236}">
+                <a16:creationId xmlns:a16="http://schemas.microsoft.com/office/drawing/2014/main" id="{DD22B049-3B4F-A04A-B063-9B47D69AC221}"/>
+              </a:ext>
+            </a:extLst>
+          </p:cNvPr>
+          <p:cNvSpPr/>
+          <p:nvPr/>
+        </p:nvSpPr>
+        <p:spPr>
+          <a:xfrm>
+            <a:off x="3800233" y="3428795"/>
+            <a:ext cx="536608" cy="462987"/>
+          </a:xfrm>
+          <a:prstGeom prst="rect">
+            <a:avLst/>
+          </a:prstGeom>
+          <a:noFill/>
+          <a:ln>
+            <a:noFill/>
+          </a:ln>
+        </p:spPr>
+        <p:style>
+          <a:lnRef idx="2">
+            <a:schemeClr val="accent1">
+              <a:shade val="50000"/>
+            </a:schemeClr>
+          </a:lnRef>
+          <a:fillRef idx="1">
+            <a:schemeClr val="accent1"/>
+          </a:fillRef>
+          <a:effectRef idx="0">
+            <a:schemeClr val="accent1"/>
+          </a:effectRef>
+          <a:fontRef idx="minor">
+            <a:schemeClr val="lt1"/>
+          </a:fontRef>
+        </p:style>
+        <p:txBody>
+          <a:bodyPr rtlCol="0" anchor="ctr"/>
+          <a:lstStyle/>
+          <a:p>
+            <a:pPr algn="ctr"/>
+            <a:endParaRPr lang="en-US"/>
+          </a:p>
+        </p:txBody>
+      </p:sp>
+      <p:sp>
+        <p:nvSpPr>
+          <p:cNvPr id="98" name="Rectangle 97">
+            <a:extLst>
+              <a:ext uri="{FF2B5EF4-FFF2-40B4-BE49-F238E27FC236}">
+                <a16:creationId xmlns:a16="http://schemas.microsoft.com/office/drawing/2014/main" id="{1F0B85AF-EB8E-954E-BF04-4C71C45EC58B}"/>
+              </a:ext>
+            </a:extLst>
+          </p:cNvPr>
+          <p:cNvSpPr/>
+          <p:nvPr/>
+        </p:nvSpPr>
+        <p:spPr>
+          <a:xfrm>
+            <a:off x="1744311" y="3442257"/>
+            <a:ext cx="536608" cy="462987"/>
+          </a:xfrm>
+          <a:prstGeom prst="rect">
+            <a:avLst/>
+          </a:prstGeom>
+          <a:noFill/>
+          <a:ln>
+            <a:noFill/>
+          </a:ln>
+        </p:spPr>
+        <p:style>
+          <a:lnRef idx="2">
+            <a:schemeClr val="accent1">
+              <a:shade val="50000"/>
+            </a:schemeClr>
+          </a:lnRef>
+          <a:fillRef idx="1">
+            <a:schemeClr val="accent1"/>
+          </a:fillRef>
+          <a:effectRef idx="0">
+            <a:schemeClr val="accent1"/>
+          </a:effectRef>
+          <a:fontRef idx="minor">
+            <a:schemeClr val="lt1"/>
+          </a:fontRef>
+        </p:style>
+        <p:txBody>
+          <a:bodyPr rtlCol="0" anchor="ctr"/>
+          <a:lstStyle/>
+          <a:p>
+            <a:pPr algn="ctr"/>
+            <a:endParaRPr lang="en-US"/>
+          </a:p>
+        </p:txBody>
+      </p:sp>
+      <p:sp>
+        <p:nvSpPr>
+          <p:cNvPr id="99" name="Rectangle 98">
+            <a:extLst>
+              <a:ext uri="{FF2B5EF4-FFF2-40B4-BE49-F238E27FC236}">
+                <a16:creationId xmlns:a16="http://schemas.microsoft.com/office/drawing/2014/main" id="{4542B12E-5E3F-6D42-91D9-033E20C91942}"/>
+              </a:ext>
+            </a:extLst>
+          </p:cNvPr>
+          <p:cNvSpPr/>
+          <p:nvPr/>
+        </p:nvSpPr>
+        <p:spPr>
+          <a:xfrm>
+            <a:off x="1937708" y="4006541"/>
+            <a:ext cx="1476912" cy="479512"/>
+          </a:xfrm>
+          <a:prstGeom prst="rect">
+            <a:avLst/>
+          </a:prstGeom>
+        </p:spPr>
+        <p:style>
+          <a:lnRef idx="2">
+            <a:schemeClr val="accent1">
+              <a:shade val="50000"/>
+            </a:schemeClr>
+          </a:lnRef>
+          <a:fillRef idx="1">
+            <a:schemeClr val="accent1"/>
+          </a:fillRef>
+          <a:effectRef idx="0">
+            <a:schemeClr val="accent1"/>
+          </a:effectRef>
+          <a:fontRef idx="minor">
+            <a:schemeClr val="lt1"/>
+          </a:fontRef>
+        </p:style>
+        <p:txBody>
+          <a:bodyPr rtlCol="0" anchor="ctr"/>
+          <a:lstStyle/>
+          <a:p>
+            <a:pPr algn="ctr"/>
+            <a:r>
+              <a:rPr lang="en-US" sz="2000" b="1" dirty="0"/>
+              <a:t>K</a:t>
+            </a:r>
+            <a:r>
+              <a:rPr lang="en-US" sz="2000" dirty="0"/>
+              <a:t> | </a:t>
+            </a:r>
+            <a:r>
+              <a:rPr lang="en-US" sz="2000" b="1" dirty="0"/>
+              <a:t>V</a:t>
+            </a:r>
+            <a:r>
+              <a:rPr lang="en-US" sz="2000" dirty="0"/>
+              <a:t> | </a:t>
+            </a:r>
+            <a:r>
+              <a:rPr lang="en-US" sz="2000" b="1" dirty="0" err="1"/>
+              <a:t>ts</a:t>
+            </a:r>
+            <a:r>
+              <a:rPr lang="en-US" sz="2000" b="1" dirty="0"/>
+              <a:t>=1</a:t>
+            </a:r>
+          </a:p>
+        </p:txBody>
+      </p:sp>
+      <p:cxnSp>
+        <p:nvCxnSpPr>
+          <p:cNvPr id="100" name="Curved Connector 99">
+            <a:extLst>
+              <a:ext uri="{FF2B5EF4-FFF2-40B4-BE49-F238E27FC236}">
+                <a16:creationId xmlns:a16="http://schemas.microsoft.com/office/drawing/2014/main" id="{DCDFC70B-ED4E-9D4C-AB23-9AA81F78DD35}"/>
+              </a:ext>
+            </a:extLst>
+          </p:cNvPr>
+          <p:cNvCxnSpPr>
+            <a:cxnSpLocks/>
+            <a:stCxn id="90" idx="1"/>
+            <a:endCxn id="99" idx="0"/>
+          </p:cNvCxnSpPr>
+          <p:nvPr/>
+        </p:nvCxnSpPr>
+        <p:spPr>
+          <a:xfrm rot="10800000" flipH="1" flipV="1">
+            <a:off x="2632762" y="2743117"/>
+            <a:ext cx="43402" cy="1263423"/>
+          </a:xfrm>
+          <a:prstGeom prst="curvedConnector4">
+            <a:avLst>
+              <a:gd name="adj1" fmla="val -526704"/>
+              <a:gd name="adj2" fmla="val 51503"/>
+            </a:avLst>
+          </a:prstGeom>
+          <a:ln w="38100">
+            <a:solidFill>
+              <a:schemeClr val="tx1"/>
+            </a:solidFill>
+            <a:tailEnd type="arrow"/>
+          </a:ln>
+        </p:spPr>
+        <p:style>
+          <a:lnRef idx="1">
+            <a:schemeClr val="accent1"/>
+          </a:lnRef>
+          <a:fillRef idx="0">
+            <a:schemeClr val="accent1"/>
+          </a:fillRef>
+          <a:effectRef idx="0">
+            <a:schemeClr val="accent1"/>
+          </a:effectRef>
+          <a:fontRef idx="minor">
+            <a:schemeClr val="tx1"/>
+          </a:fontRef>
+        </p:style>
+      </p:cxnSp>
+      <p:sp>
+        <p:nvSpPr>
+          <p:cNvPr id="101" name="Rectangle 100">
+            <a:extLst>
+              <a:ext uri="{FF2B5EF4-FFF2-40B4-BE49-F238E27FC236}">
+                <a16:creationId xmlns:a16="http://schemas.microsoft.com/office/drawing/2014/main" id="{6602A83B-B514-754F-8131-9485DEB619A6}"/>
+              </a:ext>
+            </a:extLst>
+          </p:cNvPr>
+          <p:cNvSpPr/>
+          <p:nvPr/>
+        </p:nvSpPr>
+        <p:spPr>
+          <a:xfrm>
+            <a:off x="3565165" y="3999106"/>
+            <a:ext cx="1476912" cy="479512"/>
+          </a:xfrm>
+          <a:prstGeom prst="rect">
+            <a:avLst/>
+          </a:prstGeom>
+        </p:spPr>
+        <p:style>
+          <a:lnRef idx="2">
+            <a:schemeClr val="accent1">
+              <a:shade val="50000"/>
+            </a:schemeClr>
+          </a:lnRef>
+          <a:fillRef idx="1">
+            <a:schemeClr val="accent1"/>
+          </a:fillRef>
+          <a:effectRef idx="0">
+            <a:schemeClr val="accent1"/>
+          </a:effectRef>
+          <a:fontRef idx="minor">
+            <a:schemeClr val="lt1"/>
+          </a:fontRef>
+        </p:style>
+        <p:txBody>
+          <a:bodyPr rtlCol="0" anchor="ctr"/>
+          <a:lstStyle/>
+          <a:p>
+            <a:pPr algn="ctr"/>
+            <a:r>
+              <a:rPr lang="en-US" sz="2000" b="1" dirty="0"/>
+              <a:t>K</a:t>
+            </a:r>
+            <a:r>
+              <a:rPr lang="en-US" sz="2000" dirty="0"/>
+              <a:t> | </a:t>
+            </a:r>
+            <a:r>
+              <a:rPr lang="en-US" sz="2000" b="1" dirty="0"/>
+              <a:t>V</a:t>
+            </a:r>
+            <a:r>
+              <a:rPr lang="en-US" sz="2000" dirty="0"/>
+              <a:t> | </a:t>
+            </a:r>
+            <a:r>
+              <a:rPr lang="en-US" sz="2000" b="1" dirty="0" err="1"/>
+              <a:t>ts</a:t>
+            </a:r>
+            <a:r>
+              <a:rPr lang="en-US" sz="2000" b="1" dirty="0"/>
+              <a:t>=2</a:t>
+            </a:r>
+          </a:p>
+        </p:txBody>
+      </p:sp>
+      <p:cxnSp>
+        <p:nvCxnSpPr>
+          <p:cNvPr id="102" name="Curved Connector 101">
+            <a:extLst>
+              <a:ext uri="{FF2B5EF4-FFF2-40B4-BE49-F238E27FC236}">
+                <a16:creationId xmlns:a16="http://schemas.microsoft.com/office/drawing/2014/main" id="{B8266652-A406-DB42-B541-591235F209A6}"/>
+              </a:ext>
+            </a:extLst>
+          </p:cNvPr>
+          <p:cNvCxnSpPr>
+            <a:cxnSpLocks/>
+            <a:stCxn id="90" idx="2"/>
+            <a:endCxn id="101" idx="0"/>
+          </p:cNvCxnSpPr>
+          <p:nvPr/>
+        </p:nvCxnSpPr>
+        <p:spPr>
+          <a:xfrm rot="16200000" flipH="1">
+            <a:off x="2929280" y="2624764"/>
+            <a:ext cx="1252363" cy="1496320"/>
+          </a:xfrm>
+          <a:prstGeom prst="curvedConnector3">
+            <a:avLst>
+              <a:gd name="adj1" fmla="val 50000"/>
+            </a:avLst>
+          </a:prstGeom>
+          <a:ln w="38100">
+            <a:solidFill>
+              <a:schemeClr val="tx1"/>
+            </a:solidFill>
+            <a:tailEnd type="arrow"/>
+          </a:ln>
+        </p:spPr>
+        <p:style>
+          <a:lnRef idx="1">
+            <a:schemeClr val="accent1"/>
+          </a:lnRef>
+          <a:fillRef idx="0">
+            <a:schemeClr val="accent1"/>
+          </a:fillRef>
+          <a:effectRef idx="0">
+            <a:schemeClr val="accent1"/>
+          </a:effectRef>
+          <a:fontRef idx="minor">
+            <a:schemeClr val="tx1"/>
+          </a:fontRef>
+        </p:style>
+      </p:cxnSp>
+      <p:sp>
+        <p:nvSpPr>
+          <p:cNvPr id="106" name="Diamond 105">
+            <a:extLst>
+              <a:ext uri="{FF2B5EF4-FFF2-40B4-BE49-F238E27FC236}">
+                <a16:creationId xmlns:a16="http://schemas.microsoft.com/office/drawing/2014/main" id="{99253B2E-8DAB-4544-8D55-AB50B3D4D226}"/>
+              </a:ext>
+            </a:extLst>
+          </p:cNvPr>
+          <p:cNvSpPr>
+            <a:spLocks noChangeAspect="1"/>
+          </p:cNvSpPr>
+          <p:nvPr/>
+        </p:nvSpPr>
+        <p:spPr>
+          <a:xfrm rot="18971391">
+            <a:off x="9783467" y="2519196"/>
+            <a:ext cx="246888" cy="246888"/>
+          </a:xfrm>
+          <a:prstGeom prst="diamond">
+            <a:avLst/>
+          </a:prstGeom>
+          <a:solidFill>
+            <a:srgbClr val="0070C0"/>
+          </a:solidFill>
+          <a:ln>
+            <a:solidFill>
+              <a:schemeClr val="tx1"/>
+            </a:solidFill>
+          </a:ln>
+        </p:spPr>
+        <p:style>
+          <a:lnRef idx="1">
+            <a:schemeClr val="accent6"/>
+          </a:lnRef>
+          <a:fillRef idx="3">
+            <a:schemeClr val="accent6"/>
+          </a:fillRef>
+          <a:effectRef idx="2">
+            <a:schemeClr val="accent6"/>
+          </a:effectRef>
+          <a:fontRef idx="minor">
+            <a:schemeClr val="lt1"/>
+          </a:fontRef>
+        </p:style>
+        <p:txBody>
+          <a:bodyPr rtlCol="0" anchor="t">
+            <a:normAutofit fontScale="25000" lnSpcReduction="20000"/>
+          </a:bodyPr>
+          <a:lstStyle/>
+          <a:p>
+            <a:pPr algn="ctr"/>
+            <a:endParaRPr lang="en-US" sz="1600" dirty="0" err="1">
+              <a:solidFill>
+                <a:schemeClr val="tx1"/>
+              </a:solidFill>
+              <a:latin typeface="Arial" pitchFamily="34" charset="0"/>
+              <a:cs typeface="Arial" pitchFamily="34" charset="0"/>
+            </a:endParaRPr>
+          </a:p>
+        </p:txBody>
+      </p:sp>
+      <p:sp>
+        <p:nvSpPr>
+          <p:cNvPr id="107" name="Diamond 106">
+            <a:extLst>
+              <a:ext uri="{FF2B5EF4-FFF2-40B4-BE49-F238E27FC236}">
+                <a16:creationId xmlns:a16="http://schemas.microsoft.com/office/drawing/2014/main" id="{5FEFFD91-B9A1-F84D-ACB4-5714768A1F75}"/>
+              </a:ext>
+            </a:extLst>
+          </p:cNvPr>
+          <p:cNvSpPr>
+            <a:spLocks noChangeAspect="1"/>
+          </p:cNvSpPr>
+          <p:nvPr/>
+        </p:nvSpPr>
+        <p:spPr>
+          <a:xfrm rot="18971391">
+            <a:off x="8174735" y="2519196"/>
+            <a:ext cx="246888" cy="246888"/>
+          </a:xfrm>
+          <a:prstGeom prst="diamond">
+            <a:avLst/>
+          </a:prstGeom>
+          <a:solidFill>
+            <a:srgbClr val="0070C0"/>
+          </a:solidFill>
+          <a:ln>
+            <a:solidFill>
+              <a:schemeClr val="tx1"/>
+            </a:solidFill>
+          </a:ln>
+        </p:spPr>
+        <p:style>
+          <a:lnRef idx="1">
+            <a:schemeClr val="accent6"/>
+          </a:lnRef>
+          <a:fillRef idx="3">
+            <a:schemeClr val="accent6"/>
+          </a:fillRef>
+          <a:effectRef idx="2">
+            <a:schemeClr val="accent6"/>
+          </a:effectRef>
+          <a:fontRef idx="minor">
+            <a:schemeClr val="lt1"/>
+          </a:fontRef>
+        </p:style>
+        <p:txBody>
+          <a:bodyPr rtlCol="0" anchor="t">
+            <a:normAutofit fontScale="25000" lnSpcReduction="20000"/>
+          </a:bodyPr>
+          <a:lstStyle/>
+          <a:p>
+            <a:pPr algn="ctr"/>
+            <a:endParaRPr lang="en-US" sz="1600" dirty="0" err="1">
+              <a:solidFill>
+                <a:schemeClr val="tx1"/>
+              </a:solidFill>
+              <a:latin typeface="Arial" pitchFamily="34" charset="0"/>
+              <a:cs typeface="Arial" pitchFamily="34" charset="0"/>
+            </a:endParaRPr>
+          </a:p>
+        </p:txBody>
+      </p:sp>
+      <p:sp>
+        <p:nvSpPr>
+          <p:cNvPr id="110" name="Diamond 109">
+            <a:extLst>
+              <a:ext uri="{FF2B5EF4-FFF2-40B4-BE49-F238E27FC236}">
+                <a16:creationId xmlns:a16="http://schemas.microsoft.com/office/drawing/2014/main" id="{6728E2B2-FDB6-DC46-BF6F-9B1A5B800F40}"/>
+              </a:ext>
+            </a:extLst>
+          </p:cNvPr>
+          <p:cNvSpPr>
+            <a:spLocks noChangeAspect="1"/>
+          </p:cNvSpPr>
+          <p:nvPr/>
+        </p:nvSpPr>
+        <p:spPr>
+          <a:xfrm rot="18971391">
+            <a:off x="3826412" y="2534217"/>
+            <a:ext cx="246888" cy="246888"/>
+          </a:xfrm>
+          <a:prstGeom prst="diamond">
+            <a:avLst/>
+          </a:prstGeom>
+          <a:solidFill>
+            <a:srgbClr val="0070C0"/>
+          </a:solidFill>
+          <a:ln>
+            <a:solidFill>
+              <a:schemeClr val="tx1"/>
+            </a:solidFill>
+          </a:ln>
+        </p:spPr>
+        <p:style>
+          <a:lnRef idx="1">
+            <a:schemeClr val="accent6"/>
+          </a:lnRef>
+          <a:fillRef idx="3">
+            <a:schemeClr val="accent6"/>
+          </a:fillRef>
+          <a:effectRef idx="2">
+            <a:schemeClr val="accent6"/>
+          </a:effectRef>
+          <a:fontRef idx="minor">
+            <a:schemeClr val="lt1"/>
+          </a:fontRef>
+        </p:style>
+        <p:txBody>
+          <a:bodyPr rtlCol="0" anchor="t">
+            <a:normAutofit fontScale="25000" lnSpcReduction="20000"/>
+          </a:bodyPr>
+          <a:lstStyle/>
+          <a:p>
+            <a:pPr algn="ctr"/>
+            <a:endParaRPr lang="en-US" sz="1600" dirty="0" err="1">
+              <a:solidFill>
+                <a:schemeClr val="tx1"/>
+              </a:solidFill>
+              <a:latin typeface="Arial" pitchFamily="34" charset="0"/>
+              <a:cs typeface="Arial" pitchFamily="34" charset="0"/>
+            </a:endParaRPr>
+          </a:p>
+        </p:txBody>
+      </p:sp>
+      <p:sp>
+        <p:nvSpPr>
+          <p:cNvPr id="111" name="Diamond 110">
+            <a:extLst>
+              <a:ext uri="{FF2B5EF4-FFF2-40B4-BE49-F238E27FC236}">
+                <a16:creationId xmlns:a16="http://schemas.microsoft.com/office/drawing/2014/main" id="{326BBE57-CDC5-7948-9781-9C59FA26D1EB}"/>
+              </a:ext>
+            </a:extLst>
+          </p:cNvPr>
+          <p:cNvSpPr>
+            <a:spLocks noChangeAspect="1"/>
+          </p:cNvSpPr>
+          <p:nvPr/>
+        </p:nvSpPr>
+        <p:spPr>
+          <a:xfrm rot="18971391">
+            <a:off x="4013095" y="2534217"/>
+            <a:ext cx="246888" cy="246888"/>
+          </a:xfrm>
+          <a:prstGeom prst="diamond">
+            <a:avLst/>
+          </a:prstGeom>
+          <a:solidFill>
+            <a:srgbClr val="0070C0"/>
+          </a:solidFill>
+          <a:ln>
+            <a:solidFill>
+              <a:schemeClr val="tx1"/>
+            </a:solidFill>
+          </a:ln>
+        </p:spPr>
+        <p:style>
+          <a:lnRef idx="1">
+            <a:schemeClr val="accent6"/>
+          </a:lnRef>
+          <a:fillRef idx="3">
+            <a:schemeClr val="accent6"/>
+          </a:fillRef>
+          <a:effectRef idx="2">
+            <a:schemeClr val="accent6"/>
+          </a:effectRef>
+          <a:fontRef idx="minor">
+            <a:schemeClr val="lt1"/>
+          </a:fontRef>
+        </p:style>
+        <p:txBody>
+          <a:bodyPr rtlCol="0" anchor="t">
+            <a:normAutofit fontScale="25000" lnSpcReduction="20000"/>
+          </a:bodyPr>
+          <a:lstStyle/>
+          <a:p>
+            <a:pPr algn="ctr"/>
+            <a:endParaRPr lang="en-US" sz="1600" dirty="0" err="1">
+              <a:solidFill>
+                <a:schemeClr val="tx1"/>
+              </a:solidFill>
+              <a:latin typeface="Arial" pitchFamily="34" charset="0"/>
+              <a:cs typeface="Arial" pitchFamily="34" charset="0"/>
+            </a:endParaRPr>
+          </a:p>
+        </p:txBody>
+      </p:sp>
+      <p:sp>
+        <p:nvSpPr>
+          <p:cNvPr id="112" name="Diamond 111">
+            <a:extLst>
+              <a:ext uri="{FF2B5EF4-FFF2-40B4-BE49-F238E27FC236}">
+                <a16:creationId xmlns:a16="http://schemas.microsoft.com/office/drawing/2014/main" id="{881A85E3-E9D6-E84B-B40F-0D383D2E4934}"/>
+              </a:ext>
+            </a:extLst>
+          </p:cNvPr>
+          <p:cNvSpPr>
+            <a:spLocks noChangeAspect="1"/>
+          </p:cNvSpPr>
+          <p:nvPr/>
+        </p:nvSpPr>
+        <p:spPr>
+          <a:xfrm rot="18971391">
+            <a:off x="4198127" y="2534217"/>
+            <a:ext cx="246888" cy="246888"/>
+          </a:xfrm>
+          <a:prstGeom prst="diamond">
+            <a:avLst/>
+          </a:prstGeom>
+          <a:solidFill>
+            <a:srgbClr val="0070C0"/>
+          </a:solidFill>
+          <a:ln>
+            <a:solidFill>
+              <a:schemeClr val="tx1"/>
+            </a:solidFill>
+          </a:ln>
+        </p:spPr>
+        <p:style>
+          <a:lnRef idx="1">
+            <a:schemeClr val="accent6"/>
+          </a:lnRef>
+          <a:fillRef idx="3">
+            <a:schemeClr val="accent6"/>
+          </a:fillRef>
+          <a:effectRef idx="2">
+            <a:schemeClr val="accent6"/>
+          </a:effectRef>
+          <a:fontRef idx="minor">
+            <a:schemeClr val="lt1"/>
+          </a:fontRef>
+        </p:style>
+        <p:txBody>
+          <a:bodyPr rtlCol="0" anchor="t">
+            <a:normAutofit fontScale="25000" lnSpcReduction="20000"/>
+          </a:bodyPr>
+          <a:lstStyle/>
+          <a:p>
+            <a:pPr algn="ctr"/>
+            <a:endParaRPr lang="en-US" sz="1600" dirty="0" err="1">
+              <a:solidFill>
+                <a:schemeClr val="tx1"/>
+              </a:solidFill>
+              <a:latin typeface="Arial" pitchFamily="34" charset="0"/>
+              <a:cs typeface="Arial" pitchFamily="34" charset="0"/>
+            </a:endParaRPr>
+          </a:p>
+        </p:txBody>
+      </p:sp>
+      <p:sp>
+        <p:nvSpPr>
+          <p:cNvPr id="113" name="Diamond 112">
+            <a:extLst>
+              <a:ext uri="{FF2B5EF4-FFF2-40B4-BE49-F238E27FC236}">
+                <a16:creationId xmlns:a16="http://schemas.microsoft.com/office/drawing/2014/main" id="{F15A85C0-6382-8C4C-BC5A-577CC6368770}"/>
+              </a:ext>
+            </a:extLst>
+          </p:cNvPr>
+          <p:cNvSpPr>
+            <a:spLocks noChangeAspect="1"/>
+          </p:cNvSpPr>
+          <p:nvPr/>
+        </p:nvSpPr>
+        <p:spPr>
+          <a:xfrm rot="18971391">
+            <a:off x="2243274" y="2534217"/>
+            <a:ext cx="246888" cy="246888"/>
+          </a:xfrm>
+          <a:prstGeom prst="diamond">
+            <a:avLst/>
+          </a:prstGeom>
+          <a:solidFill>
+            <a:srgbClr val="0070C0"/>
+          </a:solidFill>
+          <a:ln>
+            <a:solidFill>
+              <a:schemeClr val="tx1"/>
+            </a:solidFill>
+          </a:ln>
+        </p:spPr>
+        <p:style>
+          <a:lnRef idx="1">
+            <a:schemeClr val="accent6"/>
+          </a:lnRef>
+          <a:fillRef idx="3">
+            <a:schemeClr val="accent6"/>
+          </a:fillRef>
+          <a:effectRef idx="2">
+            <a:schemeClr val="accent6"/>
+          </a:effectRef>
+          <a:fontRef idx="minor">
+            <a:schemeClr val="lt1"/>
+          </a:fontRef>
+        </p:style>
+        <p:txBody>
+          <a:bodyPr rtlCol="0" anchor="t">
+            <a:normAutofit fontScale="25000" lnSpcReduction="20000"/>
+          </a:bodyPr>
+          <a:lstStyle/>
+          <a:p>
+            <a:pPr algn="ctr"/>
+            <a:endParaRPr lang="en-US" sz="1600" dirty="0" err="1">
+              <a:solidFill>
+                <a:schemeClr val="tx1"/>
+              </a:solidFill>
+              <a:latin typeface="Arial" pitchFamily="34" charset="0"/>
+              <a:cs typeface="Arial" pitchFamily="34" charset="0"/>
+            </a:endParaRPr>
+          </a:p>
+        </p:txBody>
+      </p:sp>
+      <p:sp>
+        <p:nvSpPr>
+          <p:cNvPr id="114" name="Diamond 113">
+            <a:extLst>
+              <a:ext uri="{FF2B5EF4-FFF2-40B4-BE49-F238E27FC236}">
+                <a16:creationId xmlns:a16="http://schemas.microsoft.com/office/drawing/2014/main" id="{B5872312-1C21-8C4E-A794-096C4FD674CA}"/>
+              </a:ext>
+            </a:extLst>
+          </p:cNvPr>
+          <p:cNvSpPr>
+            <a:spLocks noChangeAspect="1"/>
+          </p:cNvSpPr>
+          <p:nvPr/>
+        </p:nvSpPr>
+        <p:spPr>
+          <a:xfrm rot="18971391">
+            <a:off x="4371622" y="2534217"/>
+            <a:ext cx="246888" cy="246888"/>
+          </a:xfrm>
+          <a:prstGeom prst="diamond">
+            <a:avLst/>
+          </a:prstGeom>
+          <a:solidFill>
+            <a:srgbClr val="0070C0"/>
+          </a:solidFill>
+          <a:ln>
+            <a:solidFill>
+              <a:schemeClr val="tx1"/>
+            </a:solidFill>
+          </a:ln>
+        </p:spPr>
+        <p:style>
+          <a:lnRef idx="1">
+            <a:schemeClr val="accent6"/>
+          </a:lnRef>
+          <a:fillRef idx="3">
+            <a:schemeClr val="accent6"/>
+          </a:fillRef>
+          <a:effectRef idx="2">
+            <a:schemeClr val="accent6"/>
+          </a:effectRef>
+          <a:fontRef idx="minor">
+            <a:schemeClr val="lt1"/>
+          </a:fontRef>
+        </p:style>
+        <p:txBody>
+          <a:bodyPr rtlCol="0" anchor="t">
+            <a:normAutofit fontScale="25000" lnSpcReduction="20000"/>
+          </a:bodyPr>
+          <a:lstStyle/>
+          <a:p>
+            <a:pPr algn="ctr"/>
+            <a:endParaRPr lang="en-US" sz="1600" dirty="0" err="1">
+              <a:solidFill>
+                <a:schemeClr val="tx1"/>
+              </a:solidFill>
+              <a:latin typeface="Arial" pitchFamily="34" charset="0"/>
+              <a:cs typeface="Arial" pitchFamily="34" charset="0"/>
+            </a:endParaRPr>
+          </a:p>
+        </p:txBody>
+      </p:sp>
+      <p:sp>
+        <p:nvSpPr>
+          <p:cNvPr id="118" name="Diamond 117">
+            <a:extLst>
+              <a:ext uri="{FF2B5EF4-FFF2-40B4-BE49-F238E27FC236}">
+                <a16:creationId xmlns:a16="http://schemas.microsoft.com/office/drawing/2014/main" id="{D5DC05BC-3F1C-274F-9D84-1A4A7C81DE4F}"/>
+              </a:ext>
+            </a:extLst>
+          </p:cNvPr>
+          <p:cNvSpPr>
+            <a:spLocks noChangeAspect="1"/>
+          </p:cNvSpPr>
+          <p:nvPr/>
+        </p:nvSpPr>
+        <p:spPr>
+          <a:xfrm rot="18971391">
+            <a:off x="4558730" y="2534217"/>
+            <a:ext cx="246888" cy="246888"/>
+          </a:xfrm>
+          <a:prstGeom prst="diamond">
+            <a:avLst/>
+          </a:prstGeom>
+          <a:solidFill>
+            <a:srgbClr val="0070C0"/>
+          </a:solidFill>
+          <a:ln>
+            <a:solidFill>
+              <a:schemeClr val="tx1"/>
+            </a:solidFill>
+          </a:ln>
+        </p:spPr>
+        <p:style>
+          <a:lnRef idx="1">
+            <a:schemeClr val="accent6"/>
+          </a:lnRef>
+          <a:fillRef idx="3">
+            <a:schemeClr val="accent6"/>
+          </a:fillRef>
+          <a:effectRef idx="2">
+            <a:schemeClr val="accent6"/>
+          </a:effectRef>
+          <a:fontRef idx="minor">
+            <a:schemeClr val="lt1"/>
+          </a:fontRef>
+        </p:style>
+        <p:txBody>
+          <a:bodyPr rtlCol="0" anchor="t">
+            <a:normAutofit fontScale="25000" lnSpcReduction="20000"/>
+          </a:bodyPr>
+          <a:lstStyle/>
+          <a:p>
+            <a:pPr algn="ctr"/>
+            <a:endParaRPr lang="en-US" sz="1600" dirty="0" err="1">
+              <a:solidFill>
+                <a:schemeClr val="tx1"/>
+              </a:solidFill>
+              <a:latin typeface="Arial" pitchFamily="34" charset="0"/>
+              <a:cs typeface="Arial" pitchFamily="34" charset="0"/>
+            </a:endParaRPr>
+          </a:p>
+        </p:txBody>
+      </p:sp>
+      <p:sp>
+        <p:nvSpPr>
+          <p:cNvPr id="119" name="Diamond 118">
+            <a:extLst>
+              <a:ext uri="{FF2B5EF4-FFF2-40B4-BE49-F238E27FC236}">
+                <a16:creationId xmlns:a16="http://schemas.microsoft.com/office/drawing/2014/main" id="{096FE9CB-6E97-074C-9862-989E8FBDE850}"/>
+              </a:ext>
+            </a:extLst>
+          </p:cNvPr>
+          <p:cNvSpPr>
+            <a:spLocks noChangeAspect="1"/>
+          </p:cNvSpPr>
+          <p:nvPr/>
+        </p:nvSpPr>
+        <p:spPr>
+          <a:xfrm rot="18971391">
+            <a:off x="4736830" y="2534217"/>
+            <a:ext cx="246888" cy="246888"/>
+          </a:xfrm>
+          <a:prstGeom prst="diamond">
+            <a:avLst/>
+          </a:prstGeom>
+          <a:solidFill>
+            <a:srgbClr val="0070C0"/>
+          </a:solidFill>
+          <a:ln>
+            <a:solidFill>
+              <a:schemeClr val="tx1"/>
+            </a:solidFill>
+          </a:ln>
+        </p:spPr>
+        <p:style>
+          <a:lnRef idx="1">
+            <a:schemeClr val="accent6"/>
+          </a:lnRef>
+          <a:fillRef idx="3">
+            <a:schemeClr val="accent6"/>
+          </a:fillRef>
+          <a:effectRef idx="2">
+            <a:schemeClr val="accent6"/>
+          </a:effectRef>
+          <a:fontRef idx="minor">
+            <a:schemeClr val="lt1"/>
+          </a:fontRef>
+        </p:style>
+        <p:txBody>
+          <a:bodyPr rtlCol="0" anchor="t">
+            <a:normAutofit fontScale="25000" lnSpcReduction="20000"/>
+          </a:bodyPr>
+          <a:lstStyle/>
+          <a:p>
+            <a:pPr algn="ctr"/>
+            <a:endParaRPr lang="en-US" sz="1600" dirty="0" err="1">
+              <a:solidFill>
+                <a:schemeClr val="tx1"/>
+              </a:solidFill>
+              <a:latin typeface="Arial" pitchFamily="34" charset="0"/>
+              <a:cs typeface="Arial" pitchFamily="34" charset="0"/>
+            </a:endParaRPr>
+          </a:p>
+        </p:txBody>
+      </p:sp>
+      <p:sp>
+        <p:nvSpPr>
+          <p:cNvPr id="120" name="Diamond 119">
+            <a:extLst>
+              <a:ext uri="{FF2B5EF4-FFF2-40B4-BE49-F238E27FC236}">
+                <a16:creationId xmlns:a16="http://schemas.microsoft.com/office/drawing/2014/main" id="{1B226FD0-C6EA-6045-B985-EB0BBB507BD3}"/>
+              </a:ext>
+            </a:extLst>
+          </p:cNvPr>
+          <p:cNvSpPr>
+            <a:spLocks noChangeAspect="1"/>
+          </p:cNvSpPr>
+          <p:nvPr/>
+        </p:nvSpPr>
+        <p:spPr>
+          <a:xfrm rot="18971391">
+            <a:off x="4911532" y="2534217"/>
+            <a:ext cx="246888" cy="246888"/>
+          </a:xfrm>
+          <a:prstGeom prst="diamond">
+            <a:avLst/>
+          </a:prstGeom>
+          <a:solidFill>
+            <a:srgbClr val="0070C0"/>
+          </a:solidFill>
+          <a:ln>
+            <a:solidFill>
+              <a:schemeClr val="tx1"/>
+            </a:solidFill>
+          </a:ln>
+        </p:spPr>
+        <p:style>
+          <a:lnRef idx="1">
+            <a:schemeClr val="accent6"/>
+          </a:lnRef>
+          <a:fillRef idx="3">
+            <a:schemeClr val="accent6"/>
+          </a:fillRef>
+          <a:effectRef idx="2">
+            <a:schemeClr val="accent6"/>
+          </a:effectRef>
+          <a:fontRef idx="minor">
+            <a:schemeClr val="lt1"/>
+          </a:fontRef>
+        </p:style>
+        <p:txBody>
+          <a:bodyPr rtlCol="0" anchor="t">
+            <a:normAutofit fontScale="25000" lnSpcReduction="20000"/>
+          </a:bodyPr>
+          <a:lstStyle/>
+          <a:p>
+            <a:pPr algn="ctr"/>
+            <a:endParaRPr lang="en-US" sz="1600" dirty="0" err="1">
+              <a:solidFill>
+                <a:schemeClr val="tx1"/>
+              </a:solidFill>
+              <a:latin typeface="Arial" pitchFamily="34" charset="0"/>
+              <a:cs typeface="Arial" pitchFamily="34" charset="0"/>
+            </a:endParaRPr>
+          </a:p>
+        </p:txBody>
+      </p:sp>
+      <p:sp>
+        <p:nvSpPr>
+          <p:cNvPr id="121" name="Diamond 120">
+            <a:extLst>
+              <a:ext uri="{FF2B5EF4-FFF2-40B4-BE49-F238E27FC236}">
+                <a16:creationId xmlns:a16="http://schemas.microsoft.com/office/drawing/2014/main" id="{37BE5954-E5F2-104F-AA4F-68D900C5A11C}"/>
+              </a:ext>
+            </a:extLst>
+          </p:cNvPr>
+          <p:cNvSpPr>
+            <a:spLocks noChangeAspect="1"/>
+          </p:cNvSpPr>
+          <p:nvPr/>
+        </p:nvSpPr>
+        <p:spPr>
+          <a:xfrm rot="18971391">
+            <a:off x="4736830" y="2537931"/>
+            <a:ext cx="246888" cy="246888"/>
+          </a:xfrm>
+          <a:prstGeom prst="diamond">
+            <a:avLst/>
+          </a:prstGeom>
+          <a:solidFill>
+            <a:srgbClr val="0070C0"/>
+          </a:solidFill>
+          <a:ln>
+            <a:solidFill>
+              <a:schemeClr val="tx1"/>
+            </a:solidFill>
+          </a:ln>
+        </p:spPr>
+        <p:style>
+          <a:lnRef idx="1">
+            <a:schemeClr val="accent6"/>
+          </a:lnRef>
+          <a:fillRef idx="3">
+            <a:schemeClr val="accent6"/>
+          </a:fillRef>
+          <a:effectRef idx="2">
+            <a:schemeClr val="accent6"/>
+          </a:effectRef>
+          <a:fontRef idx="minor">
+            <a:schemeClr val="lt1"/>
+          </a:fontRef>
+        </p:style>
+        <p:txBody>
+          <a:bodyPr rtlCol="0" anchor="t">
+            <a:normAutofit fontScale="25000" lnSpcReduction="20000"/>
+          </a:bodyPr>
+          <a:lstStyle/>
+          <a:p>
+            <a:pPr algn="ctr"/>
+            <a:endParaRPr lang="en-US" sz="1600" dirty="0" err="1">
+              <a:solidFill>
+                <a:schemeClr val="tx1"/>
+              </a:solidFill>
+              <a:latin typeface="Arial" pitchFamily="34" charset="0"/>
+              <a:cs typeface="Arial" pitchFamily="34" charset="0"/>
+            </a:endParaRPr>
+          </a:p>
+        </p:txBody>
+      </p:sp>
+      <p:sp>
+        <p:nvSpPr>
+          <p:cNvPr id="122" name="Diamond 121">
+            <a:extLst>
+              <a:ext uri="{FF2B5EF4-FFF2-40B4-BE49-F238E27FC236}">
+                <a16:creationId xmlns:a16="http://schemas.microsoft.com/office/drawing/2014/main" id="{5DF4C302-C02B-F64A-AED2-594F6ECDA266}"/>
+              </a:ext>
+            </a:extLst>
+          </p:cNvPr>
+          <p:cNvSpPr>
+            <a:spLocks noChangeAspect="1"/>
+          </p:cNvSpPr>
+          <p:nvPr/>
+        </p:nvSpPr>
+        <p:spPr>
+          <a:xfrm rot="18971391">
+            <a:off x="9962213" y="2519196"/>
+            <a:ext cx="246888" cy="246888"/>
+          </a:xfrm>
+          <a:prstGeom prst="diamond">
+            <a:avLst/>
+          </a:prstGeom>
+          <a:solidFill>
+            <a:srgbClr val="0070C0"/>
+          </a:solidFill>
+          <a:ln>
+            <a:solidFill>
+              <a:schemeClr val="tx1"/>
+            </a:solidFill>
+          </a:ln>
+        </p:spPr>
+        <p:style>
+          <a:lnRef idx="1">
+            <a:schemeClr val="accent6"/>
+          </a:lnRef>
+          <a:fillRef idx="3">
+            <a:schemeClr val="accent6"/>
+          </a:fillRef>
+          <a:effectRef idx="2">
+            <a:schemeClr val="accent6"/>
+          </a:effectRef>
+          <a:fontRef idx="minor">
+            <a:schemeClr val="lt1"/>
+          </a:fontRef>
+        </p:style>
+        <p:txBody>
+          <a:bodyPr rtlCol="0" anchor="t">
+            <a:normAutofit fontScale="25000" lnSpcReduction="20000"/>
+          </a:bodyPr>
+          <a:lstStyle/>
+          <a:p>
+            <a:pPr algn="ctr"/>
+            <a:endParaRPr lang="en-US" sz="1600" dirty="0" err="1">
+              <a:solidFill>
+                <a:schemeClr val="tx1"/>
+              </a:solidFill>
+              <a:latin typeface="Arial" pitchFamily="34" charset="0"/>
+              <a:cs typeface="Arial" pitchFamily="34" charset="0"/>
+            </a:endParaRPr>
+          </a:p>
+        </p:txBody>
+      </p:sp>
+      <p:cxnSp>
+        <p:nvCxnSpPr>
+          <p:cNvPr id="128" name="Straight Arrow Connector 127">
+            <a:extLst>
+              <a:ext uri="{FF2B5EF4-FFF2-40B4-BE49-F238E27FC236}">
+                <a16:creationId xmlns:a16="http://schemas.microsoft.com/office/drawing/2014/main" id="{598BB72A-9876-2A43-B6A3-C29BF965EE71}"/>
+              </a:ext>
+            </a:extLst>
+          </p:cNvPr>
+          <p:cNvCxnSpPr>
+            <a:cxnSpLocks/>
+            <a:stCxn id="94" idx="2"/>
+            <a:endCxn id="98" idx="0"/>
+          </p:cNvCxnSpPr>
+          <p:nvPr/>
+        </p:nvCxnSpPr>
+        <p:spPr>
+          <a:xfrm flipH="1">
+            <a:off x="2012615" y="2746743"/>
+            <a:ext cx="1496530" cy="695514"/>
+          </a:xfrm>
+          <a:prstGeom prst="straightConnector1">
+            <a:avLst/>
+          </a:prstGeom>
+          <a:ln w="38100">
+            <a:solidFill>
+              <a:srgbClr val="000000"/>
+            </a:solidFill>
+            <a:tailEnd type="arrow"/>
+          </a:ln>
+        </p:spPr>
+        <p:style>
+          <a:lnRef idx="1">
+            <a:schemeClr val="accent1"/>
+          </a:lnRef>
+          <a:fillRef idx="0">
+            <a:schemeClr val="accent1"/>
+          </a:fillRef>
+          <a:effectRef idx="0">
+            <a:schemeClr val="accent1"/>
+          </a:effectRef>
+          <a:fontRef idx="minor">
+            <a:schemeClr val="tx1"/>
+          </a:fontRef>
+        </p:style>
+      </p:cxnSp>
+    </p:spTree>
+    <p:extLst>
+      <p:ext uri="{BB962C8B-B14F-4D97-AF65-F5344CB8AC3E}">
+        <p14:creationId xmlns:p14="http://schemas.microsoft.com/office/powerpoint/2010/main" val="4135364185"/>
+      </p:ext>
+    </p:extLst>
+  </p:cSld>
+  <p:clrMapOvr>
+    <a:masterClrMapping/>
+  </p:clrMapOvr>
+</p:sld>
+</file>
+
+<file path=ppt/slides/slide3.xml><?xml version="1.0" encoding="utf-8"?>
 <p:sld xmlns:a="http://schemas.openxmlformats.org/drawingml/2006/main" xmlns:r="http://schemas.openxmlformats.org/officeDocument/2006/relationships" xmlns:p="http://schemas.openxmlformats.org/presentationml/2006/main">
   <p:cSld>
     <p:spTree>

--- a/VLDB2018/flattening.pptx
+++ b/VLDB2018/flattening.pptx
@@ -261,7 +261,7 @@
           <a:p>
             <a:fld id="{9D64018F-7DFE-E045-B317-7619DD957578}" type="datetimeFigureOut">
               <a:rPr lang="en-US" smtClean="0"/>
-              <a:t>3/1/18</a:t>
+              <a:t>3/2/18</a:t>
             </a:fld>
             <a:endParaRPr lang="en-US"/>
           </a:p>
@@ -459,7 +459,7 @@
           <a:p>
             <a:fld id="{9D64018F-7DFE-E045-B317-7619DD957578}" type="datetimeFigureOut">
               <a:rPr lang="en-US" smtClean="0"/>
-              <a:t>3/1/18</a:t>
+              <a:t>3/2/18</a:t>
             </a:fld>
             <a:endParaRPr lang="en-US"/>
           </a:p>
@@ -667,7 +667,7 @@
           <a:p>
             <a:fld id="{9D64018F-7DFE-E045-B317-7619DD957578}" type="datetimeFigureOut">
               <a:rPr lang="en-US" smtClean="0"/>
-              <a:t>3/1/18</a:t>
+              <a:t>3/2/18</a:t>
             </a:fld>
             <a:endParaRPr lang="en-US"/>
           </a:p>
@@ -865,7 +865,7 @@
           <a:p>
             <a:fld id="{9D64018F-7DFE-E045-B317-7619DD957578}" type="datetimeFigureOut">
               <a:rPr lang="en-US" smtClean="0"/>
-              <a:t>3/1/18</a:t>
+              <a:t>3/2/18</a:t>
             </a:fld>
             <a:endParaRPr lang="en-US"/>
           </a:p>
@@ -1140,7 +1140,7 @@
           <a:p>
             <a:fld id="{9D64018F-7DFE-E045-B317-7619DD957578}" type="datetimeFigureOut">
               <a:rPr lang="en-US" smtClean="0"/>
-              <a:t>3/1/18</a:t>
+              <a:t>3/2/18</a:t>
             </a:fld>
             <a:endParaRPr lang="en-US"/>
           </a:p>
@@ -1405,7 +1405,7 @@
           <a:p>
             <a:fld id="{9D64018F-7DFE-E045-B317-7619DD957578}" type="datetimeFigureOut">
               <a:rPr lang="en-US" smtClean="0"/>
-              <a:t>3/1/18</a:t>
+              <a:t>3/2/18</a:t>
             </a:fld>
             <a:endParaRPr lang="en-US"/>
           </a:p>
@@ -1817,7 +1817,7 @@
           <a:p>
             <a:fld id="{9D64018F-7DFE-E045-B317-7619DD957578}" type="datetimeFigureOut">
               <a:rPr lang="en-US" smtClean="0"/>
-              <a:t>3/1/18</a:t>
+              <a:t>3/2/18</a:t>
             </a:fld>
             <a:endParaRPr lang="en-US"/>
           </a:p>
@@ -1958,7 +1958,7 @@
           <a:p>
             <a:fld id="{9D64018F-7DFE-E045-B317-7619DD957578}" type="datetimeFigureOut">
               <a:rPr lang="en-US" smtClean="0"/>
-              <a:t>3/1/18</a:t>
+              <a:t>3/2/18</a:t>
             </a:fld>
             <a:endParaRPr lang="en-US"/>
           </a:p>
@@ -2071,7 +2071,7 @@
           <a:p>
             <a:fld id="{9D64018F-7DFE-E045-B317-7619DD957578}" type="datetimeFigureOut">
               <a:rPr lang="en-US" smtClean="0"/>
-              <a:t>3/1/18</a:t>
+              <a:t>3/2/18</a:t>
             </a:fld>
             <a:endParaRPr lang="en-US"/>
           </a:p>
@@ -2382,7 +2382,7 @@
           <a:p>
             <a:fld id="{9D64018F-7DFE-E045-B317-7619DD957578}" type="datetimeFigureOut">
               <a:rPr lang="en-US" smtClean="0"/>
-              <a:t>3/1/18</a:t>
+              <a:t>3/2/18</a:t>
             </a:fld>
             <a:endParaRPr lang="en-US"/>
           </a:p>
@@ -2670,7 +2670,7 @@
           <a:p>
             <a:fld id="{9D64018F-7DFE-E045-B317-7619DD957578}" type="datetimeFigureOut">
               <a:rPr lang="en-US" smtClean="0"/>
-              <a:t>3/1/18</a:t>
+              <a:t>3/2/18</a:t>
             </a:fld>
             <a:endParaRPr lang="en-US"/>
           </a:p>
@@ -2911,7 +2911,7 @@
           <a:p>
             <a:fld id="{9D64018F-7DFE-E045-B317-7619DD957578}" type="datetimeFigureOut">
               <a:rPr lang="en-US" smtClean="0"/>
-              <a:t>3/1/18</a:t>
+              <a:t>3/2/18</a:t>
             </a:fld>
             <a:endParaRPr lang="en-US"/>
           </a:p>
@@ -10865,7 +10865,7 @@
         <p:spPr>
           <a:xfrm>
             <a:off x="67480" y="1052121"/>
-            <a:ext cx="5943600" cy="3931920"/>
+            <a:ext cx="5943600" cy="4297680"/>
           </a:xfrm>
           <a:prstGeom prst="roundRect">
             <a:avLst/>
@@ -10972,7 +10972,7 @@
         <p:spPr>
           <a:xfrm>
             <a:off x="249375" y="2287682"/>
-            <a:ext cx="5516777" cy="2420113"/>
+            <a:ext cx="5516777" cy="2702553"/>
           </a:xfrm>
           <a:prstGeom prst="rect">
             <a:avLst/>
@@ -11007,6 +11007,24 @@
           <a:bodyPr rtlCol="0" anchor="ctr"/>
           <a:lstStyle/>
           <a:p>
+            <a:endParaRPr lang="en-US" sz="2800" b="1" dirty="0"/>
+          </a:p>
+          <a:p>
+            <a:endParaRPr lang="en-US" sz="2800" b="1" dirty="0"/>
+          </a:p>
+          <a:p>
+            <a:endParaRPr lang="en-US" sz="2800" b="1" dirty="0"/>
+          </a:p>
+          <a:p>
+            <a:endParaRPr lang="en-US" sz="2800" b="1" dirty="0"/>
+          </a:p>
+          <a:p>
+            <a:endParaRPr lang="en-US" sz="2800" b="1" dirty="0"/>
+          </a:p>
+          <a:p>
+            <a:endParaRPr lang="en-US" sz="2800" b="1" dirty="0"/>
+          </a:p>
+          <a:p>
             <a:r>
               <a:rPr lang="en-US" sz="2800" b="1" dirty="0"/>
               <a:t>DATA</a:t>
@@ -11092,8 +11110,8 @@
         </p:nvSpPr>
         <p:spPr>
           <a:xfrm>
-            <a:off x="952330" y="2467944"/>
-            <a:ext cx="548640" cy="353567"/>
+            <a:off x="495131" y="2467944"/>
+            <a:ext cx="640080" cy="353567"/>
           </a:xfrm>
           <a:prstGeom prst="ellipse">
             <a:avLst/>
@@ -11121,7 +11139,7 @@
           <a:p>
             <a:pPr algn="ctr"/>
             <a:r>
-              <a:rPr lang="en-US" b="1" dirty="0"/>
+              <a:rPr lang="en-US" sz="2400" b="1" dirty="0"/>
               <a:t>cell</a:t>
             </a:r>
           </a:p>
@@ -11143,8 +11161,8 @@
         </p:nvSpPr>
         <p:spPr>
           <a:xfrm>
-            <a:off x="1635844" y="2467944"/>
-            <a:ext cx="548640" cy="353567"/>
+            <a:off x="1254845" y="2467944"/>
+            <a:ext cx="640080" cy="353567"/>
           </a:xfrm>
           <a:prstGeom prst="ellipse">
             <a:avLst/>
@@ -11172,7 +11190,7 @@
           <a:p>
             <a:pPr algn="ctr"/>
             <a:r>
-              <a:rPr lang="en-US" b="1" dirty="0"/>
+              <a:rPr lang="en-US" sz="2400" b="1" dirty="0"/>
               <a:t>cell</a:t>
             </a:r>
           </a:p>
@@ -11194,8 +11212,8 @@
         </p:nvSpPr>
         <p:spPr>
           <a:xfrm>
-            <a:off x="3686386" y="2467944"/>
-            <a:ext cx="548640" cy="353567"/>
+            <a:off x="3533987" y="2467944"/>
+            <a:ext cx="640080" cy="353567"/>
           </a:xfrm>
           <a:prstGeom prst="ellipse">
             <a:avLst/>
@@ -11223,7 +11241,7 @@
           <a:p>
             <a:pPr algn="ctr"/>
             <a:r>
-              <a:rPr lang="en-US" b="1" dirty="0"/>
+              <a:rPr lang="en-US" sz="2400" b="1" dirty="0"/>
               <a:t>cell</a:t>
             </a:r>
           </a:p>
@@ -11245,8 +11263,8 @@
         </p:nvSpPr>
         <p:spPr>
           <a:xfrm>
-            <a:off x="4369900" y="2467944"/>
-            <a:ext cx="548640" cy="353567"/>
+            <a:off x="4293701" y="2467944"/>
+            <a:ext cx="640080" cy="353567"/>
           </a:xfrm>
           <a:prstGeom prst="ellipse">
             <a:avLst/>
@@ -11274,7 +11292,7 @@
           <a:p>
             <a:pPr algn="ctr"/>
             <a:r>
-              <a:rPr lang="en-US" b="1" dirty="0"/>
+              <a:rPr lang="en-US" sz="2400" b="1" dirty="0"/>
               <a:t>cell</a:t>
             </a:r>
           </a:p>
@@ -11297,7 +11315,7 @@
         <p:spPr>
           <a:xfrm>
             <a:off x="5053414" y="2467944"/>
-            <a:ext cx="548640" cy="353567"/>
+            <a:ext cx="640080" cy="353567"/>
           </a:xfrm>
           <a:prstGeom prst="ellipse">
             <a:avLst/>
@@ -11325,7 +11343,7 @@
           <a:p>
             <a:pPr algn="ctr"/>
             <a:r>
-              <a:rPr lang="en-US" b="1" dirty="0"/>
+              <a:rPr lang="en-US" sz="2400" b="1" dirty="0"/>
               <a:t>cell</a:t>
             </a:r>
           </a:p>
@@ -11347,8 +11365,8 @@
         </p:nvSpPr>
         <p:spPr>
           <a:xfrm>
-            <a:off x="3002872" y="2467944"/>
-            <a:ext cx="548640" cy="353567"/>
+            <a:off x="2774273" y="2467944"/>
+            <a:ext cx="640080" cy="353567"/>
           </a:xfrm>
           <a:prstGeom prst="ellipse">
             <a:avLst/>
@@ -11376,7 +11394,7 @@
           <a:p>
             <a:pPr algn="ctr"/>
             <a:r>
-              <a:rPr lang="en-US" b="1" dirty="0"/>
+              <a:rPr lang="en-US" sz="2400" b="1" dirty="0"/>
               <a:t>cell</a:t>
             </a:r>
           </a:p>
@@ -11398,8 +11416,8 @@
         </p:nvSpPr>
         <p:spPr>
           <a:xfrm>
-            <a:off x="2319358" y="2467944"/>
-            <a:ext cx="548640" cy="353567"/>
+            <a:off x="2014559" y="2467944"/>
+            <a:ext cx="640080" cy="353567"/>
           </a:xfrm>
           <a:prstGeom prst="ellipse">
             <a:avLst/>
@@ -11427,7 +11445,7 @@
           <a:p>
             <a:pPr algn="ctr"/>
             <a:r>
-              <a:rPr lang="en-US" b="1" dirty="0"/>
+              <a:rPr lang="en-US" sz="2400" b="1" dirty="0"/>
               <a:t>cell</a:t>
             </a:r>
           </a:p>
@@ -11447,7 +11465,7 @@
         </p:nvSpPr>
         <p:spPr>
           <a:xfrm>
-            <a:off x="767605" y="3423796"/>
+            <a:off x="767605" y="3646819"/>
             <a:ext cx="3610979" cy="446049"/>
           </a:xfrm>
           <a:prstGeom prst="rect">
@@ -11496,7 +11514,7 @@
         </p:nvSpPr>
         <p:spPr>
           <a:xfrm>
-            <a:off x="1361482" y="4086933"/>
+            <a:off x="1361482" y="4309956"/>
             <a:ext cx="3657600" cy="446049"/>
           </a:xfrm>
           <a:prstGeom prst="rect">
@@ -11545,7 +11563,7 @@
         </p:nvSpPr>
         <p:spPr>
           <a:xfrm>
-            <a:off x="4583197" y="3423795"/>
+            <a:off x="4583197" y="3646818"/>
             <a:ext cx="1037063" cy="446049"/>
           </a:xfrm>
           <a:prstGeom prst="rect">
@@ -11574,7 +11592,7 @@
           <a:p>
             <a:pPr algn="ctr"/>
             <a:r>
-              <a:rPr lang="en-US" sz="2400" dirty="0"/>
+              <a:rPr lang="en-US" sz="2400" b="1" dirty="0"/>
               <a:t>POJO</a:t>
             </a:r>
           </a:p>
@@ -11598,8 +11616,8 @@
         </p:nvCxnSpPr>
         <p:spPr>
           <a:xfrm rot="16200000" flipH="1">
-            <a:off x="917485" y="3130676"/>
-            <a:ext cx="626047" cy="7716"/>
+            <a:off x="600233" y="3036448"/>
+            <a:ext cx="849070" cy="419195"/>
           </a:xfrm>
           <a:prstGeom prst="curvedConnector3">
             <a:avLst>
@@ -11640,14 +11658,14 @@
           <p:cNvCxnSpPr>
             <a:cxnSpLocks/>
             <a:stCxn id="75" idx="4"/>
-            <a:endCxn id="78" idx="0"/>
+            <a:endCxn id="3" idx="0"/>
           </p:cNvCxnSpPr>
           <p:nvPr/>
         </p:nvCxnSpPr>
         <p:spPr>
-          <a:xfrm rot="16200000" flipH="1">
-            <a:off x="3888318" y="2210384"/>
-            <a:ext cx="602284" cy="1824537"/>
+          <a:xfrm rot="5400000">
+            <a:off x="2421050" y="2973556"/>
+            <a:ext cx="825308" cy="521218"/>
           </a:xfrm>
           <a:prstGeom prst="curvedConnector3">
             <a:avLst/>
@@ -11692,12 +11710,12 @@
         </p:nvCxnSpPr>
         <p:spPr>
           <a:xfrm rot="16200000" flipH="1">
-            <a:off x="1917512" y="2814163"/>
-            <a:ext cx="1265422" cy="1280118"/>
+            <a:off x="1638361" y="2758034"/>
+            <a:ext cx="1488445" cy="1615397"/>
           </a:xfrm>
           <a:prstGeom prst="curvedConnector3">
             <a:avLst>
-              <a:gd name="adj1" fmla="val 75611"/>
+              <a:gd name="adj1" fmla="val 50000"/>
             </a:avLst>
           </a:prstGeom>
           <a:ln w="25400">
@@ -11739,7 +11757,7 @@
         <p:spPr>
           <a:xfrm>
             <a:off x="6160168" y="1052121"/>
-            <a:ext cx="5943600" cy="3931920"/>
+            <a:ext cx="5943600" cy="4297680"/>
           </a:xfrm>
           <a:prstGeom prst="roundRect">
             <a:avLst/>
@@ -11846,7 +11864,7 @@
         <p:spPr>
           <a:xfrm>
             <a:off x="6371205" y="2270124"/>
-            <a:ext cx="5542641" cy="2440771"/>
+            <a:ext cx="5542641" cy="2725622"/>
           </a:xfrm>
           <a:prstGeom prst="rect">
             <a:avLst/>
@@ -11881,6 +11899,24 @@
           <a:bodyPr rtlCol="0" anchor="ctr"/>
           <a:lstStyle/>
           <a:p>
+            <a:endParaRPr lang="en-US" sz="2800" b="1" dirty="0"/>
+          </a:p>
+          <a:p>
+            <a:endParaRPr lang="en-US" sz="2800" b="1" dirty="0"/>
+          </a:p>
+          <a:p>
+            <a:endParaRPr lang="en-US" sz="2800" b="1" dirty="0"/>
+          </a:p>
+          <a:p>
+            <a:endParaRPr lang="en-US" sz="2800" b="1" dirty="0"/>
+          </a:p>
+          <a:p>
+            <a:endParaRPr lang="en-US" sz="2800" b="1" dirty="0"/>
+          </a:p>
+          <a:p>
+            <a:endParaRPr lang="en-US" sz="2800" b="1" dirty="0"/>
+          </a:p>
+          <a:p>
             <a:r>
               <a:rPr lang="en-US" sz="2800" b="1" dirty="0"/>
               <a:t>DATA</a:t>
@@ -11964,7 +12000,7 @@
         </p:nvSpPr>
         <p:spPr>
           <a:xfrm>
-            <a:off x="7031743" y="3423796"/>
+            <a:off x="7031743" y="3646819"/>
             <a:ext cx="3610979" cy="446049"/>
           </a:xfrm>
           <a:prstGeom prst="rect">
@@ -12013,7 +12049,7 @@
         </p:nvSpPr>
         <p:spPr>
           <a:xfrm>
-            <a:off x="7747533" y="4086933"/>
+            <a:off x="7747533" y="4309956"/>
             <a:ext cx="3657600" cy="446049"/>
           </a:xfrm>
           <a:prstGeom prst="rect">
@@ -12066,8 +12102,8 @@
         </p:nvCxnSpPr>
         <p:spPr>
           <a:xfrm rot="16200000" flipH="1">
-            <a:off x="9508612" y="2540304"/>
-            <a:ext cx="2215654" cy="913556"/>
+            <a:off x="9397101" y="2651815"/>
+            <a:ext cx="2438677" cy="913556"/>
           </a:xfrm>
           <a:prstGeom prst="curvedConnector3">
             <a:avLst>
@@ -12114,8 +12150,8 @@
         </p:nvCxnSpPr>
         <p:spPr>
           <a:xfrm rot="5400000">
-            <a:off x="8382061" y="982505"/>
-            <a:ext cx="1600456" cy="3310675"/>
+            <a:off x="8270550" y="1094016"/>
+            <a:ext cx="1823479" cy="3310675"/>
           </a:xfrm>
           <a:prstGeom prst="curvedConnector3">
             <a:avLst>
@@ -12162,8 +12198,8 @@
         </p:nvCxnSpPr>
         <p:spPr>
           <a:xfrm rot="5400000">
-            <a:off x="8962713" y="2476309"/>
-            <a:ext cx="2224244" cy="997004"/>
+            <a:off x="8851202" y="2587820"/>
+            <a:ext cx="2447267" cy="997004"/>
           </a:xfrm>
           <a:prstGeom prst="curvedConnector3">
             <a:avLst>
@@ -12210,8 +12246,8 @@
         </p:nvCxnSpPr>
         <p:spPr>
           <a:xfrm rot="5400000">
-            <a:off x="1759101" y="2599408"/>
-            <a:ext cx="612475" cy="1056680"/>
+            <a:off x="1518050" y="2840460"/>
+            <a:ext cx="835498" cy="797601"/>
           </a:xfrm>
           <a:prstGeom prst="curvedConnector3">
             <a:avLst>
@@ -12258,8 +12294,8 @@
         </p:nvCxnSpPr>
         <p:spPr>
           <a:xfrm rot="5400000">
-            <a:off x="3173536" y="3299551"/>
-            <a:ext cx="1265211" cy="309131"/>
+            <a:off x="3008684" y="3464402"/>
+            <a:ext cx="1488234" cy="202452"/>
           </a:xfrm>
           <a:prstGeom prst="curvedConnector3">
             <a:avLst>
@@ -12553,14 +12589,14 @@
           <p:cNvCxnSpPr>
             <a:cxnSpLocks/>
             <a:stCxn id="73" idx="4"/>
-            <a:endCxn id="3" idx="0"/>
+            <a:endCxn id="78" idx="0"/>
           </p:cNvCxnSpPr>
           <p:nvPr/>
         </p:nvCxnSpPr>
         <p:spPr>
-          <a:xfrm rot="5400000">
-            <a:off x="3307516" y="2087091"/>
-            <a:ext cx="602285" cy="2071125"/>
+          <a:xfrm rot="16200000" flipH="1">
+            <a:off x="4445082" y="2990170"/>
+            <a:ext cx="825307" cy="487988"/>
           </a:xfrm>
           <a:prstGeom prst="curvedConnector3">
             <a:avLst>
@@ -12607,12 +12643,12 @@
         </p:nvCxnSpPr>
         <p:spPr>
           <a:xfrm rot="5400000">
-            <a:off x="4084079" y="2850844"/>
-            <a:ext cx="1272988" cy="1214322"/>
+            <a:off x="3995428" y="2939495"/>
+            <a:ext cx="1496011" cy="1260042"/>
           </a:xfrm>
           <a:prstGeom prst="curvedConnector3">
             <a:avLst>
-              <a:gd name="adj1" fmla="val 37270"/>
+              <a:gd name="adj1" fmla="val 50000"/>
             </a:avLst>
           </a:prstGeom>
           <a:ln w="25400">
@@ -12651,7 +12687,7 @@
         </p:nvSpPr>
         <p:spPr>
           <a:xfrm>
-            <a:off x="7316710" y="3438070"/>
+            <a:off x="7316710" y="3661093"/>
             <a:ext cx="420482" cy="342900"/>
           </a:xfrm>
           <a:prstGeom prst="rect">
@@ -12755,8 +12791,8 @@
         </p:nvCxnSpPr>
         <p:spPr>
           <a:xfrm rot="5400000">
-            <a:off x="9380216" y="1318438"/>
-            <a:ext cx="1562376" cy="2648341"/>
+            <a:off x="9268705" y="1429949"/>
+            <a:ext cx="1785399" cy="2648341"/>
           </a:xfrm>
           <a:prstGeom prst="curvedConnector3">
             <a:avLst>
@@ -12915,8 +12951,8 @@
         </p:nvCxnSpPr>
         <p:spPr>
           <a:xfrm flipH="1">
-            <a:off x="1910164" y="1754494"/>
-            <a:ext cx="913607" cy="713450"/>
+            <a:off x="1574885" y="1754494"/>
+            <a:ext cx="1248886" cy="713450"/>
           </a:xfrm>
           <a:prstGeom prst="straightConnector1">
             <a:avLst/>
@@ -12961,8 +12997,8 @@
         </p:nvCxnSpPr>
         <p:spPr>
           <a:xfrm flipH="1">
-            <a:off x="1226650" y="1749795"/>
-            <a:ext cx="1119886" cy="718149"/>
+            <a:off x="815171" y="1749795"/>
+            <a:ext cx="1531365" cy="718149"/>
           </a:xfrm>
           <a:prstGeom prst="straightConnector1">
             <a:avLst/>
@@ -13007,8 +13043,8 @@
         </p:nvCxnSpPr>
         <p:spPr>
           <a:xfrm flipH="1">
-            <a:off x="2593678" y="1754494"/>
-            <a:ext cx="481075" cy="713450"/>
+            <a:off x="2334599" y="1754494"/>
+            <a:ext cx="740154" cy="713450"/>
           </a:xfrm>
           <a:prstGeom prst="straightConnector1">
             <a:avLst/>
@@ -13053,8 +13089,8 @@
         </p:nvCxnSpPr>
         <p:spPr>
           <a:xfrm flipH="1">
-            <a:off x="3277192" y="1749795"/>
-            <a:ext cx="73272" cy="718149"/>
+            <a:off x="3094313" y="1749795"/>
+            <a:ext cx="256151" cy="718149"/>
           </a:xfrm>
           <a:prstGeom prst="straightConnector1">
             <a:avLst/>
@@ -13100,7 +13136,7 @@
         <p:spPr>
           <a:xfrm>
             <a:off x="3601446" y="1749795"/>
-            <a:ext cx="359260" cy="718149"/>
+            <a:ext cx="252581" cy="718149"/>
           </a:xfrm>
           <a:prstGeom prst="straightConnector1">
             <a:avLst/>
@@ -13146,7 +13182,7 @@
         <p:spPr>
           <a:xfrm>
             <a:off x="4078681" y="1754494"/>
-            <a:ext cx="565539" cy="713450"/>
+            <a:ext cx="535060" cy="713450"/>
           </a:xfrm>
           <a:prstGeom prst="straightConnector1">
             <a:avLst/>
@@ -13192,7 +13228,7 @@
         <p:spPr>
           <a:xfrm>
             <a:off x="4329663" y="1754494"/>
-            <a:ext cx="998071" cy="713450"/>
+            <a:ext cx="1043791" cy="713450"/>
           </a:xfrm>
           <a:prstGeom prst="straightConnector1">
             <a:avLst/>
@@ -13667,7 +13703,7 @@
         </p:nvSpPr>
         <p:spPr>
           <a:xfrm>
-            <a:off x="1024125" y="3447558"/>
+            <a:off x="1024125" y="3670581"/>
             <a:ext cx="420482" cy="342900"/>
           </a:xfrm>
           <a:prstGeom prst="rect">
@@ -13717,7 +13753,7 @@
         </p:nvSpPr>
         <p:spPr>
           <a:xfrm>
-            <a:off x="1326757" y="3433986"/>
+            <a:off x="1326757" y="3657009"/>
             <a:ext cx="420482" cy="342900"/>
           </a:xfrm>
           <a:prstGeom prst="rect">
@@ -13817,7 +13853,7 @@
         </p:nvSpPr>
         <p:spPr>
           <a:xfrm>
-            <a:off x="3441334" y="4086722"/>
+            <a:off x="3441334" y="4309745"/>
             <a:ext cx="420482" cy="342900"/>
           </a:xfrm>
           <a:prstGeom prst="rect">
@@ -13867,7 +13903,7 @@
         </p:nvSpPr>
         <p:spPr>
           <a:xfrm>
-            <a:off x="10862976" y="4104909"/>
+            <a:off x="10862976" y="4327932"/>
             <a:ext cx="420482" cy="342900"/>
           </a:xfrm>
           <a:prstGeom prst="rect">
@@ -13967,7 +14003,7 @@
         </p:nvSpPr>
         <p:spPr>
           <a:xfrm>
-            <a:off x="3903171" y="4094499"/>
+            <a:off x="3903171" y="4317522"/>
             <a:ext cx="420482" cy="342900"/>
           </a:xfrm>
           <a:prstGeom prst="rect">
@@ -14017,7 +14053,7 @@
         </p:nvSpPr>
         <p:spPr>
           <a:xfrm>
-            <a:off x="3360594" y="5647179"/>
+            <a:off x="3360594" y="5870202"/>
             <a:ext cx="420482" cy="342900"/>
           </a:xfrm>
           <a:prstGeom prst="rect">

--- a/VLDB2018/flattening.pptx
+++ b/VLDB2018/flattening.pptx
@@ -5774,7 +5774,7 @@
           <a:p>
             <a:pPr algn="ctr"/>
             <a:r>
-              <a:rPr lang="en-US" sz="2400" b="1" dirty="0"/>
+              <a:rPr lang="en-US" sz="2800" dirty="0"/>
               <a:t>Ordered Array</a:t>
             </a:r>
           </a:p>
@@ -5832,7 +5832,15 @@
           <a:p>
             <a:r>
               <a:rPr lang="en-US" sz="2800" b="1" dirty="0"/>
-              <a:t>  DATA</a:t>
+              <a:t>  </a:t>
+            </a:r>
+            <a:r>
+              <a:rPr lang="en-US" sz="2800" b="1" dirty="0">
+                <a:solidFill>
+                  <a:schemeClr val="tx1"/>
+                </a:solidFill>
+              </a:rPr>
+              <a:t>DATA</a:t>
             </a:r>
           </a:p>
         </p:txBody>
@@ -5889,7 +5897,15 @@
           <a:p>
             <a:r>
               <a:rPr lang="en-US" sz="2800" b="1" dirty="0"/>
-              <a:t>  DATA</a:t>
+              <a:t>  </a:t>
+            </a:r>
+            <a:r>
+              <a:rPr lang="en-US" sz="2800" b="1" dirty="0">
+                <a:solidFill>
+                  <a:schemeClr val="tx1"/>
+                </a:solidFill>
+              </a:rPr>
+              <a:t>DATA</a:t>
             </a:r>
           </a:p>
         </p:txBody>
@@ -6982,8 +6998,8 @@
         </p:nvSpPr>
         <p:spPr>
           <a:xfrm>
-            <a:off x="3640405" y="3972161"/>
-            <a:ext cx="1476912" cy="479512"/>
+            <a:off x="3473136" y="3972161"/>
+            <a:ext cx="1645920" cy="479512"/>
           </a:xfrm>
           <a:prstGeom prst="rect">
             <a:avLst/>
@@ -7011,27 +7027,27 @@
           <a:p>
             <a:pPr algn="ctr"/>
             <a:r>
-              <a:rPr lang="en-US" sz="2000" b="1" dirty="0"/>
+              <a:rPr lang="en-US" sz="2400" b="1" dirty="0"/>
               <a:t>K</a:t>
             </a:r>
             <a:r>
-              <a:rPr lang="en-US" sz="2000" dirty="0"/>
+              <a:rPr lang="en-US" sz="2400" dirty="0"/>
               <a:t> | </a:t>
             </a:r>
             <a:r>
-              <a:rPr lang="en-US" sz="2000" b="1" dirty="0"/>
+              <a:rPr lang="en-US" sz="2400" b="1" dirty="0"/>
               <a:t>V</a:t>
             </a:r>
             <a:r>
-              <a:rPr lang="en-US" sz="2000" dirty="0"/>
+              <a:rPr lang="en-US" sz="2400" dirty="0"/>
               <a:t> | </a:t>
             </a:r>
             <a:r>
-              <a:rPr lang="en-US" sz="2000" b="1" dirty="0" err="1"/>
+              <a:rPr lang="en-US" sz="2400" b="1" dirty="0" err="1"/>
               <a:t>ts</a:t>
             </a:r>
             <a:r>
-              <a:rPr lang="en-US" sz="2000" b="1" dirty="0"/>
+              <a:rPr lang="en-US" sz="2400" b="1" dirty="0"/>
               <a:t>=2</a:t>
             </a:r>
           </a:p>
@@ -7051,8 +7067,8 @@
         </p:nvSpPr>
         <p:spPr>
           <a:xfrm>
-            <a:off x="7907317" y="3987955"/>
-            <a:ext cx="1476912" cy="479512"/>
+            <a:off x="7762354" y="3987955"/>
+            <a:ext cx="1645920" cy="479512"/>
           </a:xfrm>
           <a:prstGeom prst="rect">
             <a:avLst/>
@@ -7080,27 +7096,27 @@
           <a:p>
             <a:pPr algn="ctr"/>
             <a:r>
-              <a:rPr lang="en-US" sz="2000" b="1" dirty="0"/>
+              <a:rPr lang="en-US" sz="2400" b="1" dirty="0"/>
               <a:t>K</a:t>
             </a:r>
             <a:r>
-              <a:rPr lang="en-US" sz="2000" dirty="0"/>
+              <a:rPr lang="en-US" sz="2400" dirty="0"/>
               <a:t> | </a:t>
             </a:r>
             <a:r>
-              <a:rPr lang="en-US" sz="2000" b="1" dirty="0"/>
+              <a:rPr lang="en-US" sz="2400" b="1" dirty="0"/>
               <a:t>V</a:t>
             </a:r>
             <a:r>
-              <a:rPr lang="en-US" sz="2000" dirty="0"/>
+              <a:rPr lang="en-US" sz="2400" dirty="0"/>
               <a:t> | </a:t>
             </a:r>
             <a:r>
-              <a:rPr lang="en-US" sz="2000" b="1" dirty="0" err="1"/>
+              <a:rPr lang="en-US" sz="2400" b="1" dirty="0" err="1"/>
               <a:t>ts</a:t>
             </a:r>
             <a:r>
-              <a:rPr lang="en-US" sz="2000" b="1" dirty="0"/>
+              <a:rPr lang="en-US" sz="2400" b="1" dirty="0"/>
               <a:t>=1</a:t>
             </a:r>
           </a:p>
@@ -7123,8 +7139,8 @@
         </p:nvCxnSpPr>
         <p:spPr>
           <a:xfrm rot="5400000">
-            <a:off x="4006736" y="3475588"/>
-            <a:ext cx="868698" cy="124448"/>
+            <a:off x="3965354" y="3434206"/>
+            <a:ext cx="868698" cy="207213"/>
           </a:xfrm>
           <a:prstGeom prst="curvedConnector3">
             <a:avLst/>
@@ -7169,13 +7185,13 @@
         </p:nvCxnSpPr>
         <p:spPr>
           <a:xfrm rot="10800000" flipH="1" flipV="1">
-            <a:off x="8568917" y="2735831"/>
-            <a:ext cx="76855" cy="1252123"/>
+            <a:off x="8568918" y="2735831"/>
+            <a:ext cx="16396" cy="1252123"/>
           </a:xfrm>
           <a:prstGeom prst="curvedConnector4">
             <a:avLst>
-              <a:gd name="adj1" fmla="val -553470"/>
-              <a:gd name="adj2" fmla="val 70930"/>
+              <a:gd name="adj1" fmla="val -1394242"/>
+              <a:gd name="adj2" fmla="val 51517"/>
             </a:avLst>
           </a:prstGeom>
           <a:ln w="38100">
@@ -7214,8 +7230,8 @@
         </p:nvSpPr>
         <p:spPr>
           <a:xfrm>
-            <a:off x="2003760" y="3968859"/>
-            <a:ext cx="1476912" cy="479512"/>
+            <a:off x="1646924" y="3968859"/>
+            <a:ext cx="1645920" cy="479512"/>
           </a:xfrm>
           <a:prstGeom prst="rect">
             <a:avLst/>
@@ -7243,27 +7259,27 @@
           <a:p>
             <a:pPr algn="ctr"/>
             <a:r>
-              <a:rPr lang="en-US" sz="2000" b="1" dirty="0"/>
+              <a:rPr lang="en-US" sz="2400" b="1" dirty="0"/>
               <a:t>K</a:t>
             </a:r>
             <a:r>
-              <a:rPr lang="en-US" sz="2000" dirty="0"/>
+              <a:rPr lang="en-US" sz="2400" dirty="0"/>
               <a:t> | </a:t>
             </a:r>
             <a:r>
-              <a:rPr lang="en-US" sz="2000" b="1" dirty="0"/>
+              <a:rPr lang="en-US" sz="2400" b="1" dirty="0"/>
               <a:t>V</a:t>
             </a:r>
             <a:r>
-              <a:rPr lang="en-US" sz="2000" dirty="0"/>
+              <a:rPr lang="en-US" sz="2400" dirty="0"/>
               <a:t> | </a:t>
             </a:r>
             <a:r>
-              <a:rPr lang="en-US" sz="2000" b="1" dirty="0" err="1"/>
+              <a:rPr lang="en-US" sz="2400" b="1" dirty="0" err="1"/>
               <a:t>ts</a:t>
             </a:r>
             <a:r>
-              <a:rPr lang="en-US" sz="2000" b="1" dirty="0"/>
+              <a:rPr lang="en-US" sz="2400" b="1" dirty="0"/>
               <a:t>=1</a:t>
             </a:r>
           </a:p>
@@ -7281,13 +7297,14 @@
           <p:cNvCxnSpPr>
             <a:cxnSpLocks/>
             <a:stCxn id="26" idx="2"/>
+            <a:endCxn id="76" idx="0"/>
           </p:cNvCxnSpPr>
           <p:nvPr/>
         </p:nvCxnSpPr>
         <p:spPr>
           <a:xfrm rot="5400000">
-            <a:off x="3272334" y="3183370"/>
-            <a:ext cx="879431" cy="719617"/>
+            <a:off x="2838173" y="2735175"/>
+            <a:ext cx="865396" cy="1601973"/>
           </a:xfrm>
           <a:prstGeom prst="curvedConnector3">
             <a:avLst>
@@ -7330,8 +7347,8 @@
         </p:nvSpPr>
         <p:spPr>
           <a:xfrm>
-            <a:off x="9602104" y="3979181"/>
-            <a:ext cx="1476912" cy="479512"/>
+            <a:off x="9535198" y="3979181"/>
+            <a:ext cx="1645920" cy="479512"/>
           </a:xfrm>
           <a:prstGeom prst="rect">
             <a:avLst/>
@@ -7359,27 +7376,27 @@
           <a:p>
             <a:pPr algn="ctr"/>
             <a:r>
-              <a:rPr lang="en-US" sz="2000" b="1" dirty="0"/>
+              <a:rPr lang="en-US" sz="2400" b="1" dirty="0"/>
               <a:t>K</a:t>
             </a:r>
             <a:r>
-              <a:rPr lang="en-US" sz="2000" dirty="0"/>
+              <a:rPr lang="en-US" sz="2400" dirty="0"/>
               <a:t> | </a:t>
             </a:r>
             <a:r>
-              <a:rPr lang="en-US" sz="2000" b="1" dirty="0"/>
+              <a:rPr lang="en-US" sz="2400" b="1" dirty="0"/>
               <a:t>V</a:t>
             </a:r>
             <a:r>
-              <a:rPr lang="en-US" sz="2000" dirty="0"/>
+              <a:rPr lang="en-US" sz="2400" dirty="0"/>
               <a:t> | </a:t>
             </a:r>
             <a:r>
-              <a:rPr lang="en-US" sz="2000" b="1" dirty="0" err="1"/>
+              <a:rPr lang="en-US" sz="2400" b="1" dirty="0" err="1"/>
               <a:t>ts</a:t>
             </a:r>
             <a:r>
-              <a:rPr lang="en-US" sz="2000" b="1" dirty="0"/>
+              <a:rPr lang="en-US" sz="2400" b="1" dirty="0"/>
               <a:t>=2</a:t>
             </a:r>
           </a:p>
@@ -7565,7 +7582,7 @@
           <a:p>
             <a:pPr algn="ctr"/>
             <a:r>
-              <a:rPr lang="en-US" sz="2400" b="1" dirty="0"/>
+              <a:rPr lang="en-US" sz="2800" dirty="0"/>
               <a:t>Ordered Array</a:t>
             </a:r>
           </a:p>
@@ -7622,7 +7639,11 @@
           <a:lstStyle/>
           <a:p>
             <a:r>
-              <a:rPr lang="en-US" sz="2800" b="1" dirty="0"/>
+              <a:rPr lang="en-US" sz="2800" b="1" dirty="0">
+                <a:solidFill>
+                  <a:schemeClr val="tx1"/>
+                </a:solidFill>
+              </a:rPr>
               <a:t>  DATA</a:t>
             </a:r>
           </a:p>
@@ -8606,8 +8627,8 @@
         </p:nvSpPr>
         <p:spPr>
           <a:xfrm>
-            <a:off x="7907317" y="3987955"/>
-            <a:ext cx="1476912" cy="479512"/>
+            <a:off x="7907316" y="3987955"/>
+            <a:ext cx="1645920" cy="479512"/>
           </a:xfrm>
           <a:prstGeom prst="rect">
             <a:avLst/>
@@ -8635,27 +8656,27 @@
           <a:p>
             <a:pPr algn="ctr"/>
             <a:r>
-              <a:rPr lang="en-US" sz="2000" b="1" dirty="0"/>
+              <a:rPr lang="en-US" sz="2400" b="1" dirty="0"/>
               <a:t>K</a:t>
             </a:r>
             <a:r>
-              <a:rPr lang="en-US" sz="2000" dirty="0"/>
+              <a:rPr lang="en-US" sz="2400" dirty="0"/>
               <a:t> | </a:t>
             </a:r>
             <a:r>
-              <a:rPr lang="en-US" sz="2000" b="1" dirty="0"/>
+              <a:rPr lang="en-US" sz="2400" b="1" dirty="0"/>
               <a:t>V</a:t>
             </a:r>
             <a:r>
-              <a:rPr lang="en-US" sz="2000" dirty="0"/>
+              <a:rPr lang="en-US" sz="2400" dirty="0"/>
               <a:t> | </a:t>
             </a:r>
             <a:r>
-              <a:rPr lang="en-US" sz="2000" b="1" dirty="0" err="1"/>
+              <a:rPr lang="en-US" sz="2400" b="1" dirty="0" err="1"/>
               <a:t>ts</a:t>
             </a:r>
             <a:r>
-              <a:rPr lang="en-US" sz="2000" b="1" dirty="0"/>
+              <a:rPr lang="en-US" sz="2400" b="1" dirty="0"/>
               <a:t>=2</a:t>
             </a:r>
           </a:p>
@@ -8679,12 +8700,12 @@
         </p:nvCxnSpPr>
         <p:spPr>
           <a:xfrm rot="16200000" flipH="1">
-            <a:off x="7886588" y="3228769"/>
-            <a:ext cx="1256233" cy="262137"/>
+            <a:off x="7928840" y="3186518"/>
+            <a:ext cx="1256233" cy="346640"/>
           </a:xfrm>
           <a:prstGeom prst="curvedConnector3">
             <a:avLst>
-              <a:gd name="adj1" fmla="val 10942"/>
+              <a:gd name="adj1" fmla="val 50000"/>
             </a:avLst>
           </a:prstGeom>
           <a:ln w="38100">
@@ -8812,7 +8833,7 @@
           <a:p>
             <a:pPr algn="ctr"/>
             <a:r>
-              <a:rPr lang="en-US" sz="2400" b="1" dirty="0"/>
+              <a:rPr lang="en-US" sz="2800" dirty="0"/>
               <a:t>Ordered Array</a:t>
             </a:r>
           </a:p>
@@ -8869,7 +8890,11 @@
           <a:lstStyle/>
           <a:p>
             <a:r>
-              <a:rPr lang="en-US" sz="2800" b="1" dirty="0"/>
+              <a:rPr lang="en-US" sz="2800" b="1" dirty="0">
+                <a:solidFill>
+                  <a:schemeClr val="tx1"/>
+                </a:solidFill>
+              </a:rPr>
               <a:t>  DATA</a:t>
             </a:r>
           </a:p>
@@ -9807,8 +9832,8 @@
         </p:nvSpPr>
         <p:spPr>
           <a:xfrm>
-            <a:off x="1937708" y="4006541"/>
-            <a:ext cx="1476912" cy="479512"/>
+            <a:off x="1937708" y="3987955"/>
+            <a:ext cx="1645920" cy="479512"/>
           </a:xfrm>
           <a:prstGeom prst="rect">
             <a:avLst/>
@@ -9836,27 +9861,27 @@
           <a:p>
             <a:pPr algn="ctr"/>
             <a:r>
-              <a:rPr lang="en-US" sz="2000" b="1" dirty="0"/>
+              <a:rPr lang="en-US" sz="2400" b="1" dirty="0"/>
               <a:t>K</a:t>
             </a:r>
             <a:r>
-              <a:rPr lang="en-US" sz="2000" dirty="0"/>
+              <a:rPr lang="en-US" sz="2400" dirty="0"/>
               <a:t> | </a:t>
             </a:r>
             <a:r>
-              <a:rPr lang="en-US" sz="2000" b="1" dirty="0"/>
+              <a:rPr lang="en-US" sz="2400" b="1" dirty="0"/>
               <a:t>V</a:t>
             </a:r>
             <a:r>
-              <a:rPr lang="en-US" sz="2000" dirty="0"/>
+              <a:rPr lang="en-US" sz="2400" dirty="0"/>
               <a:t> | </a:t>
             </a:r>
             <a:r>
-              <a:rPr lang="en-US" sz="2000" b="1" dirty="0" err="1"/>
+              <a:rPr lang="en-US" sz="2400" b="1" dirty="0" err="1"/>
               <a:t>ts</a:t>
             </a:r>
             <a:r>
-              <a:rPr lang="en-US" sz="2000" b="1" dirty="0"/>
+              <a:rPr lang="en-US" sz="2400" b="1" dirty="0"/>
               <a:t>=1</a:t>
             </a:r>
           </a:p>
@@ -9881,12 +9906,12 @@
         <p:spPr>
           <a:xfrm rot="10800000" flipH="1" flipV="1">
             <a:off x="2632762" y="2743117"/>
-            <a:ext cx="43402" cy="1263423"/>
+            <a:ext cx="127906" cy="1244837"/>
           </a:xfrm>
           <a:prstGeom prst="curvedConnector4">
             <a:avLst>
-              <a:gd name="adj1" fmla="val -526704"/>
-              <a:gd name="adj2" fmla="val 51503"/>
+              <a:gd name="adj1" fmla="val -178725"/>
+              <a:gd name="adj2" fmla="val 51526"/>
             </a:avLst>
           </a:prstGeom>
           <a:ln w="38100">
@@ -9925,8 +9950,8 @@
         </p:nvSpPr>
         <p:spPr>
           <a:xfrm>
-            <a:off x="3565165" y="3999106"/>
-            <a:ext cx="1476912" cy="479512"/>
+            <a:off x="3676675" y="3987955"/>
+            <a:ext cx="1645920" cy="479512"/>
           </a:xfrm>
           <a:prstGeom prst="rect">
             <a:avLst/>
@@ -9954,27 +9979,27 @@
           <a:p>
             <a:pPr algn="ctr"/>
             <a:r>
-              <a:rPr lang="en-US" sz="2000" b="1" dirty="0"/>
+              <a:rPr lang="en-US" sz="2400" b="1" dirty="0"/>
               <a:t>K</a:t>
             </a:r>
             <a:r>
-              <a:rPr lang="en-US" sz="2000" dirty="0"/>
+              <a:rPr lang="en-US" sz="2400" dirty="0"/>
               <a:t> | </a:t>
             </a:r>
             <a:r>
-              <a:rPr lang="en-US" sz="2000" b="1" dirty="0"/>
+              <a:rPr lang="en-US" sz="2400" b="1" dirty="0"/>
               <a:t>V</a:t>
             </a:r>
             <a:r>
-              <a:rPr lang="en-US" sz="2000" dirty="0"/>
+              <a:rPr lang="en-US" sz="2400" dirty="0"/>
               <a:t> | </a:t>
             </a:r>
             <a:r>
-              <a:rPr lang="en-US" sz="2000" b="1" dirty="0" err="1"/>
+              <a:rPr lang="en-US" sz="2400" b="1" dirty="0" err="1"/>
               <a:t>ts</a:t>
             </a:r>
             <a:r>
-              <a:rPr lang="en-US" sz="2000" b="1" dirty="0"/>
+              <a:rPr lang="en-US" sz="2400" b="1" dirty="0"/>
               <a:t>=2</a:t>
             </a:r>
           </a:p>
@@ -9998,8 +10023,8 @@
         </p:nvCxnSpPr>
         <p:spPr>
           <a:xfrm rot="16200000" flipH="1">
-            <a:off x="2929280" y="2624764"/>
-            <a:ext cx="1252363" cy="1496320"/>
+            <a:off x="3032862" y="2521182"/>
+            <a:ext cx="1241212" cy="1692334"/>
           </a:xfrm>
           <a:prstGeom prst="curvedConnector3">
             <a:avLst>
@@ -11007,34 +11032,70 @@
           <a:bodyPr rtlCol="0" anchor="ctr"/>
           <a:lstStyle/>
           <a:p>
-            <a:endParaRPr lang="en-US" sz="2800" b="1" dirty="0"/>
-          </a:p>
-          <a:p>
-            <a:endParaRPr lang="en-US" sz="2800" b="1" dirty="0"/>
-          </a:p>
-          <a:p>
-            <a:endParaRPr lang="en-US" sz="2800" b="1" dirty="0"/>
-          </a:p>
-          <a:p>
-            <a:endParaRPr lang="en-US" sz="2800" b="1" dirty="0"/>
-          </a:p>
-          <a:p>
-            <a:endParaRPr lang="en-US" sz="2800" b="1" dirty="0"/>
-          </a:p>
-          <a:p>
-            <a:endParaRPr lang="en-US" sz="2800" b="1" dirty="0"/>
+            <a:endParaRPr lang="en-US" sz="2800" b="1" dirty="0">
+              <a:solidFill>
+                <a:schemeClr val="tx1"/>
+              </a:solidFill>
+            </a:endParaRPr>
+          </a:p>
+          <a:p>
+            <a:endParaRPr lang="en-US" sz="2800" b="1" dirty="0">
+              <a:solidFill>
+                <a:schemeClr val="tx1"/>
+              </a:solidFill>
+            </a:endParaRPr>
+          </a:p>
+          <a:p>
+            <a:endParaRPr lang="en-US" sz="2800" b="1" dirty="0">
+              <a:solidFill>
+                <a:schemeClr val="tx1"/>
+              </a:solidFill>
+            </a:endParaRPr>
+          </a:p>
+          <a:p>
+            <a:endParaRPr lang="en-US" sz="2800" b="1" dirty="0">
+              <a:solidFill>
+                <a:schemeClr val="tx1"/>
+              </a:solidFill>
+            </a:endParaRPr>
+          </a:p>
+          <a:p>
+            <a:endParaRPr lang="en-US" sz="2800" b="1" dirty="0">
+              <a:solidFill>
+                <a:schemeClr val="tx1"/>
+              </a:solidFill>
+            </a:endParaRPr>
+          </a:p>
+          <a:p>
+            <a:endParaRPr lang="en-US" sz="2800" b="1" dirty="0">
+              <a:solidFill>
+                <a:schemeClr val="tx1"/>
+              </a:solidFill>
+            </a:endParaRPr>
           </a:p>
           <a:p>
             <a:r>
-              <a:rPr lang="en-US" sz="2800" b="1" dirty="0"/>
+              <a:rPr lang="en-US" sz="2800" b="1" dirty="0">
+                <a:solidFill>
+                  <a:schemeClr val="tx1"/>
+                </a:solidFill>
+              </a:rPr>
               <a:t>DATA</a:t>
             </a:r>
           </a:p>
           <a:p>
-            <a:endParaRPr lang="en-US" sz="2800" b="1" dirty="0"/>
-          </a:p>
-          <a:p>
-            <a:endParaRPr lang="en-US" sz="2800" b="1" dirty="0"/>
+            <a:endParaRPr lang="en-US" sz="2800" b="1" dirty="0">
+              <a:solidFill>
+                <a:schemeClr val="tx1"/>
+              </a:solidFill>
+            </a:endParaRPr>
+          </a:p>
+          <a:p>
+            <a:endParaRPr lang="en-US" sz="2800" b="1" dirty="0">
+              <a:solidFill>
+                <a:schemeClr val="tx1"/>
+              </a:solidFill>
+            </a:endParaRPr>
           </a:p>
         </p:txBody>
       </p:sp>
@@ -11899,34 +11960,70 @@
           <a:bodyPr rtlCol="0" anchor="ctr"/>
           <a:lstStyle/>
           <a:p>
-            <a:endParaRPr lang="en-US" sz="2800" b="1" dirty="0"/>
-          </a:p>
-          <a:p>
-            <a:endParaRPr lang="en-US" sz="2800" b="1" dirty="0"/>
-          </a:p>
-          <a:p>
-            <a:endParaRPr lang="en-US" sz="2800" b="1" dirty="0"/>
-          </a:p>
-          <a:p>
-            <a:endParaRPr lang="en-US" sz="2800" b="1" dirty="0"/>
-          </a:p>
-          <a:p>
-            <a:endParaRPr lang="en-US" sz="2800" b="1" dirty="0"/>
-          </a:p>
-          <a:p>
-            <a:endParaRPr lang="en-US" sz="2800" b="1" dirty="0"/>
+            <a:endParaRPr lang="en-US" sz="2800" b="1" dirty="0">
+              <a:solidFill>
+                <a:schemeClr val="tx1"/>
+              </a:solidFill>
+            </a:endParaRPr>
+          </a:p>
+          <a:p>
+            <a:endParaRPr lang="en-US" sz="2800" b="1" dirty="0">
+              <a:solidFill>
+                <a:schemeClr val="tx1"/>
+              </a:solidFill>
+            </a:endParaRPr>
+          </a:p>
+          <a:p>
+            <a:endParaRPr lang="en-US" sz="2800" b="1" dirty="0">
+              <a:solidFill>
+                <a:schemeClr val="tx1"/>
+              </a:solidFill>
+            </a:endParaRPr>
+          </a:p>
+          <a:p>
+            <a:endParaRPr lang="en-US" sz="2800" b="1" dirty="0">
+              <a:solidFill>
+                <a:schemeClr val="tx1"/>
+              </a:solidFill>
+            </a:endParaRPr>
+          </a:p>
+          <a:p>
+            <a:endParaRPr lang="en-US" sz="2800" b="1" dirty="0">
+              <a:solidFill>
+                <a:schemeClr val="tx1"/>
+              </a:solidFill>
+            </a:endParaRPr>
+          </a:p>
+          <a:p>
+            <a:endParaRPr lang="en-US" sz="2800" b="1" dirty="0">
+              <a:solidFill>
+                <a:schemeClr val="tx1"/>
+              </a:solidFill>
+            </a:endParaRPr>
           </a:p>
           <a:p>
             <a:r>
-              <a:rPr lang="en-US" sz="2800" b="1" dirty="0"/>
+              <a:rPr lang="en-US" sz="2800" b="1" dirty="0">
+                <a:solidFill>
+                  <a:schemeClr val="tx1"/>
+                </a:solidFill>
+              </a:rPr>
               <a:t>DATA</a:t>
             </a:r>
           </a:p>
           <a:p>
-            <a:endParaRPr lang="en-US" sz="2800" b="1" dirty="0"/>
-          </a:p>
-          <a:p>
-            <a:endParaRPr lang="en-US" sz="2800" b="1" dirty="0"/>
+            <a:endParaRPr lang="en-US" sz="2800" b="1" dirty="0">
+              <a:solidFill>
+                <a:schemeClr val="tx1"/>
+              </a:solidFill>
+            </a:endParaRPr>
+          </a:p>
+          <a:p>
+            <a:endParaRPr lang="en-US" sz="2800" b="1" dirty="0">
+              <a:solidFill>
+                <a:schemeClr val="tx1"/>
+              </a:solidFill>
+            </a:endParaRPr>
           </a:p>
         </p:txBody>
       </p:sp>
